--- a/slides/eeke2020_intro.pptx
+++ b/slides/eeke2020_intro.pptx
@@ -5,24 +5,25 @@
     <p:sldMasterId id="2147483649" r:id="rId1"/>
   </p:sldMasterIdLst>
   <p:notesMasterIdLst>
-    <p:notesMasterId r:id="rId14"/>
+    <p:notesMasterId r:id="rId15"/>
   </p:notesMasterIdLst>
   <p:handoutMasterIdLst>
-    <p:handoutMasterId r:id="rId15"/>
+    <p:handoutMasterId r:id="rId16"/>
   </p:handoutMasterIdLst>
   <p:sldIdLst>
     <p:sldId id="600" r:id="rId2"/>
     <p:sldId id="986" r:id="rId3"/>
     <p:sldId id="1025" r:id="rId4"/>
-    <p:sldId id="1022" r:id="rId5"/>
-    <p:sldId id="1028" r:id="rId6"/>
-    <p:sldId id="1029" r:id="rId7"/>
-    <p:sldId id="1030" r:id="rId8"/>
-    <p:sldId id="1006" r:id="rId9"/>
-    <p:sldId id="1024" r:id="rId10"/>
-    <p:sldId id="1026" r:id="rId11"/>
-    <p:sldId id="1027" r:id="rId12"/>
-    <p:sldId id="955" r:id="rId13"/>
+    <p:sldId id="1031" r:id="rId5"/>
+    <p:sldId id="1022" r:id="rId6"/>
+    <p:sldId id="1028" r:id="rId7"/>
+    <p:sldId id="1029" r:id="rId8"/>
+    <p:sldId id="1030" r:id="rId9"/>
+    <p:sldId id="1006" r:id="rId10"/>
+    <p:sldId id="1024" r:id="rId11"/>
+    <p:sldId id="1026" r:id="rId12"/>
+    <p:sldId id="1027" r:id="rId13"/>
+    <p:sldId id="955" r:id="rId14"/>
   </p:sldIdLst>
   <p:sldSz cx="9144000" cy="6858000" type="screen4x3"/>
   <p:notesSz cx="6669088" cy="9928225"/>
@@ -153,7 +154,7 @@
   </p:defaultTextStyle>
   <p:extLst>
     <p:ext uri="{EFAFB233-063F-42B5-8137-9DF3F51BA10A}">
-      <p15:sldGuideLst xmlns:p15="http://schemas.microsoft.com/office/powerpoint/2012/main" xmlns="">
+      <p15:sldGuideLst xmlns:p15="http://schemas.microsoft.com/office/powerpoint/2012/main">
         <p15:guide id="1" orient="horz" pos="2160">
           <p15:clr>
             <a:srgbClr val="A4A3A4"/>
@@ -167,7 +168,7 @@
       </p15:sldGuideLst>
     </p:ext>
     <p:ext uri="{2D200454-40CA-4A62-9FC3-DE9A4176ACB9}">
-      <p15:notesGuideLst xmlns:p15="http://schemas.microsoft.com/office/powerpoint/2012/main" xmlns="">
+      <p15:notesGuideLst xmlns:p15="http://schemas.microsoft.com/office/powerpoint/2012/main">
         <p15:guide id="1" orient="horz" pos="3127">
           <p15:clr>
             <a:srgbClr val="A4A3A4"/>
@@ -421,7 +422,7 @@
               <a:pPr>
                 <a:defRPr/>
               </a:pPr>
-              <a:t>‹Nr.›</a:t>
+              <a:t>‹#›</a:t>
             </a:fld>
             <a:endParaRPr lang="fr-FR"/>
           </a:p>
@@ -787,7 +788,7 @@
               <a:pPr>
                 <a:defRPr/>
               </a:pPr>
-              <a:t>‹Nr.›</a:t>
+              <a:t>‹#›</a:t>
             </a:fld>
             <a:endParaRPr lang="fr-FR"/>
           </a:p>
@@ -1164,6 +1165,11 @@
         </p:txBody>
       </p:sp>
     </p:spTree>
+    <p:extLst>
+      <p:ext uri="{BB962C8B-B14F-4D97-AF65-F5344CB8AC3E}">
+        <p14:creationId xmlns:p14="http://schemas.microsoft.com/office/powerpoint/2010/main" val="3491708534"/>
+      </p:ext>
+    </p:extLst>
   </p:cSld>
   <p:clrMapOvr>
     <a:masterClrMapping/>
@@ -1172,6 +1178,492 @@
 </file>
 
 <file path=ppt/notesSlides/notesSlide10.xml><?xml version="1.0" encoding="utf-8"?>
+<p:notes xmlns:a="http://schemas.openxmlformats.org/drawingml/2006/main" xmlns:r="http://schemas.openxmlformats.org/officeDocument/2006/relationships" xmlns:p="http://schemas.openxmlformats.org/presentationml/2006/main">
+  <p:cSld>
+    <p:spTree>
+      <p:nvGrpSpPr>
+        <p:cNvPr id="1" name=""/>
+        <p:cNvGrpSpPr/>
+        <p:nvPr/>
+      </p:nvGrpSpPr>
+      <p:grpSpPr>
+        <a:xfrm>
+          <a:off x="0" y="0"/>
+          <a:ext cx="0" cy="0"/>
+          <a:chOff x="0" y="0"/>
+          <a:chExt cx="0" cy="0"/>
+        </a:xfrm>
+      </p:grpSpPr>
+      <p:sp>
+        <p:nvSpPr>
+          <p:cNvPr id="18433" name="Rectangle 7"/>
+          <p:cNvSpPr>
+            <a:spLocks noGrp="1" noChangeArrowheads="1"/>
+          </p:cNvSpPr>
+          <p:nvPr>
+            <p:ph type="sldNum" sz="quarter" idx="5"/>
+          </p:nvPr>
+        </p:nvSpPr>
+        <p:spPr>
+          <a:noFill/>
+          <a:ln/>
+          <a:extLst>
+            <a:ext uri="{909E8E84-426E-40DD-AFC4-6F175D3DCCD1}">
+              <a14:hiddenFill xmlns:a14="http://schemas.microsoft.com/office/drawing/2010/main">
+                <a:solidFill>
+                  <a:srgbClr val="FFFFFF"/>
+                </a:solidFill>
+              </a14:hiddenFill>
+            </a:ext>
+            <a:ext uri="{91240B29-F687-4F45-9708-019B960494DF}">
+              <a14:hiddenLine xmlns:a14="http://schemas.microsoft.com/office/drawing/2010/main" w="9525">
+                <a:solidFill>
+                  <a:srgbClr val="000000"/>
+                </a:solidFill>
+                <a:miter lim="800000"/>
+                <a:headEnd/>
+                <a:tailEnd/>
+              </a14:hiddenLine>
+            </a:ext>
+          </a:extLst>
+        </p:spPr>
+        <p:txBody>
+          <a:bodyPr/>
+          <a:lstStyle>
+            <a:lvl1pPr defTabSz="952500" eaLnBrk="0" hangingPunct="0">
+              <a:defRPr sz="2400">
+                <a:solidFill>
+                  <a:schemeClr val="tx1"/>
+                </a:solidFill>
+                <a:latin typeface="Calibri" charset="0"/>
+                <a:ea typeface="ＭＳ Ｐゴシック" charset="0"/>
+                <a:cs typeface="ＭＳ Ｐゴシック" charset="0"/>
+              </a:defRPr>
+            </a:lvl1pPr>
+            <a:lvl2pPr marL="742950" indent="-285750" defTabSz="952500" eaLnBrk="0" hangingPunct="0">
+              <a:defRPr sz="2400">
+                <a:solidFill>
+                  <a:schemeClr val="tx1"/>
+                </a:solidFill>
+                <a:latin typeface="Calibri" charset="0"/>
+                <a:ea typeface="ＭＳ Ｐゴシック" charset="0"/>
+              </a:defRPr>
+            </a:lvl2pPr>
+            <a:lvl3pPr marL="1143000" indent="-228600" defTabSz="952500" eaLnBrk="0" hangingPunct="0">
+              <a:defRPr sz="2400">
+                <a:solidFill>
+                  <a:schemeClr val="tx1"/>
+                </a:solidFill>
+                <a:latin typeface="Calibri" charset="0"/>
+                <a:ea typeface="ＭＳ Ｐゴシック" charset="0"/>
+              </a:defRPr>
+            </a:lvl3pPr>
+            <a:lvl4pPr marL="1600200" indent="-228600" defTabSz="952500" eaLnBrk="0" hangingPunct="0">
+              <a:defRPr sz="2400">
+                <a:solidFill>
+                  <a:schemeClr val="tx1"/>
+                </a:solidFill>
+                <a:latin typeface="Calibri" charset="0"/>
+                <a:ea typeface="ＭＳ Ｐゴシック" charset="0"/>
+              </a:defRPr>
+            </a:lvl4pPr>
+            <a:lvl5pPr marL="2057400" indent="-228600" defTabSz="952500" eaLnBrk="0" hangingPunct="0">
+              <a:defRPr sz="2400">
+                <a:solidFill>
+                  <a:schemeClr val="tx1"/>
+                </a:solidFill>
+                <a:latin typeface="Calibri" charset="0"/>
+                <a:ea typeface="ＭＳ Ｐゴシック" charset="0"/>
+              </a:defRPr>
+            </a:lvl5pPr>
+            <a:lvl6pPr marL="2514600" indent="-228600" algn="ctr" defTabSz="952500" eaLnBrk="0" fontAlgn="base" hangingPunct="0">
+              <a:spcBef>
+                <a:spcPct val="50000"/>
+              </a:spcBef>
+              <a:spcAft>
+                <a:spcPct val="0"/>
+              </a:spcAft>
+              <a:defRPr sz="2400">
+                <a:solidFill>
+                  <a:schemeClr val="tx1"/>
+                </a:solidFill>
+                <a:latin typeface="Calibri" charset="0"/>
+                <a:ea typeface="ＭＳ Ｐゴシック" charset="0"/>
+              </a:defRPr>
+            </a:lvl6pPr>
+            <a:lvl7pPr marL="2971800" indent="-228600" algn="ctr" defTabSz="952500" eaLnBrk="0" fontAlgn="base" hangingPunct="0">
+              <a:spcBef>
+                <a:spcPct val="50000"/>
+              </a:spcBef>
+              <a:spcAft>
+                <a:spcPct val="0"/>
+              </a:spcAft>
+              <a:defRPr sz="2400">
+                <a:solidFill>
+                  <a:schemeClr val="tx1"/>
+                </a:solidFill>
+                <a:latin typeface="Calibri" charset="0"/>
+                <a:ea typeface="ＭＳ Ｐゴシック" charset="0"/>
+              </a:defRPr>
+            </a:lvl7pPr>
+            <a:lvl8pPr marL="3429000" indent="-228600" algn="ctr" defTabSz="952500" eaLnBrk="0" fontAlgn="base" hangingPunct="0">
+              <a:spcBef>
+                <a:spcPct val="50000"/>
+              </a:spcBef>
+              <a:spcAft>
+                <a:spcPct val="0"/>
+              </a:spcAft>
+              <a:defRPr sz="2400">
+                <a:solidFill>
+                  <a:schemeClr val="tx1"/>
+                </a:solidFill>
+                <a:latin typeface="Calibri" charset="0"/>
+                <a:ea typeface="ＭＳ Ｐゴシック" charset="0"/>
+              </a:defRPr>
+            </a:lvl8pPr>
+            <a:lvl9pPr marL="3886200" indent="-228600" algn="ctr" defTabSz="952500" eaLnBrk="0" fontAlgn="base" hangingPunct="0">
+              <a:spcBef>
+                <a:spcPct val="50000"/>
+              </a:spcBef>
+              <a:spcAft>
+                <a:spcPct val="0"/>
+              </a:spcAft>
+              <a:defRPr sz="2400">
+                <a:solidFill>
+                  <a:schemeClr val="tx1"/>
+                </a:solidFill>
+                <a:latin typeface="Calibri" charset="0"/>
+                <a:ea typeface="ＭＳ Ｐゴシック" charset="0"/>
+              </a:defRPr>
+            </a:lvl9pPr>
+          </a:lstStyle>
+          <a:p>
+            <a:pPr eaLnBrk="1" hangingPunct="1"/>
+            <a:fld id="{981BEAC7-1393-AD4B-AB83-A753287A20D7}" type="slidenum">
+              <a:rPr lang="fr-FR" sz="1300">
+                <a:latin typeface="Arial" charset="0"/>
+              </a:rPr>
+              <a:pPr eaLnBrk="1" hangingPunct="1"/>
+              <a:t>10</a:t>
+            </a:fld>
+            <a:endParaRPr lang="fr-FR" sz="1300">
+              <a:latin typeface="Arial" charset="0"/>
+            </a:endParaRPr>
+          </a:p>
+        </p:txBody>
+      </p:sp>
+      <p:sp>
+        <p:nvSpPr>
+          <p:cNvPr id="18434" name="Rectangle 2"/>
+          <p:cNvSpPr>
+            <a:spLocks noGrp="1" noRot="1" noChangeAspect="1" noChangeArrowheads="1" noTextEdit="1"/>
+          </p:cNvSpPr>
+          <p:nvPr>
+            <p:ph type="sldImg"/>
+          </p:nvPr>
+        </p:nvSpPr>
+        <p:spPr>
+          <a:ln/>
+        </p:spPr>
+      </p:sp>
+      <p:sp>
+        <p:nvSpPr>
+          <p:cNvPr id="18435" name="Rectangle 3"/>
+          <p:cNvSpPr>
+            <a:spLocks noGrp="1" noChangeArrowheads="1"/>
+          </p:cNvSpPr>
+          <p:nvPr>
+            <p:ph type="body" idx="1"/>
+          </p:nvPr>
+        </p:nvSpPr>
+        <p:spPr>
+          <a:noFill/>
+          <a:ln/>
+          <a:extLst>
+            <a:ext uri="{909E8E84-426E-40DD-AFC4-6F175D3DCCD1}">
+              <a14:hiddenFill xmlns:a14="http://schemas.microsoft.com/office/drawing/2010/main">
+                <a:solidFill>
+                  <a:srgbClr val="FFFFFF"/>
+                </a:solidFill>
+              </a14:hiddenFill>
+            </a:ext>
+            <a:ext uri="{91240B29-F687-4F45-9708-019B960494DF}">
+              <a14:hiddenLine xmlns:a14="http://schemas.microsoft.com/office/drawing/2010/main" w="9525">
+                <a:solidFill>
+                  <a:srgbClr val="000000"/>
+                </a:solidFill>
+                <a:miter lim="800000"/>
+                <a:headEnd/>
+                <a:tailEnd/>
+              </a14:hiddenLine>
+            </a:ext>
+            <a:ext uri="{FAA26D3D-D897-4be2-8F04-BA451C77F1D7}">
+              <ma14:placeholderFlag xmlns="" xmlns:ma14="http://schemas.microsoft.com/office/mac/drawingml/2011/main" val="1"/>
+            </a:ext>
+          </a:extLst>
+        </p:spPr>
+        <p:txBody>
+          <a:bodyPr/>
+          <a:lstStyle/>
+          <a:p>
+            <a:pPr marL="171450" indent="-171450" eaLnBrk="1" hangingPunct="1">
+              <a:buFont typeface="Arial" panose="020B0604020202020204" pitchFamily="34" charset="0"/>
+              <a:buChar char="•"/>
+            </a:pPr>
+            <a:r>
+              <a:rPr lang="en-US" dirty="0" smtClean="0"/>
+              <a:t>Markus Stocker is </a:t>
+            </a:r>
+            <a:r>
+              <a:rPr lang="en-US" b="1" dirty="0" smtClean="0"/>
+              <a:t>Head of the Knowledge Infrastructures </a:t>
+            </a:r>
+            <a:r>
+              <a:rPr lang="en-US" dirty="0" smtClean="0"/>
+              <a:t>research group at the </a:t>
+            </a:r>
+            <a:r>
+              <a:rPr lang="en-US" b="1" dirty="0" smtClean="0"/>
+              <a:t>TIB Leibniz Information Centre for Science and Technology</a:t>
+            </a:r>
+            <a:r>
+              <a:rPr lang="en-US" dirty="0" smtClean="0"/>
+              <a:t> (Germany) and co-lead of the Open Research Knowledge Graph project. </a:t>
+            </a:r>
+          </a:p>
+          <a:p>
+            <a:pPr marL="171450" indent="-171450" eaLnBrk="1" hangingPunct="1">
+              <a:buFont typeface="Arial" panose="020B0604020202020204" pitchFamily="34" charset="0"/>
+              <a:buChar char="•"/>
+            </a:pPr>
+            <a:r>
+              <a:rPr lang="en-US" dirty="0" smtClean="0"/>
+              <a:t>He holds a </a:t>
+            </a:r>
+            <a:r>
+              <a:rPr lang="en-US" b="1" dirty="0" smtClean="0"/>
+              <a:t>PhD in Environmental Informatics </a:t>
+            </a:r>
+            <a:r>
+              <a:rPr lang="en-US" dirty="0" smtClean="0"/>
+              <a:t>from the University of Eastern Finland; a MSc in Environmental Science from the University of Eastern Finland; and a Diploma (MSc) in Informatics from the University of Zurich, Switzerland. </a:t>
+            </a:r>
+          </a:p>
+          <a:p>
+            <a:pPr marL="171450" indent="-171450" eaLnBrk="1" hangingPunct="1">
+              <a:buFont typeface="Arial" panose="020B0604020202020204" pitchFamily="34" charset="0"/>
+              <a:buChar char="•"/>
+            </a:pPr>
+            <a:r>
+              <a:rPr lang="en-US" dirty="0" smtClean="0"/>
+              <a:t>Research interests lie at the intersection between </a:t>
+            </a:r>
+            <a:r>
+              <a:rPr lang="en-US" b="1" dirty="0" smtClean="0"/>
+              <a:t>research infrastructures and research communities</a:t>
+            </a:r>
+            <a:r>
+              <a:rPr lang="en-US" dirty="0" smtClean="0"/>
+              <a:t>, and how such knowledge infrastructures acquire, maintain, and share scholarly knowledge about human and natural worlds.</a:t>
+            </a:r>
+            <a:endParaRPr lang="en-US" dirty="0"/>
+          </a:p>
+        </p:txBody>
+      </p:sp>
+    </p:spTree>
+    <p:extLst>
+      <p:ext uri="{BB962C8B-B14F-4D97-AF65-F5344CB8AC3E}">
+        <p14:creationId xmlns:p14="http://schemas.microsoft.com/office/powerpoint/2010/main" val="1345786528"/>
+      </p:ext>
+    </p:extLst>
+  </p:cSld>
+  <p:clrMapOvr>
+    <a:masterClrMapping/>
+  </p:clrMapOvr>
+</p:notes>
+</file>
+
+<file path=ppt/notesSlides/notesSlide11.xml><?xml version="1.0" encoding="utf-8"?>
+<p:notes xmlns:a="http://schemas.openxmlformats.org/drawingml/2006/main" xmlns:r="http://schemas.openxmlformats.org/officeDocument/2006/relationships" xmlns:p="http://schemas.openxmlformats.org/presentationml/2006/main">
+  <p:cSld>
+    <p:spTree>
+      <p:nvGrpSpPr>
+        <p:cNvPr id="1" name=""/>
+        <p:cNvGrpSpPr/>
+        <p:nvPr/>
+      </p:nvGrpSpPr>
+      <p:grpSpPr>
+        <a:xfrm>
+          <a:off x="0" y="0"/>
+          <a:ext cx="0" cy="0"/>
+          <a:chOff x="0" y="0"/>
+          <a:chExt cx="0" cy="0"/>
+        </a:xfrm>
+      </p:grpSpPr>
+      <p:sp>
+        <p:nvSpPr>
+          <p:cNvPr id="2" name="幻灯片图像占位符 1"/>
+          <p:cNvSpPr>
+            <a:spLocks noGrp="1" noRot="1" noChangeAspect="1"/>
+          </p:cNvSpPr>
+          <p:nvPr>
+            <p:ph type="sldImg"/>
+          </p:nvPr>
+        </p:nvSpPr>
+        <p:spPr/>
+      </p:sp>
+      <p:sp>
+        <p:nvSpPr>
+          <p:cNvPr id="3" name="备注占位符 2"/>
+          <p:cNvSpPr>
+            <a:spLocks noGrp="1"/>
+          </p:cNvSpPr>
+          <p:nvPr>
+            <p:ph type="body" idx="1"/>
+          </p:nvPr>
+        </p:nvSpPr>
+        <p:spPr/>
+        <p:txBody>
+          <a:bodyPr/>
+          <a:lstStyle/>
+          <a:p>
+            <a:endParaRPr lang="zh-CN" altLang="en-US" dirty="0"/>
+          </a:p>
+        </p:txBody>
+      </p:sp>
+      <p:sp>
+        <p:nvSpPr>
+          <p:cNvPr id="4" name="灯片编号占位符 3"/>
+          <p:cNvSpPr>
+            <a:spLocks noGrp="1"/>
+          </p:cNvSpPr>
+          <p:nvPr>
+            <p:ph type="sldNum" sz="quarter" idx="10"/>
+          </p:nvPr>
+        </p:nvSpPr>
+        <p:spPr/>
+        <p:txBody>
+          <a:bodyPr/>
+          <a:lstStyle/>
+          <a:p>
+            <a:pPr>
+              <a:defRPr/>
+            </a:pPr>
+            <a:fld id="{95125566-4E7C-A24B-BF7C-B39DB6D8F360}" type="slidenum">
+              <a:rPr lang="fr-FR" smtClean="0"/>
+              <a:pPr>
+                <a:defRPr/>
+              </a:pPr>
+              <a:t>11</a:t>
+            </a:fld>
+            <a:endParaRPr lang="fr-FR"/>
+          </a:p>
+        </p:txBody>
+      </p:sp>
+    </p:spTree>
+    <p:extLst>
+      <p:ext uri="{BB962C8B-B14F-4D97-AF65-F5344CB8AC3E}">
+        <p14:creationId xmlns:p14="http://schemas.microsoft.com/office/powerpoint/2010/main" val="90700649"/>
+      </p:ext>
+    </p:extLst>
+  </p:cSld>
+  <p:clrMapOvr>
+    <a:masterClrMapping/>
+  </p:clrMapOvr>
+</p:notes>
+</file>
+
+<file path=ppt/notesSlides/notesSlide12.xml><?xml version="1.0" encoding="utf-8"?>
+<p:notes xmlns:a="http://schemas.openxmlformats.org/drawingml/2006/main" xmlns:r="http://schemas.openxmlformats.org/officeDocument/2006/relationships" xmlns:p="http://schemas.openxmlformats.org/presentationml/2006/main">
+  <p:cSld>
+    <p:spTree>
+      <p:nvGrpSpPr>
+        <p:cNvPr id="1" name=""/>
+        <p:cNvGrpSpPr/>
+        <p:nvPr/>
+      </p:nvGrpSpPr>
+      <p:grpSpPr>
+        <a:xfrm>
+          <a:off x="0" y="0"/>
+          <a:ext cx="0" cy="0"/>
+          <a:chOff x="0" y="0"/>
+          <a:chExt cx="0" cy="0"/>
+        </a:xfrm>
+      </p:grpSpPr>
+      <p:sp>
+        <p:nvSpPr>
+          <p:cNvPr id="2" name="幻灯片图像占位符 1"/>
+          <p:cNvSpPr>
+            <a:spLocks noGrp="1" noRot="1" noChangeAspect="1"/>
+          </p:cNvSpPr>
+          <p:nvPr>
+            <p:ph type="sldImg"/>
+          </p:nvPr>
+        </p:nvSpPr>
+        <p:spPr/>
+      </p:sp>
+      <p:sp>
+        <p:nvSpPr>
+          <p:cNvPr id="3" name="备注占位符 2"/>
+          <p:cNvSpPr>
+            <a:spLocks noGrp="1"/>
+          </p:cNvSpPr>
+          <p:nvPr>
+            <p:ph type="body" idx="1"/>
+          </p:nvPr>
+        </p:nvSpPr>
+        <p:spPr/>
+        <p:txBody>
+          <a:bodyPr/>
+          <a:lstStyle/>
+          <a:p>
+            <a:endParaRPr lang="zh-CN" altLang="en-US" dirty="0"/>
+          </a:p>
+        </p:txBody>
+      </p:sp>
+      <p:sp>
+        <p:nvSpPr>
+          <p:cNvPr id="4" name="灯片编号占位符 3"/>
+          <p:cNvSpPr>
+            <a:spLocks noGrp="1"/>
+          </p:cNvSpPr>
+          <p:nvPr>
+            <p:ph type="sldNum" sz="quarter" idx="10"/>
+          </p:nvPr>
+        </p:nvSpPr>
+        <p:spPr/>
+        <p:txBody>
+          <a:bodyPr/>
+          <a:lstStyle/>
+          <a:p>
+            <a:pPr>
+              <a:defRPr/>
+            </a:pPr>
+            <a:fld id="{95125566-4E7C-A24B-BF7C-B39DB6D8F360}" type="slidenum">
+              <a:rPr lang="fr-FR" smtClean="0"/>
+              <a:pPr>
+                <a:defRPr/>
+              </a:pPr>
+              <a:t>12</a:t>
+            </a:fld>
+            <a:endParaRPr lang="fr-FR"/>
+          </a:p>
+        </p:txBody>
+      </p:sp>
+    </p:spTree>
+    <p:extLst>
+      <p:ext uri="{BB962C8B-B14F-4D97-AF65-F5344CB8AC3E}">
+        <p14:creationId xmlns:p14="http://schemas.microsoft.com/office/powerpoint/2010/main" val="1721082384"/>
+      </p:ext>
+    </p:extLst>
+  </p:cSld>
+  <p:clrMapOvr>
+    <a:masterClrMapping/>
+  </p:clrMapOvr>
+</p:notes>
+</file>
+
+<file path=ppt/notesSlides/notesSlide13.xml><?xml version="1.0" encoding="utf-8"?>
 <p:notes xmlns:a="http://schemas.openxmlformats.org/drawingml/2006/main" xmlns:r="http://schemas.openxmlformats.org/officeDocument/2006/relationships" xmlns:p="http://schemas.openxmlformats.org/presentationml/2006/main">
   <p:cSld>
     <p:spTree>
@@ -1338,7 +1830,7 @@
                 <a:latin typeface="Arial" charset="0"/>
               </a:rPr>
               <a:pPr eaLnBrk="1" hangingPunct="1"/>
-              <a:t>12</a:t>
+              <a:t>13</a:t>
             </a:fld>
             <a:endParaRPr lang="fr-FR" sz="1300">
               <a:latin typeface="Arial" charset="0"/>
@@ -1405,6 +1897,11 @@
         </p:txBody>
       </p:sp>
     </p:spTree>
+    <p:extLst>
+      <p:ext uri="{BB962C8B-B14F-4D97-AF65-F5344CB8AC3E}">
+        <p14:creationId xmlns:p14="http://schemas.microsoft.com/office/powerpoint/2010/main" val="2683220917"/>
+      </p:ext>
+    </p:extLst>
   </p:cSld>
   <p:clrMapOvr>
     <a:masterClrMapping/>
@@ -1642,11 +2139,16 @@
           <a:lstStyle/>
           <a:p>
             <a:pPr eaLnBrk="1" hangingPunct="1"/>
-            <a:endParaRPr lang="en-US"/>
+            <a:endParaRPr lang="en-US" dirty="0"/>
           </a:p>
         </p:txBody>
       </p:sp>
     </p:spTree>
+    <p:extLst>
+      <p:ext uri="{BB962C8B-B14F-4D97-AF65-F5344CB8AC3E}">
+        <p14:creationId xmlns:p14="http://schemas.microsoft.com/office/powerpoint/2010/main" val="1602067394"/>
+      </p:ext>
+    </p:extLst>
   </p:cSld>
   <p:clrMapOvr>
     <a:masterClrMapping/>
@@ -1884,11 +2386,16 @@
           <a:lstStyle/>
           <a:p>
             <a:pPr eaLnBrk="1" hangingPunct="1"/>
-            <a:endParaRPr lang="en-US"/>
+            <a:endParaRPr lang="en-US" dirty="0"/>
           </a:p>
         </p:txBody>
       </p:sp>
     </p:spTree>
+    <p:extLst>
+      <p:ext uri="{BB962C8B-B14F-4D97-AF65-F5344CB8AC3E}">
+        <p14:creationId xmlns:p14="http://schemas.microsoft.com/office/powerpoint/2010/main" val="4052909409"/>
+      </p:ext>
+    </p:extLst>
   </p:cSld>
   <p:clrMapOvr>
     <a:masterClrMapping/>
@@ -2126,14 +2633,14 @@
           <a:lstStyle/>
           <a:p>
             <a:pPr eaLnBrk="1" hangingPunct="1"/>
-            <a:endParaRPr lang="en-US"/>
+            <a:endParaRPr lang="en-US" dirty="0"/>
           </a:p>
         </p:txBody>
       </p:sp>
     </p:spTree>
     <p:extLst>
       <p:ext uri="{BB962C8B-B14F-4D97-AF65-F5344CB8AC3E}">
-        <p14:creationId xmlns:p14="http://schemas.microsoft.com/office/powerpoint/2010/main" val="1350717069"/>
+        <p14:creationId xmlns:p14="http://schemas.microsoft.com/office/powerpoint/2010/main" val="2392192885"/>
       </p:ext>
     </p:extLst>
   </p:cSld>
@@ -3121,7 +3628,7 @@
     </p:spTree>
     <p:extLst>
       <p:ext uri="{BB962C8B-B14F-4D97-AF65-F5344CB8AC3E}">
-        <p14:creationId xmlns:p14="http://schemas.microsoft.com/office/powerpoint/2010/main" val="1345786528"/>
+        <p14:creationId xmlns:p14="http://schemas.microsoft.com/office/powerpoint/2010/main" val="1350717069"/>
       </p:ext>
     </p:extLst>
   </p:cSld>
@@ -3360,67 +3867,8 @@
           <a:bodyPr/>
           <a:lstStyle/>
           <a:p>
-            <a:pPr marL="171450" indent="-171450" eaLnBrk="1" hangingPunct="1">
-              <a:buFont typeface="Arial" panose="020B0604020202020204" pitchFamily="34" charset="0"/>
-              <a:buChar char="•"/>
-            </a:pPr>
-            <a:r>
-              <a:rPr lang="en-US" dirty="0" smtClean="0"/>
-              <a:t>Markus Stocker is </a:t>
-            </a:r>
-            <a:r>
-              <a:rPr lang="en-US" b="1" dirty="0" smtClean="0"/>
-              <a:t>Head of the Knowledge Infrastructures </a:t>
-            </a:r>
-            <a:r>
-              <a:rPr lang="en-US" dirty="0" smtClean="0"/>
-              <a:t>research group at the </a:t>
-            </a:r>
-            <a:r>
-              <a:rPr lang="en-US" b="1" dirty="0" smtClean="0"/>
-              <a:t>TIB Leibniz Information Centre for Science and Technology</a:t>
-            </a:r>
-            <a:r>
-              <a:rPr lang="en-US" dirty="0" smtClean="0"/>
-              <a:t> (Germany) and co-lead of the Open Research Knowledge Graph project. </a:t>
-            </a:r>
-          </a:p>
-          <a:p>
-            <a:pPr marL="171450" indent="-171450" eaLnBrk="1" hangingPunct="1">
-              <a:buFont typeface="Arial" panose="020B0604020202020204" pitchFamily="34" charset="0"/>
-              <a:buChar char="•"/>
-            </a:pPr>
-            <a:r>
-              <a:rPr lang="en-US" dirty="0" smtClean="0"/>
-              <a:t>He holds a </a:t>
-            </a:r>
-            <a:r>
-              <a:rPr lang="en-US" b="1" dirty="0" smtClean="0"/>
-              <a:t>PhD in Environmental Informatics </a:t>
-            </a:r>
-            <a:r>
-              <a:rPr lang="en-US" dirty="0" smtClean="0"/>
-              <a:t>from the University of Eastern Finland; a MSc in Environmental Science from the University of Eastern Finland; and a Diploma (MSc) in Informatics from the University of Zurich, Switzerland. </a:t>
-            </a:r>
-          </a:p>
-          <a:p>
-            <a:pPr marL="171450" indent="-171450" eaLnBrk="1" hangingPunct="1">
-              <a:buFont typeface="Arial" panose="020B0604020202020204" pitchFamily="34" charset="0"/>
-              <a:buChar char="•"/>
-            </a:pPr>
-            <a:r>
-              <a:rPr lang="en-US" dirty="0" smtClean="0"/>
-              <a:t>Research interests lie at the intersection between </a:t>
-            </a:r>
-            <a:r>
-              <a:rPr lang="en-US" b="1" dirty="0" smtClean="0"/>
-              <a:t>research infrastructures and research communities</a:t>
-            </a:r>
-            <a:r>
-              <a:rPr lang="en-US" dirty="0" smtClean="0"/>
-              <a:t>, and how such knowledge infrastructures acquire, maintain, and share scholarly knowledge about human and natural worlds.</a:t>
-            </a:r>
-            <a:endParaRPr lang="en-US" dirty="0"/>
+            <a:pPr eaLnBrk="1" hangingPunct="1"/>
+            <a:endParaRPr lang="en-US"/>
           </a:p>
         </p:txBody>
       </p:sp>
@@ -4248,7 +4696,7 @@
               <a:pPr>
                 <a:defRPr/>
               </a:pPr>
-              <a:t>‹Nr.›</a:t>
+              <a:t>‹#›</a:t>
             </a:fld>
             <a:endParaRPr lang="fr-FR"/>
           </a:p>
@@ -4421,7 +4869,7 @@
               <a:pPr>
                 <a:defRPr/>
               </a:pPr>
-              <a:t>‹Nr.›</a:t>
+              <a:t>‹#›</a:t>
             </a:fld>
             <a:endParaRPr lang="fr-FR"/>
           </a:p>
@@ -4628,7 +5076,7 @@
               <a:pPr>
                 <a:defRPr/>
               </a:pPr>
-              <a:t>‹Nr.›</a:t>
+              <a:t>‹#›</a:t>
             </a:fld>
             <a:endParaRPr lang="fr-FR"/>
           </a:p>
@@ -4832,7 +5280,7 @@
               <a:pPr>
                 <a:defRPr/>
               </a:pPr>
-              <a:t>‹Nr.›</a:t>
+              <a:t>‹#›</a:t>
             </a:fld>
             <a:endParaRPr lang="fr-FR"/>
           </a:p>
@@ -5059,7 +5507,7 @@
               <a:pPr>
                 <a:defRPr/>
               </a:pPr>
-              <a:t>‹Nr.›</a:t>
+              <a:t>‹#›</a:t>
             </a:fld>
             <a:endParaRPr lang="fr-FR"/>
           </a:p>
@@ -5373,7 +5821,7 @@
               <a:pPr>
                 <a:defRPr/>
               </a:pPr>
-              <a:t>‹Nr.›</a:t>
+              <a:t>‹#›</a:t>
             </a:fld>
             <a:endParaRPr lang="fr-FR"/>
           </a:p>
@@ -5830,7 +6278,7 @@
               <a:pPr>
                 <a:defRPr/>
               </a:pPr>
-              <a:t>‹Nr.›</a:t>
+              <a:t>‹#›</a:t>
             </a:fld>
             <a:endParaRPr lang="fr-FR"/>
           </a:p>
@@ -5976,7 +6424,7 @@
               <a:pPr>
                 <a:defRPr/>
               </a:pPr>
-              <a:t>‹Nr.›</a:t>
+              <a:t>‹#›</a:t>
             </a:fld>
             <a:endParaRPr lang="fr-FR"/>
           </a:p>
@@ -6100,7 +6548,7 @@
               <a:pPr>
                 <a:defRPr/>
               </a:pPr>
-              <a:t>‹Nr.›</a:t>
+              <a:t>‹#›</a:t>
             </a:fld>
             <a:endParaRPr lang="fr-FR"/>
           </a:p>
@@ -6404,7 +6852,7 @@
               <a:pPr>
                 <a:defRPr/>
               </a:pPr>
-              <a:t>‹Nr.›</a:t>
+              <a:t>‹#›</a:t>
             </a:fld>
             <a:endParaRPr lang="fr-FR"/>
           </a:p>
@@ -6686,7 +7134,7 @@
               <a:pPr>
                 <a:defRPr/>
               </a:pPr>
-              <a:t>‹Nr.›</a:t>
+              <a:t>‹#›</a:t>
             </a:fld>
             <a:endParaRPr lang="fr-FR"/>
           </a:p>
@@ -6867,7 +7315,7 @@
               <a:pPr>
                 <a:defRPr/>
               </a:pPr>
-              <a:t>‹Nr.›</a:t>
+              <a:t>‹#›</a:t>
             </a:fld>
             <a:endParaRPr lang="fr-FR"/>
           </a:p>
@@ -8219,8 +8667,8 @@
         </p:nvSpPr>
         <p:spPr bwMode="auto">
           <a:xfrm>
-            <a:off x="1339850" y="163513"/>
-            <a:ext cx="7580313" cy="1200329"/>
+            <a:off x="949653" y="4416512"/>
+            <a:ext cx="6527310" cy="400110"/>
           </a:xfrm>
           <a:prstGeom prst="rect">
             <a:avLst/>
@@ -8250,7 +8698,7 @@
           </a:extLst>
         </p:spPr>
         <p:txBody>
-          <a:bodyPr>
+          <a:bodyPr wrap="square">
             <a:spAutoFit/>
           </a:bodyPr>
           <a:lstStyle>
@@ -8364,51 +8812,33 @@
           <a:p>
             <a:pPr algn="r" eaLnBrk="1" hangingPunct="1"/>
             <a:r>
-              <a:rPr lang="en-GB" sz="1800" dirty="0" err="1"/>
-              <a:t>Chengzhi</a:t>
-            </a:r>
-            <a:r>
-              <a:rPr lang="en-GB" sz="1800" dirty="0"/>
-              <a:t> </a:t>
-            </a:r>
-            <a:r>
-              <a:rPr lang="en-GB" sz="1800" dirty="0" smtClean="0"/>
+              <a:rPr lang="en-GB" sz="2000" dirty="0"/>
+              <a:t>Chengzhi </a:t>
+            </a:r>
+            <a:r>
+              <a:rPr lang="en-GB" sz="2000" dirty="0" smtClean="0"/>
               <a:t>Zhang</a:t>
             </a:r>
             <a:r>
-              <a:rPr lang="en-GB" sz="1800" dirty="0"/>
-              <a:t/>
-            </a:r>
-            <a:br>
-              <a:rPr lang="en-GB" sz="1800" dirty="0"/>
-            </a:br>
-            <a:r>
-              <a:rPr lang="en-GB" sz="1800" dirty="0" smtClean="0"/>
-              <a:t>Philipp Mayr</a:t>
-            </a:r>
-            <a:br>
-              <a:rPr lang="en-GB" sz="1800" dirty="0" smtClean="0"/>
-            </a:br>
-            <a:r>
-              <a:rPr lang="en-GB" sz="1800" dirty="0" smtClean="0"/>
-              <a:t>Wei Lu</a:t>
-            </a:r>
-            <a:r>
-              <a:rPr lang="en-GB" sz="1800" dirty="0"/>
-              <a:t/>
-            </a:r>
-            <a:br>
-              <a:rPr lang="en-GB" sz="1800" dirty="0"/>
-            </a:br>
-            <a:r>
-              <a:rPr lang="en-GB" sz="1800" dirty="0" smtClean="0"/>
-              <a:t>Yi </a:t>
-            </a:r>
-            <a:r>
-              <a:rPr lang="en-GB" sz="1800" dirty="0"/>
+              <a:rPr lang="en-US" sz="2000" dirty="0" smtClean="0"/>
+              <a:t>, </a:t>
+            </a:r>
+            <a:r>
+              <a:rPr lang="en-GB" sz="2000" dirty="0" smtClean="0"/>
+              <a:t>Philipp </a:t>
+            </a:r>
+            <a:r>
+              <a:rPr lang="en-GB" sz="2000" dirty="0" err="1" smtClean="0"/>
+              <a:t>Mayr</a:t>
+            </a:r>
+            <a:r>
+              <a:rPr lang="en-GB" sz="2000" dirty="0" smtClean="0"/>
+              <a:t>, Wei Lu, Yi </a:t>
+            </a:r>
+            <a:r>
+              <a:rPr lang="en-GB" sz="2000" dirty="0"/>
               <a:t>Zhang</a:t>
             </a:r>
-            <a:endParaRPr lang="en-GB" sz="1800" dirty="0"/>
           </a:p>
         </p:txBody>
       </p:sp>
@@ -8422,8 +8852,8 @@
         </p:nvSpPr>
         <p:spPr bwMode="auto">
           <a:xfrm>
-            <a:off x="0" y="2068742"/>
-            <a:ext cx="1689100" cy="215444"/>
+            <a:off x="0" y="1995169"/>
+            <a:ext cx="1689100" cy="276999"/>
           </a:xfrm>
           <a:prstGeom prst="rect">
             <a:avLst/>
@@ -8567,14 +8997,10 @@
           <a:p>
             <a:pPr eaLnBrk="1" hangingPunct="1"/>
             <a:r>
-              <a:rPr lang="en-GB" sz="1400" b="1" dirty="0" smtClean="0"/>
-              <a:t>August 1, </a:t>
-            </a:r>
-            <a:r>
-              <a:rPr lang="en-GB" sz="1400" b="1" dirty="0" smtClean="0"/>
-              <a:t>2020</a:t>
-            </a:r>
-            <a:endParaRPr lang="en-GB" sz="1400" b="1" dirty="0"/>
+              <a:rPr lang="en-GB" sz="1800" b="1" dirty="0" smtClean="0"/>
+              <a:t>August 1, 2020</a:t>
+            </a:r>
+            <a:endParaRPr lang="en-GB" sz="1800" b="1" dirty="0"/>
           </a:p>
         </p:txBody>
       </p:sp>
@@ -8586,7 +9012,7 @@
         </p:nvSpPr>
         <p:spPr>
           <a:xfrm>
-            <a:off x="1819275" y="4959192"/>
+            <a:off x="1965049" y="5396514"/>
             <a:ext cx="5734049" cy="461665"/>
           </a:xfrm>
           <a:prstGeom prst="rect">
@@ -8616,6 +9042,67 @@
           </a:p>
         </p:txBody>
       </p:sp>
+      <p:sp>
+        <p:nvSpPr>
+          <p:cNvPr id="2" name="矩形 1"/>
+          <p:cNvSpPr/>
+          <p:nvPr/>
+        </p:nvSpPr>
+        <p:spPr>
+          <a:xfrm>
+            <a:off x="3108742" y="6253844"/>
+            <a:ext cx="3663119" cy="461665"/>
+          </a:xfrm>
+          <a:prstGeom prst="rect">
+            <a:avLst/>
+          </a:prstGeom>
+        </p:spPr>
+        <p:txBody>
+          <a:bodyPr wrap="none">
+            <a:spAutoFit/>
+          </a:bodyPr>
+          <a:lstStyle/>
+          <a:p>
+            <a:r>
+              <a:rPr lang="zh-CN" altLang="en-US" sz="2400" dirty="0">
+                <a:hlinkClick r:id="rId3"/>
+              </a:rPr>
+              <a:t>https://eeke2020.github.io/</a:t>
+            </a:r>
+            <a:endParaRPr lang="zh-CN" altLang="en-US" sz="2400" dirty="0"/>
+          </a:p>
+        </p:txBody>
+      </p:sp>
+      <p:pic>
+        <p:nvPicPr>
+          <p:cNvPr id="3" name="图片 2"/>
+          <p:cNvPicPr>
+            <a:picLocks noChangeAspect="1"/>
+          </p:cNvPicPr>
+          <p:nvPr/>
+        </p:nvPicPr>
+        <p:blipFill>
+          <a:blip r:embed="rId4">
+            <a:extLst>
+              <a:ext uri="{28A0092B-C50C-407E-A947-70E740481C1C}">
+                <a14:useLocalDpi xmlns:a14="http://schemas.microsoft.com/office/drawing/2010/main" val="0"/>
+              </a:ext>
+            </a:extLst>
+          </a:blip>
+          <a:stretch>
+            <a:fillRect/>
+          </a:stretch>
+        </p:blipFill>
+        <p:spPr>
+          <a:xfrm>
+            <a:off x="5202621" y="128090"/>
+            <a:ext cx="3793019" cy="638721"/>
+          </a:xfrm>
+          <a:prstGeom prst="rect">
+            <a:avLst/>
+          </a:prstGeom>
+        </p:spPr>
+      </p:pic>
     </p:spTree>
   </p:cSld>
   <p:clrMapOvr>
@@ -8650,570 +9137,7 @@
       </p:grpSpPr>
       <p:sp>
         <p:nvSpPr>
-          <p:cNvPr id="2" name="Titel 1"/>
-          <p:cNvSpPr>
-            <a:spLocks noGrp="1"/>
-          </p:cNvSpPr>
-          <p:nvPr>
-            <p:ph type="title"/>
-          </p:nvPr>
-        </p:nvSpPr>
-        <p:spPr/>
-        <p:txBody>
-          <a:bodyPr/>
-          <a:lstStyle/>
-          <a:p>
-            <a:r>
-              <a:rPr lang="de-DE" sz="4000" dirty="0" smtClean="0"/>
-              <a:t>CEUR-WS </a:t>
-            </a:r>
-            <a:r>
-              <a:rPr lang="de-DE" sz="4000" dirty="0" err="1" smtClean="0"/>
-              <a:t>proceedings</a:t>
-            </a:r>
-            <a:endParaRPr lang="de-DE" sz="4000" dirty="0"/>
-          </a:p>
-        </p:txBody>
-      </p:sp>
-      <p:sp>
-        <p:nvSpPr>
-          <p:cNvPr id="3" name="Inhaltsplatzhalter 2"/>
-          <p:cNvSpPr>
-            <a:spLocks noGrp="1"/>
-          </p:cNvSpPr>
-          <p:nvPr>
-            <p:ph idx="1"/>
-          </p:nvPr>
-        </p:nvSpPr>
-        <p:spPr>
-          <a:xfrm>
-            <a:off x="457199" y="1480457"/>
-            <a:ext cx="8588829" cy="5236029"/>
-          </a:xfrm>
-        </p:spPr>
-        <p:txBody>
-          <a:bodyPr/>
-          <a:lstStyle/>
-          <a:p>
-            <a:pPr marL="0" indent="0">
-              <a:buNone/>
-            </a:pPr>
-            <a:r>
-              <a:rPr lang="de-DE" sz="2400" dirty="0" smtClean="0"/>
-              <a:t>EEKE </a:t>
-            </a:r>
-            <a:r>
-              <a:rPr lang="de-DE" sz="2400" dirty="0" err="1" smtClean="0"/>
-              <a:t>proceedings</a:t>
-            </a:r>
-            <a:r>
-              <a:rPr lang="de-DE" sz="2400" dirty="0" smtClean="0"/>
-              <a:t> </a:t>
-            </a:r>
-            <a:r>
-              <a:rPr lang="de-DE" sz="2400" dirty="0" err="1" smtClean="0"/>
-              <a:t>to</a:t>
-            </a:r>
-            <a:r>
-              <a:rPr lang="de-DE" sz="2400" dirty="0" smtClean="0"/>
-              <a:t> </a:t>
-            </a:r>
-            <a:r>
-              <a:rPr lang="de-DE" sz="2400" dirty="0" err="1" smtClean="0"/>
-              <a:t>be</a:t>
-            </a:r>
-            <a:r>
-              <a:rPr lang="de-DE" sz="2400" dirty="0" smtClean="0"/>
-              <a:t> </a:t>
-            </a:r>
-            <a:r>
-              <a:rPr lang="de-DE" sz="2400" dirty="0" err="1" smtClean="0"/>
-              <a:t>published</a:t>
-            </a:r>
-            <a:r>
-              <a:rPr lang="de-DE" sz="2400" dirty="0" smtClean="0"/>
-              <a:t> </a:t>
-            </a:r>
-            <a:r>
-              <a:rPr lang="de-DE" sz="2400" dirty="0" err="1" smtClean="0"/>
-              <a:t>with</a:t>
-            </a:r>
-            <a:r>
-              <a:rPr lang="de-DE" sz="2400" dirty="0" smtClean="0"/>
-              <a:t> CEUR-WS </a:t>
-            </a:r>
-            <a:r>
-              <a:rPr lang="de-DE" sz="2400" dirty="0">
-                <a:hlinkClick r:id="rId2"/>
-              </a:rPr>
-              <a:t>http://ceur-ws.org</a:t>
-            </a:r>
-            <a:r>
-              <a:rPr lang="de-DE" sz="2400" dirty="0" smtClean="0">
-                <a:hlinkClick r:id="rId2"/>
-              </a:rPr>
-              <a:t>/</a:t>
-            </a:r>
-            <a:r>
-              <a:rPr lang="de-DE" sz="2400" dirty="0" smtClean="0"/>
-              <a:t> </a:t>
-            </a:r>
-            <a:r>
-              <a:rPr lang="de-DE" sz="2400" b="1" dirty="0" err="1" smtClean="0"/>
-              <a:t>we</a:t>
-            </a:r>
-            <a:r>
-              <a:rPr lang="de-DE" sz="2400" b="1" dirty="0" smtClean="0"/>
-              <a:t> </a:t>
-            </a:r>
-            <a:r>
-              <a:rPr lang="de-DE" sz="2400" b="1" dirty="0" err="1" smtClean="0"/>
-              <a:t>need</a:t>
-            </a:r>
-            <a:r>
-              <a:rPr lang="de-DE" sz="2400" b="1" dirty="0" smtClean="0"/>
-              <a:t> 4 </a:t>
-            </a:r>
-            <a:r>
-              <a:rPr lang="de-DE" sz="2400" b="1" dirty="0" err="1" smtClean="0"/>
-              <a:t>things</a:t>
-            </a:r>
-            <a:r>
-              <a:rPr lang="de-DE" sz="2400" b="1" dirty="0"/>
-              <a:t>!</a:t>
-            </a:r>
-            <a:endParaRPr lang="de-DE" sz="2400" b="1" dirty="0" smtClean="0"/>
-          </a:p>
-          <a:p>
-            <a:pPr marL="457200" indent="-457200">
-              <a:buFont typeface="+mj-lt"/>
-              <a:buAutoNum type="arabicPeriod"/>
-            </a:pPr>
-            <a:r>
-              <a:rPr lang="de-DE" sz="2400" b="1" dirty="0" err="1" smtClean="0">
-                <a:solidFill>
-                  <a:srgbClr val="FF0000"/>
-                </a:solidFill>
-              </a:rPr>
-              <a:t>Camera-ready</a:t>
-            </a:r>
-            <a:r>
-              <a:rPr lang="de-DE" sz="2400" b="1" dirty="0" smtClean="0">
-                <a:solidFill>
-                  <a:srgbClr val="FF0000"/>
-                </a:solidFill>
-              </a:rPr>
-              <a:t> </a:t>
-            </a:r>
-            <a:r>
-              <a:rPr lang="de-DE" sz="2400" b="1" dirty="0" err="1" smtClean="0">
-                <a:solidFill>
-                  <a:srgbClr val="FF0000"/>
-                </a:solidFill>
-              </a:rPr>
-              <a:t>paper</a:t>
-            </a:r>
-            <a:r>
-              <a:rPr lang="de-DE" sz="2400" b="1" dirty="0" smtClean="0">
-                <a:solidFill>
-                  <a:srgbClr val="FF0000"/>
-                </a:solidFill>
-              </a:rPr>
-              <a:t> </a:t>
-            </a:r>
-            <a:r>
-              <a:rPr lang="de-DE" sz="2400" dirty="0" err="1" smtClean="0"/>
-              <a:t>till</a:t>
-            </a:r>
-            <a:r>
-              <a:rPr lang="de-DE" sz="2400" dirty="0" smtClean="0"/>
-              <a:t> </a:t>
-            </a:r>
-            <a:r>
-              <a:rPr lang="de-DE" sz="2400" b="1" dirty="0" smtClean="0"/>
-              <a:t>August 15</a:t>
-            </a:r>
-          </a:p>
-          <a:p>
-            <a:pPr marL="457200" indent="-457200">
-              <a:buFont typeface="+mj-lt"/>
-              <a:buAutoNum type="arabicPeriod"/>
-            </a:pPr>
-            <a:r>
-              <a:rPr lang="de-DE" sz="2400" dirty="0" smtClean="0"/>
-              <a:t>+ </a:t>
-            </a:r>
-            <a:r>
-              <a:rPr lang="de-DE" sz="2400" b="1" dirty="0" err="1" smtClean="0">
-                <a:solidFill>
-                  <a:srgbClr val="FF0000"/>
-                </a:solidFill>
-              </a:rPr>
-              <a:t>Author</a:t>
-            </a:r>
-            <a:r>
-              <a:rPr lang="de-DE" sz="2400" b="1" dirty="0" smtClean="0">
-                <a:solidFill>
-                  <a:srgbClr val="FF0000"/>
-                </a:solidFill>
-              </a:rPr>
-              <a:t> </a:t>
-            </a:r>
-            <a:r>
-              <a:rPr lang="de-DE" sz="2400" b="1" dirty="0" err="1" smtClean="0">
-                <a:solidFill>
-                  <a:srgbClr val="FF0000"/>
-                </a:solidFill>
-              </a:rPr>
-              <a:t>agreement</a:t>
-            </a:r>
-            <a:r>
-              <a:rPr lang="de-DE" sz="2400" b="1" dirty="0" smtClean="0">
-                <a:solidFill>
-                  <a:srgbClr val="FF0000"/>
-                </a:solidFill>
-              </a:rPr>
-              <a:t> </a:t>
-            </a:r>
-            <a:r>
-              <a:rPr lang="de-DE" sz="2400" dirty="0" smtClean="0"/>
-              <a:t>(</a:t>
-            </a:r>
-            <a:r>
-              <a:rPr lang="de-DE" sz="2400" dirty="0" err="1" smtClean="0"/>
-              <a:t>signed</a:t>
-            </a:r>
-            <a:r>
-              <a:rPr lang="de-DE" sz="2400" dirty="0" smtClean="0"/>
-              <a:t> </a:t>
-            </a:r>
-            <a:r>
-              <a:rPr lang="de-DE" sz="2400" dirty="0" err="1" smtClean="0"/>
-              <a:t>by</a:t>
-            </a:r>
-            <a:r>
-              <a:rPr lang="de-DE" sz="2400" dirty="0" smtClean="0"/>
-              <a:t> </a:t>
-            </a:r>
-            <a:r>
-              <a:rPr lang="de-DE" sz="2400" dirty="0" err="1" smtClean="0"/>
-              <a:t>corresponding</a:t>
-            </a:r>
-            <a:r>
-              <a:rPr lang="de-DE" sz="2400" dirty="0" smtClean="0"/>
-              <a:t> </a:t>
-            </a:r>
-            <a:r>
-              <a:rPr lang="de-DE" sz="2400" dirty="0" err="1" smtClean="0"/>
-              <a:t>author</a:t>
-            </a:r>
-            <a:r>
-              <a:rPr lang="de-DE" sz="2400" dirty="0"/>
-              <a:t>) </a:t>
-            </a:r>
-            <a:r>
-              <a:rPr lang="de-DE" sz="2400" dirty="0" smtClean="0"/>
-              <a:t>-&gt; send </a:t>
-            </a:r>
-            <a:r>
-              <a:rPr lang="de-DE" sz="2400" b="1" dirty="0" smtClean="0"/>
-              <a:t>via </a:t>
-            </a:r>
-            <a:r>
-              <a:rPr lang="de-DE" sz="2400" b="1" dirty="0"/>
-              <a:t>email </a:t>
-            </a:r>
-            <a:r>
-              <a:rPr lang="de-DE" sz="2400" b="1" dirty="0" err="1"/>
-              <a:t>to</a:t>
-            </a:r>
-            <a:r>
-              <a:rPr lang="de-DE" sz="2400" b="1" dirty="0"/>
-              <a:t> </a:t>
-            </a:r>
-            <a:r>
-              <a:rPr lang="de-DE" sz="2400" dirty="0">
-                <a:hlinkClick r:id="rId3"/>
-              </a:rPr>
-              <a:t>philipp.mayr@gesis.org</a:t>
-            </a:r>
-            <a:r>
-              <a:rPr lang="de-DE" sz="2400" dirty="0"/>
-              <a:t> </a:t>
-            </a:r>
-            <a:endParaRPr lang="de-DE" sz="2400" dirty="0" smtClean="0"/>
-          </a:p>
-          <a:p>
-            <a:pPr lvl="1"/>
-            <a:r>
-              <a:rPr lang="de-DE" sz="2400" dirty="0" smtClean="0">
-                <a:hlinkClick r:id="rId4"/>
-              </a:rPr>
-              <a:t>http</a:t>
-            </a:r>
-            <a:r>
-              <a:rPr lang="de-DE" sz="2400" dirty="0">
-                <a:hlinkClick r:id="rId4"/>
-              </a:rPr>
-              <a:t>://</a:t>
-            </a:r>
-            <a:r>
-              <a:rPr lang="de-DE" sz="2400" dirty="0" smtClean="0">
-                <a:hlinkClick r:id="rId4"/>
-              </a:rPr>
-              <a:t>ceur-ws.org/ceur-author-agreement-ccby-ntp.pdf?ver=2020-03-02</a:t>
-            </a:r>
-            <a:r>
-              <a:rPr lang="de-DE" sz="2400" dirty="0" smtClean="0"/>
-              <a:t> </a:t>
-            </a:r>
-            <a:r>
-              <a:rPr lang="de-DE" sz="2400" dirty="0" err="1" smtClean="0"/>
-              <a:t>if</a:t>
-            </a:r>
-            <a:r>
-              <a:rPr lang="de-DE" sz="2400" dirty="0" smtClean="0"/>
-              <a:t> </a:t>
-            </a:r>
-            <a:r>
-              <a:rPr lang="en-US" sz="2400" b="1" dirty="0"/>
-              <a:t>no</a:t>
-            </a:r>
-            <a:r>
-              <a:rPr lang="en-US" sz="2400" dirty="0"/>
-              <a:t> copyrighted third party </a:t>
-            </a:r>
-            <a:r>
-              <a:rPr lang="en-US" sz="2400" dirty="0" smtClean="0"/>
-              <a:t>material</a:t>
-            </a:r>
-          </a:p>
-          <a:p>
-            <a:pPr lvl="1"/>
-            <a:r>
-              <a:rPr lang="de-DE" sz="2400" dirty="0">
-                <a:hlinkClick r:id="rId5"/>
-              </a:rPr>
-              <a:t>http://</a:t>
-            </a:r>
-            <a:r>
-              <a:rPr lang="de-DE" sz="2400" dirty="0" smtClean="0">
-                <a:hlinkClick r:id="rId5"/>
-              </a:rPr>
-              <a:t>ceur-ws.org/ceur-author-agreement-ccby-tp.pdf?ver=2020-03-02</a:t>
-            </a:r>
-            <a:r>
-              <a:rPr lang="de-DE" sz="2400" dirty="0" smtClean="0"/>
-              <a:t> </a:t>
-            </a:r>
-            <a:r>
-              <a:rPr lang="de-DE" sz="2400" dirty="0" err="1" smtClean="0"/>
-              <a:t>if</a:t>
-            </a:r>
-            <a:r>
-              <a:rPr lang="de-DE" sz="2400" dirty="0" smtClean="0"/>
-              <a:t> </a:t>
-            </a:r>
-            <a:r>
-              <a:rPr lang="de-DE" sz="2400" dirty="0" err="1" smtClean="0"/>
-              <a:t>copyrighted</a:t>
-            </a:r>
-            <a:r>
-              <a:rPr lang="de-DE" sz="2400" dirty="0" smtClean="0"/>
-              <a:t> </a:t>
-            </a:r>
-            <a:r>
-              <a:rPr lang="de-DE" sz="2400" dirty="0" err="1"/>
-              <a:t>third</a:t>
-            </a:r>
-            <a:r>
-              <a:rPr lang="de-DE" sz="2400" dirty="0"/>
-              <a:t> </a:t>
-            </a:r>
-            <a:r>
-              <a:rPr lang="de-DE" sz="2400" dirty="0" err="1"/>
-              <a:t>party</a:t>
-            </a:r>
-            <a:r>
-              <a:rPr lang="de-DE" sz="2400" dirty="0"/>
-              <a:t> </a:t>
-            </a:r>
-            <a:r>
-              <a:rPr lang="de-DE" sz="2400" dirty="0" smtClean="0"/>
-              <a:t>material </a:t>
-            </a:r>
-          </a:p>
-          <a:p>
-            <a:pPr marL="457200" indent="-457200">
-              <a:buFont typeface="+mj-lt"/>
-              <a:buAutoNum type="arabicPeriod"/>
-            </a:pPr>
-            <a:r>
-              <a:rPr lang="de-DE" sz="2400" dirty="0" err="1" smtClean="0"/>
-              <a:t>Submit</a:t>
-            </a:r>
-            <a:r>
-              <a:rPr lang="de-DE" sz="2400" dirty="0" smtClean="0"/>
-              <a:t> </a:t>
-            </a:r>
-            <a:r>
-              <a:rPr lang="de-DE" sz="2400" b="1" dirty="0" smtClean="0">
-                <a:solidFill>
-                  <a:srgbClr val="FF0000"/>
-                </a:solidFill>
-              </a:rPr>
-              <a:t>PDF via </a:t>
-            </a:r>
-            <a:r>
-              <a:rPr lang="de-DE" sz="2400" b="1" dirty="0" err="1" smtClean="0">
-                <a:solidFill>
-                  <a:srgbClr val="FF0000"/>
-                </a:solidFill>
-              </a:rPr>
-              <a:t>Easychair</a:t>
-            </a:r>
-            <a:r>
-              <a:rPr lang="de-DE" sz="2400" dirty="0" smtClean="0"/>
-              <a:t> -&gt; update </a:t>
-            </a:r>
-            <a:r>
-              <a:rPr lang="de-DE" sz="2400" dirty="0" err="1" smtClean="0"/>
-              <a:t>your</a:t>
-            </a:r>
-            <a:r>
-              <a:rPr lang="de-DE" sz="2400" dirty="0" smtClean="0"/>
-              <a:t> </a:t>
-            </a:r>
-            <a:r>
-              <a:rPr lang="de-DE" sz="2400" dirty="0" err="1" smtClean="0"/>
-              <a:t>submission</a:t>
-            </a:r>
-            <a:endParaRPr lang="de-DE" sz="2400" dirty="0" smtClean="0"/>
-          </a:p>
-          <a:p>
-            <a:pPr marL="457200" indent="-457200">
-              <a:buFont typeface="+mj-lt"/>
-              <a:buAutoNum type="arabicPeriod"/>
-            </a:pPr>
-            <a:r>
-              <a:rPr lang="de-DE" sz="2400" dirty="0" smtClean="0"/>
-              <a:t>+ </a:t>
-            </a:r>
-            <a:r>
-              <a:rPr lang="de-DE" sz="2400" b="1" dirty="0" smtClean="0">
-                <a:solidFill>
-                  <a:srgbClr val="FF0000"/>
-                </a:solidFill>
-              </a:rPr>
-              <a:t>Send </a:t>
-            </a:r>
-            <a:r>
-              <a:rPr lang="de-DE" sz="2400" b="1" dirty="0" err="1" smtClean="0">
-                <a:solidFill>
-                  <a:srgbClr val="FF0000"/>
-                </a:solidFill>
-              </a:rPr>
-              <a:t>sources</a:t>
-            </a:r>
-            <a:r>
-              <a:rPr lang="de-DE" sz="2400" b="1" dirty="0" smtClean="0">
-                <a:solidFill>
-                  <a:srgbClr val="FF0000"/>
-                </a:solidFill>
-              </a:rPr>
-              <a:t> </a:t>
-            </a:r>
-            <a:r>
-              <a:rPr lang="de-DE" sz="2400" dirty="0" smtClean="0"/>
-              <a:t>(</a:t>
-            </a:r>
-            <a:r>
-              <a:rPr lang="de-DE" sz="2400" dirty="0" err="1" smtClean="0"/>
-              <a:t>tex</a:t>
-            </a:r>
-            <a:r>
-              <a:rPr lang="de-DE" sz="2400" dirty="0" smtClean="0"/>
-              <a:t>-&gt;</a:t>
-            </a:r>
-            <a:r>
-              <a:rPr lang="de-DE" sz="2400" dirty="0" err="1" smtClean="0"/>
-              <a:t>zip</a:t>
-            </a:r>
-            <a:r>
-              <a:rPr lang="de-DE" sz="2400" dirty="0"/>
-              <a:t> </a:t>
-            </a:r>
-            <a:r>
-              <a:rPr lang="de-DE" sz="2400" dirty="0" err="1" smtClean="0"/>
-              <a:t>or</a:t>
-            </a:r>
-            <a:r>
-              <a:rPr lang="de-DE" sz="2400" dirty="0" smtClean="0"/>
-              <a:t> MS </a:t>
-            </a:r>
-            <a:r>
-              <a:rPr lang="de-DE" sz="2400" dirty="0" err="1" smtClean="0"/>
-              <a:t>word</a:t>
-            </a:r>
-            <a:r>
-              <a:rPr lang="de-DE" sz="2400" dirty="0" smtClean="0"/>
-              <a:t>) </a:t>
-            </a:r>
-            <a:r>
-              <a:rPr lang="de-DE" sz="2400" dirty="0" err="1" smtClean="0"/>
-              <a:t>of</a:t>
-            </a:r>
-            <a:r>
-              <a:rPr lang="de-DE" sz="2400" dirty="0" smtClean="0"/>
-              <a:t> </a:t>
-            </a:r>
-            <a:r>
-              <a:rPr lang="de-DE" sz="2400" dirty="0" err="1" smtClean="0"/>
-              <a:t>your</a:t>
-            </a:r>
-            <a:r>
-              <a:rPr lang="de-DE" sz="2400" dirty="0" smtClean="0"/>
-              <a:t> </a:t>
-            </a:r>
-            <a:r>
-              <a:rPr lang="de-DE" sz="2400" dirty="0" err="1" smtClean="0"/>
-              <a:t>paper</a:t>
-            </a:r>
-            <a:r>
-              <a:rPr lang="de-DE" sz="2400" dirty="0" smtClean="0"/>
-              <a:t> </a:t>
-            </a:r>
-            <a:br>
-              <a:rPr lang="de-DE" sz="2400" dirty="0" smtClean="0"/>
-            </a:br>
-            <a:r>
-              <a:rPr lang="de-DE" sz="2400" dirty="0" smtClean="0"/>
-              <a:t>via email </a:t>
-            </a:r>
-            <a:r>
-              <a:rPr lang="de-DE" sz="2400" dirty="0" err="1" smtClean="0"/>
-              <a:t>to</a:t>
-            </a:r>
-            <a:r>
-              <a:rPr lang="de-DE" sz="2400" dirty="0" smtClean="0"/>
-              <a:t> </a:t>
-            </a:r>
-            <a:r>
-              <a:rPr lang="de-DE" sz="2400" dirty="0" smtClean="0">
-                <a:hlinkClick r:id="rId3"/>
-              </a:rPr>
-              <a:t>philipp.mayr@gesis.org</a:t>
-            </a:r>
-            <a:r>
-              <a:rPr lang="de-DE" sz="2400" dirty="0" smtClean="0"/>
-              <a:t> </a:t>
-            </a:r>
-          </a:p>
-        </p:txBody>
-      </p:sp>
-      <p:sp>
-        <p:nvSpPr>
-          <p:cNvPr id="4" name="Foliennummernplatzhalter 3"/>
+          <p:cNvPr id="17410" name="Espace réservé du numéro de diapositive 5"/>
           <p:cNvSpPr>
             <a:spLocks noGrp="1"/>
           </p:cNvSpPr>
@@ -9221,29 +9145,514 @@
             <p:ph type="sldNum" sz="quarter" idx="11"/>
           </p:nvPr>
         </p:nvSpPr>
+        <p:spPr>
+          <a:xfrm>
+            <a:off x="7010400" y="6400800"/>
+            <a:ext cx="2133600" cy="457200"/>
+          </a:xfrm>
+          <a:noFill/>
+          <a:ln/>
+          <a:extLst>
+            <a:ext uri="{909E8E84-426E-40DD-AFC4-6F175D3DCCD1}">
+              <a14:hiddenFill xmlns:a14="http://schemas.microsoft.com/office/drawing/2010/main">
+                <a:solidFill>
+                  <a:srgbClr val="FFFFFF"/>
+                </a:solidFill>
+              </a14:hiddenFill>
+            </a:ext>
+            <a:ext uri="{91240B29-F687-4F45-9708-019B960494DF}">
+              <a14:hiddenLine xmlns:a14="http://schemas.microsoft.com/office/drawing/2010/main" w="9525">
+                <a:solidFill>
+                  <a:srgbClr val="000000"/>
+                </a:solidFill>
+                <a:miter lim="800000"/>
+                <a:headEnd/>
+                <a:tailEnd/>
+              </a14:hiddenLine>
+            </a:ext>
+          </a:extLst>
+        </p:spPr>
+        <p:txBody>
+          <a:bodyPr/>
+          <a:lstStyle>
+            <a:lvl1pPr eaLnBrk="0" hangingPunct="0">
+              <a:defRPr sz="2400">
+                <a:solidFill>
+                  <a:schemeClr val="tx1"/>
+                </a:solidFill>
+                <a:latin typeface="Calibri" charset="0"/>
+                <a:ea typeface="ＭＳ Ｐゴシック" charset="0"/>
+                <a:cs typeface="ＭＳ Ｐゴシック" charset="0"/>
+              </a:defRPr>
+            </a:lvl1pPr>
+            <a:lvl2pPr marL="742950" indent="-285750" eaLnBrk="0" hangingPunct="0">
+              <a:defRPr sz="2400">
+                <a:solidFill>
+                  <a:schemeClr val="tx1"/>
+                </a:solidFill>
+                <a:latin typeface="Calibri" charset="0"/>
+                <a:ea typeface="ＭＳ Ｐゴシック" charset="0"/>
+              </a:defRPr>
+            </a:lvl2pPr>
+            <a:lvl3pPr marL="1143000" indent="-228600" eaLnBrk="0" hangingPunct="0">
+              <a:defRPr sz="2400">
+                <a:solidFill>
+                  <a:schemeClr val="tx1"/>
+                </a:solidFill>
+                <a:latin typeface="Calibri" charset="0"/>
+                <a:ea typeface="ＭＳ Ｐゴシック" charset="0"/>
+              </a:defRPr>
+            </a:lvl3pPr>
+            <a:lvl4pPr marL="1600200" indent="-228600" eaLnBrk="0" hangingPunct="0">
+              <a:defRPr sz="2400">
+                <a:solidFill>
+                  <a:schemeClr val="tx1"/>
+                </a:solidFill>
+                <a:latin typeface="Calibri" charset="0"/>
+                <a:ea typeface="ＭＳ Ｐゴシック" charset="0"/>
+              </a:defRPr>
+            </a:lvl4pPr>
+            <a:lvl5pPr marL="2057400" indent="-228600" eaLnBrk="0" hangingPunct="0">
+              <a:defRPr sz="2400">
+                <a:solidFill>
+                  <a:schemeClr val="tx1"/>
+                </a:solidFill>
+                <a:latin typeface="Calibri" charset="0"/>
+                <a:ea typeface="ＭＳ Ｐゴシック" charset="0"/>
+              </a:defRPr>
+            </a:lvl5pPr>
+            <a:lvl6pPr marL="2514600" indent="-228600" algn="ctr" eaLnBrk="0" fontAlgn="base" hangingPunct="0">
+              <a:spcBef>
+                <a:spcPct val="50000"/>
+              </a:spcBef>
+              <a:spcAft>
+                <a:spcPct val="0"/>
+              </a:spcAft>
+              <a:defRPr sz="2400">
+                <a:solidFill>
+                  <a:schemeClr val="tx1"/>
+                </a:solidFill>
+                <a:latin typeface="Calibri" charset="0"/>
+                <a:ea typeface="ＭＳ Ｐゴシック" charset="0"/>
+              </a:defRPr>
+            </a:lvl6pPr>
+            <a:lvl7pPr marL="2971800" indent="-228600" algn="ctr" eaLnBrk="0" fontAlgn="base" hangingPunct="0">
+              <a:spcBef>
+                <a:spcPct val="50000"/>
+              </a:spcBef>
+              <a:spcAft>
+                <a:spcPct val="0"/>
+              </a:spcAft>
+              <a:defRPr sz="2400">
+                <a:solidFill>
+                  <a:schemeClr val="tx1"/>
+                </a:solidFill>
+                <a:latin typeface="Calibri" charset="0"/>
+                <a:ea typeface="ＭＳ Ｐゴシック" charset="0"/>
+              </a:defRPr>
+            </a:lvl7pPr>
+            <a:lvl8pPr marL="3429000" indent="-228600" algn="ctr" eaLnBrk="0" fontAlgn="base" hangingPunct="0">
+              <a:spcBef>
+                <a:spcPct val="50000"/>
+              </a:spcBef>
+              <a:spcAft>
+                <a:spcPct val="0"/>
+              </a:spcAft>
+              <a:defRPr sz="2400">
+                <a:solidFill>
+                  <a:schemeClr val="tx1"/>
+                </a:solidFill>
+                <a:latin typeface="Calibri" charset="0"/>
+                <a:ea typeface="ＭＳ Ｐゴシック" charset="0"/>
+              </a:defRPr>
+            </a:lvl8pPr>
+            <a:lvl9pPr marL="3886200" indent="-228600" algn="ctr" eaLnBrk="0" fontAlgn="base" hangingPunct="0">
+              <a:spcBef>
+                <a:spcPct val="50000"/>
+              </a:spcBef>
+              <a:spcAft>
+                <a:spcPct val="0"/>
+              </a:spcAft>
+              <a:defRPr sz="2400">
+                <a:solidFill>
+                  <a:schemeClr val="tx1"/>
+                </a:solidFill>
+                <a:latin typeface="Calibri" charset="0"/>
+                <a:ea typeface="ＭＳ Ｐゴシック" charset="0"/>
+              </a:defRPr>
+            </a:lvl9pPr>
+          </a:lstStyle>
+          <a:p>
+            <a:pPr eaLnBrk="1" hangingPunct="1"/>
+            <a:fld id="{2885B478-7DA6-BA40-9EF5-9E15BC7A0401}" type="slidenum">
+              <a:rPr lang="en-GB" sz="1200" smtClean="0">
+                <a:latin typeface="Arial Black" charset="0"/>
+              </a:rPr>
+              <a:pPr eaLnBrk="1" hangingPunct="1"/>
+              <a:t>10</a:t>
+            </a:fld>
+            <a:endParaRPr lang="en-GB" sz="1200">
+              <a:latin typeface="Arial Black" charset="0"/>
+            </a:endParaRPr>
+          </a:p>
+        </p:txBody>
+      </p:sp>
+      <p:sp>
+        <p:nvSpPr>
+          <p:cNvPr id="8" name="Rectangle 2"/>
+          <p:cNvSpPr>
+            <a:spLocks noGrp="1" noChangeArrowheads="1"/>
+          </p:cNvSpPr>
+          <p:nvPr>
+            <p:ph type="title"/>
+          </p:nvPr>
+        </p:nvSpPr>
+        <p:spPr>
+          <a:xfrm>
+            <a:off x="457200" y="457200"/>
+            <a:ext cx="8686800" cy="668338"/>
+          </a:xfrm>
+        </p:spPr>
+        <p:txBody>
+          <a:bodyPr/>
+          <a:lstStyle/>
+          <a:p>
+            <a:pPr marL="536575" indent="-536575" eaLnBrk="1" hangingPunct="1"/>
+            <a:r>
+              <a:rPr lang="en-GB" sz="3200" dirty="0" smtClean="0">
+                <a:solidFill>
+                  <a:srgbClr val="CC0000"/>
+                </a:solidFill>
+                <a:latin typeface="Calibri" charset="0"/>
+                <a:sym typeface="Wingdings" charset="0"/>
+              </a:rPr>
+              <a:t>Keynote 2</a:t>
+            </a:r>
+            <a:endParaRPr lang="en-GB" sz="3200" dirty="0">
+              <a:solidFill>
+                <a:srgbClr val="CC0000"/>
+              </a:solidFill>
+              <a:latin typeface="Calibri" charset="0"/>
+            </a:endParaRPr>
+          </a:p>
+        </p:txBody>
+      </p:sp>
+      <p:sp>
+        <p:nvSpPr>
+          <p:cNvPr id="17" name="Text Box 4">
+            <a:extLst>
+              <a:ext uri="{FF2B5EF4-FFF2-40B4-BE49-F238E27FC236}">
+                <a16:creationId xmlns:a16="http://schemas.microsoft.com/office/drawing/2014/main" xmlns="" id="{7FB8B298-1DE1-8446-854E-9DA7260C306B}"/>
+              </a:ext>
+            </a:extLst>
+          </p:cNvPr>
+          <p:cNvSpPr txBox="1">
+            <a:spLocks noChangeArrowheads="1"/>
+          </p:cNvSpPr>
+          <p:nvPr/>
+        </p:nvSpPr>
+        <p:spPr bwMode="auto">
+          <a:xfrm>
+            <a:off x="684213" y="97497"/>
+            <a:ext cx="8459787" cy="338554"/>
+          </a:xfrm>
+          <a:prstGeom prst="rect">
+            <a:avLst/>
+          </a:prstGeom>
+          <a:noFill/>
+          <a:ln>
+            <a:noFill/>
+          </a:ln>
+          <a:extLst>
+            <a:ext uri="{909E8E84-426E-40DD-AFC4-6F175D3DCCD1}">
+              <a14:hiddenFill xmlns:a14="http://schemas.microsoft.com/office/drawing/2010/main">
+                <a:solidFill>
+                  <a:srgbClr val="FFFFFF"/>
+                </a:solidFill>
+              </a14:hiddenFill>
+            </a:ext>
+            <a:ext uri="{91240B29-F687-4F45-9708-019B960494DF}">
+              <a14:hiddenLine xmlns:a14="http://schemas.microsoft.com/office/drawing/2010/main" w="9525">
+                <a:solidFill>
+                  <a:srgbClr val="000000"/>
+                </a:solidFill>
+                <a:miter lim="800000"/>
+                <a:headEnd/>
+                <a:tailEnd/>
+              </a14:hiddenLine>
+            </a:ext>
+          </a:extLst>
+        </p:spPr>
+        <p:txBody>
+          <a:bodyPr>
+            <a:spAutoFit/>
+          </a:bodyPr>
+          <a:lstStyle>
+            <a:lvl1pPr marL="342900" indent="-342900" eaLnBrk="0" hangingPunct="0">
+              <a:tabLst>
+                <a:tab pos="8253413" algn="r"/>
+              </a:tabLst>
+              <a:defRPr sz="2400">
+                <a:solidFill>
+                  <a:schemeClr val="tx1"/>
+                </a:solidFill>
+                <a:latin typeface="Calibri" charset="0"/>
+                <a:ea typeface="ＭＳ Ｐゴシック" charset="0"/>
+                <a:cs typeface="ＭＳ Ｐゴシック" charset="0"/>
+              </a:defRPr>
+            </a:lvl1pPr>
+            <a:lvl2pPr marL="742950" indent="-285750" eaLnBrk="0" hangingPunct="0">
+              <a:tabLst>
+                <a:tab pos="8253413" algn="r"/>
+              </a:tabLst>
+              <a:defRPr sz="2400">
+                <a:solidFill>
+                  <a:schemeClr val="tx1"/>
+                </a:solidFill>
+                <a:latin typeface="Calibri" charset="0"/>
+                <a:ea typeface="ＭＳ Ｐゴシック" charset="0"/>
+              </a:defRPr>
+            </a:lvl2pPr>
+            <a:lvl3pPr marL="1143000" indent="-228600" eaLnBrk="0" hangingPunct="0">
+              <a:tabLst>
+                <a:tab pos="8253413" algn="r"/>
+              </a:tabLst>
+              <a:defRPr sz="2400">
+                <a:solidFill>
+                  <a:schemeClr val="tx1"/>
+                </a:solidFill>
+                <a:latin typeface="Calibri" charset="0"/>
+                <a:ea typeface="ＭＳ Ｐゴシック" charset="0"/>
+              </a:defRPr>
+            </a:lvl3pPr>
+            <a:lvl4pPr marL="1600200" indent="-228600" eaLnBrk="0" hangingPunct="0">
+              <a:tabLst>
+                <a:tab pos="8253413" algn="r"/>
+              </a:tabLst>
+              <a:defRPr sz="2400">
+                <a:solidFill>
+                  <a:schemeClr val="tx1"/>
+                </a:solidFill>
+                <a:latin typeface="Calibri" charset="0"/>
+                <a:ea typeface="ＭＳ Ｐゴシック" charset="0"/>
+              </a:defRPr>
+            </a:lvl4pPr>
+            <a:lvl5pPr marL="2057400" indent="-228600" eaLnBrk="0" hangingPunct="0">
+              <a:tabLst>
+                <a:tab pos="8253413" algn="r"/>
+              </a:tabLst>
+              <a:defRPr sz="2400">
+                <a:solidFill>
+                  <a:schemeClr val="tx1"/>
+                </a:solidFill>
+                <a:latin typeface="Calibri" charset="0"/>
+                <a:ea typeface="ＭＳ Ｐゴシック" charset="0"/>
+              </a:defRPr>
+            </a:lvl5pPr>
+            <a:lvl6pPr marL="2514600" indent="-228600" algn="ctr" eaLnBrk="0" fontAlgn="base" hangingPunct="0">
+              <a:spcBef>
+                <a:spcPct val="50000"/>
+              </a:spcBef>
+              <a:spcAft>
+                <a:spcPct val="0"/>
+              </a:spcAft>
+              <a:tabLst>
+                <a:tab pos="8253413" algn="r"/>
+              </a:tabLst>
+              <a:defRPr sz="2400">
+                <a:solidFill>
+                  <a:schemeClr val="tx1"/>
+                </a:solidFill>
+                <a:latin typeface="Calibri" charset="0"/>
+                <a:ea typeface="ＭＳ Ｐゴシック" charset="0"/>
+              </a:defRPr>
+            </a:lvl6pPr>
+            <a:lvl7pPr marL="2971800" indent="-228600" algn="ctr" eaLnBrk="0" fontAlgn="base" hangingPunct="0">
+              <a:spcBef>
+                <a:spcPct val="50000"/>
+              </a:spcBef>
+              <a:spcAft>
+                <a:spcPct val="0"/>
+              </a:spcAft>
+              <a:tabLst>
+                <a:tab pos="8253413" algn="r"/>
+              </a:tabLst>
+              <a:defRPr sz="2400">
+                <a:solidFill>
+                  <a:schemeClr val="tx1"/>
+                </a:solidFill>
+                <a:latin typeface="Calibri" charset="0"/>
+                <a:ea typeface="ＭＳ Ｐゴシック" charset="0"/>
+              </a:defRPr>
+            </a:lvl7pPr>
+            <a:lvl8pPr marL="3429000" indent="-228600" algn="ctr" eaLnBrk="0" fontAlgn="base" hangingPunct="0">
+              <a:spcBef>
+                <a:spcPct val="50000"/>
+              </a:spcBef>
+              <a:spcAft>
+                <a:spcPct val="0"/>
+              </a:spcAft>
+              <a:tabLst>
+                <a:tab pos="8253413" algn="r"/>
+              </a:tabLst>
+              <a:defRPr sz="2400">
+                <a:solidFill>
+                  <a:schemeClr val="tx1"/>
+                </a:solidFill>
+                <a:latin typeface="Calibri" charset="0"/>
+                <a:ea typeface="ＭＳ Ｐゴシック" charset="0"/>
+              </a:defRPr>
+            </a:lvl8pPr>
+            <a:lvl9pPr marL="3886200" indent="-228600" algn="ctr" eaLnBrk="0" fontAlgn="base" hangingPunct="0">
+              <a:spcBef>
+                <a:spcPct val="50000"/>
+              </a:spcBef>
+              <a:spcAft>
+                <a:spcPct val="0"/>
+              </a:spcAft>
+              <a:tabLst>
+                <a:tab pos="8253413" algn="r"/>
+              </a:tabLst>
+              <a:defRPr sz="2400">
+                <a:solidFill>
+                  <a:schemeClr val="tx1"/>
+                </a:solidFill>
+                <a:latin typeface="Calibri" charset="0"/>
+                <a:ea typeface="ＭＳ Ｐゴシック" charset="0"/>
+              </a:defRPr>
+            </a:lvl9pPr>
+          </a:lstStyle>
+          <a:p>
+            <a:pPr algn="r" eaLnBrk="1" hangingPunct="1"/>
+            <a:r>
+              <a:rPr lang="fr-FR" sz="1600" dirty="0" smtClean="0">
+                <a:solidFill>
+                  <a:schemeClr val="accent6"/>
+                </a:solidFill>
+              </a:rPr>
+              <a:t>EEKE 2020</a:t>
+            </a:r>
+            <a:endParaRPr lang="en-GB" sz="1200" i="1" dirty="0">
+              <a:solidFill>
+                <a:schemeClr val="accent6"/>
+              </a:solidFill>
+            </a:endParaRPr>
+          </a:p>
+        </p:txBody>
+      </p:sp>
+      <p:sp>
+        <p:nvSpPr>
+          <p:cNvPr id="10" name="TextBox 9">
+            <a:extLst>
+              <a:ext uri="{FF2B5EF4-FFF2-40B4-BE49-F238E27FC236}">
+                <a16:creationId xmlns:a16="http://schemas.microsoft.com/office/drawing/2014/main" xmlns="" id="{E532C04B-AEDE-AA4D-B4E8-2E6DFCFB3EC5}"/>
+              </a:ext>
+            </a:extLst>
+          </p:cNvPr>
+          <p:cNvSpPr txBox="1"/>
+          <p:nvPr/>
+        </p:nvSpPr>
+        <p:spPr>
+          <a:xfrm>
+            <a:off x="4185709" y="2754751"/>
+            <a:ext cx="4755092" cy="2585323"/>
+          </a:xfrm>
+          <a:prstGeom prst="rect">
+            <a:avLst/>
+          </a:prstGeom>
+          <a:noFill/>
+        </p:spPr>
+        <p:txBody>
+          <a:bodyPr wrap="square" rtlCol="0">
+            <a:spAutoFit/>
+          </a:bodyPr>
+          <a:lstStyle/>
+          <a:p>
+            <a:r>
+              <a:rPr lang="en-GB" sz="2800" b="1" dirty="0" smtClean="0"/>
+              <a:t>KEYNOTE</a:t>
+            </a:r>
+          </a:p>
+          <a:p>
+            <a:r>
+              <a:rPr lang="en-US" sz="2800" dirty="0"/>
+              <a:t>Building Scholarly Knowledge Bases with Crowdsourcing and Text Mining</a:t>
+            </a:r>
+            <a:endParaRPr lang="de-DE" sz="2800" b="1" dirty="0" smtClean="0"/>
+          </a:p>
+          <a:p>
+            <a:endParaRPr lang="en-US" sz="2400" dirty="0"/>
+          </a:p>
+        </p:txBody>
+      </p:sp>
+      <p:sp>
+        <p:nvSpPr>
+          <p:cNvPr id="2" name="Inhaltsplatzhalter 1"/>
+          <p:cNvSpPr>
+            <a:spLocks noGrp="1"/>
+          </p:cNvSpPr>
+          <p:nvPr>
+            <p:ph sz="half" idx="1"/>
+          </p:nvPr>
+        </p:nvSpPr>
         <p:spPr/>
         <p:txBody>
           <a:bodyPr/>
           <a:lstStyle/>
           <a:p>
-            <a:pPr>
-              <a:defRPr/>
-            </a:pPr>
-            <a:fld id="{AEE02E9E-D9FE-1444-BE68-D91C902B281D}" type="slidenum">
-              <a:rPr lang="fr-FR" smtClean="0"/>
-              <a:pPr>
-                <a:defRPr/>
-              </a:pPr>
-              <a:t>10</a:t>
-            </a:fld>
-            <a:endParaRPr lang="fr-FR"/>
+            <a:r>
+              <a:rPr lang="de-DE" b="1" dirty="0" smtClean="0"/>
+              <a:t>Markus Stocker</a:t>
+            </a:r>
+            <a:endParaRPr lang="de-DE" b="1" dirty="0"/>
           </a:p>
         </p:txBody>
       </p:sp>
+      <p:pic>
+        <p:nvPicPr>
+          <p:cNvPr id="2050" name="Picture 2" descr="Dr. Markus Stocker"/>
+          <p:cNvPicPr>
+            <a:picLocks noChangeAspect="1" noChangeArrowheads="1"/>
+          </p:cNvPicPr>
+          <p:nvPr/>
+        </p:nvPicPr>
+        <p:blipFill>
+          <a:blip r:embed="rId3">
+            <a:extLst>
+              <a:ext uri="{28A0092B-C50C-407E-A947-70E740481C1C}">
+                <a14:useLocalDpi xmlns:a14="http://schemas.microsoft.com/office/drawing/2010/main" val="0"/>
+              </a:ext>
+            </a:extLst>
+          </a:blip>
+          <a:srcRect/>
+          <a:stretch>
+            <a:fillRect/>
+          </a:stretch>
+        </p:blipFill>
+        <p:spPr bwMode="auto">
+          <a:xfrm>
+            <a:off x="985893" y="2856786"/>
+            <a:ext cx="2381250" cy="2483287"/>
+          </a:xfrm>
+          <a:prstGeom prst="rect">
+            <a:avLst/>
+          </a:prstGeom>
+          <a:noFill/>
+          <a:extLst>
+            <a:ext uri="{909E8E84-426E-40DD-AFC4-6F175D3DCCD1}">
+              <a14:hiddenFill xmlns:a14="http://schemas.microsoft.com/office/drawing/2010/main">
+                <a:solidFill>
+                  <a:srgbClr val="FFFFFF"/>
+                </a:solidFill>
+              </a14:hiddenFill>
+            </a:ext>
+          </a:extLst>
+        </p:spPr>
+      </p:pic>
     </p:spTree>
     <p:extLst>
       <p:ext uri="{BB962C8B-B14F-4D97-AF65-F5344CB8AC3E}">
-        <p14:creationId xmlns:p14="http://schemas.microsoft.com/office/powerpoint/2010/main" val="1099695850"/>
+        <p14:creationId xmlns:p14="http://schemas.microsoft.com/office/powerpoint/2010/main" val="3404667159"/>
       </p:ext>
     </p:extLst>
   </p:cSld>
@@ -9287,32 +9696,25 @@
             <p:ph type="title"/>
           </p:nvPr>
         </p:nvSpPr>
-        <p:spPr/>
+        <p:spPr>
+          <a:xfrm>
+            <a:off x="457200" y="173421"/>
+            <a:ext cx="8229600" cy="1371600"/>
+          </a:xfrm>
+        </p:spPr>
         <p:txBody>
           <a:bodyPr/>
           <a:lstStyle/>
           <a:p>
             <a:r>
-              <a:rPr lang="de-DE" dirty="0" err="1" smtClean="0"/>
-              <a:t>Conclusion</a:t>
-            </a:r>
-            <a:r>
-              <a:rPr lang="de-DE" dirty="0" smtClean="0"/>
-              <a:t>/</a:t>
-            </a:r>
-            <a:r>
-              <a:rPr lang="de-DE" dirty="0" err="1" smtClean="0"/>
-              <a:t>next</a:t>
-            </a:r>
-            <a:r>
-              <a:rPr lang="de-DE" dirty="0" smtClean="0"/>
-              <a:t> </a:t>
-            </a:r>
-            <a:r>
-              <a:rPr lang="de-DE" dirty="0" err="1" smtClean="0"/>
-              <a:t>steps</a:t>
-            </a:r>
-            <a:endParaRPr lang="de-DE" dirty="0"/>
+              <a:rPr lang="de-DE" sz="4000" dirty="0" smtClean="0"/>
+              <a:t>CEUR-WS </a:t>
+            </a:r>
+            <a:r>
+              <a:rPr lang="de-DE" sz="4000" dirty="0" err="1" smtClean="0"/>
+              <a:t>proceedings</a:t>
+            </a:r>
+            <a:endParaRPr lang="de-DE" sz="4000" dirty="0"/>
           </a:p>
         </p:txBody>
       </p:sp>
@@ -9326,12 +9728,480 @@
             <p:ph idx="1"/>
           </p:nvPr>
         </p:nvSpPr>
-        <p:spPr/>
+        <p:spPr>
+          <a:xfrm>
+            <a:off x="555171" y="1338192"/>
+            <a:ext cx="8588829" cy="5236029"/>
+          </a:xfrm>
+        </p:spPr>
         <p:txBody>
           <a:bodyPr/>
           <a:lstStyle/>
           <a:p>
-            <a:endParaRPr lang="de-DE"/>
+            <a:pPr marL="0" indent="0">
+              <a:buNone/>
+            </a:pPr>
+            <a:r>
+              <a:rPr lang="de-DE" sz="2400" dirty="0" smtClean="0"/>
+              <a:t>EEKE proceedings to be published with CEUR-WS </a:t>
+            </a:r>
+            <a:r>
+              <a:rPr lang="de-DE" sz="2400" dirty="0">
+                <a:hlinkClick r:id="rId3"/>
+              </a:rPr>
+              <a:t>http://ceur-ws.org</a:t>
+            </a:r>
+            <a:r>
+              <a:rPr lang="de-DE" sz="2400" dirty="0" smtClean="0">
+                <a:hlinkClick r:id="rId3"/>
+              </a:rPr>
+              <a:t>/</a:t>
+            </a:r>
+            <a:r>
+              <a:rPr lang="de-DE" sz="2400" dirty="0" smtClean="0"/>
+              <a:t> </a:t>
+            </a:r>
+            <a:r>
+              <a:rPr lang="de-DE" sz="2400" b="1" dirty="0" smtClean="0"/>
+              <a:t>we need 4 things!</a:t>
+            </a:r>
+          </a:p>
+          <a:p>
+            <a:pPr marL="0" indent="0">
+              <a:buNone/>
+            </a:pPr>
+            <a:endParaRPr lang="de-DE" sz="2400" b="1" dirty="0" smtClean="0"/>
+          </a:p>
+          <a:p>
+            <a:pPr>
+              <a:buFont typeface="Wingdings" panose="05000000000000000000" pitchFamily="2" charset="2"/>
+              <a:buChar char="l"/>
+            </a:pPr>
+            <a:r>
+              <a:rPr lang="de-DE" sz="2000" b="1" dirty="0" err="1" smtClean="0">
+                <a:solidFill>
+                  <a:srgbClr val="FF0000"/>
+                </a:solidFill>
+              </a:rPr>
+              <a:t>Camera-ready</a:t>
+            </a:r>
+            <a:r>
+              <a:rPr lang="de-DE" sz="2000" b="1" dirty="0" smtClean="0">
+                <a:solidFill>
+                  <a:srgbClr val="FF0000"/>
+                </a:solidFill>
+              </a:rPr>
+              <a:t> </a:t>
+            </a:r>
+            <a:r>
+              <a:rPr lang="de-DE" sz="2000" b="1" dirty="0" err="1" smtClean="0">
+                <a:solidFill>
+                  <a:srgbClr val="FF0000"/>
+                </a:solidFill>
+              </a:rPr>
+              <a:t>paper</a:t>
+            </a:r>
+            <a:r>
+              <a:rPr lang="de-DE" sz="2000" b="1" dirty="0" smtClean="0">
+                <a:solidFill>
+                  <a:srgbClr val="FF0000"/>
+                </a:solidFill>
+              </a:rPr>
+              <a:t> </a:t>
+            </a:r>
+            <a:r>
+              <a:rPr lang="de-DE" sz="2000" dirty="0" err="1" smtClean="0"/>
+              <a:t>till</a:t>
+            </a:r>
+            <a:r>
+              <a:rPr lang="de-DE" sz="2000" dirty="0" smtClean="0"/>
+              <a:t> </a:t>
+            </a:r>
+            <a:r>
+              <a:rPr lang="de-DE" sz="2000" b="1" dirty="0" smtClean="0"/>
+              <a:t>August 15</a:t>
+            </a:r>
+          </a:p>
+          <a:p>
+            <a:pPr>
+              <a:buFont typeface="Wingdings" panose="05000000000000000000" pitchFamily="2" charset="2"/>
+              <a:buChar char="l"/>
+            </a:pPr>
+            <a:r>
+              <a:rPr lang="de-DE" sz="2000" dirty="0" smtClean="0"/>
+              <a:t>+ </a:t>
+            </a:r>
+            <a:r>
+              <a:rPr lang="de-DE" sz="2000" b="1" dirty="0" err="1" smtClean="0">
+                <a:solidFill>
+                  <a:srgbClr val="FF0000"/>
+                </a:solidFill>
+              </a:rPr>
+              <a:t>Author</a:t>
+            </a:r>
+            <a:r>
+              <a:rPr lang="de-DE" sz="2000" b="1" dirty="0" smtClean="0">
+                <a:solidFill>
+                  <a:srgbClr val="FF0000"/>
+                </a:solidFill>
+              </a:rPr>
+              <a:t> </a:t>
+            </a:r>
+            <a:r>
+              <a:rPr lang="de-DE" sz="2000" b="1" dirty="0" err="1" smtClean="0">
+                <a:solidFill>
+                  <a:srgbClr val="FF0000"/>
+                </a:solidFill>
+              </a:rPr>
+              <a:t>agreement</a:t>
+            </a:r>
+            <a:r>
+              <a:rPr lang="de-DE" sz="2000" b="1" dirty="0" smtClean="0">
+                <a:solidFill>
+                  <a:srgbClr val="FF0000"/>
+                </a:solidFill>
+              </a:rPr>
+              <a:t> </a:t>
+            </a:r>
+            <a:r>
+              <a:rPr lang="de-DE" sz="2000" dirty="0" smtClean="0"/>
+              <a:t>(</a:t>
+            </a:r>
+            <a:r>
+              <a:rPr lang="de-DE" sz="2000" dirty="0" err="1" smtClean="0"/>
+              <a:t>signed</a:t>
+            </a:r>
+            <a:r>
+              <a:rPr lang="de-DE" sz="2000" dirty="0" smtClean="0"/>
+              <a:t> </a:t>
+            </a:r>
+            <a:r>
+              <a:rPr lang="de-DE" sz="2000" dirty="0" err="1" smtClean="0"/>
+              <a:t>by</a:t>
+            </a:r>
+            <a:r>
+              <a:rPr lang="de-DE" sz="2000" dirty="0" smtClean="0"/>
+              <a:t> </a:t>
+            </a:r>
+            <a:r>
+              <a:rPr lang="de-DE" sz="2000" dirty="0" err="1" smtClean="0"/>
+              <a:t>corresponding</a:t>
+            </a:r>
+            <a:r>
+              <a:rPr lang="de-DE" sz="2000" dirty="0" smtClean="0"/>
+              <a:t> </a:t>
+            </a:r>
+            <a:r>
+              <a:rPr lang="de-DE" sz="2000" dirty="0" err="1" smtClean="0"/>
+              <a:t>author</a:t>
+            </a:r>
+            <a:r>
+              <a:rPr lang="de-DE" sz="2000" dirty="0"/>
+              <a:t>) </a:t>
+            </a:r>
+            <a:r>
+              <a:rPr lang="de-DE" sz="2000" dirty="0" smtClean="0"/>
+              <a:t>-&gt; send </a:t>
+            </a:r>
+            <a:r>
+              <a:rPr lang="de-DE" sz="2000" b="1" dirty="0" smtClean="0"/>
+              <a:t>via </a:t>
+            </a:r>
+            <a:r>
+              <a:rPr lang="de-DE" sz="2000" b="1" dirty="0"/>
+              <a:t>email </a:t>
+            </a:r>
+            <a:r>
+              <a:rPr lang="de-DE" sz="2000" b="1" dirty="0" err="1"/>
+              <a:t>to</a:t>
+            </a:r>
+            <a:r>
+              <a:rPr lang="de-DE" sz="2000" b="1" dirty="0"/>
+              <a:t> </a:t>
+            </a:r>
+            <a:r>
+              <a:rPr lang="de-DE" sz="2000" dirty="0">
+                <a:hlinkClick r:id="rId4"/>
+              </a:rPr>
+              <a:t>philipp.mayr@gesis.org</a:t>
+            </a:r>
+            <a:r>
+              <a:rPr lang="de-DE" sz="2000" dirty="0"/>
+              <a:t> </a:t>
+            </a:r>
+            <a:endParaRPr lang="de-DE" sz="2000" dirty="0" smtClean="0"/>
+          </a:p>
+          <a:p>
+            <a:pPr lvl="1">
+              <a:buFont typeface="Wingdings" panose="05000000000000000000" pitchFamily="2" charset="2"/>
+              <a:buChar char="ü"/>
+            </a:pPr>
+            <a:r>
+              <a:rPr lang="de-DE" sz="2000" dirty="0" smtClean="0">
+                <a:hlinkClick r:id="rId5"/>
+              </a:rPr>
+              <a:t>http</a:t>
+            </a:r>
+            <a:r>
+              <a:rPr lang="de-DE" sz="2000" dirty="0">
+                <a:hlinkClick r:id="rId5"/>
+              </a:rPr>
+              <a:t>://</a:t>
+            </a:r>
+            <a:r>
+              <a:rPr lang="de-DE" sz="2000" dirty="0" smtClean="0">
+                <a:hlinkClick r:id="rId5"/>
+              </a:rPr>
+              <a:t>ceur-ws.org/ceur-author-agreement-ccby-ntp.pdf?ver=2020-03-02</a:t>
+            </a:r>
+            <a:r>
+              <a:rPr lang="de-DE" sz="2000" dirty="0" smtClean="0"/>
+              <a:t> </a:t>
+            </a:r>
+            <a:r>
+              <a:rPr lang="de-DE" sz="2000" dirty="0" err="1" smtClean="0"/>
+              <a:t>if</a:t>
+            </a:r>
+            <a:r>
+              <a:rPr lang="de-DE" sz="2000" dirty="0" smtClean="0"/>
+              <a:t> </a:t>
+            </a:r>
+            <a:r>
+              <a:rPr lang="en-US" sz="2000" b="1" dirty="0"/>
+              <a:t>no</a:t>
+            </a:r>
+            <a:r>
+              <a:rPr lang="en-US" sz="2000" dirty="0"/>
+              <a:t> copyrighted third party </a:t>
+            </a:r>
+            <a:r>
+              <a:rPr lang="en-US" sz="2000" dirty="0" smtClean="0"/>
+              <a:t>material</a:t>
+            </a:r>
+          </a:p>
+          <a:p>
+            <a:pPr lvl="1">
+              <a:buFont typeface="Wingdings" panose="05000000000000000000" pitchFamily="2" charset="2"/>
+              <a:buChar char="ü"/>
+            </a:pPr>
+            <a:r>
+              <a:rPr lang="de-DE" sz="2000" dirty="0">
+                <a:hlinkClick r:id="rId6"/>
+              </a:rPr>
+              <a:t>http://</a:t>
+            </a:r>
+            <a:r>
+              <a:rPr lang="de-DE" sz="2000" dirty="0" smtClean="0">
+                <a:hlinkClick r:id="rId6"/>
+              </a:rPr>
+              <a:t>ceur-ws.org/ceur-author-agreement-ccby-tp.pdf?ver=2020-03-02</a:t>
+            </a:r>
+            <a:r>
+              <a:rPr lang="de-DE" sz="2000" dirty="0" smtClean="0"/>
+              <a:t> </a:t>
+            </a:r>
+            <a:r>
+              <a:rPr lang="de-DE" sz="2000" dirty="0" err="1" smtClean="0"/>
+              <a:t>if</a:t>
+            </a:r>
+            <a:r>
+              <a:rPr lang="de-DE" sz="2000" dirty="0" smtClean="0"/>
+              <a:t> </a:t>
+            </a:r>
+            <a:r>
+              <a:rPr lang="de-DE" sz="2000" dirty="0" err="1" smtClean="0"/>
+              <a:t>copyrighted</a:t>
+            </a:r>
+            <a:r>
+              <a:rPr lang="de-DE" sz="2000" dirty="0" smtClean="0"/>
+              <a:t> </a:t>
+            </a:r>
+            <a:r>
+              <a:rPr lang="de-DE" sz="2000" dirty="0" err="1"/>
+              <a:t>third</a:t>
+            </a:r>
+            <a:r>
+              <a:rPr lang="de-DE" sz="2000" dirty="0"/>
+              <a:t> </a:t>
+            </a:r>
+            <a:r>
+              <a:rPr lang="de-DE" sz="2000" dirty="0" err="1"/>
+              <a:t>party</a:t>
+            </a:r>
+            <a:r>
+              <a:rPr lang="de-DE" sz="2000" dirty="0"/>
+              <a:t> </a:t>
+            </a:r>
+            <a:r>
+              <a:rPr lang="de-DE" sz="2000" dirty="0" smtClean="0"/>
+              <a:t>material </a:t>
+            </a:r>
+          </a:p>
+          <a:p>
+            <a:pPr>
+              <a:buFont typeface="Wingdings" panose="05000000000000000000" pitchFamily="2" charset="2"/>
+              <a:buChar char="l"/>
+            </a:pPr>
+            <a:r>
+              <a:rPr lang="de-DE" sz="2000" dirty="0" err="1" smtClean="0"/>
+              <a:t>Submit</a:t>
+            </a:r>
+            <a:r>
+              <a:rPr lang="de-DE" sz="2000" dirty="0" smtClean="0"/>
+              <a:t> </a:t>
+            </a:r>
+            <a:r>
+              <a:rPr lang="de-DE" sz="2000" b="1" dirty="0" smtClean="0">
+                <a:solidFill>
+                  <a:srgbClr val="FF0000"/>
+                </a:solidFill>
+              </a:rPr>
+              <a:t>PDF via </a:t>
+            </a:r>
+            <a:r>
+              <a:rPr lang="de-DE" sz="2000" b="1" dirty="0" err="1" smtClean="0">
+                <a:solidFill>
+                  <a:srgbClr val="FF0000"/>
+                </a:solidFill>
+              </a:rPr>
+              <a:t>Easychair</a:t>
+            </a:r>
+            <a:r>
+              <a:rPr lang="de-DE" sz="2000" dirty="0" smtClean="0"/>
+              <a:t> -&gt; update </a:t>
+            </a:r>
+            <a:r>
+              <a:rPr lang="de-DE" sz="2000" dirty="0" err="1" smtClean="0"/>
+              <a:t>your</a:t>
+            </a:r>
+            <a:r>
+              <a:rPr lang="de-DE" sz="2000" dirty="0" smtClean="0"/>
+              <a:t> </a:t>
+            </a:r>
+            <a:r>
+              <a:rPr lang="de-DE" sz="2000" dirty="0" err="1" smtClean="0"/>
+              <a:t>submission</a:t>
+            </a:r>
+            <a:endParaRPr lang="de-DE" sz="2000" dirty="0" smtClean="0"/>
+          </a:p>
+          <a:p>
+            <a:pPr>
+              <a:buFont typeface="Wingdings" panose="05000000000000000000" pitchFamily="2" charset="2"/>
+              <a:buChar char="l"/>
+            </a:pPr>
+            <a:r>
+              <a:rPr lang="de-DE" sz="2000" dirty="0" smtClean="0"/>
+              <a:t>+ </a:t>
+            </a:r>
+            <a:r>
+              <a:rPr lang="de-DE" sz="2000" b="1" dirty="0" smtClean="0">
+                <a:solidFill>
+                  <a:srgbClr val="FF0000"/>
+                </a:solidFill>
+              </a:rPr>
+              <a:t>Send </a:t>
+            </a:r>
+            <a:r>
+              <a:rPr lang="de-DE" sz="2000" b="1" dirty="0" err="1" smtClean="0">
+                <a:solidFill>
+                  <a:srgbClr val="FF0000"/>
+                </a:solidFill>
+              </a:rPr>
+              <a:t>sources</a:t>
+            </a:r>
+            <a:r>
+              <a:rPr lang="de-DE" sz="2000" b="1" dirty="0" smtClean="0">
+                <a:solidFill>
+                  <a:srgbClr val="FF0000"/>
+                </a:solidFill>
+              </a:rPr>
+              <a:t> </a:t>
+            </a:r>
+            <a:r>
+              <a:rPr lang="de-DE" sz="2000" dirty="0" smtClean="0"/>
+              <a:t>(</a:t>
+            </a:r>
+            <a:r>
+              <a:rPr lang="de-DE" sz="2000" dirty="0" err="1" smtClean="0"/>
+              <a:t>tex</a:t>
+            </a:r>
+            <a:r>
+              <a:rPr lang="de-DE" sz="2000" dirty="0" smtClean="0"/>
+              <a:t>-&gt;</a:t>
+            </a:r>
+            <a:r>
+              <a:rPr lang="de-DE" sz="2000" dirty="0" err="1" smtClean="0"/>
+              <a:t>zip</a:t>
+            </a:r>
+            <a:r>
+              <a:rPr lang="de-DE" sz="2000" dirty="0"/>
+              <a:t> </a:t>
+            </a:r>
+            <a:r>
+              <a:rPr lang="de-DE" sz="2000" dirty="0" err="1" smtClean="0"/>
+              <a:t>or</a:t>
+            </a:r>
+            <a:r>
+              <a:rPr lang="de-DE" sz="2000" dirty="0" smtClean="0"/>
+              <a:t> MS </a:t>
+            </a:r>
+            <a:r>
+              <a:rPr lang="de-DE" sz="2000" dirty="0" err="1" smtClean="0"/>
+              <a:t>word</a:t>
+            </a:r>
+            <a:r>
+              <a:rPr lang="de-DE" sz="2000" dirty="0" smtClean="0"/>
+              <a:t>) </a:t>
+            </a:r>
+            <a:r>
+              <a:rPr lang="de-DE" sz="2000" dirty="0" err="1" smtClean="0"/>
+              <a:t>of</a:t>
+            </a:r>
+            <a:r>
+              <a:rPr lang="de-DE" sz="2000" dirty="0" smtClean="0"/>
+              <a:t> </a:t>
+            </a:r>
+            <a:r>
+              <a:rPr lang="de-DE" sz="2000" dirty="0" err="1" smtClean="0"/>
+              <a:t>your</a:t>
+            </a:r>
+            <a:r>
+              <a:rPr lang="de-DE" sz="2000" dirty="0" smtClean="0"/>
+              <a:t> </a:t>
+            </a:r>
+            <a:r>
+              <a:rPr lang="de-DE" sz="2000" dirty="0" err="1" smtClean="0"/>
+              <a:t>paper</a:t>
+            </a:r>
+            <a:r>
+              <a:rPr lang="de-DE" sz="2000" dirty="0" smtClean="0"/>
+              <a:t> </a:t>
+            </a:r>
+            <a:br>
+              <a:rPr lang="de-DE" sz="2000" dirty="0" smtClean="0"/>
+            </a:br>
+            <a:r>
+              <a:rPr lang="de-DE" sz="2000" dirty="0" smtClean="0"/>
+              <a:t>via email </a:t>
+            </a:r>
+            <a:r>
+              <a:rPr lang="de-DE" sz="2000" dirty="0" err="1" smtClean="0"/>
+              <a:t>to</a:t>
+            </a:r>
+            <a:r>
+              <a:rPr lang="de-DE" sz="2000" dirty="0" smtClean="0"/>
+              <a:t> </a:t>
+            </a:r>
+            <a:r>
+              <a:rPr lang="de-DE" sz="2000" dirty="0" smtClean="0">
+                <a:hlinkClick r:id="rId4"/>
+              </a:rPr>
+              <a:t>philipp.mayr@gesis.org</a:t>
+            </a:r>
+            <a:r>
+              <a:rPr lang="de-DE" sz="2000" dirty="0" smtClean="0"/>
+              <a:t> </a:t>
+            </a:r>
           </a:p>
         </p:txBody>
       </p:sp>
@@ -9367,7 +10237,7 @@
     </p:spTree>
     <p:extLst>
       <p:ext uri="{BB962C8B-B14F-4D97-AF65-F5344CB8AC3E}">
-        <p14:creationId xmlns:p14="http://schemas.microsoft.com/office/powerpoint/2010/main" val="960195357"/>
+        <p14:creationId xmlns:p14="http://schemas.microsoft.com/office/powerpoint/2010/main" val="1099695850"/>
       </p:ext>
     </p:extLst>
   </p:cSld>
@@ -9403,6 +10273,402 @@
       </p:grpSpPr>
       <p:sp>
         <p:nvSpPr>
+          <p:cNvPr id="2" name="Titel 1"/>
+          <p:cNvSpPr>
+            <a:spLocks noGrp="1"/>
+          </p:cNvSpPr>
+          <p:nvPr>
+            <p:ph type="title"/>
+          </p:nvPr>
+        </p:nvSpPr>
+        <p:spPr>
+          <a:xfrm>
+            <a:off x="371475" y="86054"/>
+            <a:ext cx="8229600" cy="1371600"/>
+          </a:xfrm>
+        </p:spPr>
+        <p:txBody>
+          <a:bodyPr/>
+          <a:lstStyle/>
+          <a:p>
+            <a:r>
+              <a:rPr lang="en-US" altLang="zh-CN" dirty="0" smtClean="0"/>
+              <a:t>N</a:t>
+            </a:r>
+            <a:r>
+              <a:rPr lang="de-DE" dirty="0" smtClean="0"/>
+              <a:t>ext steps</a:t>
+            </a:r>
+            <a:endParaRPr lang="de-DE" dirty="0"/>
+          </a:p>
+        </p:txBody>
+      </p:sp>
+      <p:sp>
+        <p:nvSpPr>
+          <p:cNvPr id="4" name="Foliennummernplatzhalter 3"/>
+          <p:cNvSpPr>
+            <a:spLocks noGrp="1"/>
+          </p:cNvSpPr>
+          <p:nvPr>
+            <p:ph type="sldNum" sz="quarter" idx="11"/>
+          </p:nvPr>
+        </p:nvSpPr>
+        <p:spPr/>
+        <p:txBody>
+          <a:bodyPr/>
+          <a:lstStyle/>
+          <a:p>
+            <a:pPr>
+              <a:defRPr/>
+            </a:pPr>
+            <a:fld id="{AEE02E9E-D9FE-1444-BE68-D91C902B281D}" type="slidenum">
+              <a:rPr lang="fr-FR" smtClean="0"/>
+              <a:pPr>
+                <a:defRPr/>
+              </a:pPr>
+              <a:t>12</a:t>
+            </a:fld>
+            <a:endParaRPr lang="fr-FR"/>
+          </a:p>
+        </p:txBody>
+      </p:sp>
+      <p:sp>
+        <p:nvSpPr>
+          <p:cNvPr id="7" name="矩形 6"/>
+          <p:cNvSpPr/>
+          <p:nvPr/>
+        </p:nvSpPr>
+        <p:spPr>
+          <a:xfrm>
+            <a:off x="285751" y="1306074"/>
+            <a:ext cx="6009946" cy="2185214"/>
+          </a:xfrm>
+          <a:prstGeom prst="rect">
+            <a:avLst/>
+          </a:prstGeom>
+        </p:spPr>
+        <p:txBody>
+          <a:bodyPr wrap="square">
+            <a:spAutoFit/>
+          </a:bodyPr>
+          <a:lstStyle/>
+          <a:p>
+            <a:pPr algn="l">
+              <a:spcBef>
+                <a:spcPts val="600"/>
+              </a:spcBef>
+            </a:pPr>
+            <a:r>
+              <a:rPr lang="zh-CN" altLang="en-US" sz="2000" i="1" dirty="0"/>
+              <a:t>Journal of Data and Information Science</a:t>
+            </a:r>
+          </a:p>
+          <a:p>
+            <a:pPr algn="l">
+              <a:spcBef>
+                <a:spcPts val="600"/>
+              </a:spcBef>
+            </a:pPr>
+            <a:r>
+              <a:rPr lang="zh-CN" altLang="en-US" sz="2000" i="1" dirty="0"/>
+              <a:t>Call for papers </a:t>
+            </a:r>
+          </a:p>
+          <a:p>
+            <a:pPr algn="l">
+              <a:spcBef>
+                <a:spcPts val="600"/>
+              </a:spcBef>
+            </a:pPr>
+            <a:r>
+              <a:rPr lang="zh-CN" altLang="en-US" sz="2000" b="1" dirty="0"/>
+              <a:t>Special Issue on </a:t>
+            </a:r>
+            <a:r>
+              <a:rPr lang="zh-CN" altLang="en-US" sz="2000" dirty="0"/>
+              <a:t>“</a:t>
+            </a:r>
+            <a:r>
+              <a:rPr lang="zh-CN" altLang="en-US" sz="2000" b="1" dirty="0"/>
+              <a:t>Extraction and Evaluation of Knowledge Entities from Scientific Documents</a:t>
+            </a:r>
+            <a:r>
+              <a:rPr lang="zh-CN" altLang="en-US" dirty="0"/>
+              <a:t>”</a:t>
+            </a:r>
+          </a:p>
+          <a:p>
+            <a:pPr algn="l">
+              <a:spcBef>
+                <a:spcPts val="600"/>
+              </a:spcBef>
+            </a:pPr>
+            <a:endParaRPr lang="en-US" altLang="zh-CN" dirty="0" smtClean="0"/>
+          </a:p>
+          <a:p>
+            <a:pPr algn="l">
+              <a:spcBef>
+                <a:spcPts val="600"/>
+              </a:spcBef>
+            </a:pPr>
+            <a:r>
+              <a:rPr lang="zh-CN" altLang="en-US" dirty="0" smtClean="0"/>
+              <a:t>Guest Editors：Chengzhi Zhang</a:t>
+            </a:r>
+            <a:r>
+              <a:rPr lang="en-US" altLang="zh-CN" dirty="0" smtClean="0"/>
+              <a:t>, </a:t>
+            </a:r>
+            <a:r>
+              <a:rPr lang="zh-CN" altLang="en-US" dirty="0" smtClean="0"/>
+              <a:t>Philipp Mayr</a:t>
+            </a:r>
+            <a:r>
+              <a:rPr lang="en-US" altLang="zh-CN" dirty="0" smtClean="0"/>
+              <a:t>,  </a:t>
+            </a:r>
+            <a:r>
+              <a:rPr lang="zh-CN" altLang="en-US" dirty="0" smtClean="0"/>
+              <a:t>Wei Lu</a:t>
+            </a:r>
+            <a:r>
+              <a:rPr lang="en-US" altLang="zh-CN" dirty="0" smtClean="0"/>
+              <a:t>, </a:t>
+            </a:r>
+            <a:r>
+              <a:rPr lang="zh-CN" altLang="en-US" dirty="0" smtClean="0"/>
+              <a:t>Yi Zhang</a:t>
+            </a:r>
+            <a:endParaRPr lang="zh-CN" altLang="en-US" dirty="0"/>
+          </a:p>
+        </p:txBody>
+      </p:sp>
+      <p:sp>
+        <p:nvSpPr>
+          <p:cNvPr id="8" name="矩形 7"/>
+          <p:cNvSpPr/>
+          <p:nvPr/>
+        </p:nvSpPr>
+        <p:spPr>
+          <a:xfrm>
+            <a:off x="285751" y="3704758"/>
+            <a:ext cx="9011479" cy="2446824"/>
+          </a:xfrm>
+          <a:prstGeom prst="rect">
+            <a:avLst/>
+          </a:prstGeom>
+        </p:spPr>
+        <p:txBody>
+          <a:bodyPr wrap="square">
+            <a:spAutoFit/>
+          </a:bodyPr>
+          <a:lstStyle/>
+          <a:p>
+            <a:pPr marL="285750" indent="-285750" algn="l">
+              <a:buFont typeface="Wingdings" panose="05000000000000000000" pitchFamily="2" charset="2"/>
+              <a:buChar char="l"/>
+            </a:pPr>
+            <a:r>
+              <a:rPr lang="zh-CN" altLang="en-US" b="1" dirty="0" smtClean="0"/>
+              <a:t>   Important </a:t>
+            </a:r>
+            <a:r>
+              <a:rPr lang="zh-CN" altLang="en-US" b="1" dirty="0"/>
+              <a:t>dates</a:t>
+            </a:r>
+          </a:p>
+          <a:p>
+            <a:pPr marL="742950" lvl="1" indent="-285750" algn="l">
+              <a:buFont typeface="Wingdings" panose="05000000000000000000" pitchFamily="2" charset="2"/>
+              <a:buChar char="ü"/>
+            </a:pPr>
+            <a:r>
+              <a:rPr lang="zh-CN" altLang="en-US" dirty="0" smtClean="0"/>
+              <a:t>   </a:t>
+            </a:r>
+            <a:r>
+              <a:rPr lang="zh-CN" altLang="en-US" b="1" dirty="0" smtClean="0">
+                <a:solidFill>
+                  <a:srgbClr val="FF0000"/>
+                </a:solidFill>
+              </a:rPr>
+              <a:t>Paper </a:t>
+            </a:r>
+            <a:r>
+              <a:rPr lang="zh-CN" altLang="en-US" b="1" dirty="0">
+                <a:solidFill>
+                  <a:srgbClr val="FF0000"/>
+                </a:solidFill>
+              </a:rPr>
+              <a:t>submission: 31 October 2020</a:t>
+            </a:r>
+          </a:p>
+          <a:p>
+            <a:pPr marL="742950" lvl="1" indent="-285750" algn="l">
+              <a:spcBef>
+                <a:spcPts val="0"/>
+              </a:spcBef>
+              <a:buFont typeface="Wingdings" panose="05000000000000000000" pitchFamily="2" charset="2"/>
+              <a:buChar char="ü"/>
+            </a:pPr>
+            <a:r>
+              <a:rPr lang="zh-CN" altLang="en-US" dirty="0" smtClean="0"/>
+              <a:t>   Review </a:t>
+            </a:r>
+            <a:r>
+              <a:rPr lang="zh-CN" altLang="en-US" dirty="0"/>
+              <a:t>reports and invitation to submit revised paper: 30 November 2020</a:t>
+            </a:r>
+          </a:p>
+          <a:p>
+            <a:pPr marL="742950" lvl="1" indent="-285750" algn="l">
+              <a:spcBef>
+                <a:spcPts val="0"/>
+              </a:spcBef>
+              <a:buFont typeface="Wingdings" panose="05000000000000000000" pitchFamily="2" charset="2"/>
+              <a:buChar char="ü"/>
+            </a:pPr>
+            <a:r>
+              <a:rPr lang="zh-CN" altLang="en-US" dirty="0" smtClean="0"/>
+              <a:t>   Revised </a:t>
+            </a:r>
+            <a:r>
+              <a:rPr lang="zh-CN" altLang="en-US" dirty="0"/>
+              <a:t>paper submission: 15 January 2021</a:t>
+            </a:r>
+          </a:p>
+          <a:p>
+            <a:pPr marL="742950" lvl="1" indent="-285750" algn="l">
+              <a:spcBef>
+                <a:spcPts val="0"/>
+              </a:spcBef>
+              <a:buFont typeface="Wingdings" panose="05000000000000000000" pitchFamily="2" charset="2"/>
+              <a:buChar char="ü"/>
+            </a:pPr>
+            <a:r>
+              <a:rPr lang="zh-CN" altLang="en-US" dirty="0" smtClean="0"/>
+              <a:t>   Expected </a:t>
+            </a:r>
+            <a:r>
+              <a:rPr lang="zh-CN" altLang="en-US" dirty="0"/>
+              <a:t>publication: May 2021</a:t>
+            </a:r>
+          </a:p>
+          <a:p>
+            <a:pPr marL="285750" indent="-285750" algn="l">
+              <a:buFont typeface="Wingdings" panose="05000000000000000000" pitchFamily="2" charset="2"/>
+              <a:buChar char="l"/>
+            </a:pPr>
+            <a:r>
+              <a:rPr lang="zh-CN" altLang="en-US" dirty="0" smtClean="0"/>
+              <a:t>  Please </a:t>
+            </a:r>
+            <a:r>
+              <a:rPr lang="zh-CN" altLang="en-US" dirty="0"/>
+              <a:t>submit your manuscript through </a:t>
+            </a:r>
+            <a:r>
+              <a:rPr lang="zh-CN" altLang="en-US" dirty="0" smtClean="0">
+                <a:hlinkClick r:id="rId3"/>
+              </a:rPr>
+              <a:t>https</a:t>
+            </a:r>
+            <a:r>
+              <a:rPr lang="zh-CN" altLang="en-US" dirty="0">
+                <a:hlinkClick r:id="rId3"/>
+              </a:rPr>
+              <a:t>://mc03.manuscriptcentral.com/</a:t>
+            </a:r>
+            <a:r>
+              <a:rPr lang="zh-CN" altLang="en-US" dirty="0" smtClean="0">
+                <a:hlinkClick r:id="rId3"/>
+              </a:rPr>
+              <a:t>jdis</a:t>
+            </a:r>
+            <a:endParaRPr lang="en-US" altLang="zh-CN" dirty="0" smtClean="0"/>
+          </a:p>
+          <a:p>
+            <a:pPr algn="l"/>
+            <a:r>
+              <a:rPr lang="zh-CN" altLang="en-US" dirty="0" smtClean="0"/>
+              <a:t>        When </a:t>
+            </a:r>
+            <a:r>
+              <a:rPr lang="zh-CN" altLang="en-US" dirty="0"/>
+              <a:t>submit, please put a note “EEKE2020” at the beginning of title.</a:t>
+            </a:r>
+          </a:p>
+        </p:txBody>
+      </p:sp>
+      <p:pic>
+        <p:nvPicPr>
+          <p:cNvPr id="9" name="图片 8"/>
+          <p:cNvPicPr>
+            <a:picLocks noChangeAspect="1"/>
+          </p:cNvPicPr>
+          <p:nvPr/>
+        </p:nvPicPr>
+        <p:blipFill>
+          <a:blip r:embed="rId4">
+            <a:extLst>
+              <a:ext uri="{28A0092B-C50C-407E-A947-70E740481C1C}">
+                <a14:useLocalDpi xmlns:a14="http://schemas.microsoft.com/office/drawing/2010/main" val="0"/>
+              </a:ext>
+            </a:extLst>
+          </a:blip>
+          <a:stretch>
+            <a:fillRect/>
+          </a:stretch>
+        </p:blipFill>
+        <p:spPr>
+          <a:xfrm>
+            <a:off x="6381750" y="588441"/>
+            <a:ext cx="2476500" cy="3200400"/>
+          </a:xfrm>
+          <a:prstGeom prst="rect">
+            <a:avLst/>
+          </a:prstGeom>
+        </p:spPr>
+      </p:pic>
+    </p:spTree>
+    <p:extLst>
+      <p:ext uri="{BB962C8B-B14F-4D97-AF65-F5344CB8AC3E}">
+        <p14:creationId xmlns:p14="http://schemas.microsoft.com/office/powerpoint/2010/main" val="960195357"/>
+      </p:ext>
+    </p:extLst>
+  </p:cSld>
+  <p:clrMapOvr>
+    <a:masterClrMapping/>
+  </p:clrMapOvr>
+  <p:timing>
+    <p:tnLst>
+      <p:par>
+        <p:cTn id="1" dur="indefinite" restart="never" nodeType="tmRoot"/>
+      </p:par>
+    </p:tnLst>
+  </p:timing>
+</p:sld>
+</file>
+
+<file path=ppt/slides/slide13.xml><?xml version="1.0" encoding="utf-8"?>
+<p:sld xmlns:a="http://schemas.openxmlformats.org/drawingml/2006/main" xmlns:r="http://schemas.openxmlformats.org/officeDocument/2006/relationships" xmlns:p="http://schemas.openxmlformats.org/presentationml/2006/main">
+  <p:cSld>
+    <p:spTree>
+      <p:nvGrpSpPr>
+        <p:cNvPr id="1" name=""/>
+        <p:cNvGrpSpPr/>
+        <p:nvPr/>
+      </p:nvGrpSpPr>
+      <p:grpSpPr>
+        <a:xfrm>
+          <a:off x="0" y="0"/>
+          <a:ext cx="0" cy="0"/>
+          <a:chOff x="0" y="0"/>
+          <a:chExt cx="0" cy="0"/>
+        </a:xfrm>
+      </p:grpSpPr>
+      <p:sp>
+        <p:nvSpPr>
           <p:cNvPr id="150529" name="Rectangle 2"/>
           <p:cNvSpPr>
             <a:spLocks noGrp="1" noChangeArrowheads="1"/>
@@ -9481,6 +10747,222 @@
           <a:lstStyle/>
           <a:p>
             <a:endParaRPr lang="en-US"/>
+          </a:p>
+        </p:txBody>
+      </p:sp>
+      <p:sp>
+        <p:nvSpPr>
+          <p:cNvPr id="4" name="矩形 3"/>
+          <p:cNvSpPr/>
+          <p:nvPr/>
+        </p:nvSpPr>
+        <p:spPr>
+          <a:xfrm>
+            <a:off x="3182315" y="5896492"/>
+            <a:ext cx="3663119" cy="461665"/>
+          </a:xfrm>
+          <a:prstGeom prst="rect">
+            <a:avLst/>
+          </a:prstGeom>
+        </p:spPr>
+        <p:txBody>
+          <a:bodyPr wrap="none">
+            <a:spAutoFit/>
+          </a:bodyPr>
+          <a:lstStyle/>
+          <a:p>
+            <a:r>
+              <a:rPr lang="zh-CN" altLang="en-US" sz="2400" dirty="0">
+                <a:hlinkClick r:id="rId3"/>
+              </a:rPr>
+              <a:t>https://eeke2020.github.io/</a:t>
+            </a:r>
+            <a:endParaRPr lang="zh-CN" altLang="en-US" sz="2400" dirty="0"/>
+          </a:p>
+        </p:txBody>
+      </p:sp>
+      <p:sp>
+        <p:nvSpPr>
+          <p:cNvPr id="5" name="Text Box 5"/>
+          <p:cNvSpPr txBox="1">
+            <a:spLocks noChangeArrowheads="1"/>
+          </p:cNvSpPr>
+          <p:nvPr/>
+        </p:nvSpPr>
+        <p:spPr bwMode="auto">
+          <a:xfrm>
+            <a:off x="1065267" y="4445682"/>
+            <a:ext cx="6527310" cy="400110"/>
+          </a:xfrm>
+          <a:prstGeom prst="rect">
+            <a:avLst/>
+          </a:prstGeom>
+          <a:noFill/>
+          <a:ln>
+            <a:noFill/>
+          </a:ln>
+          <a:extLst>
+            <a:ext uri="{909E8E84-426E-40DD-AFC4-6F175D3DCCD1}">
+              <a14:hiddenFill xmlns:a14="http://schemas.microsoft.com/office/drawing/2010/main">
+                <a:solidFill>
+                  <a:srgbClr val="FFFFFF"/>
+                </a:solidFill>
+              </a14:hiddenFill>
+            </a:ext>
+            <a:ext uri="{91240B29-F687-4F45-9708-019B960494DF}">
+              <a14:hiddenLine xmlns:a14="http://schemas.microsoft.com/office/drawing/2010/main" w="9525">
+                <a:solidFill>
+                  <a:srgbClr val="000000"/>
+                </a:solidFill>
+                <a:miter lim="800000"/>
+                <a:headEnd/>
+                <a:tailEnd/>
+              </a14:hiddenLine>
+            </a:ext>
+          </a:extLst>
+        </p:spPr>
+        <p:txBody>
+          <a:bodyPr wrap="square">
+            <a:spAutoFit/>
+          </a:bodyPr>
+          <a:lstStyle>
+            <a:lvl1pPr eaLnBrk="0" hangingPunct="0">
+              <a:defRPr sz="2400">
+                <a:solidFill>
+                  <a:schemeClr val="tx1"/>
+                </a:solidFill>
+                <a:latin typeface="Calibri" charset="0"/>
+                <a:ea typeface="ＭＳ Ｐゴシック" charset="0"/>
+                <a:cs typeface="ＭＳ Ｐゴシック" charset="0"/>
+              </a:defRPr>
+            </a:lvl1pPr>
+            <a:lvl2pPr marL="742950" indent="-285750" eaLnBrk="0" hangingPunct="0">
+              <a:defRPr sz="2400">
+                <a:solidFill>
+                  <a:schemeClr val="tx1"/>
+                </a:solidFill>
+                <a:latin typeface="Calibri" charset="0"/>
+                <a:ea typeface="ＭＳ Ｐゴシック" charset="0"/>
+              </a:defRPr>
+            </a:lvl2pPr>
+            <a:lvl3pPr marL="1143000" indent="-228600" eaLnBrk="0" hangingPunct="0">
+              <a:defRPr sz="2400">
+                <a:solidFill>
+                  <a:schemeClr val="tx1"/>
+                </a:solidFill>
+                <a:latin typeface="Calibri" charset="0"/>
+                <a:ea typeface="ＭＳ Ｐゴシック" charset="0"/>
+              </a:defRPr>
+            </a:lvl3pPr>
+            <a:lvl4pPr marL="1600200" indent="-228600" eaLnBrk="0" hangingPunct="0">
+              <a:defRPr sz="2400">
+                <a:solidFill>
+                  <a:schemeClr val="tx1"/>
+                </a:solidFill>
+                <a:latin typeface="Calibri" charset="0"/>
+                <a:ea typeface="ＭＳ Ｐゴシック" charset="0"/>
+              </a:defRPr>
+            </a:lvl4pPr>
+            <a:lvl5pPr marL="2057400" indent="-228600" eaLnBrk="0" hangingPunct="0">
+              <a:defRPr sz="2400">
+                <a:solidFill>
+                  <a:schemeClr val="tx1"/>
+                </a:solidFill>
+                <a:latin typeface="Calibri" charset="0"/>
+                <a:ea typeface="ＭＳ Ｐゴシック" charset="0"/>
+              </a:defRPr>
+            </a:lvl5pPr>
+            <a:lvl6pPr marL="2514600" indent="-228600" algn="ctr" eaLnBrk="0" fontAlgn="base" hangingPunct="0">
+              <a:spcBef>
+                <a:spcPct val="50000"/>
+              </a:spcBef>
+              <a:spcAft>
+                <a:spcPct val="0"/>
+              </a:spcAft>
+              <a:defRPr sz="2400">
+                <a:solidFill>
+                  <a:schemeClr val="tx1"/>
+                </a:solidFill>
+                <a:latin typeface="Calibri" charset="0"/>
+                <a:ea typeface="ＭＳ Ｐゴシック" charset="0"/>
+              </a:defRPr>
+            </a:lvl6pPr>
+            <a:lvl7pPr marL="2971800" indent="-228600" algn="ctr" eaLnBrk="0" fontAlgn="base" hangingPunct="0">
+              <a:spcBef>
+                <a:spcPct val="50000"/>
+              </a:spcBef>
+              <a:spcAft>
+                <a:spcPct val="0"/>
+              </a:spcAft>
+              <a:defRPr sz="2400">
+                <a:solidFill>
+                  <a:schemeClr val="tx1"/>
+                </a:solidFill>
+                <a:latin typeface="Calibri" charset="0"/>
+                <a:ea typeface="ＭＳ Ｐゴシック" charset="0"/>
+              </a:defRPr>
+            </a:lvl7pPr>
+            <a:lvl8pPr marL="3429000" indent="-228600" algn="ctr" eaLnBrk="0" fontAlgn="base" hangingPunct="0">
+              <a:spcBef>
+                <a:spcPct val="50000"/>
+              </a:spcBef>
+              <a:spcAft>
+                <a:spcPct val="0"/>
+              </a:spcAft>
+              <a:defRPr sz="2400">
+                <a:solidFill>
+                  <a:schemeClr val="tx1"/>
+                </a:solidFill>
+                <a:latin typeface="Calibri" charset="0"/>
+                <a:ea typeface="ＭＳ Ｐゴシック" charset="0"/>
+              </a:defRPr>
+            </a:lvl8pPr>
+            <a:lvl9pPr marL="3886200" indent="-228600" algn="ctr" eaLnBrk="0" fontAlgn="base" hangingPunct="0">
+              <a:spcBef>
+                <a:spcPct val="50000"/>
+              </a:spcBef>
+              <a:spcAft>
+                <a:spcPct val="0"/>
+              </a:spcAft>
+              <a:defRPr sz="2400">
+                <a:solidFill>
+                  <a:schemeClr val="tx1"/>
+                </a:solidFill>
+                <a:latin typeface="Calibri" charset="0"/>
+                <a:ea typeface="ＭＳ Ｐゴシック" charset="0"/>
+              </a:defRPr>
+            </a:lvl9pPr>
+          </a:lstStyle>
+          <a:p>
+            <a:pPr algn="r" eaLnBrk="1" hangingPunct="1"/>
+            <a:r>
+              <a:rPr lang="en-GB" sz="2000" dirty="0"/>
+              <a:t>Chengzhi </a:t>
+            </a:r>
+            <a:r>
+              <a:rPr lang="en-GB" sz="2000" dirty="0" smtClean="0"/>
+              <a:t>Zhang</a:t>
+            </a:r>
+            <a:r>
+              <a:rPr lang="en-US" sz="2000" dirty="0" smtClean="0"/>
+              <a:t>, </a:t>
+            </a:r>
+            <a:r>
+              <a:rPr lang="en-GB" sz="2000" dirty="0" smtClean="0"/>
+              <a:t>Philipp </a:t>
+            </a:r>
+            <a:r>
+              <a:rPr lang="en-GB" sz="2000" dirty="0" err="1" smtClean="0"/>
+              <a:t>Mayr</a:t>
+            </a:r>
+            <a:r>
+              <a:rPr lang="en-GB" sz="2000" dirty="0" smtClean="0"/>
+              <a:t>, Wei Lu, Yi </a:t>
+            </a:r>
+            <a:r>
+              <a:rPr lang="en-GB" sz="2000" dirty="0"/>
+              <a:t>Zhang</a:t>
+            </a:r>
           </a:p>
         </p:txBody>
       </p:sp>
@@ -9950,8 +11432,8 @@
         </p:nvSpPr>
         <p:spPr>
           <a:xfrm>
-            <a:off x="2272522" y="3691820"/>
-            <a:ext cx="1871718" cy="784830"/>
+            <a:off x="2145875" y="3719501"/>
+            <a:ext cx="2521596" cy="1661993"/>
           </a:xfrm>
           <a:prstGeom prst="rect">
             <a:avLst/>
@@ -9979,14 +11461,25 @@
           </a:p>
           <a:p>
             <a:r>
-              <a:rPr lang="en-US" dirty="0" smtClean="0"/>
+              <a:rPr lang="en-US" sz="1400" dirty="0" smtClean="0"/>
               <a:t>@</a:t>
             </a:r>
             <a:r>
-              <a:rPr lang="en-US" dirty="0" err="1" smtClean="0"/>
+              <a:rPr lang="en-US" sz="1400" dirty="0" err="1" smtClean="0"/>
               <a:t>philipp_mayr</a:t>
             </a:r>
-            <a:endParaRPr lang="en-US" dirty="0"/>
+            <a:endParaRPr lang="en-US" sz="1400" dirty="0" smtClean="0"/>
+          </a:p>
+          <a:p>
+            <a:r>
+              <a:rPr lang="en-US" sz="1400" dirty="0"/>
+              <a:t>GESIS - Leibniz-Institute for the Social Sciences department Knowledge Technologies for the Social </a:t>
+            </a:r>
+            <a:r>
+              <a:rPr lang="en-US" sz="1400" dirty="0" smtClean="0"/>
+              <a:t>Sciences</a:t>
+            </a:r>
+            <a:endParaRPr lang="en-US" sz="1400" dirty="0"/>
           </a:p>
         </p:txBody>
       </p:sp>
@@ -10004,8 +11497,8 @@
         </p:nvSpPr>
         <p:spPr>
           <a:xfrm>
-            <a:off x="276033" y="3733533"/>
-            <a:ext cx="1704625" cy="491581"/>
+            <a:off x="441250" y="3761214"/>
+            <a:ext cx="1704625" cy="1123384"/>
           </a:xfrm>
           <a:prstGeom prst="rect">
             <a:avLst/>
@@ -10023,18 +11516,20 @@
           <a:lstStyle/>
           <a:p>
             <a:r>
-              <a:rPr lang="en-GB" dirty="0" err="1"/>
-              <a:t>Chengzhi</a:t>
-            </a:r>
-            <a:r>
               <a:rPr lang="en-GB" dirty="0"/>
-              <a:t> </a:t>
+              <a:t>Chengzhi </a:t>
             </a:r>
             <a:r>
               <a:rPr lang="en-GB" dirty="0" smtClean="0"/>
               <a:t>Zhang</a:t>
             </a:r>
-            <a:endParaRPr lang="en-US" dirty="0"/>
+          </a:p>
+          <a:p>
+            <a:r>
+              <a:rPr lang="en-US" altLang="zh-CN" sz="1400" dirty="0" smtClean="0"/>
+              <a:t>Nanjing University of Science and Technology</a:t>
+            </a:r>
+            <a:endParaRPr lang="en-US" sz="1400" dirty="0"/>
           </a:p>
         </p:txBody>
       </p:sp>
@@ -10052,8 +11547,8 @@
         </p:nvSpPr>
         <p:spPr>
           <a:xfrm>
-            <a:off x="4436615" y="3682245"/>
-            <a:ext cx="2002176" cy="369332"/>
+            <a:off x="4601832" y="3709926"/>
+            <a:ext cx="2002176" cy="692497"/>
           </a:xfrm>
           <a:prstGeom prst="rect">
             <a:avLst/>
@@ -10072,9 +11567,19 @@
           <a:p>
             <a:r>
               <a:rPr lang="en-GB" dirty="0"/>
-              <a:t>Wei Lu</a:t>
-            </a:r>
-            <a:endParaRPr lang="en-US" dirty="0"/>
+              <a:t>Wei </a:t>
+            </a:r>
+            <a:r>
+              <a:rPr lang="en-GB" dirty="0" smtClean="0"/>
+              <a:t>Lu</a:t>
+            </a:r>
+          </a:p>
+          <a:p>
+            <a:r>
+              <a:rPr lang="en-US" altLang="zh-CN" sz="1400" dirty="0" smtClean="0"/>
+              <a:t>Wuhan University</a:t>
+            </a:r>
+            <a:endParaRPr lang="en-US" sz="1400" dirty="0"/>
           </a:p>
         </p:txBody>
       </p:sp>
@@ -10145,8 +11650,8 @@
         </p:nvSpPr>
         <p:spPr>
           <a:xfrm>
-            <a:off x="6606732" y="3704899"/>
-            <a:ext cx="1871718" cy="646331"/>
+            <a:off x="6771949" y="3732580"/>
+            <a:ext cx="1871718" cy="1338828"/>
           </a:xfrm>
           <a:prstGeom prst="rect">
             <a:avLst/>
@@ -10168,10 +11673,24 @@
               <a:t>Yi Zhang </a:t>
             </a:r>
             <a:r>
-              <a:rPr lang="de-DE" dirty="0"/>
-              <a:t>@YiZhang0520</a:t>
-            </a:r>
-            <a:endParaRPr lang="en-US" dirty="0"/>
+              <a:rPr lang="de-DE" sz="1400" dirty="0"/>
+              <a:t>@</a:t>
+            </a:r>
+            <a:r>
+              <a:rPr lang="de-DE" sz="1400" dirty="0" smtClean="0"/>
+              <a:t>YiZhang0520</a:t>
+            </a:r>
+          </a:p>
+          <a:p>
+            <a:r>
+              <a:rPr lang="en-US" sz="1400" dirty="0"/>
+              <a:t>University of Technology Sydney (UTS</a:t>
+            </a:r>
+            <a:r>
+              <a:rPr lang="en-US" sz="1400" dirty="0" smtClean="0"/>
+              <a:t>)</a:t>
+            </a:r>
+            <a:endParaRPr lang="en-US" sz="1400" dirty="0"/>
           </a:p>
         </p:txBody>
       </p:sp>
@@ -10198,8 +11717,8 @@
         </p:blipFill>
         <p:spPr bwMode="auto">
           <a:xfrm>
-            <a:off x="229564" y="1433513"/>
-            <a:ext cx="1647634" cy="1919287"/>
+            <a:off x="457200" y="1492469"/>
+            <a:ext cx="1601165" cy="1916717"/>
           </a:xfrm>
           <a:prstGeom prst="rect">
             <a:avLst/>
@@ -10218,7 +11737,7 @@
       </p:pic>
       <p:pic>
         <p:nvPicPr>
-          <p:cNvPr id="3079" name="Picture 7"/>
+          <p:cNvPr id="3081" name="Picture 9" descr="yi_zhang_picture.jpeg"/>
           <p:cNvPicPr>
             <a:picLocks noChangeAspect="1" noChangeArrowheads="1"/>
           </p:cNvPicPr>
@@ -10239,40 +11758,27 @@
         </p:blipFill>
         <p:spPr bwMode="auto">
           <a:xfrm>
-            <a:off x="4661133" y="1621107"/>
-            <a:ext cx="1530117" cy="1617700"/>
+            <a:off x="6812873" y="1492635"/>
+            <a:ext cx="1931734" cy="1916552"/>
           </a:xfrm>
           <a:prstGeom prst="rect">
             <a:avLst/>
           </a:prstGeom>
           <a:noFill/>
-          <a:ln>
-            <a:noFill/>
-          </a:ln>
           <a:extLst>
             <a:ext uri="{909E8E84-426E-40DD-AFC4-6F175D3DCCD1}">
               <a14:hiddenFill xmlns:a14="http://schemas.microsoft.com/office/drawing/2010/main">
                 <a:solidFill>
-                  <a:schemeClr val="accent1"/>
+                  <a:srgbClr val="FFFFFF"/>
                 </a:solidFill>
               </a14:hiddenFill>
-            </a:ext>
-            <a:ext uri="{91240B29-F687-4F45-9708-019B960494DF}">
-              <a14:hiddenLine xmlns:a14="http://schemas.microsoft.com/office/drawing/2010/main" w="9525">
-                <a:solidFill>
-                  <a:schemeClr val="tx1"/>
-                </a:solidFill>
-                <a:miter lim="800000"/>
-                <a:headEnd/>
-                <a:tailEnd/>
-              </a14:hiddenLine>
             </a:ext>
           </a:extLst>
         </p:spPr>
       </p:pic>
       <p:pic>
         <p:nvPicPr>
-          <p:cNvPr id="3081" name="Picture 9" descr="yi_zhang_picture.jpeg"/>
+          <p:cNvPr id="3083" name="Picture 11" descr="https://philippmayr.github.io/philippmayr.jpg"/>
           <p:cNvPicPr>
             <a:picLocks noChangeAspect="1" noChangeArrowheads="1"/>
           </p:cNvPicPr>
@@ -10293,8 +11799,8 @@
         </p:blipFill>
         <p:spPr bwMode="auto">
           <a:xfrm>
-            <a:off x="6647656" y="1538572"/>
-            <a:ext cx="1830794" cy="1830794"/>
+            <a:off x="2503378" y="1492470"/>
+            <a:ext cx="1703130" cy="1917210"/>
           </a:xfrm>
           <a:prstGeom prst="rect">
             <a:avLst/>
@@ -10313,43 +11819,26 @@
       </p:pic>
       <p:pic>
         <p:nvPicPr>
-          <p:cNvPr id="3083" name="Picture 11" descr="https://philippmayr.github.io/philippmayr.jpg"/>
+          <p:cNvPr id="2" name="图片 1"/>
           <p:cNvPicPr>
-            <a:picLocks noChangeAspect="1" noChangeArrowheads="1"/>
+            <a:picLocks noChangeAspect="1"/>
           </p:cNvPicPr>
           <p:nvPr/>
         </p:nvPicPr>
         <p:blipFill>
-          <a:blip r:embed="rId6" cstate="email">
-            <a:extLst>
-              <a:ext uri="{28A0092B-C50C-407E-A947-70E740481C1C}">
-                <a14:useLocalDpi xmlns:a14="http://schemas.microsoft.com/office/drawing/2010/main" val="0"/>
-              </a:ext>
-            </a:extLst>
-          </a:blip>
-          <a:srcRect/>
+          <a:blip r:embed="rId6"/>
           <a:stretch>
             <a:fillRect/>
           </a:stretch>
         </p:blipFill>
-        <p:spPr bwMode="auto">
+        <p:spPr>
           <a:xfrm>
-            <a:off x="2553218" y="1488661"/>
-            <a:ext cx="1310327" cy="1880705"/>
+            <a:off x="4667471" y="1492469"/>
+            <a:ext cx="1653860" cy="1916718"/>
           </a:xfrm>
           <a:prstGeom prst="rect">
             <a:avLst/>
           </a:prstGeom>
-          <a:noFill/>
-          <a:extLst>
-            <a:ext uri="{909E8E84-426E-40DD-AFC4-6F175D3DCCD1}">
-              <a14:hiddenFill xmlns:a14="http://schemas.microsoft.com/office/drawing/2010/main">
-                <a:solidFill>
-                  <a:srgbClr val="FFFFFF"/>
-                </a:solidFill>
-              </a14:hiddenFill>
-            </a:ext>
-          </a:extLst>
         </p:spPr>
       </p:pic>
     </p:spTree>
@@ -10806,77 +12295,249 @@
         </p:nvSpPr>
         <p:spPr>
           <a:xfrm>
-            <a:off x="457200" y="1981200"/>
-            <a:ext cx="8229600" cy="3886200"/>
+            <a:off x="457200" y="1236135"/>
+            <a:ext cx="8404656" cy="3886200"/>
           </a:xfrm>
         </p:spPr>
         <p:txBody>
           <a:bodyPr/>
           <a:lstStyle/>
           <a:p>
-            <a:r>
-              <a:rPr lang="de-DE" dirty="0" smtClean="0"/>
-              <a:t>TODO: Add </a:t>
-            </a:r>
-            <a:r>
-              <a:rPr lang="de-DE" dirty="0" err="1" smtClean="0"/>
-              <a:t>motivation</a:t>
-            </a:r>
-            <a:r>
-              <a:rPr lang="de-DE" dirty="0" smtClean="0"/>
-              <a:t> </a:t>
-            </a:r>
-            <a:r>
-              <a:rPr lang="de-DE" dirty="0" err="1" smtClean="0"/>
-              <a:t>of</a:t>
-            </a:r>
-            <a:r>
-              <a:rPr lang="de-DE" dirty="0" smtClean="0"/>
-              <a:t> </a:t>
-            </a:r>
-            <a:r>
-              <a:rPr lang="de-DE" dirty="0" err="1" smtClean="0"/>
-              <a:t>the</a:t>
-            </a:r>
-            <a:r>
-              <a:rPr lang="de-DE" dirty="0" smtClean="0"/>
-              <a:t> </a:t>
-            </a:r>
-            <a:r>
-              <a:rPr lang="de-DE" dirty="0" err="1" smtClean="0"/>
-              <a:t>workshop</a:t>
-            </a:r>
-            <a:r>
-              <a:rPr lang="de-DE" dirty="0" smtClean="0"/>
-              <a:t> and </a:t>
-            </a:r>
-            <a:r>
-              <a:rPr lang="de-DE" dirty="0" err="1" smtClean="0"/>
-              <a:t>introduction</a:t>
-            </a:r>
-            <a:r>
-              <a:rPr lang="de-DE" dirty="0" smtClean="0"/>
-              <a:t> </a:t>
-            </a:r>
-            <a:r>
-              <a:rPr lang="de-DE" dirty="0" err="1" smtClean="0"/>
-              <a:t>here</a:t>
-            </a:r>
-            <a:r>
-              <a:rPr lang="de-DE" dirty="0" smtClean="0"/>
-              <a:t> </a:t>
-            </a:r>
-          </a:p>
-          <a:p>
-            <a:r>
-              <a:rPr lang="de-DE" dirty="0" smtClean="0"/>
-              <a:t>1-2 </a:t>
-            </a:r>
-            <a:r>
-              <a:rPr lang="de-DE" dirty="0" err="1" smtClean="0"/>
-              <a:t>slides</a:t>
-            </a:r>
-            <a:endParaRPr lang="de-DE" dirty="0"/>
+            <a:pPr algn="just">
+              <a:buFont typeface="Wingdings" panose="05000000000000000000" pitchFamily="2" charset="2"/>
+              <a:buChar char="l"/>
+            </a:pPr>
+            <a:r>
+              <a:rPr lang="en-US" altLang="zh-CN" sz="1800" dirty="0" smtClean="0"/>
+              <a:t>K</a:t>
+            </a:r>
+            <a:r>
+              <a:rPr lang="en-US" sz="1800" dirty="0" smtClean="0"/>
+              <a:t>nowledge </a:t>
+            </a:r>
+            <a:r>
+              <a:rPr lang="en-US" sz="1800" dirty="0"/>
+              <a:t>entity</a:t>
+            </a:r>
+            <a:r>
+              <a:rPr lang="en-US" sz="1800" dirty="0" smtClean="0"/>
+              <a:t>： knowledge mentioned/used/cited </a:t>
+            </a:r>
+            <a:r>
+              <a:rPr lang="en-US" sz="1800" dirty="0"/>
+              <a:t>by authors, such as </a:t>
+            </a:r>
+            <a:r>
+              <a:rPr lang="en-US" sz="1800" dirty="0" smtClean="0"/>
+              <a:t>algorithms, models</a:t>
+            </a:r>
+            <a:r>
+              <a:rPr lang="en-US" sz="1800" dirty="0"/>
+              <a:t>, theories, datasets and software, which reflect </a:t>
+            </a:r>
+            <a:r>
+              <a:rPr lang="en-US" sz="1800" dirty="0" smtClean="0"/>
+              <a:t>the various </a:t>
+            </a:r>
+            <a:r>
+              <a:rPr lang="en-US" sz="1800" dirty="0"/>
+              <a:t>resources </a:t>
+            </a:r>
+            <a:r>
+              <a:rPr lang="en-US" sz="1800" dirty="0" smtClean="0"/>
+              <a:t>proposed/used </a:t>
+            </a:r>
+            <a:r>
+              <a:rPr lang="en-US" sz="1800" dirty="0"/>
+              <a:t>by the authors in solving problems.</a:t>
+            </a:r>
+          </a:p>
+          <a:p>
+            <a:pPr algn="just">
+              <a:buFont typeface="Wingdings" panose="05000000000000000000" pitchFamily="2" charset="2"/>
+              <a:buChar char="l"/>
+            </a:pPr>
+            <a:endParaRPr lang="en-US" sz="1800" dirty="0"/>
+          </a:p>
+          <a:p>
+            <a:pPr algn="just">
+              <a:buFont typeface="Wingdings" panose="05000000000000000000" pitchFamily="2" charset="2"/>
+              <a:buChar char="l"/>
+            </a:pPr>
+            <a:r>
+              <a:rPr lang="en-US" sz="1800" dirty="0"/>
+              <a:t>Extracting knowledge entities from scientific documents in an </a:t>
+            </a:r>
+            <a:r>
+              <a:rPr lang="en-US" sz="1800" dirty="0" smtClean="0"/>
+              <a:t>accurate and </a:t>
+            </a:r>
+            <a:r>
+              <a:rPr lang="en-US" sz="1800" dirty="0"/>
+              <a:t>comprehensive way becomes a significant topic</a:t>
+            </a:r>
+            <a:r>
+              <a:rPr lang="en-US" sz="1800" dirty="0" smtClean="0"/>
+              <a:t>. </a:t>
+            </a:r>
+            <a:r>
+              <a:rPr lang="en-US" altLang="zh-CN" sz="1800" dirty="0" smtClean="0"/>
+              <a:t>It is also a key issue in the filed of digital library.</a:t>
+            </a:r>
+            <a:endParaRPr lang="en-US" sz="1800" dirty="0"/>
+          </a:p>
+          <a:p>
+            <a:pPr algn="just">
+              <a:buFont typeface="Wingdings" panose="05000000000000000000" pitchFamily="2" charset="2"/>
+              <a:buChar char="l"/>
+            </a:pPr>
+            <a:endParaRPr lang="en-US" sz="1800" dirty="0"/>
+          </a:p>
+          <a:p>
+            <a:pPr algn="just">
+              <a:buFont typeface="Wingdings" panose="05000000000000000000" pitchFamily="2" charset="2"/>
+              <a:buChar char="l"/>
+            </a:pPr>
+            <a:r>
+              <a:rPr lang="en-US" sz="1800" dirty="0"/>
+              <a:t>EEKE </a:t>
+            </a:r>
+            <a:r>
+              <a:rPr lang="en-US" sz="1800" dirty="0" smtClean="0"/>
+              <a:t>workshop aims </a:t>
+            </a:r>
+            <a:r>
+              <a:rPr lang="en-US" sz="1800" dirty="0"/>
+              <a:t>to extract knowledge entities from scientific documents, </a:t>
+            </a:r>
+            <a:r>
+              <a:rPr lang="en-US" sz="1800" dirty="0" smtClean="0"/>
+              <a:t>and explore </a:t>
+            </a:r>
+            <a:r>
+              <a:rPr lang="en-US" sz="1800" dirty="0"/>
+              <a:t>the features of entities to conduct practical applications.</a:t>
+            </a:r>
+            <a:endParaRPr lang="de-DE" sz="1800" dirty="0"/>
+          </a:p>
+        </p:txBody>
+      </p:sp>
+      <p:pic>
+        <p:nvPicPr>
+          <p:cNvPr id="6" name="Picture 5" descr="Recycling Translations 1"/>
+          <p:cNvPicPr>
+            <a:picLocks noChangeAspect="1" noChangeArrowheads="1"/>
+          </p:cNvPicPr>
+          <p:nvPr/>
+        </p:nvPicPr>
+        <p:blipFill>
+          <a:blip r:embed="rId3" cstate="email">
+            <a:extLst>
+              <a:ext uri="{28A0092B-C50C-407E-A947-70E740481C1C}">
+                <a14:useLocalDpi xmlns:a14="http://schemas.microsoft.com/office/drawing/2010/main" val="0"/>
+              </a:ext>
+            </a:extLst>
+          </a:blip>
+          <a:srcRect/>
+          <a:stretch>
+            <a:fillRect/>
+          </a:stretch>
+        </p:blipFill>
+        <p:spPr bwMode="auto">
+          <a:xfrm>
+            <a:off x="979951" y="4317612"/>
+            <a:ext cx="3732274" cy="2083188"/>
+          </a:xfrm>
+          <a:prstGeom prst="rect">
+            <a:avLst/>
+          </a:prstGeom>
+          <a:noFill/>
+          <a:ln>
+            <a:noFill/>
+          </a:ln>
+          <a:extLst>
+            <a:ext uri="{909E8E84-426E-40DD-AFC4-6F175D3DCCD1}">
+              <a14:hiddenFill xmlns:a14="http://schemas.microsoft.com/office/drawing/2010/main">
+                <a:solidFill>
+                  <a:srgbClr val="FFFFFF"/>
+                </a:solidFill>
+              </a14:hiddenFill>
+            </a:ext>
+            <a:ext uri="{91240B29-F687-4F45-9708-019B960494DF}">
+              <a14:hiddenLine xmlns:a14="http://schemas.microsoft.com/office/drawing/2010/main" w="9525">
+                <a:solidFill>
+                  <a:srgbClr val="000000"/>
+                </a:solidFill>
+                <a:miter lim="800000"/>
+                <a:headEnd/>
+                <a:tailEnd/>
+              </a14:hiddenLine>
+            </a:ext>
+          </a:extLst>
+        </p:spPr>
+      </p:pic>
+      <p:pic>
+        <p:nvPicPr>
+          <p:cNvPr id="7" name="图片 6"/>
+          <p:cNvPicPr>
+            <a:picLocks noChangeAspect="1"/>
+          </p:cNvPicPr>
+          <p:nvPr/>
+        </p:nvPicPr>
+        <p:blipFill>
+          <a:blip r:embed="rId4"/>
+          <a:stretch>
+            <a:fillRect/>
+          </a:stretch>
+        </p:blipFill>
+        <p:spPr>
+          <a:xfrm>
+            <a:off x="4911482" y="4317612"/>
+            <a:ext cx="3950373" cy="2196662"/>
+          </a:xfrm>
+          <a:prstGeom prst="rect">
+            <a:avLst/>
+          </a:prstGeom>
+        </p:spPr>
+      </p:pic>
+      <p:sp>
+        <p:nvSpPr>
+          <p:cNvPr id="10" name="矩形 9"/>
+          <p:cNvSpPr/>
+          <p:nvPr/>
+        </p:nvSpPr>
+        <p:spPr>
+          <a:xfrm>
+            <a:off x="5478283" y="6457890"/>
+            <a:ext cx="2816772" cy="400110"/>
+          </a:xfrm>
+          <a:prstGeom prst="rect">
+            <a:avLst/>
+          </a:prstGeom>
+        </p:spPr>
+        <p:txBody>
+          <a:bodyPr wrap="square">
+            <a:spAutoFit/>
+          </a:bodyPr>
+          <a:lstStyle/>
+          <a:p>
+            <a:r>
+              <a:rPr lang="en-US" altLang="zh-CN" sz="1000" dirty="0" smtClean="0"/>
+              <a:t>(</a:t>
+            </a:r>
+            <a:r>
+              <a:rPr lang="zh-CN" altLang="en-US" sz="1000" dirty="0" smtClean="0"/>
+              <a:t>Ying </a:t>
+            </a:r>
+            <a:r>
+              <a:rPr lang="zh-CN" altLang="en-US" sz="1000" dirty="0"/>
+              <a:t>Ding, etc. Entitymetrics: Measuring the Impact of Entities. PLoS ONE, </a:t>
+            </a:r>
+            <a:r>
+              <a:rPr lang="zh-CN" altLang="en-US" sz="1000" dirty="0" smtClean="0"/>
+              <a:t>2013）</a:t>
+            </a:r>
+            <a:endParaRPr lang="zh-CN" altLang="en-US" sz="1000" dirty="0"/>
           </a:p>
         </p:txBody>
       </p:sp>
@@ -11101,6 +12762,1549 @@
           <a:p>
             <a:pPr marL="536575" indent="-536575" eaLnBrk="1" hangingPunct="1"/>
             <a:r>
+              <a:rPr lang="en-GB" sz="2800" dirty="0" smtClean="0">
+                <a:solidFill>
+                  <a:srgbClr val="CC0000"/>
+                </a:solidFill>
+                <a:latin typeface="Calibri" charset="0"/>
+                <a:sym typeface="Wingdings" charset="0"/>
+              </a:rPr>
+              <a:t>Topics:</a:t>
+            </a:r>
+            <a:r>
+              <a:rPr lang="en-US" sz="2800" dirty="0">
+                <a:solidFill>
+                  <a:srgbClr val="CC0000"/>
+                </a:solidFill>
+                <a:latin typeface="Calibri" charset="0"/>
+                <a:sym typeface="Wingdings" charset="0"/>
+              </a:rPr>
+              <a:t> Extraction and Evaluation of Knowledge Entities</a:t>
+            </a:r>
+            <a:endParaRPr lang="en-GB" sz="2800" dirty="0">
+              <a:solidFill>
+                <a:srgbClr val="CC0000"/>
+              </a:solidFill>
+              <a:latin typeface="Calibri" charset="0"/>
+            </a:endParaRPr>
+          </a:p>
+        </p:txBody>
+      </p:sp>
+      <p:sp>
+        <p:nvSpPr>
+          <p:cNvPr id="17" name="Text Box 4">
+            <a:extLst>
+              <a:ext uri="{FF2B5EF4-FFF2-40B4-BE49-F238E27FC236}">
+                <a16:creationId xmlns:a16="http://schemas.microsoft.com/office/drawing/2014/main" xmlns="" id="{7FB8B298-1DE1-8446-854E-9DA7260C306B}"/>
+              </a:ext>
+            </a:extLst>
+          </p:cNvPr>
+          <p:cNvSpPr txBox="1">
+            <a:spLocks noChangeArrowheads="1"/>
+          </p:cNvSpPr>
+          <p:nvPr/>
+        </p:nvSpPr>
+        <p:spPr bwMode="auto">
+          <a:xfrm>
+            <a:off x="684213" y="97497"/>
+            <a:ext cx="8459787" cy="338554"/>
+          </a:xfrm>
+          <a:prstGeom prst="rect">
+            <a:avLst/>
+          </a:prstGeom>
+          <a:noFill/>
+          <a:ln>
+            <a:noFill/>
+          </a:ln>
+          <a:extLst>
+            <a:ext uri="{909E8E84-426E-40DD-AFC4-6F175D3DCCD1}">
+              <a14:hiddenFill xmlns:a14="http://schemas.microsoft.com/office/drawing/2010/main">
+                <a:solidFill>
+                  <a:srgbClr val="FFFFFF"/>
+                </a:solidFill>
+              </a14:hiddenFill>
+            </a:ext>
+            <a:ext uri="{91240B29-F687-4F45-9708-019B960494DF}">
+              <a14:hiddenLine xmlns:a14="http://schemas.microsoft.com/office/drawing/2010/main" w="9525">
+                <a:solidFill>
+                  <a:srgbClr val="000000"/>
+                </a:solidFill>
+                <a:miter lim="800000"/>
+                <a:headEnd/>
+                <a:tailEnd/>
+              </a14:hiddenLine>
+            </a:ext>
+          </a:extLst>
+        </p:spPr>
+        <p:txBody>
+          <a:bodyPr>
+            <a:spAutoFit/>
+          </a:bodyPr>
+          <a:lstStyle>
+            <a:lvl1pPr marL="342900" indent="-342900" eaLnBrk="0" hangingPunct="0">
+              <a:tabLst>
+                <a:tab pos="8253413" algn="r"/>
+              </a:tabLst>
+              <a:defRPr sz="2400">
+                <a:solidFill>
+                  <a:schemeClr val="tx1"/>
+                </a:solidFill>
+                <a:latin typeface="Calibri" charset="0"/>
+                <a:ea typeface="ＭＳ Ｐゴシック" charset="0"/>
+                <a:cs typeface="ＭＳ Ｐゴシック" charset="0"/>
+              </a:defRPr>
+            </a:lvl1pPr>
+            <a:lvl2pPr marL="742950" indent="-285750" eaLnBrk="0" hangingPunct="0">
+              <a:tabLst>
+                <a:tab pos="8253413" algn="r"/>
+              </a:tabLst>
+              <a:defRPr sz="2400">
+                <a:solidFill>
+                  <a:schemeClr val="tx1"/>
+                </a:solidFill>
+                <a:latin typeface="Calibri" charset="0"/>
+                <a:ea typeface="ＭＳ Ｐゴシック" charset="0"/>
+              </a:defRPr>
+            </a:lvl2pPr>
+            <a:lvl3pPr marL="1143000" indent="-228600" eaLnBrk="0" hangingPunct="0">
+              <a:tabLst>
+                <a:tab pos="8253413" algn="r"/>
+              </a:tabLst>
+              <a:defRPr sz="2400">
+                <a:solidFill>
+                  <a:schemeClr val="tx1"/>
+                </a:solidFill>
+                <a:latin typeface="Calibri" charset="0"/>
+                <a:ea typeface="ＭＳ Ｐゴシック" charset="0"/>
+              </a:defRPr>
+            </a:lvl3pPr>
+            <a:lvl4pPr marL="1600200" indent="-228600" eaLnBrk="0" hangingPunct="0">
+              <a:tabLst>
+                <a:tab pos="8253413" algn="r"/>
+              </a:tabLst>
+              <a:defRPr sz="2400">
+                <a:solidFill>
+                  <a:schemeClr val="tx1"/>
+                </a:solidFill>
+                <a:latin typeface="Calibri" charset="0"/>
+                <a:ea typeface="ＭＳ Ｐゴシック" charset="0"/>
+              </a:defRPr>
+            </a:lvl4pPr>
+            <a:lvl5pPr marL="2057400" indent="-228600" eaLnBrk="0" hangingPunct="0">
+              <a:tabLst>
+                <a:tab pos="8253413" algn="r"/>
+              </a:tabLst>
+              <a:defRPr sz="2400">
+                <a:solidFill>
+                  <a:schemeClr val="tx1"/>
+                </a:solidFill>
+                <a:latin typeface="Calibri" charset="0"/>
+                <a:ea typeface="ＭＳ Ｐゴシック" charset="0"/>
+              </a:defRPr>
+            </a:lvl5pPr>
+            <a:lvl6pPr marL="2514600" indent="-228600" algn="ctr" eaLnBrk="0" fontAlgn="base" hangingPunct="0">
+              <a:spcBef>
+                <a:spcPct val="50000"/>
+              </a:spcBef>
+              <a:spcAft>
+                <a:spcPct val="0"/>
+              </a:spcAft>
+              <a:tabLst>
+                <a:tab pos="8253413" algn="r"/>
+              </a:tabLst>
+              <a:defRPr sz="2400">
+                <a:solidFill>
+                  <a:schemeClr val="tx1"/>
+                </a:solidFill>
+                <a:latin typeface="Calibri" charset="0"/>
+                <a:ea typeface="ＭＳ Ｐゴシック" charset="0"/>
+              </a:defRPr>
+            </a:lvl6pPr>
+            <a:lvl7pPr marL="2971800" indent="-228600" algn="ctr" eaLnBrk="0" fontAlgn="base" hangingPunct="0">
+              <a:spcBef>
+                <a:spcPct val="50000"/>
+              </a:spcBef>
+              <a:spcAft>
+                <a:spcPct val="0"/>
+              </a:spcAft>
+              <a:tabLst>
+                <a:tab pos="8253413" algn="r"/>
+              </a:tabLst>
+              <a:defRPr sz="2400">
+                <a:solidFill>
+                  <a:schemeClr val="tx1"/>
+                </a:solidFill>
+                <a:latin typeface="Calibri" charset="0"/>
+                <a:ea typeface="ＭＳ Ｐゴシック" charset="0"/>
+              </a:defRPr>
+            </a:lvl7pPr>
+            <a:lvl8pPr marL="3429000" indent="-228600" algn="ctr" eaLnBrk="0" fontAlgn="base" hangingPunct="0">
+              <a:spcBef>
+                <a:spcPct val="50000"/>
+              </a:spcBef>
+              <a:spcAft>
+                <a:spcPct val="0"/>
+              </a:spcAft>
+              <a:tabLst>
+                <a:tab pos="8253413" algn="r"/>
+              </a:tabLst>
+              <a:defRPr sz="2400">
+                <a:solidFill>
+                  <a:schemeClr val="tx1"/>
+                </a:solidFill>
+                <a:latin typeface="Calibri" charset="0"/>
+                <a:ea typeface="ＭＳ Ｐゴシック" charset="0"/>
+              </a:defRPr>
+            </a:lvl8pPr>
+            <a:lvl9pPr marL="3886200" indent="-228600" algn="ctr" eaLnBrk="0" fontAlgn="base" hangingPunct="0">
+              <a:spcBef>
+                <a:spcPct val="50000"/>
+              </a:spcBef>
+              <a:spcAft>
+                <a:spcPct val="0"/>
+              </a:spcAft>
+              <a:tabLst>
+                <a:tab pos="8253413" algn="r"/>
+              </a:tabLst>
+              <a:defRPr sz="2400">
+                <a:solidFill>
+                  <a:schemeClr val="tx1"/>
+                </a:solidFill>
+                <a:latin typeface="Calibri" charset="0"/>
+                <a:ea typeface="ＭＳ Ｐゴシック" charset="0"/>
+              </a:defRPr>
+            </a:lvl9pPr>
+          </a:lstStyle>
+          <a:p>
+            <a:pPr algn="r" eaLnBrk="1" hangingPunct="1"/>
+            <a:r>
+              <a:rPr lang="fr-FR" sz="1600" dirty="0" smtClean="0">
+                <a:solidFill>
+                  <a:schemeClr val="accent6"/>
+                </a:solidFill>
+              </a:rPr>
+              <a:t>EEKE 2020</a:t>
+            </a:r>
+            <a:endParaRPr lang="en-GB" sz="1200" i="1" dirty="0">
+              <a:solidFill>
+                <a:schemeClr val="accent6"/>
+              </a:solidFill>
+            </a:endParaRPr>
+          </a:p>
+        </p:txBody>
+      </p:sp>
+      <p:pic>
+        <p:nvPicPr>
+          <p:cNvPr id="4" name="图片 3"/>
+          <p:cNvPicPr>
+            <a:picLocks noChangeAspect="1"/>
+          </p:cNvPicPr>
+          <p:nvPr/>
+        </p:nvPicPr>
+        <p:blipFill>
+          <a:blip r:embed="rId3"/>
+          <a:stretch>
+            <a:fillRect/>
+          </a:stretch>
+        </p:blipFill>
+        <p:spPr>
+          <a:xfrm>
+            <a:off x="5824317" y="3971444"/>
+            <a:ext cx="2921875" cy="2127362"/>
+          </a:xfrm>
+          <a:prstGeom prst="rect">
+            <a:avLst/>
+          </a:prstGeom>
+        </p:spPr>
+      </p:pic>
+      <p:sp>
+        <p:nvSpPr>
+          <p:cNvPr id="3" name="矩形 2"/>
+          <p:cNvSpPr/>
+          <p:nvPr/>
+        </p:nvSpPr>
+        <p:spPr>
+          <a:xfrm>
+            <a:off x="470336" y="1277873"/>
+            <a:ext cx="8228559" cy="4970591"/>
+          </a:xfrm>
+          <a:prstGeom prst="rect">
+            <a:avLst/>
+          </a:prstGeom>
+        </p:spPr>
+        <p:txBody>
+          <a:bodyPr wrap="square">
+            <a:spAutoFit/>
+          </a:bodyPr>
+          <a:lstStyle/>
+          <a:p>
+            <a:pPr marL="285750" indent="-285750" algn="l">
+              <a:spcBef>
+                <a:spcPts val="600"/>
+              </a:spcBef>
+              <a:buClr>
+                <a:schemeClr val="tx1">
+                  <a:lumMod val="95000"/>
+                  <a:lumOff val="5000"/>
+                </a:schemeClr>
+              </a:buClr>
+              <a:buFont typeface="Wingdings" panose="05000000000000000000" pitchFamily="2" charset="2"/>
+              <a:buChar char="l"/>
+            </a:pPr>
+            <a:r>
+              <a:rPr lang="en-US" altLang="zh-CN" b="1" dirty="0">
+                <a:sym typeface="Wingdings" charset="0"/>
+              </a:rPr>
+              <a:t>Extraction </a:t>
+            </a:r>
+            <a:r>
+              <a:rPr lang="en-US" altLang="zh-CN" b="1" dirty="0" smtClean="0">
+                <a:sym typeface="Wingdings" charset="0"/>
+              </a:rPr>
+              <a:t>of Knowledge Entities </a:t>
+            </a:r>
+            <a:endParaRPr lang="en-US" altLang="zh-CN" b="1" dirty="0" smtClean="0"/>
+          </a:p>
+          <a:p>
+            <a:pPr marL="742950" lvl="1" indent="-285750" algn="l">
+              <a:spcBef>
+                <a:spcPts val="600"/>
+              </a:spcBef>
+              <a:buClr>
+                <a:schemeClr val="tx1">
+                  <a:lumMod val="95000"/>
+                  <a:lumOff val="5000"/>
+                </a:schemeClr>
+              </a:buClr>
+              <a:buFont typeface="Wingdings" panose="05000000000000000000" pitchFamily="2" charset="2"/>
+              <a:buChar char="ü"/>
+            </a:pPr>
+            <a:r>
+              <a:rPr lang="zh-CN" altLang="en-US" dirty="0" smtClean="0"/>
+              <a:t>Task </a:t>
+            </a:r>
+            <a:r>
+              <a:rPr lang="zh-CN" altLang="en-US" dirty="0"/>
+              <a:t>and methodology </a:t>
+            </a:r>
+            <a:r>
+              <a:rPr lang="en-US" altLang="zh-CN" dirty="0" smtClean="0"/>
+              <a:t> </a:t>
+            </a:r>
+          </a:p>
+          <a:p>
+            <a:pPr marL="742950" lvl="1" indent="-285750" algn="l">
+              <a:spcBef>
+                <a:spcPts val="600"/>
+              </a:spcBef>
+              <a:buClr>
+                <a:schemeClr val="tx1"/>
+              </a:buClr>
+              <a:buFont typeface="Wingdings" panose="05000000000000000000" pitchFamily="2" charset="2"/>
+              <a:buChar char="ü"/>
+            </a:pPr>
+            <a:r>
+              <a:rPr lang="zh-CN" altLang="en-US" dirty="0" smtClean="0"/>
+              <a:t>Model </a:t>
+            </a:r>
+            <a:r>
+              <a:rPr lang="zh-CN" altLang="en-US" dirty="0"/>
+              <a:t>and algorithmize entity </a:t>
+            </a:r>
+            <a:r>
+              <a:rPr lang="zh-CN" altLang="en-US" dirty="0" smtClean="0"/>
+              <a:t> </a:t>
+            </a:r>
+            <a:endParaRPr lang="zh-CN" altLang="en-US" dirty="0"/>
+          </a:p>
+          <a:p>
+            <a:pPr marL="742950" lvl="1" indent="-285750" algn="l">
+              <a:spcBef>
+                <a:spcPts val="600"/>
+              </a:spcBef>
+              <a:buClr>
+                <a:schemeClr val="tx1"/>
+              </a:buClr>
+              <a:buFont typeface="Wingdings" panose="05000000000000000000" pitchFamily="2" charset="2"/>
+              <a:buChar char="ü"/>
+            </a:pPr>
+            <a:r>
+              <a:rPr lang="zh-CN" altLang="en-US" dirty="0" smtClean="0"/>
+              <a:t>Dataset </a:t>
+            </a:r>
+            <a:r>
+              <a:rPr lang="zh-CN" altLang="en-US" dirty="0"/>
+              <a:t>and </a:t>
+            </a:r>
+            <a:r>
+              <a:rPr lang="zh-CN" altLang="en-US" dirty="0" smtClean="0"/>
+              <a:t>evaluation metrics</a:t>
+            </a:r>
+            <a:endParaRPr lang="zh-CN" altLang="en-US" dirty="0"/>
+          </a:p>
+          <a:p>
+            <a:pPr marL="742950" lvl="1" indent="-285750" algn="l">
+              <a:spcBef>
+                <a:spcPts val="600"/>
+              </a:spcBef>
+              <a:buClr>
+                <a:schemeClr val="tx1"/>
+              </a:buClr>
+              <a:buFont typeface="Wingdings" panose="05000000000000000000" pitchFamily="2" charset="2"/>
+              <a:buChar char="ü"/>
+            </a:pPr>
+            <a:r>
+              <a:rPr lang="zh-CN" altLang="en-US" dirty="0" smtClean="0"/>
+              <a:t>Software </a:t>
+            </a:r>
+            <a:r>
+              <a:rPr lang="zh-CN" altLang="en-US" dirty="0"/>
+              <a:t>and tool </a:t>
+            </a:r>
+            <a:r>
+              <a:rPr lang="en-US" altLang="zh-CN" dirty="0" smtClean="0"/>
+              <a:t> </a:t>
+            </a:r>
+          </a:p>
+          <a:p>
+            <a:pPr marL="742950" lvl="1" indent="-285750" algn="l">
+              <a:spcBef>
+                <a:spcPts val="600"/>
+              </a:spcBef>
+              <a:buClr>
+                <a:schemeClr val="tx1"/>
+              </a:buClr>
+              <a:buFont typeface="Wingdings" panose="05000000000000000000" pitchFamily="2" charset="2"/>
+              <a:buChar char="ü"/>
+            </a:pPr>
+            <a:r>
+              <a:rPr lang="en-US" altLang="zh-CN" dirty="0"/>
+              <a:t>Relation </a:t>
+            </a:r>
+            <a:r>
+              <a:rPr lang="en-US" altLang="zh-CN" dirty="0" smtClean="0"/>
+              <a:t>extraction</a:t>
+            </a:r>
+          </a:p>
+          <a:p>
+            <a:pPr marL="742950" lvl="1" indent="-285750" algn="l">
+              <a:spcBef>
+                <a:spcPts val="600"/>
+              </a:spcBef>
+              <a:buClr>
+                <a:schemeClr val="tx1"/>
+              </a:buClr>
+              <a:buFont typeface="Wingdings" panose="05000000000000000000" pitchFamily="2" charset="2"/>
+              <a:buChar char="ü"/>
+            </a:pPr>
+            <a:r>
+              <a:rPr lang="en-US" altLang="zh-CN" dirty="0" smtClean="0"/>
+              <a:t>…</a:t>
+            </a:r>
+          </a:p>
+          <a:p>
+            <a:pPr marL="285750" indent="-285750" algn="l">
+              <a:spcBef>
+                <a:spcPts val="600"/>
+              </a:spcBef>
+              <a:buClr>
+                <a:schemeClr val="tx1"/>
+              </a:buClr>
+              <a:buFont typeface="Wingdings" panose="05000000000000000000" pitchFamily="2" charset="2"/>
+              <a:buChar char="l"/>
+            </a:pPr>
+            <a:r>
+              <a:rPr lang="en-US" altLang="zh-CN" b="1" dirty="0" smtClean="0"/>
+              <a:t>Evaluation and applications </a:t>
+            </a:r>
+            <a:r>
+              <a:rPr lang="zh-CN" altLang="en-US" b="1" dirty="0" smtClean="0"/>
+              <a:t>of knowledge entity</a:t>
+            </a:r>
+            <a:endParaRPr lang="en-US" altLang="zh-CN" b="1" dirty="0"/>
+          </a:p>
+          <a:p>
+            <a:pPr marL="742950" lvl="1" indent="-285750" algn="l">
+              <a:spcBef>
+                <a:spcPts val="600"/>
+              </a:spcBef>
+              <a:buFont typeface="Wingdings" panose="05000000000000000000" pitchFamily="2" charset="2"/>
+              <a:buChar char="ü"/>
+            </a:pPr>
+            <a:r>
+              <a:rPr lang="zh-CN" altLang="en-US" dirty="0" smtClean="0"/>
+              <a:t>Construction </a:t>
+            </a:r>
+            <a:r>
+              <a:rPr lang="zh-CN" altLang="en-US" dirty="0"/>
+              <a:t>of a knowledge entity graph and roadmap</a:t>
+            </a:r>
+            <a:endParaRPr lang="en-US" altLang="zh-CN" dirty="0"/>
+          </a:p>
+          <a:p>
+            <a:pPr marL="742950" lvl="1" indent="-285750" algn="l">
+              <a:spcBef>
+                <a:spcPts val="600"/>
+              </a:spcBef>
+              <a:buFont typeface="Wingdings" panose="05000000000000000000" pitchFamily="2" charset="2"/>
+              <a:buChar char="ü"/>
+            </a:pPr>
+            <a:r>
+              <a:rPr lang="zh-CN" altLang="en-US" dirty="0" smtClean="0"/>
+              <a:t>Knowledge </a:t>
+            </a:r>
+            <a:r>
+              <a:rPr lang="zh-CN" altLang="en-US" dirty="0"/>
+              <a:t>entity summarization</a:t>
+            </a:r>
+          </a:p>
+          <a:p>
+            <a:pPr marL="742950" lvl="1" indent="-285750" algn="l">
+              <a:spcBef>
+                <a:spcPts val="600"/>
+              </a:spcBef>
+              <a:buFont typeface="Wingdings" panose="05000000000000000000" pitchFamily="2" charset="2"/>
+              <a:buChar char="ü"/>
+            </a:pPr>
+            <a:r>
+              <a:rPr lang="zh-CN" altLang="en-US" dirty="0" smtClean="0"/>
+              <a:t>Modeling </a:t>
+            </a:r>
+            <a:r>
+              <a:rPr lang="zh-CN" altLang="en-US" dirty="0"/>
+              <a:t>function of knowledge entity citation</a:t>
+            </a:r>
+          </a:p>
+          <a:p>
+            <a:pPr marL="742950" lvl="1" indent="-285750" algn="l">
+              <a:spcBef>
+                <a:spcPts val="600"/>
+              </a:spcBef>
+              <a:buFont typeface="Wingdings" panose="05000000000000000000" pitchFamily="2" charset="2"/>
+              <a:buChar char="ü"/>
+            </a:pPr>
+            <a:r>
+              <a:rPr lang="zh-CN" altLang="en-US" dirty="0" smtClean="0"/>
+              <a:t>Bibliometrics </a:t>
+            </a:r>
+            <a:r>
+              <a:rPr lang="zh-CN" altLang="en-US" dirty="0"/>
+              <a:t>of knowledge entity</a:t>
+            </a:r>
+          </a:p>
+          <a:p>
+            <a:pPr marL="742950" lvl="1" indent="-285750" algn="l">
+              <a:spcBef>
+                <a:spcPts val="600"/>
+              </a:spcBef>
+              <a:buFont typeface="Wingdings" panose="05000000000000000000" pitchFamily="2" charset="2"/>
+              <a:buChar char="ü"/>
+            </a:pPr>
+            <a:r>
+              <a:rPr lang="zh-CN" altLang="en-US" dirty="0" smtClean="0"/>
+              <a:t>Application </a:t>
+            </a:r>
+            <a:r>
+              <a:rPr lang="zh-CN" altLang="en-US" dirty="0"/>
+              <a:t>of knowledge entity </a:t>
+            </a:r>
+            <a:r>
+              <a:rPr lang="zh-CN" altLang="en-US" dirty="0" smtClean="0"/>
+              <a:t>extraction </a:t>
+            </a:r>
+            <a:endParaRPr lang="en-US" altLang="zh-CN" dirty="0"/>
+          </a:p>
+          <a:p>
+            <a:pPr marL="742950" lvl="1" indent="-285750" algn="l">
+              <a:spcBef>
+                <a:spcPts val="600"/>
+              </a:spcBef>
+              <a:buFont typeface="Wingdings" panose="05000000000000000000" pitchFamily="2" charset="2"/>
+              <a:buChar char="ü"/>
+            </a:pPr>
+            <a:r>
+              <a:rPr lang="en-US" altLang="zh-CN" dirty="0" smtClean="0"/>
+              <a:t>…</a:t>
+            </a:r>
+          </a:p>
+        </p:txBody>
+      </p:sp>
+      <p:sp>
+        <p:nvSpPr>
+          <p:cNvPr id="5" name="矩形 4"/>
+          <p:cNvSpPr/>
+          <p:nvPr/>
+        </p:nvSpPr>
+        <p:spPr>
+          <a:xfrm>
+            <a:off x="6165904" y="6195891"/>
+            <a:ext cx="2338552" cy="400110"/>
+          </a:xfrm>
+          <a:prstGeom prst="rect">
+            <a:avLst/>
+          </a:prstGeom>
+        </p:spPr>
+        <p:txBody>
+          <a:bodyPr wrap="square">
+            <a:spAutoFit/>
+          </a:bodyPr>
+          <a:lstStyle/>
+          <a:p>
+            <a:r>
+              <a:rPr lang="en-US" altLang="zh-CN" sz="1000" i="1" dirty="0" smtClean="0"/>
+              <a:t>(</a:t>
+            </a:r>
+            <a:r>
+              <a:rPr lang="zh-CN" altLang="en-US" sz="1000" i="1" dirty="0" smtClean="0"/>
+              <a:t>Zha </a:t>
+            </a:r>
+            <a:r>
+              <a:rPr lang="zh-CN" altLang="en-US" sz="1000" i="1" dirty="0"/>
+              <a:t>et.al. Mining Algorithm Roadmap in Scientific Publications. KDD</a:t>
+            </a:r>
+            <a:r>
+              <a:rPr lang="zh-CN" altLang="en-US" sz="1000" i="1" dirty="0" smtClean="0"/>
+              <a:t>2019</a:t>
+            </a:r>
+            <a:r>
+              <a:rPr lang="en-US" altLang="zh-CN" sz="1000" i="1" dirty="0" smtClean="0"/>
+              <a:t>)</a:t>
+            </a:r>
+            <a:endParaRPr lang="zh-CN" altLang="en-US" sz="1000" i="1" dirty="0"/>
+          </a:p>
+        </p:txBody>
+      </p:sp>
+      <p:pic>
+        <p:nvPicPr>
+          <p:cNvPr id="6" name="图片 5"/>
+          <p:cNvPicPr>
+            <a:picLocks noChangeAspect="1"/>
+          </p:cNvPicPr>
+          <p:nvPr/>
+        </p:nvPicPr>
+        <p:blipFill>
+          <a:blip r:embed="rId4"/>
+          <a:stretch>
+            <a:fillRect/>
+          </a:stretch>
+        </p:blipFill>
+        <p:spPr>
+          <a:xfrm>
+            <a:off x="4487917" y="1125538"/>
+            <a:ext cx="4452718" cy="2219508"/>
+          </a:xfrm>
+          <a:prstGeom prst="rect">
+            <a:avLst/>
+          </a:prstGeom>
+        </p:spPr>
+      </p:pic>
+      <p:sp>
+        <p:nvSpPr>
+          <p:cNvPr id="10" name="矩形 9"/>
+          <p:cNvSpPr/>
+          <p:nvPr/>
+        </p:nvSpPr>
+        <p:spPr>
+          <a:xfrm>
+            <a:off x="5276696" y="3368169"/>
+            <a:ext cx="3273698" cy="400110"/>
+          </a:xfrm>
+          <a:prstGeom prst="rect">
+            <a:avLst/>
+          </a:prstGeom>
+        </p:spPr>
+        <p:txBody>
+          <a:bodyPr wrap="square">
+            <a:spAutoFit/>
+          </a:bodyPr>
+          <a:lstStyle/>
+          <a:p>
+            <a:r>
+              <a:rPr lang="en-US" altLang="zh-CN" sz="1000" i="1" dirty="0" smtClean="0"/>
+              <a:t>(Wang &amp; Zhang, </a:t>
+            </a:r>
+            <a:r>
+              <a:rPr lang="en-US" altLang="zh-CN" sz="1000" i="1" dirty="0">
+                <a:cs typeface="Times New Roman" panose="02020603050405020304" pitchFamily="18" charset="0"/>
+              </a:rPr>
+              <a:t>Using Full-text of Research Articles to Analyze Academic Impact of </a:t>
+            </a:r>
+            <a:r>
+              <a:rPr lang="en-US" altLang="zh-CN" sz="1000" i="1" dirty="0" smtClean="0">
+                <a:cs typeface="Times New Roman" panose="02020603050405020304" pitchFamily="18" charset="0"/>
+              </a:rPr>
+              <a:t>Algorithms. </a:t>
+            </a:r>
+            <a:r>
+              <a:rPr lang="en-US" altLang="zh-CN" sz="1000" i="1" dirty="0" smtClean="0"/>
+              <a:t>iConference2018)</a:t>
+            </a:r>
+            <a:endParaRPr lang="zh-CN" altLang="en-US" sz="1000" i="1" dirty="0"/>
+          </a:p>
+        </p:txBody>
+      </p:sp>
+    </p:spTree>
+    <p:extLst>
+      <p:ext uri="{BB962C8B-B14F-4D97-AF65-F5344CB8AC3E}">
+        <p14:creationId xmlns:p14="http://schemas.microsoft.com/office/powerpoint/2010/main" val="1684102218"/>
+      </p:ext>
+    </p:extLst>
+  </p:cSld>
+  <p:clrMapOvr>
+    <a:masterClrMapping/>
+  </p:clrMapOvr>
+  <p:timing>
+    <p:tnLst>
+      <p:par>
+        <p:cTn id="1" dur="indefinite" restart="never" nodeType="tmRoot">
+          <p:childTnLst>
+            <p:seq concurrent="1" nextAc="seek">
+              <p:cTn id="2" dur="indefinite" nodeType="mainSeq">
+                <p:childTnLst>
+                  <p:par>
+                    <p:cTn id="3" fill="hold">
+                      <p:stCondLst>
+                        <p:cond delay="indefinite"/>
+                      </p:stCondLst>
+                      <p:childTnLst>
+                        <p:par>
+                          <p:cTn id="4" fill="hold">
+                            <p:stCondLst>
+                              <p:cond delay="0"/>
+                            </p:stCondLst>
+                            <p:childTnLst>
+                              <p:par>
+                                <p:cTn id="5" presetID="1" presetClass="entr" presetSubtype="0" fill="hold" nodeType="clickEffect">
+                                  <p:stCondLst>
+                                    <p:cond delay="0"/>
+                                  </p:stCondLst>
+                                  <p:childTnLst>
+                                    <p:set>
+                                      <p:cBhvr>
+                                        <p:cTn id="6" dur="1" fill="hold">
+                                          <p:stCondLst>
+                                            <p:cond delay="0"/>
+                                          </p:stCondLst>
+                                        </p:cTn>
+                                        <p:tgtEl>
+                                          <p:spTgt spid="3">
+                                            <p:txEl>
+                                              <p:pRg st="0" end="0"/>
+                                            </p:txEl>
+                                          </p:spTgt>
+                                        </p:tgtEl>
+                                        <p:attrNameLst>
+                                          <p:attrName>style.visibility</p:attrName>
+                                        </p:attrNameLst>
+                                      </p:cBhvr>
+                                      <p:to>
+                                        <p:strVal val="visible"/>
+                                      </p:to>
+                                    </p:set>
+                                  </p:childTnLst>
+                                </p:cTn>
+                              </p:par>
+                              <p:par>
+                                <p:cTn id="7" presetID="1" presetClass="entr" presetSubtype="0" fill="hold" nodeType="withEffect">
+                                  <p:stCondLst>
+                                    <p:cond delay="0"/>
+                                  </p:stCondLst>
+                                  <p:childTnLst>
+                                    <p:set>
+                                      <p:cBhvr>
+                                        <p:cTn id="8" dur="1" fill="hold">
+                                          <p:stCondLst>
+                                            <p:cond delay="0"/>
+                                          </p:stCondLst>
+                                        </p:cTn>
+                                        <p:tgtEl>
+                                          <p:spTgt spid="3">
+                                            <p:txEl>
+                                              <p:pRg st="1" end="1"/>
+                                            </p:txEl>
+                                          </p:spTgt>
+                                        </p:tgtEl>
+                                        <p:attrNameLst>
+                                          <p:attrName>style.visibility</p:attrName>
+                                        </p:attrNameLst>
+                                      </p:cBhvr>
+                                      <p:to>
+                                        <p:strVal val="visible"/>
+                                      </p:to>
+                                    </p:set>
+                                  </p:childTnLst>
+                                </p:cTn>
+                              </p:par>
+                              <p:par>
+                                <p:cTn id="9" presetID="1" presetClass="entr" presetSubtype="0" fill="hold" nodeType="withEffect">
+                                  <p:stCondLst>
+                                    <p:cond delay="0"/>
+                                  </p:stCondLst>
+                                  <p:childTnLst>
+                                    <p:set>
+                                      <p:cBhvr>
+                                        <p:cTn id="10" dur="1" fill="hold">
+                                          <p:stCondLst>
+                                            <p:cond delay="0"/>
+                                          </p:stCondLst>
+                                        </p:cTn>
+                                        <p:tgtEl>
+                                          <p:spTgt spid="3">
+                                            <p:txEl>
+                                              <p:pRg st="2" end="2"/>
+                                            </p:txEl>
+                                          </p:spTgt>
+                                        </p:tgtEl>
+                                        <p:attrNameLst>
+                                          <p:attrName>style.visibility</p:attrName>
+                                        </p:attrNameLst>
+                                      </p:cBhvr>
+                                      <p:to>
+                                        <p:strVal val="visible"/>
+                                      </p:to>
+                                    </p:set>
+                                  </p:childTnLst>
+                                </p:cTn>
+                              </p:par>
+                              <p:par>
+                                <p:cTn id="11" presetID="1" presetClass="entr" presetSubtype="0" fill="hold" nodeType="withEffect">
+                                  <p:stCondLst>
+                                    <p:cond delay="0"/>
+                                  </p:stCondLst>
+                                  <p:childTnLst>
+                                    <p:set>
+                                      <p:cBhvr>
+                                        <p:cTn id="12" dur="1" fill="hold">
+                                          <p:stCondLst>
+                                            <p:cond delay="0"/>
+                                          </p:stCondLst>
+                                        </p:cTn>
+                                        <p:tgtEl>
+                                          <p:spTgt spid="3">
+                                            <p:txEl>
+                                              <p:pRg st="3" end="3"/>
+                                            </p:txEl>
+                                          </p:spTgt>
+                                        </p:tgtEl>
+                                        <p:attrNameLst>
+                                          <p:attrName>style.visibility</p:attrName>
+                                        </p:attrNameLst>
+                                      </p:cBhvr>
+                                      <p:to>
+                                        <p:strVal val="visible"/>
+                                      </p:to>
+                                    </p:set>
+                                  </p:childTnLst>
+                                </p:cTn>
+                              </p:par>
+                              <p:par>
+                                <p:cTn id="13" presetID="1" presetClass="entr" presetSubtype="0" fill="hold" nodeType="withEffect">
+                                  <p:stCondLst>
+                                    <p:cond delay="0"/>
+                                  </p:stCondLst>
+                                  <p:childTnLst>
+                                    <p:set>
+                                      <p:cBhvr>
+                                        <p:cTn id="14" dur="1" fill="hold">
+                                          <p:stCondLst>
+                                            <p:cond delay="0"/>
+                                          </p:stCondLst>
+                                        </p:cTn>
+                                        <p:tgtEl>
+                                          <p:spTgt spid="3">
+                                            <p:txEl>
+                                              <p:pRg st="4" end="4"/>
+                                            </p:txEl>
+                                          </p:spTgt>
+                                        </p:tgtEl>
+                                        <p:attrNameLst>
+                                          <p:attrName>style.visibility</p:attrName>
+                                        </p:attrNameLst>
+                                      </p:cBhvr>
+                                      <p:to>
+                                        <p:strVal val="visible"/>
+                                      </p:to>
+                                    </p:set>
+                                  </p:childTnLst>
+                                </p:cTn>
+                              </p:par>
+                              <p:par>
+                                <p:cTn id="15" presetID="1" presetClass="entr" presetSubtype="0" fill="hold" nodeType="withEffect">
+                                  <p:stCondLst>
+                                    <p:cond delay="0"/>
+                                  </p:stCondLst>
+                                  <p:childTnLst>
+                                    <p:set>
+                                      <p:cBhvr>
+                                        <p:cTn id="16" dur="1" fill="hold">
+                                          <p:stCondLst>
+                                            <p:cond delay="0"/>
+                                          </p:stCondLst>
+                                        </p:cTn>
+                                        <p:tgtEl>
+                                          <p:spTgt spid="3">
+                                            <p:txEl>
+                                              <p:pRg st="5" end="5"/>
+                                            </p:txEl>
+                                          </p:spTgt>
+                                        </p:tgtEl>
+                                        <p:attrNameLst>
+                                          <p:attrName>style.visibility</p:attrName>
+                                        </p:attrNameLst>
+                                      </p:cBhvr>
+                                      <p:to>
+                                        <p:strVal val="visible"/>
+                                      </p:to>
+                                    </p:set>
+                                  </p:childTnLst>
+                                </p:cTn>
+                              </p:par>
+                              <p:par>
+                                <p:cTn id="17" presetID="1" presetClass="entr" presetSubtype="0" fill="hold" nodeType="withEffect">
+                                  <p:stCondLst>
+                                    <p:cond delay="0"/>
+                                  </p:stCondLst>
+                                  <p:childTnLst>
+                                    <p:set>
+                                      <p:cBhvr>
+                                        <p:cTn id="18" dur="1" fill="hold">
+                                          <p:stCondLst>
+                                            <p:cond delay="0"/>
+                                          </p:stCondLst>
+                                        </p:cTn>
+                                        <p:tgtEl>
+                                          <p:spTgt spid="3">
+                                            <p:txEl>
+                                              <p:pRg st="6" end="6"/>
+                                            </p:txEl>
+                                          </p:spTgt>
+                                        </p:tgtEl>
+                                        <p:attrNameLst>
+                                          <p:attrName>style.visibility</p:attrName>
+                                        </p:attrNameLst>
+                                      </p:cBhvr>
+                                      <p:to>
+                                        <p:strVal val="visible"/>
+                                      </p:to>
+                                    </p:set>
+                                  </p:childTnLst>
+                                </p:cTn>
+                              </p:par>
+                            </p:childTnLst>
+                          </p:cTn>
+                        </p:par>
+                      </p:childTnLst>
+                    </p:cTn>
+                  </p:par>
+                  <p:par>
+                    <p:cTn id="19" fill="hold">
+                      <p:stCondLst>
+                        <p:cond delay="indefinite"/>
+                      </p:stCondLst>
+                      <p:childTnLst>
+                        <p:par>
+                          <p:cTn id="20" fill="hold">
+                            <p:stCondLst>
+                              <p:cond delay="0"/>
+                            </p:stCondLst>
+                            <p:childTnLst>
+                              <p:par>
+                                <p:cTn id="21" presetID="1" presetClass="entr" presetSubtype="0" fill="hold" nodeType="clickEffect">
+                                  <p:stCondLst>
+                                    <p:cond delay="0"/>
+                                  </p:stCondLst>
+                                  <p:childTnLst>
+                                    <p:set>
+                                      <p:cBhvr>
+                                        <p:cTn id="22" dur="1" fill="hold">
+                                          <p:stCondLst>
+                                            <p:cond delay="0"/>
+                                          </p:stCondLst>
+                                        </p:cTn>
+                                        <p:tgtEl>
+                                          <p:spTgt spid="6"/>
+                                        </p:tgtEl>
+                                        <p:attrNameLst>
+                                          <p:attrName>style.visibility</p:attrName>
+                                        </p:attrNameLst>
+                                      </p:cBhvr>
+                                      <p:to>
+                                        <p:strVal val="visible"/>
+                                      </p:to>
+                                    </p:set>
+                                  </p:childTnLst>
+                                </p:cTn>
+                              </p:par>
+                              <p:par>
+                                <p:cTn id="23" presetID="1" presetClass="entr" presetSubtype="0" fill="hold" grpId="0" nodeType="withEffect">
+                                  <p:stCondLst>
+                                    <p:cond delay="0"/>
+                                  </p:stCondLst>
+                                  <p:childTnLst>
+                                    <p:set>
+                                      <p:cBhvr>
+                                        <p:cTn id="24" dur="1" fill="hold">
+                                          <p:stCondLst>
+                                            <p:cond delay="0"/>
+                                          </p:stCondLst>
+                                        </p:cTn>
+                                        <p:tgtEl>
+                                          <p:spTgt spid="10"/>
+                                        </p:tgtEl>
+                                        <p:attrNameLst>
+                                          <p:attrName>style.visibility</p:attrName>
+                                        </p:attrNameLst>
+                                      </p:cBhvr>
+                                      <p:to>
+                                        <p:strVal val="visible"/>
+                                      </p:to>
+                                    </p:set>
+                                  </p:childTnLst>
+                                </p:cTn>
+                              </p:par>
+                            </p:childTnLst>
+                          </p:cTn>
+                        </p:par>
+                      </p:childTnLst>
+                    </p:cTn>
+                  </p:par>
+                  <p:par>
+                    <p:cTn id="25" fill="hold">
+                      <p:stCondLst>
+                        <p:cond delay="indefinite"/>
+                      </p:stCondLst>
+                      <p:childTnLst>
+                        <p:par>
+                          <p:cTn id="26" fill="hold">
+                            <p:stCondLst>
+                              <p:cond delay="0"/>
+                            </p:stCondLst>
+                            <p:childTnLst>
+                              <p:par>
+                                <p:cTn id="27" presetID="1" presetClass="entr" presetSubtype="0" fill="hold" nodeType="clickEffect">
+                                  <p:stCondLst>
+                                    <p:cond delay="0"/>
+                                  </p:stCondLst>
+                                  <p:childTnLst>
+                                    <p:set>
+                                      <p:cBhvr>
+                                        <p:cTn id="28" dur="1" fill="hold">
+                                          <p:stCondLst>
+                                            <p:cond delay="0"/>
+                                          </p:stCondLst>
+                                        </p:cTn>
+                                        <p:tgtEl>
+                                          <p:spTgt spid="3">
+                                            <p:txEl>
+                                              <p:pRg st="7" end="7"/>
+                                            </p:txEl>
+                                          </p:spTgt>
+                                        </p:tgtEl>
+                                        <p:attrNameLst>
+                                          <p:attrName>style.visibility</p:attrName>
+                                        </p:attrNameLst>
+                                      </p:cBhvr>
+                                      <p:to>
+                                        <p:strVal val="visible"/>
+                                      </p:to>
+                                    </p:set>
+                                  </p:childTnLst>
+                                </p:cTn>
+                              </p:par>
+                              <p:par>
+                                <p:cTn id="29" presetID="1" presetClass="entr" presetSubtype="0" fill="hold" nodeType="withEffect">
+                                  <p:stCondLst>
+                                    <p:cond delay="0"/>
+                                  </p:stCondLst>
+                                  <p:childTnLst>
+                                    <p:set>
+                                      <p:cBhvr>
+                                        <p:cTn id="30" dur="1" fill="hold">
+                                          <p:stCondLst>
+                                            <p:cond delay="0"/>
+                                          </p:stCondLst>
+                                        </p:cTn>
+                                        <p:tgtEl>
+                                          <p:spTgt spid="3">
+                                            <p:txEl>
+                                              <p:pRg st="8" end="8"/>
+                                            </p:txEl>
+                                          </p:spTgt>
+                                        </p:tgtEl>
+                                        <p:attrNameLst>
+                                          <p:attrName>style.visibility</p:attrName>
+                                        </p:attrNameLst>
+                                      </p:cBhvr>
+                                      <p:to>
+                                        <p:strVal val="visible"/>
+                                      </p:to>
+                                    </p:set>
+                                  </p:childTnLst>
+                                </p:cTn>
+                              </p:par>
+                              <p:par>
+                                <p:cTn id="31" presetID="1" presetClass="entr" presetSubtype="0" fill="hold" nodeType="withEffect">
+                                  <p:stCondLst>
+                                    <p:cond delay="0"/>
+                                  </p:stCondLst>
+                                  <p:childTnLst>
+                                    <p:set>
+                                      <p:cBhvr>
+                                        <p:cTn id="32" dur="1" fill="hold">
+                                          <p:stCondLst>
+                                            <p:cond delay="0"/>
+                                          </p:stCondLst>
+                                        </p:cTn>
+                                        <p:tgtEl>
+                                          <p:spTgt spid="3">
+                                            <p:txEl>
+                                              <p:pRg st="9" end="9"/>
+                                            </p:txEl>
+                                          </p:spTgt>
+                                        </p:tgtEl>
+                                        <p:attrNameLst>
+                                          <p:attrName>style.visibility</p:attrName>
+                                        </p:attrNameLst>
+                                      </p:cBhvr>
+                                      <p:to>
+                                        <p:strVal val="visible"/>
+                                      </p:to>
+                                    </p:set>
+                                  </p:childTnLst>
+                                </p:cTn>
+                              </p:par>
+                              <p:par>
+                                <p:cTn id="33" presetID="1" presetClass="entr" presetSubtype="0" fill="hold" nodeType="withEffect">
+                                  <p:stCondLst>
+                                    <p:cond delay="0"/>
+                                  </p:stCondLst>
+                                  <p:childTnLst>
+                                    <p:set>
+                                      <p:cBhvr>
+                                        <p:cTn id="34" dur="1" fill="hold">
+                                          <p:stCondLst>
+                                            <p:cond delay="0"/>
+                                          </p:stCondLst>
+                                        </p:cTn>
+                                        <p:tgtEl>
+                                          <p:spTgt spid="3">
+                                            <p:txEl>
+                                              <p:pRg st="10" end="10"/>
+                                            </p:txEl>
+                                          </p:spTgt>
+                                        </p:tgtEl>
+                                        <p:attrNameLst>
+                                          <p:attrName>style.visibility</p:attrName>
+                                        </p:attrNameLst>
+                                      </p:cBhvr>
+                                      <p:to>
+                                        <p:strVal val="visible"/>
+                                      </p:to>
+                                    </p:set>
+                                  </p:childTnLst>
+                                </p:cTn>
+                              </p:par>
+                              <p:par>
+                                <p:cTn id="35" presetID="1" presetClass="entr" presetSubtype="0" fill="hold" nodeType="withEffect">
+                                  <p:stCondLst>
+                                    <p:cond delay="0"/>
+                                  </p:stCondLst>
+                                  <p:childTnLst>
+                                    <p:set>
+                                      <p:cBhvr>
+                                        <p:cTn id="36" dur="1" fill="hold">
+                                          <p:stCondLst>
+                                            <p:cond delay="0"/>
+                                          </p:stCondLst>
+                                        </p:cTn>
+                                        <p:tgtEl>
+                                          <p:spTgt spid="3">
+                                            <p:txEl>
+                                              <p:pRg st="11" end="11"/>
+                                            </p:txEl>
+                                          </p:spTgt>
+                                        </p:tgtEl>
+                                        <p:attrNameLst>
+                                          <p:attrName>style.visibility</p:attrName>
+                                        </p:attrNameLst>
+                                      </p:cBhvr>
+                                      <p:to>
+                                        <p:strVal val="visible"/>
+                                      </p:to>
+                                    </p:set>
+                                  </p:childTnLst>
+                                </p:cTn>
+                              </p:par>
+                              <p:par>
+                                <p:cTn id="37" presetID="1" presetClass="entr" presetSubtype="0" fill="hold" nodeType="withEffect">
+                                  <p:stCondLst>
+                                    <p:cond delay="0"/>
+                                  </p:stCondLst>
+                                  <p:childTnLst>
+                                    <p:set>
+                                      <p:cBhvr>
+                                        <p:cTn id="38" dur="1" fill="hold">
+                                          <p:stCondLst>
+                                            <p:cond delay="0"/>
+                                          </p:stCondLst>
+                                        </p:cTn>
+                                        <p:tgtEl>
+                                          <p:spTgt spid="3">
+                                            <p:txEl>
+                                              <p:pRg st="12" end="12"/>
+                                            </p:txEl>
+                                          </p:spTgt>
+                                        </p:tgtEl>
+                                        <p:attrNameLst>
+                                          <p:attrName>style.visibility</p:attrName>
+                                        </p:attrNameLst>
+                                      </p:cBhvr>
+                                      <p:to>
+                                        <p:strVal val="visible"/>
+                                      </p:to>
+                                    </p:set>
+                                  </p:childTnLst>
+                                </p:cTn>
+                              </p:par>
+                              <p:par>
+                                <p:cTn id="39" presetID="1" presetClass="entr" presetSubtype="0" fill="hold" nodeType="withEffect">
+                                  <p:stCondLst>
+                                    <p:cond delay="0"/>
+                                  </p:stCondLst>
+                                  <p:childTnLst>
+                                    <p:set>
+                                      <p:cBhvr>
+                                        <p:cTn id="40" dur="1" fill="hold">
+                                          <p:stCondLst>
+                                            <p:cond delay="0"/>
+                                          </p:stCondLst>
+                                        </p:cTn>
+                                        <p:tgtEl>
+                                          <p:spTgt spid="3">
+                                            <p:txEl>
+                                              <p:pRg st="13" end="13"/>
+                                            </p:txEl>
+                                          </p:spTgt>
+                                        </p:tgtEl>
+                                        <p:attrNameLst>
+                                          <p:attrName>style.visibility</p:attrName>
+                                        </p:attrNameLst>
+                                      </p:cBhvr>
+                                      <p:to>
+                                        <p:strVal val="visible"/>
+                                      </p:to>
+                                    </p:set>
+                                  </p:childTnLst>
+                                </p:cTn>
+                              </p:par>
+                            </p:childTnLst>
+                          </p:cTn>
+                        </p:par>
+                      </p:childTnLst>
+                    </p:cTn>
+                  </p:par>
+                  <p:par>
+                    <p:cTn id="41" fill="hold">
+                      <p:stCondLst>
+                        <p:cond delay="indefinite"/>
+                      </p:stCondLst>
+                      <p:childTnLst>
+                        <p:par>
+                          <p:cTn id="42" fill="hold">
+                            <p:stCondLst>
+                              <p:cond delay="0"/>
+                            </p:stCondLst>
+                            <p:childTnLst>
+                              <p:par>
+                                <p:cTn id="43" presetID="1" presetClass="entr" presetSubtype="0" fill="hold" nodeType="clickEffect">
+                                  <p:stCondLst>
+                                    <p:cond delay="0"/>
+                                  </p:stCondLst>
+                                  <p:childTnLst>
+                                    <p:set>
+                                      <p:cBhvr>
+                                        <p:cTn id="44" dur="1" fill="hold">
+                                          <p:stCondLst>
+                                            <p:cond delay="0"/>
+                                          </p:stCondLst>
+                                        </p:cTn>
+                                        <p:tgtEl>
+                                          <p:spTgt spid="4"/>
+                                        </p:tgtEl>
+                                        <p:attrNameLst>
+                                          <p:attrName>style.visibility</p:attrName>
+                                        </p:attrNameLst>
+                                      </p:cBhvr>
+                                      <p:to>
+                                        <p:strVal val="visible"/>
+                                      </p:to>
+                                    </p:set>
+                                  </p:childTnLst>
+                                </p:cTn>
+                              </p:par>
+                              <p:par>
+                                <p:cTn id="45" presetID="1" presetClass="entr" presetSubtype="0" fill="hold" grpId="0" nodeType="withEffect">
+                                  <p:stCondLst>
+                                    <p:cond delay="0"/>
+                                  </p:stCondLst>
+                                  <p:childTnLst>
+                                    <p:set>
+                                      <p:cBhvr>
+                                        <p:cTn id="46" dur="1" fill="hold">
+                                          <p:stCondLst>
+                                            <p:cond delay="0"/>
+                                          </p:stCondLst>
+                                        </p:cTn>
+                                        <p:tgtEl>
+                                          <p:spTgt spid="5"/>
+                                        </p:tgtEl>
+                                        <p:attrNameLst>
+                                          <p:attrName>style.visibility</p:attrName>
+                                        </p:attrNameLst>
+                                      </p:cBhvr>
+                                      <p:to>
+                                        <p:strVal val="visible"/>
+                                      </p:to>
+                                    </p:set>
+                                  </p:childTnLst>
+                                </p:cTn>
+                              </p:par>
+                            </p:childTnLst>
+                          </p:cTn>
+                        </p:par>
+                      </p:childTnLst>
+                    </p:cTn>
+                  </p:par>
+                </p:childTnLst>
+              </p:cTn>
+              <p:prevCondLst>
+                <p:cond evt="onPrev" delay="0">
+                  <p:tgtEl>
+                    <p:sldTgt/>
+                  </p:tgtEl>
+                </p:cond>
+              </p:prevCondLst>
+              <p:nextCondLst>
+                <p:cond evt="onNext" delay="0">
+                  <p:tgtEl>
+                    <p:sldTgt/>
+                  </p:tgtEl>
+                </p:cond>
+              </p:nextCondLst>
+            </p:seq>
+          </p:childTnLst>
+        </p:cTn>
+      </p:par>
+    </p:tnLst>
+    <p:bldLst>
+      <p:bldP spid="5" grpId="0"/>
+      <p:bldP spid="10" grpId="0"/>
+    </p:bldLst>
+  </p:timing>
+</p:sld>
+</file>
+
+<file path=ppt/slides/slide5.xml><?xml version="1.0" encoding="utf-8"?>
+<p:sld xmlns:a="http://schemas.openxmlformats.org/drawingml/2006/main" xmlns:r="http://schemas.openxmlformats.org/officeDocument/2006/relationships" xmlns:p="http://schemas.openxmlformats.org/presentationml/2006/main">
+  <p:cSld>
+    <p:spTree>
+      <p:nvGrpSpPr>
+        <p:cNvPr id="1" name=""/>
+        <p:cNvGrpSpPr/>
+        <p:nvPr/>
+      </p:nvGrpSpPr>
+      <p:grpSpPr>
+        <a:xfrm>
+          <a:off x="0" y="0"/>
+          <a:ext cx="0" cy="0"/>
+          <a:chOff x="0" y="0"/>
+          <a:chExt cx="0" cy="0"/>
+        </a:xfrm>
+      </p:grpSpPr>
+      <p:sp>
+        <p:nvSpPr>
+          <p:cNvPr id="17410" name="Espace réservé du numéro de diapositive 5"/>
+          <p:cNvSpPr>
+            <a:spLocks noGrp="1"/>
+          </p:cNvSpPr>
+          <p:nvPr>
+            <p:ph type="sldNum" sz="quarter" idx="11"/>
+          </p:nvPr>
+        </p:nvSpPr>
+        <p:spPr>
+          <a:xfrm>
+            <a:off x="7010400" y="6400800"/>
+            <a:ext cx="2133600" cy="457200"/>
+          </a:xfrm>
+          <a:noFill/>
+          <a:ln/>
+          <a:extLst>
+            <a:ext uri="{909E8E84-426E-40DD-AFC4-6F175D3DCCD1}">
+              <a14:hiddenFill xmlns:a14="http://schemas.microsoft.com/office/drawing/2010/main">
+                <a:solidFill>
+                  <a:srgbClr val="FFFFFF"/>
+                </a:solidFill>
+              </a14:hiddenFill>
+            </a:ext>
+            <a:ext uri="{91240B29-F687-4F45-9708-019B960494DF}">
+              <a14:hiddenLine xmlns:a14="http://schemas.microsoft.com/office/drawing/2010/main" w="9525">
+                <a:solidFill>
+                  <a:srgbClr val="000000"/>
+                </a:solidFill>
+                <a:miter lim="800000"/>
+                <a:headEnd/>
+                <a:tailEnd/>
+              </a14:hiddenLine>
+            </a:ext>
+          </a:extLst>
+        </p:spPr>
+        <p:txBody>
+          <a:bodyPr/>
+          <a:lstStyle>
+            <a:lvl1pPr eaLnBrk="0" hangingPunct="0">
+              <a:defRPr sz="2400">
+                <a:solidFill>
+                  <a:schemeClr val="tx1"/>
+                </a:solidFill>
+                <a:latin typeface="Calibri" charset="0"/>
+                <a:ea typeface="ＭＳ Ｐゴシック" charset="0"/>
+                <a:cs typeface="ＭＳ Ｐゴシック" charset="0"/>
+              </a:defRPr>
+            </a:lvl1pPr>
+            <a:lvl2pPr marL="742950" indent="-285750" eaLnBrk="0" hangingPunct="0">
+              <a:defRPr sz="2400">
+                <a:solidFill>
+                  <a:schemeClr val="tx1"/>
+                </a:solidFill>
+                <a:latin typeface="Calibri" charset="0"/>
+                <a:ea typeface="ＭＳ Ｐゴシック" charset="0"/>
+              </a:defRPr>
+            </a:lvl2pPr>
+            <a:lvl3pPr marL="1143000" indent="-228600" eaLnBrk="0" hangingPunct="0">
+              <a:defRPr sz="2400">
+                <a:solidFill>
+                  <a:schemeClr val="tx1"/>
+                </a:solidFill>
+                <a:latin typeface="Calibri" charset="0"/>
+                <a:ea typeface="ＭＳ Ｐゴシック" charset="0"/>
+              </a:defRPr>
+            </a:lvl3pPr>
+            <a:lvl4pPr marL="1600200" indent="-228600" eaLnBrk="0" hangingPunct="0">
+              <a:defRPr sz="2400">
+                <a:solidFill>
+                  <a:schemeClr val="tx1"/>
+                </a:solidFill>
+                <a:latin typeface="Calibri" charset="0"/>
+                <a:ea typeface="ＭＳ Ｐゴシック" charset="0"/>
+              </a:defRPr>
+            </a:lvl4pPr>
+            <a:lvl5pPr marL="2057400" indent="-228600" eaLnBrk="0" hangingPunct="0">
+              <a:defRPr sz="2400">
+                <a:solidFill>
+                  <a:schemeClr val="tx1"/>
+                </a:solidFill>
+                <a:latin typeface="Calibri" charset="0"/>
+                <a:ea typeface="ＭＳ Ｐゴシック" charset="0"/>
+              </a:defRPr>
+            </a:lvl5pPr>
+            <a:lvl6pPr marL="2514600" indent="-228600" algn="ctr" eaLnBrk="0" fontAlgn="base" hangingPunct="0">
+              <a:spcBef>
+                <a:spcPct val="50000"/>
+              </a:spcBef>
+              <a:spcAft>
+                <a:spcPct val="0"/>
+              </a:spcAft>
+              <a:defRPr sz="2400">
+                <a:solidFill>
+                  <a:schemeClr val="tx1"/>
+                </a:solidFill>
+                <a:latin typeface="Calibri" charset="0"/>
+                <a:ea typeface="ＭＳ Ｐゴシック" charset="0"/>
+              </a:defRPr>
+            </a:lvl6pPr>
+            <a:lvl7pPr marL="2971800" indent="-228600" algn="ctr" eaLnBrk="0" fontAlgn="base" hangingPunct="0">
+              <a:spcBef>
+                <a:spcPct val="50000"/>
+              </a:spcBef>
+              <a:spcAft>
+                <a:spcPct val="0"/>
+              </a:spcAft>
+              <a:defRPr sz="2400">
+                <a:solidFill>
+                  <a:schemeClr val="tx1"/>
+                </a:solidFill>
+                <a:latin typeface="Calibri" charset="0"/>
+                <a:ea typeface="ＭＳ Ｐゴシック" charset="0"/>
+              </a:defRPr>
+            </a:lvl7pPr>
+            <a:lvl8pPr marL="3429000" indent="-228600" algn="ctr" eaLnBrk="0" fontAlgn="base" hangingPunct="0">
+              <a:spcBef>
+                <a:spcPct val="50000"/>
+              </a:spcBef>
+              <a:spcAft>
+                <a:spcPct val="0"/>
+              </a:spcAft>
+              <a:defRPr sz="2400">
+                <a:solidFill>
+                  <a:schemeClr val="tx1"/>
+                </a:solidFill>
+                <a:latin typeface="Calibri" charset="0"/>
+                <a:ea typeface="ＭＳ Ｐゴシック" charset="0"/>
+              </a:defRPr>
+            </a:lvl8pPr>
+            <a:lvl9pPr marL="3886200" indent="-228600" algn="ctr" eaLnBrk="0" fontAlgn="base" hangingPunct="0">
+              <a:spcBef>
+                <a:spcPct val="50000"/>
+              </a:spcBef>
+              <a:spcAft>
+                <a:spcPct val="0"/>
+              </a:spcAft>
+              <a:defRPr sz="2400">
+                <a:solidFill>
+                  <a:schemeClr val="tx1"/>
+                </a:solidFill>
+                <a:latin typeface="Calibri" charset="0"/>
+                <a:ea typeface="ＭＳ Ｐゴシック" charset="0"/>
+              </a:defRPr>
+            </a:lvl9pPr>
+          </a:lstStyle>
+          <a:p>
+            <a:pPr eaLnBrk="1" hangingPunct="1"/>
+            <a:fld id="{2885B478-7DA6-BA40-9EF5-9E15BC7A0401}" type="slidenum">
+              <a:rPr lang="en-GB" sz="1200" smtClean="0">
+                <a:latin typeface="Arial Black" charset="0"/>
+              </a:rPr>
+              <a:pPr eaLnBrk="1" hangingPunct="1"/>
+              <a:t>5</a:t>
+            </a:fld>
+            <a:endParaRPr lang="en-GB" sz="1200">
+              <a:latin typeface="Arial Black" charset="0"/>
+            </a:endParaRPr>
+          </a:p>
+        </p:txBody>
+      </p:sp>
+      <p:sp>
+        <p:nvSpPr>
+          <p:cNvPr id="8" name="Rectangle 2"/>
+          <p:cNvSpPr>
+            <a:spLocks noGrp="1" noChangeArrowheads="1"/>
+          </p:cNvSpPr>
+          <p:nvPr>
+            <p:ph type="title"/>
+          </p:nvPr>
+        </p:nvSpPr>
+        <p:spPr>
+          <a:xfrm>
+            <a:off x="457200" y="457200"/>
+            <a:ext cx="8686800" cy="668338"/>
+          </a:xfrm>
+        </p:spPr>
+        <p:txBody>
+          <a:bodyPr/>
+          <a:lstStyle/>
+          <a:p>
+            <a:pPr marL="536575" indent="-536575" eaLnBrk="1" hangingPunct="1"/>
+            <a:r>
               <a:rPr lang="en-GB" sz="3200" dirty="0">
                 <a:solidFill>
                   <a:srgbClr val="CC0000"/>
@@ -11379,11 +14583,6 @@
               </a:rPr>
               <a:t>Beijing Time</a:t>
             </a:r>
-            <a:endParaRPr lang="de-DE" dirty="0">
-              <a:solidFill>
-                <a:srgbClr val="FF0000"/>
-              </a:solidFill>
-            </a:endParaRPr>
           </a:p>
         </p:txBody>
       </p:sp>
@@ -11396,7 +14595,7 @@
           <p:nvPr>
             <p:extLst>
               <p:ext uri="{D42A27DB-BD31-4B8C-83A1-F6EECF244321}">
-                <p14:modId xmlns:p14="http://schemas.microsoft.com/office/powerpoint/2010/main" val="2490928690"/>
+                <p14:modId xmlns:p14="http://schemas.microsoft.com/office/powerpoint/2010/main" val="3412032892"/>
               </p:ext>
             </p:extLst>
           </p:nvPr>
@@ -11607,11 +14806,23 @@
                       <a:pPr algn="l"/>
                       <a:r>
                         <a:rPr lang="de-DE" sz="1600" b="1" i="1" dirty="0" err="1">
+                          <a:solidFill>
+                            <a:schemeClr val="bg2">
+                              <a:lumMod val="60000"/>
+                              <a:lumOff val="40000"/>
+                            </a:schemeClr>
+                          </a:solidFill>
                           <a:effectLst/>
                         </a:rPr>
                         <a:t>Introduction</a:t>
                       </a:r>
                       <a:endParaRPr lang="de-DE" sz="1600" dirty="0">
+                        <a:solidFill>
+                          <a:schemeClr val="bg2">
+                            <a:lumMod val="60000"/>
+                            <a:lumOff val="40000"/>
+                          </a:schemeClr>
+                        </a:solidFill>
                         <a:effectLst/>
                       </a:endParaRPr>
                     </a:p>
@@ -11778,23 +14989,47 @@
                       <a:pPr algn="l"/>
                       <a:r>
                         <a:rPr lang="en-US" sz="1600" b="1" i="1" dirty="0">
+                          <a:solidFill>
+                            <a:schemeClr val="bg2">
+                              <a:lumMod val="60000"/>
+                              <a:lumOff val="40000"/>
+                            </a:schemeClr>
+                          </a:solidFill>
                           <a:effectLst/>
                         </a:rPr>
                         <a:t>Keynote 1: </a:t>
                       </a:r>
                       <a:r>
                         <a:rPr lang="en-US" sz="1600" b="1" i="1" dirty="0" err="1">
+                          <a:solidFill>
+                            <a:schemeClr val="bg2">
+                              <a:lumMod val="60000"/>
+                              <a:lumOff val="40000"/>
+                            </a:schemeClr>
+                          </a:solidFill>
                           <a:effectLst/>
                         </a:rPr>
                         <a:t>Entitymetrics</a:t>
                       </a:r>
                       <a:r>
                         <a:rPr lang="en-US" sz="1600" b="1" i="1" dirty="0">
+                          <a:solidFill>
+                            <a:schemeClr val="bg2">
+                              <a:lumMod val="60000"/>
+                              <a:lumOff val="40000"/>
+                            </a:schemeClr>
+                          </a:solidFill>
                           <a:effectLst/>
                         </a:rPr>
                         <a:t> 2.0: Measuring the Impact of Entities and Relations Extracted from Scientific Documents</a:t>
                       </a:r>
                       <a:endParaRPr lang="en-US" sz="1600" dirty="0">
+                        <a:solidFill>
+                          <a:schemeClr val="bg2">
+                            <a:lumMod val="60000"/>
+                            <a:lumOff val="40000"/>
+                          </a:schemeClr>
+                        </a:solidFill>
                         <a:effectLst/>
                       </a:endParaRPr>
                     </a:p>
@@ -11977,11 +15212,23 @@
                       <a:pPr algn="l"/>
                       <a:r>
                         <a:rPr lang="en-US" sz="1600" b="1" i="1" dirty="0">
+                          <a:solidFill>
+                            <a:schemeClr val="bg2">
+                              <a:lumMod val="60000"/>
+                              <a:lumOff val="40000"/>
+                            </a:schemeClr>
+                          </a:solidFill>
                           <a:effectLst/>
                         </a:rPr>
                         <a:t>Session 1: Knowledge Entity Extraction and Application</a:t>
                       </a:r>
                       <a:endParaRPr lang="en-US" sz="1600" dirty="0">
+                        <a:solidFill>
+                          <a:schemeClr val="bg2">
+                            <a:lumMod val="60000"/>
+                            <a:lumOff val="40000"/>
+                          </a:schemeClr>
+                        </a:solidFill>
                         <a:effectLst/>
                       </a:endParaRPr>
                     </a:p>
@@ -12303,12 +15550,24 @@
                     <a:p>
                       <a:pPr algn="l"/>
                       <a:r>
-                        <a:rPr lang="en-US" sz="1600" i="1">
+                        <a:rPr lang="en-US" sz="1600" i="1" dirty="0">
                           <a:effectLst/>
                         </a:rPr>
-                        <a:t>Intelligent Bibliometrics for Discovering the Associations between Genes and Diseases: Methodology and Case study</a:t>
+                        <a:t>Intelligent </a:t>
                       </a:r>
-                      <a:endParaRPr lang="en-US" sz="1600">
+                      <a:r>
+                        <a:rPr lang="en-US" sz="1600" i="1" dirty="0" err="1">
+                          <a:effectLst/>
+                        </a:rPr>
+                        <a:t>Bibliometrics</a:t>
+                      </a:r>
+                      <a:r>
+                        <a:rPr lang="en-US" sz="1600" i="1" dirty="0">
+                          <a:effectLst/>
+                        </a:rPr>
+                        <a:t> for Discovering the Associations between Genes and Diseases: Methodology and Case study</a:t>
+                      </a:r>
+                      <a:endParaRPr lang="en-US" sz="1600" dirty="0">
                         <a:effectLst/>
                       </a:endParaRPr>
                     </a:p>
@@ -12621,7 +15880,7 @@
 </p:sld>
 </file>
 
-<file path=ppt/slides/slide5.xml><?xml version="1.0" encoding="utf-8"?>
+<file path=ppt/slides/slide6.xml><?xml version="1.0" encoding="utf-8"?>
 <p:sld xmlns:a="http://schemas.openxmlformats.org/drawingml/2006/main" xmlns:r="http://schemas.openxmlformats.org/officeDocument/2006/relationships" xmlns:p="http://schemas.openxmlformats.org/presentationml/2006/main">
   <p:cSld>
     <p:spTree>
@@ -12792,7 +16051,7 @@
                 <a:latin typeface="Arial Black" charset="0"/>
               </a:rPr>
               <a:pPr eaLnBrk="1" hangingPunct="1"/>
-              <a:t>5</a:t>
+              <a:t>6</a:t>
             </a:fld>
             <a:endParaRPr lang="en-GB" sz="1200">
               <a:latin typeface="Arial Black" charset="0"/>
@@ -13062,7 +16321,7 @@
           <p:nvPr>
             <p:extLst>
               <p:ext uri="{D42A27DB-BD31-4B8C-83A1-F6EECF244321}">
-                <p14:modId xmlns:p14="http://schemas.microsoft.com/office/powerpoint/2010/main" val="711742919"/>
+                <p14:modId xmlns:p14="http://schemas.microsoft.com/office/powerpoint/2010/main" val="2313206760"/>
               </p:ext>
             </p:extLst>
           </p:nvPr>
@@ -13125,35 +16384,71 @@
                       <a:pPr algn="l"/>
                       <a:r>
                         <a:rPr lang="fr-FR" sz="1500" b="1" i="1" dirty="0">
+                          <a:solidFill>
+                            <a:schemeClr val="bg2">
+                              <a:lumMod val="60000"/>
+                              <a:lumOff val="40000"/>
+                            </a:schemeClr>
+                          </a:solidFill>
                           <a:effectLst/>
                         </a:rPr>
                         <a:t>Session 2: </a:t>
                       </a:r>
                       <a:r>
                         <a:rPr lang="fr-FR" sz="1500" b="1" i="1" dirty="0" err="1">
+                          <a:solidFill>
+                            <a:schemeClr val="bg2">
+                              <a:lumMod val="60000"/>
+                              <a:lumOff val="40000"/>
+                            </a:schemeClr>
+                          </a:solidFill>
                           <a:effectLst/>
                         </a:rPr>
                         <a:t>Entity</a:t>
                       </a:r>
                       <a:r>
                         <a:rPr lang="fr-FR" sz="1500" b="1" i="1" dirty="0">
+                          <a:solidFill>
+                            <a:schemeClr val="bg2">
+                              <a:lumMod val="60000"/>
+                              <a:lumOff val="40000"/>
+                            </a:schemeClr>
+                          </a:solidFill>
                           <a:effectLst/>
                         </a:rPr>
                         <a:t> Extraction </a:t>
                       </a:r>
                       <a:r>
                         <a:rPr lang="fr-FR" sz="1500" b="1" i="1" dirty="0" err="1">
+                          <a:solidFill>
+                            <a:schemeClr val="bg2">
+                              <a:lumMod val="60000"/>
+                              <a:lumOff val="40000"/>
+                            </a:schemeClr>
+                          </a:solidFill>
                           <a:effectLst/>
                         </a:rPr>
                         <a:t>from</a:t>
                       </a:r>
                       <a:r>
                         <a:rPr lang="fr-FR" sz="1500" b="1" i="1" dirty="0">
+                          <a:solidFill>
+                            <a:schemeClr val="bg2">
+                              <a:lumMod val="60000"/>
+                              <a:lumOff val="40000"/>
+                            </a:schemeClr>
+                          </a:solidFill>
                           <a:effectLst/>
                         </a:rPr>
                         <a:t> Scientific Documents</a:t>
                       </a:r>
                       <a:endParaRPr lang="fr-FR" sz="1500" dirty="0">
+                        <a:solidFill>
+                          <a:schemeClr val="bg2">
+                            <a:lumMod val="60000"/>
+                            <a:lumOff val="40000"/>
+                          </a:schemeClr>
+                        </a:solidFill>
                         <a:effectLst/>
                       </a:endParaRPr>
                     </a:p>
@@ -13503,12 +16798,18 @@
                     <a:p>
                       <a:pPr algn="l"/>
                       <a:r>
-                        <a:rPr lang="en-US" sz="1500" i="1">
+                        <a:rPr lang="en-US" sz="1500" i="1" dirty="0">
                           <a:effectLst/>
                         </a:rPr>
-                        <a:t>Investigating interdisciplinary knowledge flow through citances</a:t>
+                        <a:t>Investigating interdisciplinary knowledge flow through </a:t>
                       </a:r>
-                      <a:endParaRPr lang="en-US" sz="1500">
+                      <a:r>
+                        <a:rPr lang="en-US" sz="1500" i="1" dirty="0" err="1">
+                          <a:effectLst/>
+                        </a:rPr>
+                        <a:t>citances</a:t>
+                      </a:r>
+                      <a:endParaRPr lang="en-US" sz="1500" dirty="0">
                         <a:effectLst/>
                       </a:endParaRPr>
                     </a:p>
@@ -13685,12 +16986,12 @@
                     <a:p>
                       <a:pPr algn="l"/>
                       <a:r>
-                        <a:rPr lang="en-US" sz="1500" i="1">
+                        <a:rPr lang="en-US" sz="1500" i="1" dirty="0">
                           <a:effectLst/>
                         </a:rPr>
                         <a:t>IEKM-MD: An Intelligent Platform for Information Extraction and Knowledge Mining in Multi-Domains</a:t>
                       </a:r>
-                      <a:endParaRPr lang="en-US" sz="1500">
+                      <a:endParaRPr lang="en-US" sz="1500" dirty="0">
                         <a:effectLst/>
                       </a:endParaRPr>
                     </a:p>
@@ -13875,12 +17176,12 @@
                     <a:p>
                       <a:pPr algn="l"/>
                       <a:r>
-                        <a:rPr lang="en-US" sz="1500" i="1">
+                        <a:rPr lang="en-US" sz="1500" i="1" dirty="0">
                           <a:effectLst/>
                         </a:rPr>
                         <a:t>What is Special about Patent Information Extraction?</a:t>
                       </a:r>
-                      <a:endParaRPr lang="en-US" sz="1500">
+                      <a:endParaRPr lang="en-US" sz="1500" dirty="0">
                         <a:effectLst/>
                       </a:endParaRPr>
                     </a:p>
@@ -14053,11 +17354,6 @@
               </a:rPr>
               <a:t>Beijing Time</a:t>
             </a:r>
-            <a:endParaRPr lang="de-DE" dirty="0">
-              <a:solidFill>
-                <a:srgbClr val="FF0000"/>
-              </a:solidFill>
-            </a:endParaRPr>
           </a:p>
         </p:txBody>
       </p:sp>
@@ -14081,7 +17377,7 @@
 </p:sld>
 </file>
 
-<file path=ppt/slides/slide6.xml><?xml version="1.0" encoding="utf-8"?>
+<file path=ppt/slides/slide7.xml><?xml version="1.0" encoding="utf-8"?>
 <p:sld xmlns:a="http://schemas.openxmlformats.org/drawingml/2006/main" xmlns:r="http://schemas.openxmlformats.org/officeDocument/2006/relationships" xmlns:p="http://schemas.openxmlformats.org/presentationml/2006/main">
   <p:cSld>
     <p:spTree>
@@ -14252,7 +17548,7 @@
                 <a:latin typeface="Arial Black" charset="0"/>
               </a:rPr>
               <a:pPr eaLnBrk="1" hangingPunct="1"/>
-              <a:t>6</a:t>
+              <a:t>7</a:t>
             </a:fld>
             <a:endParaRPr lang="en-GB" sz="1200">
               <a:latin typeface="Arial Black" charset="0"/>
@@ -14638,7 +17934,7 @@
           <p:nvPr>
             <p:extLst>
               <p:ext uri="{D42A27DB-BD31-4B8C-83A1-F6EECF244321}">
-                <p14:modId xmlns:p14="http://schemas.microsoft.com/office/powerpoint/2010/main" val="4085347252"/>
+                <p14:modId xmlns:p14="http://schemas.microsoft.com/office/powerpoint/2010/main" val="1975745672"/>
               </p:ext>
             </p:extLst>
           </p:nvPr>
@@ -14702,23 +17998,47 @@
                       <a:pPr algn="l"/>
                       <a:r>
                         <a:rPr lang="de-DE" sz="1500" b="1" i="1" dirty="0" err="1">
+                          <a:solidFill>
+                            <a:schemeClr val="bg2">
+                              <a:lumMod val="60000"/>
+                              <a:lumOff val="40000"/>
+                            </a:schemeClr>
+                          </a:solidFill>
                           <a:effectLst/>
                         </a:rPr>
                         <a:t>Sesson</a:t>
                       </a:r>
                       <a:r>
                         <a:rPr lang="de-DE" sz="1500" b="1" i="1" dirty="0">
+                          <a:solidFill>
+                            <a:schemeClr val="bg2">
+                              <a:lumMod val="60000"/>
+                              <a:lumOff val="40000"/>
+                            </a:schemeClr>
+                          </a:solidFill>
                           <a:effectLst/>
                         </a:rPr>
                         <a:t> 3: Interactive </a:t>
                       </a:r>
                       <a:r>
                         <a:rPr lang="de-DE" sz="1500" b="1" i="1" dirty="0" err="1">
+                          <a:solidFill>
+                            <a:schemeClr val="bg2">
+                              <a:lumMod val="60000"/>
+                              <a:lumOff val="40000"/>
+                            </a:schemeClr>
+                          </a:solidFill>
                           <a:effectLst/>
                         </a:rPr>
                         <a:t>demos</a:t>
                       </a:r>
                       <a:endParaRPr lang="de-DE" sz="1500" dirty="0">
+                        <a:solidFill>
+                          <a:schemeClr val="bg2">
+                            <a:lumMod val="60000"/>
+                            <a:lumOff val="40000"/>
+                          </a:schemeClr>
+                        </a:solidFill>
                         <a:effectLst/>
                       </a:endParaRPr>
                     </a:p>
@@ -15293,11 +18613,23 @@
                       <a:pPr algn="l"/>
                       <a:r>
                         <a:rPr lang="en-US" sz="1500" b="1" i="1" dirty="0">
+                          <a:solidFill>
+                            <a:schemeClr val="bg2">
+                              <a:lumMod val="60000"/>
+                              <a:lumOff val="40000"/>
+                            </a:schemeClr>
+                          </a:solidFill>
                           <a:effectLst/>
                         </a:rPr>
                         <a:t>Keynote 2: Building Scholarly Knowledge Bases with Crowdsourcing and Text Mining</a:t>
                       </a:r>
                       <a:endParaRPr lang="en-US" sz="1500" dirty="0">
+                        <a:solidFill>
+                          <a:schemeClr val="bg2">
+                            <a:lumMod val="60000"/>
+                            <a:lumOff val="40000"/>
+                          </a:schemeClr>
+                        </a:solidFill>
                         <a:effectLst/>
                       </a:endParaRPr>
                     </a:p>
@@ -15506,29 +18838,59 @@
                       <a:pPr algn="l"/>
                       <a:r>
                         <a:rPr lang="de-DE" sz="1500" b="1" i="1" dirty="0">
+                          <a:solidFill>
+                            <a:schemeClr val="bg2">
+                              <a:lumMod val="60000"/>
+                              <a:lumOff val="40000"/>
+                            </a:schemeClr>
+                          </a:solidFill>
                           <a:effectLst/>
                         </a:rPr>
                         <a:t>Session 4: Entity Relation </a:t>
                       </a:r>
                       <a:r>
                         <a:rPr lang="de-DE" sz="1500" b="1" i="1" dirty="0" err="1">
+                          <a:solidFill>
+                            <a:schemeClr val="bg2">
+                              <a:lumMod val="60000"/>
+                              <a:lumOff val="40000"/>
+                            </a:schemeClr>
+                          </a:solidFill>
                           <a:effectLst/>
                         </a:rPr>
                         <a:t>Extraction</a:t>
                       </a:r>
                       <a:r>
                         <a:rPr lang="de-DE" sz="1500" b="1" i="1" dirty="0">
+                          <a:solidFill>
+                            <a:schemeClr val="bg2">
+                              <a:lumMod val="60000"/>
+                              <a:lumOff val="40000"/>
+                            </a:schemeClr>
+                          </a:solidFill>
                           <a:effectLst/>
                         </a:rPr>
                         <a:t> and </a:t>
                       </a:r>
                       <a:r>
                         <a:rPr lang="de-DE" sz="1500" b="1" i="1" dirty="0" err="1">
+                          <a:solidFill>
+                            <a:schemeClr val="bg2">
+                              <a:lumMod val="60000"/>
+                              <a:lumOff val="40000"/>
+                            </a:schemeClr>
+                          </a:solidFill>
                           <a:effectLst/>
                         </a:rPr>
                         <a:t>Application</a:t>
                       </a:r>
                       <a:endParaRPr lang="de-DE" sz="1500" dirty="0">
+                        <a:solidFill>
+                          <a:schemeClr val="bg2">
+                            <a:lumMod val="60000"/>
+                            <a:lumOff val="40000"/>
+                          </a:schemeClr>
+                        </a:solidFill>
                         <a:effectLst/>
                       </a:endParaRPr>
                     </a:p>
@@ -16451,11 +19813,6 @@
               </a:rPr>
               <a:t>Beijing Time</a:t>
             </a:r>
-            <a:endParaRPr lang="de-DE" dirty="0">
-              <a:solidFill>
-                <a:srgbClr val="FF0000"/>
-              </a:solidFill>
-            </a:endParaRPr>
           </a:p>
         </p:txBody>
       </p:sp>
@@ -16479,7 +19836,7 @@
 </p:sld>
 </file>
 
-<file path=ppt/slides/slide7.xml><?xml version="1.0" encoding="utf-8"?>
+<file path=ppt/slides/slide8.xml><?xml version="1.0" encoding="utf-8"?>
 <p:sld xmlns:a="http://schemas.openxmlformats.org/drawingml/2006/main" xmlns:r="http://schemas.openxmlformats.org/officeDocument/2006/relationships" xmlns:p="http://schemas.openxmlformats.org/presentationml/2006/main">
   <p:cSld>
     <p:spTree>
@@ -16650,7 +20007,7 @@
                 <a:latin typeface="Arial Black" charset="0"/>
               </a:rPr>
               <a:pPr eaLnBrk="1" hangingPunct="1"/>
-              <a:t>7</a:t>
+              <a:t>8</a:t>
             </a:fld>
             <a:endParaRPr lang="en-GB" sz="1200">
               <a:latin typeface="Arial Black" charset="0"/>
@@ -17036,7 +20393,7 @@
           <p:nvPr>
             <p:extLst>
               <p:ext uri="{D42A27DB-BD31-4B8C-83A1-F6EECF244321}">
-                <p14:modId xmlns:p14="http://schemas.microsoft.com/office/powerpoint/2010/main" val="3852631893"/>
+                <p14:modId xmlns:p14="http://schemas.microsoft.com/office/powerpoint/2010/main" val="3662164156"/>
               </p:ext>
             </p:extLst>
           </p:nvPr>
@@ -17098,12 +20455,24 @@
                     <a:p>
                       <a:pPr algn="l"/>
                       <a:r>
-                        <a:rPr lang="en-US" sz="1500" b="1" i="1">
+                        <a:rPr lang="en-US" sz="1500" b="1" i="1" dirty="0">
+                          <a:solidFill>
+                            <a:schemeClr val="bg2">
+                              <a:lumMod val="60000"/>
+                              <a:lumOff val="40000"/>
+                            </a:schemeClr>
+                          </a:solidFill>
                           <a:effectLst/>
                         </a:rPr>
                         <a:t>Session 5: Poster/ Greeting Notes of EEKE2020</a:t>
                       </a:r>
-                      <a:endParaRPr lang="en-US" sz="1500">
+                      <a:endParaRPr lang="en-US" sz="1500" dirty="0">
+                        <a:solidFill>
+                          <a:schemeClr val="bg2">
+                            <a:lumMod val="60000"/>
+                            <a:lumOff val="40000"/>
+                          </a:schemeClr>
+                        </a:solidFill>
                         <a:effectLst/>
                       </a:endParaRPr>
                     </a:p>
@@ -17934,7 +21303,7 @@
                     <a:p>
                       <a:pPr algn="l"/>
                       <a:r>
-                        <a:rPr lang="de-DE" sz="1500">
+                        <a:rPr lang="de-DE" sz="1500" dirty="0">
                           <a:effectLst/>
                         </a:rPr>
                         <a:t>Greeting Notes of EEKE2020</a:t>
@@ -18219,11 +21588,6 @@
               </a:rPr>
               <a:t>Beijing Time</a:t>
             </a:r>
-            <a:endParaRPr lang="de-DE" dirty="0">
-              <a:solidFill>
-                <a:srgbClr val="FF0000"/>
-              </a:solidFill>
-            </a:endParaRPr>
           </a:p>
         </p:txBody>
       </p:sp>
@@ -18231,565 +21595,6 @@
     <p:extLst>
       <p:ext uri="{BB962C8B-B14F-4D97-AF65-F5344CB8AC3E}">
         <p14:creationId xmlns:p14="http://schemas.microsoft.com/office/powerpoint/2010/main" val="3240651486"/>
-      </p:ext>
-    </p:extLst>
-  </p:cSld>
-  <p:clrMapOvr>
-    <a:masterClrMapping/>
-  </p:clrMapOvr>
-  <p:timing>
-    <p:tnLst>
-      <p:par>
-        <p:cTn id="1" dur="indefinite" restart="never" nodeType="tmRoot"/>
-      </p:par>
-    </p:tnLst>
-  </p:timing>
-</p:sld>
-</file>
-
-<file path=ppt/slides/slide8.xml><?xml version="1.0" encoding="utf-8"?>
-<p:sld xmlns:a="http://schemas.openxmlformats.org/drawingml/2006/main" xmlns:r="http://schemas.openxmlformats.org/officeDocument/2006/relationships" xmlns:p="http://schemas.openxmlformats.org/presentationml/2006/main">
-  <p:cSld>
-    <p:spTree>
-      <p:nvGrpSpPr>
-        <p:cNvPr id="1" name=""/>
-        <p:cNvGrpSpPr/>
-        <p:nvPr/>
-      </p:nvGrpSpPr>
-      <p:grpSpPr>
-        <a:xfrm>
-          <a:off x="0" y="0"/>
-          <a:ext cx="0" cy="0"/>
-          <a:chOff x="0" y="0"/>
-          <a:chExt cx="0" cy="0"/>
-        </a:xfrm>
-      </p:grpSpPr>
-      <p:sp>
-        <p:nvSpPr>
-          <p:cNvPr id="17410" name="Espace réservé du numéro de diapositive 5"/>
-          <p:cNvSpPr>
-            <a:spLocks noGrp="1"/>
-          </p:cNvSpPr>
-          <p:nvPr>
-            <p:ph type="sldNum" sz="quarter" idx="11"/>
-          </p:nvPr>
-        </p:nvSpPr>
-        <p:spPr>
-          <a:xfrm>
-            <a:off x="7010400" y="6400800"/>
-            <a:ext cx="2133600" cy="457200"/>
-          </a:xfrm>
-          <a:noFill/>
-          <a:ln/>
-          <a:extLst>
-            <a:ext uri="{909E8E84-426E-40DD-AFC4-6F175D3DCCD1}">
-              <a14:hiddenFill xmlns:a14="http://schemas.microsoft.com/office/drawing/2010/main">
-                <a:solidFill>
-                  <a:srgbClr val="FFFFFF"/>
-                </a:solidFill>
-              </a14:hiddenFill>
-            </a:ext>
-            <a:ext uri="{91240B29-F687-4F45-9708-019B960494DF}">
-              <a14:hiddenLine xmlns:a14="http://schemas.microsoft.com/office/drawing/2010/main" w="9525">
-                <a:solidFill>
-                  <a:srgbClr val="000000"/>
-                </a:solidFill>
-                <a:miter lim="800000"/>
-                <a:headEnd/>
-                <a:tailEnd/>
-              </a14:hiddenLine>
-            </a:ext>
-          </a:extLst>
-        </p:spPr>
-        <p:txBody>
-          <a:bodyPr/>
-          <a:lstStyle>
-            <a:lvl1pPr eaLnBrk="0" hangingPunct="0">
-              <a:defRPr sz="2400">
-                <a:solidFill>
-                  <a:schemeClr val="tx1"/>
-                </a:solidFill>
-                <a:latin typeface="Calibri" charset="0"/>
-                <a:ea typeface="ＭＳ Ｐゴシック" charset="0"/>
-                <a:cs typeface="ＭＳ Ｐゴシック" charset="0"/>
-              </a:defRPr>
-            </a:lvl1pPr>
-            <a:lvl2pPr marL="742950" indent="-285750" eaLnBrk="0" hangingPunct="0">
-              <a:defRPr sz="2400">
-                <a:solidFill>
-                  <a:schemeClr val="tx1"/>
-                </a:solidFill>
-                <a:latin typeface="Calibri" charset="0"/>
-                <a:ea typeface="ＭＳ Ｐゴシック" charset="0"/>
-              </a:defRPr>
-            </a:lvl2pPr>
-            <a:lvl3pPr marL="1143000" indent="-228600" eaLnBrk="0" hangingPunct="0">
-              <a:defRPr sz="2400">
-                <a:solidFill>
-                  <a:schemeClr val="tx1"/>
-                </a:solidFill>
-                <a:latin typeface="Calibri" charset="0"/>
-                <a:ea typeface="ＭＳ Ｐゴシック" charset="0"/>
-              </a:defRPr>
-            </a:lvl3pPr>
-            <a:lvl4pPr marL="1600200" indent="-228600" eaLnBrk="0" hangingPunct="0">
-              <a:defRPr sz="2400">
-                <a:solidFill>
-                  <a:schemeClr val="tx1"/>
-                </a:solidFill>
-                <a:latin typeface="Calibri" charset="0"/>
-                <a:ea typeface="ＭＳ Ｐゴシック" charset="0"/>
-              </a:defRPr>
-            </a:lvl4pPr>
-            <a:lvl5pPr marL="2057400" indent="-228600" eaLnBrk="0" hangingPunct="0">
-              <a:defRPr sz="2400">
-                <a:solidFill>
-                  <a:schemeClr val="tx1"/>
-                </a:solidFill>
-                <a:latin typeface="Calibri" charset="0"/>
-                <a:ea typeface="ＭＳ Ｐゴシック" charset="0"/>
-              </a:defRPr>
-            </a:lvl5pPr>
-            <a:lvl6pPr marL="2514600" indent="-228600" algn="ctr" eaLnBrk="0" fontAlgn="base" hangingPunct="0">
-              <a:spcBef>
-                <a:spcPct val="50000"/>
-              </a:spcBef>
-              <a:spcAft>
-                <a:spcPct val="0"/>
-              </a:spcAft>
-              <a:defRPr sz="2400">
-                <a:solidFill>
-                  <a:schemeClr val="tx1"/>
-                </a:solidFill>
-                <a:latin typeface="Calibri" charset="0"/>
-                <a:ea typeface="ＭＳ Ｐゴシック" charset="0"/>
-              </a:defRPr>
-            </a:lvl6pPr>
-            <a:lvl7pPr marL="2971800" indent="-228600" algn="ctr" eaLnBrk="0" fontAlgn="base" hangingPunct="0">
-              <a:spcBef>
-                <a:spcPct val="50000"/>
-              </a:spcBef>
-              <a:spcAft>
-                <a:spcPct val="0"/>
-              </a:spcAft>
-              <a:defRPr sz="2400">
-                <a:solidFill>
-                  <a:schemeClr val="tx1"/>
-                </a:solidFill>
-                <a:latin typeface="Calibri" charset="0"/>
-                <a:ea typeface="ＭＳ Ｐゴシック" charset="0"/>
-              </a:defRPr>
-            </a:lvl7pPr>
-            <a:lvl8pPr marL="3429000" indent="-228600" algn="ctr" eaLnBrk="0" fontAlgn="base" hangingPunct="0">
-              <a:spcBef>
-                <a:spcPct val="50000"/>
-              </a:spcBef>
-              <a:spcAft>
-                <a:spcPct val="0"/>
-              </a:spcAft>
-              <a:defRPr sz="2400">
-                <a:solidFill>
-                  <a:schemeClr val="tx1"/>
-                </a:solidFill>
-                <a:latin typeface="Calibri" charset="0"/>
-                <a:ea typeface="ＭＳ Ｐゴシック" charset="0"/>
-              </a:defRPr>
-            </a:lvl8pPr>
-            <a:lvl9pPr marL="3886200" indent="-228600" algn="ctr" eaLnBrk="0" fontAlgn="base" hangingPunct="0">
-              <a:spcBef>
-                <a:spcPct val="50000"/>
-              </a:spcBef>
-              <a:spcAft>
-                <a:spcPct val="0"/>
-              </a:spcAft>
-              <a:defRPr sz="2400">
-                <a:solidFill>
-                  <a:schemeClr val="tx1"/>
-                </a:solidFill>
-                <a:latin typeface="Calibri" charset="0"/>
-                <a:ea typeface="ＭＳ Ｐゴシック" charset="0"/>
-              </a:defRPr>
-            </a:lvl9pPr>
-          </a:lstStyle>
-          <a:p>
-            <a:pPr eaLnBrk="1" hangingPunct="1"/>
-            <a:fld id="{2885B478-7DA6-BA40-9EF5-9E15BC7A0401}" type="slidenum">
-              <a:rPr lang="en-GB" sz="1200" smtClean="0">
-                <a:latin typeface="Arial Black" charset="0"/>
-              </a:rPr>
-              <a:pPr eaLnBrk="1" hangingPunct="1"/>
-              <a:t>8</a:t>
-            </a:fld>
-            <a:endParaRPr lang="en-GB" sz="1200">
-              <a:latin typeface="Arial Black" charset="0"/>
-            </a:endParaRPr>
-          </a:p>
-        </p:txBody>
-      </p:sp>
-      <p:sp>
-        <p:nvSpPr>
-          <p:cNvPr id="8" name="Rectangle 2"/>
-          <p:cNvSpPr>
-            <a:spLocks noGrp="1" noChangeArrowheads="1"/>
-          </p:cNvSpPr>
-          <p:nvPr>
-            <p:ph type="title"/>
-          </p:nvPr>
-        </p:nvSpPr>
-        <p:spPr>
-          <a:xfrm>
-            <a:off x="457200" y="457200"/>
-            <a:ext cx="8686800" cy="668338"/>
-          </a:xfrm>
-        </p:spPr>
-        <p:txBody>
-          <a:bodyPr/>
-          <a:lstStyle/>
-          <a:p>
-            <a:pPr marL="536575" indent="-536575" eaLnBrk="1" hangingPunct="1"/>
-            <a:r>
-              <a:rPr lang="en-GB" sz="3200" dirty="0" smtClean="0">
-                <a:solidFill>
-                  <a:srgbClr val="CC0000"/>
-                </a:solidFill>
-                <a:latin typeface="Calibri" charset="0"/>
-                <a:sym typeface="Wingdings" charset="0"/>
-              </a:rPr>
-              <a:t>Keynote 1</a:t>
-            </a:r>
-            <a:endParaRPr lang="en-GB" sz="3200" dirty="0">
-              <a:solidFill>
-                <a:srgbClr val="CC0000"/>
-              </a:solidFill>
-              <a:latin typeface="Calibri" charset="0"/>
-            </a:endParaRPr>
-          </a:p>
-        </p:txBody>
-      </p:sp>
-      <p:sp>
-        <p:nvSpPr>
-          <p:cNvPr id="17" name="Text Box 4">
-            <a:extLst>
-              <a:ext uri="{FF2B5EF4-FFF2-40B4-BE49-F238E27FC236}">
-                <a16:creationId xmlns:a16="http://schemas.microsoft.com/office/drawing/2014/main" xmlns="" id="{7FB8B298-1DE1-8446-854E-9DA7260C306B}"/>
-              </a:ext>
-            </a:extLst>
-          </p:cNvPr>
-          <p:cNvSpPr txBox="1">
-            <a:spLocks noChangeArrowheads="1"/>
-          </p:cNvSpPr>
-          <p:nvPr/>
-        </p:nvSpPr>
-        <p:spPr bwMode="auto">
-          <a:xfrm>
-            <a:off x="684213" y="97497"/>
-            <a:ext cx="8459787" cy="338554"/>
-          </a:xfrm>
-          <a:prstGeom prst="rect">
-            <a:avLst/>
-          </a:prstGeom>
-          <a:noFill/>
-          <a:ln>
-            <a:noFill/>
-          </a:ln>
-          <a:extLst>
-            <a:ext uri="{909E8E84-426E-40DD-AFC4-6F175D3DCCD1}">
-              <a14:hiddenFill xmlns:a14="http://schemas.microsoft.com/office/drawing/2010/main">
-                <a:solidFill>
-                  <a:srgbClr val="FFFFFF"/>
-                </a:solidFill>
-              </a14:hiddenFill>
-            </a:ext>
-            <a:ext uri="{91240B29-F687-4F45-9708-019B960494DF}">
-              <a14:hiddenLine xmlns:a14="http://schemas.microsoft.com/office/drawing/2010/main" w="9525">
-                <a:solidFill>
-                  <a:srgbClr val="000000"/>
-                </a:solidFill>
-                <a:miter lim="800000"/>
-                <a:headEnd/>
-                <a:tailEnd/>
-              </a14:hiddenLine>
-            </a:ext>
-          </a:extLst>
-        </p:spPr>
-        <p:txBody>
-          <a:bodyPr>
-            <a:spAutoFit/>
-          </a:bodyPr>
-          <a:lstStyle>
-            <a:lvl1pPr marL="342900" indent="-342900" eaLnBrk="0" hangingPunct="0">
-              <a:tabLst>
-                <a:tab pos="8253413" algn="r"/>
-              </a:tabLst>
-              <a:defRPr sz="2400">
-                <a:solidFill>
-                  <a:schemeClr val="tx1"/>
-                </a:solidFill>
-                <a:latin typeface="Calibri" charset="0"/>
-                <a:ea typeface="ＭＳ Ｐゴシック" charset="0"/>
-                <a:cs typeface="ＭＳ Ｐゴシック" charset="0"/>
-              </a:defRPr>
-            </a:lvl1pPr>
-            <a:lvl2pPr marL="742950" indent="-285750" eaLnBrk="0" hangingPunct="0">
-              <a:tabLst>
-                <a:tab pos="8253413" algn="r"/>
-              </a:tabLst>
-              <a:defRPr sz="2400">
-                <a:solidFill>
-                  <a:schemeClr val="tx1"/>
-                </a:solidFill>
-                <a:latin typeface="Calibri" charset="0"/>
-                <a:ea typeface="ＭＳ Ｐゴシック" charset="0"/>
-              </a:defRPr>
-            </a:lvl2pPr>
-            <a:lvl3pPr marL="1143000" indent="-228600" eaLnBrk="0" hangingPunct="0">
-              <a:tabLst>
-                <a:tab pos="8253413" algn="r"/>
-              </a:tabLst>
-              <a:defRPr sz="2400">
-                <a:solidFill>
-                  <a:schemeClr val="tx1"/>
-                </a:solidFill>
-                <a:latin typeface="Calibri" charset="0"/>
-                <a:ea typeface="ＭＳ Ｐゴシック" charset="0"/>
-              </a:defRPr>
-            </a:lvl3pPr>
-            <a:lvl4pPr marL="1600200" indent="-228600" eaLnBrk="0" hangingPunct="0">
-              <a:tabLst>
-                <a:tab pos="8253413" algn="r"/>
-              </a:tabLst>
-              <a:defRPr sz="2400">
-                <a:solidFill>
-                  <a:schemeClr val="tx1"/>
-                </a:solidFill>
-                <a:latin typeface="Calibri" charset="0"/>
-                <a:ea typeface="ＭＳ Ｐゴシック" charset="0"/>
-              </a:defRPr>
-            </a:lvl4pPr>
-            <a:lvl5pPr marL="2057400" indent="-228600" eaLnBrk="0" hangingPunct="0">
-              <a:tabLst>
-                <a:tab pos="8253413" algn="r"/>
-              </a:tabLst>
-              <a:defRPr sz="2400">
-                <a:solidFill>
-                  <a:schemeClr val="tx1"/>
-                </a:solidFill>
-                <a:latin typeface="Calibri" charset="0"/>
-                <a:ea typeface="ＭＳ Ｐゴシック" charset="0"/>
-              </a:defRPr>
-            </a:lvl5pPr>
-            <a:lvl6pPr marL="2514600" indent="-228600" algn="ctr" eaLnBrk="0" fontAlgn="base" hangingPunct="0">
-              <a:spcBef>
-                <a:spcPct val="50000"/>
-              </a:spcBef>
-              <a:spcAft>
-                <a:spcPct val="0"/>
-              </a:spcAft>
-              <a:tabLst>
-                <a:tab pos="8253413" algn="r"/>
-              </a:tabLst>
-              <a:defRPr sz="2400">
-                <a:solidFill>
-                  <a:schemeClr val="tx1"/>
-                </a:solidFill>
-                <a:latin typeface="Calibri" charset="0"/>
-                <a:ea typeface="ＭＳ Ｐゴシック" charset="0"/>
-              </a:defRPr>
-            </a:lvl6pPr>
-            <a:lvl7pPr marL="2971800" indent="-228600" algn="ctr" eaLnBrk="0" fontAlgn="base" hangingPunct="0">
-              <a:spcBef>
-                <a:spcPct val="50000"/>
-              </a:spcBef>
-              <a:spcAft>
-                <a:spcPct val="0"/>
-              </a:spcAft>
-              <a:tabLst>
-                <a:tab pos="8253413" algn="r"/>
-              </a:tabLst>
-              <a:defRPr sz="2400">
-                <a:solidFill>
-                  <a:schemeClr val="tx1"/>
-                </a:solidFill>
-                <a:latin typeface="Calibri" charset="0"/>
-                <a:ea typeface="ＭＳ Ｐゴシック" charset="0"/>
-              </a:defRPr>
-            </a:lvl7pPr>
-            <a:lvl8pPr marL="3429000" indent="-228600" algn="ctr" eaLnBrk="0" fontAlgn="base" hangingPunct="0">
-              <a:spcBef>
-                <a:spcPct val="50000"/>
-              </a:spcBef>
-              <a:spcAft>
-                <a:spcPct val="0"/>
-              </a:spcAft>
-              <a:tabLst>
-                <a:tab pos="8253413" algn="r"/>
-              </a:tabLst>
-              <a:defRPr sz="2400">
-                <a:solidFill>
-                  <a:schemeClr val="tx1"/>
-                </a:solidFill>
-                <a:latin typeface="Calibri" charset="0"/>
-                <a:ea typeface="ＭＳ Ｐゴシック" charset="0"/>
-              </a:defRPr>
-            </a:lvl8pPr>
-            <a:lvl9pPr marL="3886200" indent="-228600" algn="ctr" eaLnBrk="0" fontAlgn="base" hangingPunct="0">
-              <a:spcBef>
-                <a:spcPct val="50000"/>
-              </a:spcBef>
-              <a:spcAft>
-                <a:spcPct val="0"/>
-              </a:spcAft>
-              <a:tabLst>
-                <a:tab pos="8253413" algn="r"/>
-              </a:tabLst>
-              <a:defRPr sz="2400">
-                <a:solidFill>
-                  <a:schemeClr val="tx1"/>
-                </a:solidFill>
-                <a:latin typeface="Calibri" charset="0"/>
-                <a:ea typeface="ＭＳ Ｐゴシック" charset="0"/>
-              </a:defRPr>
-            </a:lvl9pPr>
-          </a:lstStyle>
-          <a:p>
-            <a:pPr algn="r" eaLnBrk="1" hangingPunct="1"/>
-            <a:r>
-              <a:rPr lang="fr-FR" sz="1600" dirty="0" smtClean="0">
-                <a:solidFill>
-                  <a:schemeClr val="accent6"/>
-                </a:solidFill>
-              </a:rPr>
-              <a:t>EEKE 2020</a:t>
-            </a:r>
-            <a:endParaRPr lang="en-GB" sz="1200" i="1" dirty="0">
-              <a:solidFill>
-                <a:schemeClr val="accent6"/>
-              </a:solidFill>
-            </a:endParaRPr>
-          </a:p>
-        </p:txBody>
-      </p:sp>
-      <p:sp>
-        <p:nvSpPr>
-          <p:cNvPr id="10" name="TextBox 9">
-            <a:extLst>
-              <a:ext uri="{FF2B5EF4-FFF2-40B4-BE49-F238E27FC236}">
-                <a16:creationId xmlns:a16="http://schemas.microsoft.com/office/drawing/2014/main" xmlns="" id="{E532C04B-AEDE-AA4D-B4E8-2E6DFCFB3EC5}"/>
-              </a:ext>
-            </a:extLst>
-          </p:cNvPr>
-          <p:cNvSpPr txBox="1"/>
-          <p:nvPr/>
-        </p:nvSpPr>
-        <p:spPr>
-          <a:xfrm>
-            <a:off x="4185709" y="2754751"/>
-            <a:ext cx="4755092" cy="3016210"/>
-          </a:xfrm>
-          <a:prstGeom prst="rect">
-            <a:avLst/>
-          </a:prstGeom>
-          <a:noFill/>
-        </p:spPr>
-        <p:txBody>
-          <a:bodyPr wrap="square" rtlCol="0">
-            <a:spAutoFit/>
-          </a:bodyPr>
-          <a:lstStyle/>
-          <a:p>
-            <a:r>
-              <a:rPr lang="en-GB" sz="2800" b="1" dirty="0" smtClean="0"/>
-              <a:t>KEYNOTE</a:t>
-            </a:r>
-          </a:p>
-          <a:p>
-            <a:r>
-              <a:rPr lang="en-US" sz="2800" dirty="0" err="1"/>
-              <a:t>Entitymetrics</a:t>
-            </a:r>
-            <a:r>
-              <a:rPr lang="en-US" sz="2800" dirty="0"/>
-              <a:t> 2.0: Measuring the Impact of Entities and Relations Extracted from Scientific </a:t>
-            </a:r>
-            <a:r>
-              <a:rPr lang="en-US" sz="2800" dirty="0" smtClean="0"/>
-              <a:t>Documents</a:t>
-            </a:r>
-            <a:endParaRPr lang="de-DE" sz="2800" b="1" dirty="0" smtClean="0"/>
-          </a:p>
-          <a:p>
-            <a:endParaRPr lang="en-US" sz="2400" dirty="0"/>
-          </a:p>
-        </p:txBody>
-      </p:sp>
-      <p:sp>
-        <p:nvSpPr>
-          <p:cNvPr id="2" name="Inhaltsplatzhalter 1"/>
-          <p:cNvSpPr>
-            <a:spLocks noGrp="1"/>
-          </p:cNvSpPr>
-          <p:nvPr>
-            <p:ph sz="half" idx="1"/>
-          </p:nvPr>
-        </p:nvSpPr>
-        <p:spPr/>
-        <p:txBody>
-          <a:bodyPr/>
-          <a:lstStyle/>
-          <a:p>
-            <a:r>
-              <a:rPr lang="de-DE" b="1" dirty="0"/>
-              <a:t>Min Song</a:t>
-            </a:r>
-            <a:endParaRPr lang="de-DE" b="1" dirty="0"/>
-          </a:p>
-        </p:txBody>
-      </p:sp>
-      <p:pic>
-        <p:nvPicPr>
-          <p:cNvPr id="4" name="Picture 2" descr="min_song_picture.jpg"/>
-          <p:cNvPicPr>
-            <a:picLocks noChangeAspect="1" noChangeArrowheads="1"/>
-          </p:cNvPicPr>
-          <p:nvPr/>
-        </p:nvPicPr>
-        <p:blipFill>
-          <a:blip r:embed="rId3" cstate="email">
-            <a:extLst>
-              <a:ext uri="{28A0092B-C50C-407E-A947-70E740481C1C}">
-                <a14:useLocalDpi xmlns:a14="http://schemas.microsoft.com/office/drawing/2010/main" val="0"/>
-              </a:ext>
-            </a:extLst>
-          </a:blip>
-          <a:srcRect/>
-          <a:stretch>
-            <a:fillRect/>
-          </a:stretch>
-        </p:blipFill>
-        <p:spPr bwMode="auto">
-          <a:xfrm>
-            <a:off x="684213" y="2754751"/>
-            <a:ext cx="2505301" cy="2955563"/>
-          </a:xfrm>
-          <a:prstGeom prst="rect">
-            <a:avLst/>
-          </a:prstGeom>
-          <a:noFill/>
-          <a:extLst>
-            <a:ext uri="{909E8E84-426E-40DD-AFC4-6F175D3DCCD1}">
-              <a14:hiddenFill xmlns:a14="http://schemas.microsoft.com/office/drawing/2010/main">
-                <a:solidFill>
-                  <a:srgbClr val="FFFFFF"/>
-                </a:solidFill>
-              </a14:hiddenFill>
-            </a:ext>
-          </a:extLst>
-        </p:spPr>
-      </p:pic>
-    </p:spTree>
-    <p:extLst>
-      <p:ext uri="{BB962C8B-B14F-4D97-AF65-F5344CB8AC3E}">
-        <p14:creationId xmlns:p14="http://schemas.microsoft.com/office/powerpoint/2010/main" val="3933073139"/>
       </p:ext>
     </p:extLst>
   </p:cSld>
@@ -19014,7 +21819,7 @@
                 <a:latin typeface="Calibri" charset="0"/>
                 <a:sym typeface="Wingdings" charset="0"/>
               </a:rPr>
-              <a:t>Keynote 2</a:t>
+              <a:t>Keynote 1</a:t>
             </a:r>
             <a:endParaRPr lang="en-GB" sz="3200" dirty="0">
               <a:solidFill>
@@ -19243,7 +22048,7 @@
         <p:spPr>
           <a:xfrm>
             <a:off x="4185709" y="2754751"/>
-            <a:ext cx="4755092" cy="2585323"/>
+            <a:ext cx="4755092" cy="3016210"/>
           </a:xfrm>
           <a:prstGeom prst="rect">
             <a:avLst/>
@@ -19263,8 +22068,16 @@
           </a:p>
           <a:p>
             <a:r>
+              <a:rPr lang="en-US" sz="2800" dirty="0" err="1"/>
+              <a:t>Entitymetrics</a:t>
+            </a:r>
+            <a:r>
               <a:rPr lang="en-US" sz="2800" dirty="0"/>
-              <a:t>Building Scholarly Knowledge Bases with Crowdsourcing and Text Mining</a:t>
+              <a:t> 2.0: Measuring the Impact of Entities and Relations Extracted from Scientific </a:t>
+            </a:r>
+            <a:r>
+              <a:rPr lang="en-US" sz="2800" dirty="0" smtClean="0"/>
+              <a:t>Documents</a:t>
             </a:r>
             <a:endParaRPr lang="de-DE" sz="2800" b="1" dirty="0" smtClean="0"/>
           </a:p>
@@ -19289,23 +22102,22 @@
           <a:lstStyle/>
           <a:p>
             <a:r>
-              <a:rPr lang="de-DE" b="1" dirty="0" smtClean="0"/>
-              <a:t>Markus Stocker</a:t>
-            </a:r>
-            <a:endParaRPr lang="de-DE" b="1" dirty="0"/>
+              <a:rPr lang="de-DE" b="1" dirty="0"/>
+              <a:t>Min Song</a:t>
+            </a:r>
           </a:p>
         </p:txBody>
       </p:sp>
       <p:pic>
         <p:nvPicPr>
-          <p:cNvPr id="2050" name="Picture 2" descr="Dr. Markus Stocker"/>
+          <p:cNvPr id="4" name="Picture 2" descr="min_song_picture.jpg"/>
           <p:cNvPicPr>
             <a:picLocks noChangeAspect="1" noChangeArrowheads="1"/>
           </p:cNvPicPr>
           <p:nvPr/>
         </p:nvPicPr>
         <p:blipFill>
-          <a:blip r:embed="rId3">
+          <a:blip r:embed="rId3" cstate="email">
             <a:extLst>
               <a:ext uri="{28A0092B-C50C-407E-A947-70E740481C1C}">
                 <a14:useLocalDpi xmlns:a14="http://schemas.microsoft.com/office/drawing/2010/main" val="0"/>
@@ -19319,8 +22131,8 @@
         </p:blipFill>
         <p:spPr bwMode="auto">
           <a:xfrm>
-            <a:off x="765175" y="3162300"/>
-            <a:ext cx="2381250" cy="2381250"/>
+            <a:off x="1040524" y="2754751"/>
+            <a:ext cx="2212052" cy="2609610"/>
           </a:xfrm>
           <a:prstGeom prst="rect">
             <a:avLst/>
@@ -19340,7 +22152,7 @@
     </p:spTree>
     <p:extLst>
       <p:ext uri="{BB962C8B-B14F-4D97-AF65-F5344CB8AC3E}">
-        <p14:creationId xmlns:p14="http://schemas.microsoft.com/office/powerpoint/2010/main" val="3404667159"/>
+        <p14:creationId xmlns:p14="http://schemas.microsoft.com/office/powerpoint/2010/main" val="3933073139"/>
       </p:ext>
     </p:extLst>
   </p:cSld>

--- a/slides/eeke2020_intro.pptx
+++ b/slides/eeke2020_intro.pptx
@@ -606,7 +606,7 @@
               </a14:hiddenFill>
             </a:ext>
             <a:ext uri="{FAA26D3D-D897-4be2-8F04-BA451C77F1D7}">
-              <ma14:placeholderFlag xmlns="" xmlns:ma14="http://schemas.microsoft.com/office/mac/drawingml/2011/main" val="1"/>
+              <ma14:placeholderFlag xmlns:ma14="http://schemas.microsoft.com/office/mac/drawingml/2011/main" xmlns="" val="1"/>
             </a:ext>
           </a:extLst>
         </p:spPr>
@@ -1148,7 +1148,7 @@
               </a14:hiddenLine>
             </a:ext>
             <a:ext uri="{FAA26D3D-D897-4be2-8F04-BA451C77F1D7}">
-              <ma14:placeholderFlag xmlns="" xmlns:ma14="http://schemas.microsoft.com/office/mac/drawingml/2011/main" val="1"/>
+              <ma14:placeholderFlag xmlns:ma14="http://schemas.microsoft.com/office/mac/drawingml/2011/main" xmlns="" val="1"/>
             </a:ext>
           </a:extLst>
         </p:spPr>
@@ -1398,7 +1398,7 @@
               </a14:hiddenLine>
             </a:ext>
             <a:ext uri="{FAA26D3D-D897-4be2-8F04-BA451C77F1D7}">
-              <ma14:placeholderFlag xmlns="" xmlns:ma14="http://schemas.microsoft.com/office/mac/drawingml/2011/main" val="1"/>
+              <ma14:placeholderFlag xmlns:ma14="http://schemas.microsoft.com/office/mac/drawingml/2011/main" xmlns="" val="1"/>
             </a:ext>
           </a:extLst>
         </p:spPr>
@@ -1884,7 +1884,7 @@
               </a14:hiddenLine>
             </a:ext>
             <a:ext uri="{FAA26D3D-D897-4be2-8F04-BA451C77F1D7}">
-              <ma14:placeholderFlag xmlns="" xmlns:ma14="http://schemas.microsoft.com/office/mac/drawingml/2011/main" val="1"/>
+              <ma14:placeholderFlag xmlns:ma14="http://schemas.microsoft.com/office/mac/drawingml/2011/main" xmlns="" val="1"/>
             </a:ext>
           </a:extLst>
         </p:spPr>
@@ -2130,7 +2130,7 @@
               </a14:hiddenLine>
             </a:ext>
             <a:ext uri="{FAA26D3D-D897-4be2-8F04-BA451C77F1D7}">
-              <ma14:placeholderFlag xmlns="" xmlns:ma14="http://schemas.microsoft.com/office/mac/drawingml/2011/main" val="1"/>
+              <ma14:placeholderFlag xmlns:ma14="http://schemas.microsoft.com/office/mac/drawingml/2011/main" xmlns="" val="1"/>
             </a:ext>
           </a:extLst>
         </p:spPr>
@@ -2377,7 +2377,7 @@
               </a14:hiddenLine>
             </a:ext>
             <a:ext uri="{FAA26D3D-D897-4be2-8F04-BA451C77F1D7}">
-              <ma14:placeholderFlag xmlns="" xmlns:ma14="http://schemas.microsoft.com/office/mac/drawingml/2011/main" val="1"/>
+              <ma14:placeholderFlag xmlns:ma14="http://schemas.microsoft.com/office/mac/drawingml/2011/main" xmlns="" val="1"/>
             </a:ext>
           </a:extLst>
         </p:spPr>
@@ -2624,7 +2624,7 @@
               </a14:hiddenLine>
             </a:ext>
             <a:ext uri="{FAA26D3D-D897-4be2-8F04-BA451C77F1D7}">
-              <ma14:placeholderFlag xmlns="" xmlns:ma14="http://schemas.microsoft.com/office/mac/drawingml/2011/main" val="1"/>
+              <ma14:placeholderFlag xmlns:ma14="http://schemas.microsoft.com/office/mac/drawingml/2011/main" xmlns="" val="1"/>
             </a:ext>
           </a:extLst>
         </p:spPr>
@@ -2871,7 +2871,7 @@
               </a14:hiddenLine>
             </a:ext>
             <a:ext uri="{FAA26D3D-D897-4be2-8F04-BA451C77F1D7}">
-              <ma14:placeholderFlag xmlns="" xmlns:ma14="http://schemas.microsoft.com/office/mac/drawingml/2011/main" val="1"/>
+              <ma14:placeholderFlag xmlns:ma14="http://schemas.microsoft.com/office/mac/drawingml/2011/main" xmlns="" val="1"/>
             </a:ext>
           </a:extLst>
         </p:spPr>
@@ -3118,7 +3118,7 @@
               </a14:hiddenLine>
             </a:ext>
             <a:ext uri="{FAA26D3D-D897-4be2-8F04-BA451C77F1D7}">
-              <ma14:placeholderFlag xmlns="" xmlns:ma14="http://schemas.microsoft.com/office/mac/drawingml/2011/main" val="1"/>
+              <ma14:placeholderFlag xmlns:ma14="http://schemas.microsoft.com/office/mac/drawingml/2011/main" xmlns="" val="1"/>
             </a:ext>
           </a:extLst>
         </p:spPr>
@@ -3365,7 +3365,7 @@
               </a14:hiddenLine>
             </a:ext>
             <a:ext uri="{FAA26D3D-D897-4be2-8F04-BA451C77F1D7}">
-              <ma14:placeholderFlag xmlns="" xmlns:ma14="http://schemas.microsoft.com/office/mac/drawingml/2011/main" val="1"/>
+              <ma14:placeholderFlag xmlns:ma14="http://schemas.microsoft.com/office/mac/drawingml/2011/main" xmlns="" val="1"/>
             </a:ext>
           </a:extLst>
         </p:spPr>
@@ -3612,7 +3612,7 @@
               </a14:hiddenLine>
             </a:ext>
             <a:ext uri="{FAA26D3D-D897-4be2-8F04-BA451C77F1D7}">
-              <ma14:placeholderFlag xmlns="" xmlns:ma14="http://schemas.microsoft.com/office/mac/drawingml/2011/main" val="1"/>
+              <ma14:placeholderFlag xmlns:ma14="http://schemas.microsoft.com/office/mac/drawingml/2011/main" xmlns="" val="1"/>
             </a:ext>
           </a:extLst>
         </p:spPr>
@@ -3859,7 +3859,7 @@
               </a14:hiddenLine>
             </a:ext>
             <a:ext uri="{FAA26D3D-D897-4be2-8F04-BA451C77F1D7}">
-              <ma14:placeholderFlag xmlns="" xmlns:ma14="http://schemas.microsoft.com/office/mac/drawingml/2011/main" val="1"/>
+              <ma14:placeholderFlag xmlns:ma14="http://schemas.microsoft.com/office/mac/drawingml/2011/main" xmlns="" val="1"/>
             </a:ext>
           </a:extLst>
         </p:spPr>
@@ -7863,7 +7863,7 @@
               </a14:hiddenLine>
             </a:ext>
             <a:ext uri="{FAA26D3D-D897-4be2-8F04-BA451C77F1D7}">
-              <ma14:placeholderFlag xmlns="" xmlns:ma14="http://schemas.microsoft.com/office/mac/drawingml/2011/main" val="1"/>
+              <ma14:placeholderFlag xmlns:ma14="http://schemas.microsoft.com/office/mac/drawingml/2011/main" xmlns="" val="1"/>
             </a:ext>
           </a:extLst>
         </p:spPr>
@@ -7924,7 +7924,7 @@
               </a14:hiddenLine>
             </a:ext>
             <a:ext uri="{FAA26D3D-D897-4be2-8F04-BA451C77F1D7}">
-              <ma14:placeholderFlag xmlns="" xmlns:ma14="http://schemas.microsoft.com/office/mac/drawingml/2011/main" val="1"/>
+              <ma14:placeholderFlag xmlns:ma14="http://schemas.microsoft.com/office/mac/drawingml/2011/main" xmlns="" val="1"/>
             </a:ext>
           </a:extLst>
         </p:spPr>
@@ -9342,7 +9342,7 @@
           <p:cNvPr id="17" name="Text Box 4">
             <a:extLst>
               <a:ext uri="{FF2B5EF4-FFF2-40B4-BE49-F238E27FC236}">
-                <a16:creationId xmlns:a16="http://schemas.microsoft.com/office/drawing/2014/main" xmlns="" id="{7FB8B298-1DE1-8446-854E-9DA7260C306B}"/>
+                <a16:creationId xmlns="" xmlns:a16="http://schemas.microsoft.com/office/drawing/2014/main" id="{7FB8B298-1DE1-8446-854E-9DA7260C306B}"/>
               </a:ext>
             </a:extLst>
           </p:cNvPr>
@@ -9545,7 +9545,7 @@
           <p:cNvPr id="10" name="TextBox 9">
             <a:extLst>
               <a:ext uri="{FF2B5EF4-FFF2-40B4-BE49-F238E27FC236}">
-                <a16:creationId xmlns:a16="http://schemas.microsoft.com/office/drawing/2014/main" xmlns="" id="{E532C04B-AEDE-AA4D-B4E8-2E6DFCFB3EC5}"/>
+                <a16:creationId xmlns="" xmlns:a16="http://schemas.microsoft.com/office/drawing/2014/main" id="{E532C04B-AEDE-AA4D-B4E8-2E6DFCFB3EC5}"/>
               </a:ext>
             </a:extLst>
           </p:cNvPr>
@@ -11220,7 +11220,7 @@
           <p:cNvPr id="17" name="Text Box 4">
             <a:extLst>
               <a:ext uri="{FF2B5EF4-FFF2-40B4-BE49-F238E27FC236}">
-                <a16:creationId xmlns:a16="http://schemas.microsoft.com/office/drawing/2014/main" xmlns="" id="{7FB8B298-1DE1-8446-854E-9DA7260C306B}"/>
+                <a16:creationId xmlns="" xmlns:a16="http://schemas.microsoft.com/office/drawing/2014/main" id="{7FB8B298-1DE1-8446-854E-9DA7260C306B}"/>
               </a:ext>
             </a:extLst>
           </p:cNvPr>
@@ -11423,7 +11423,7 @@
           <p:cNvPr id="10" name="TextBox 9">
             <a:extLst>
               <a:ext uri="{FF2B5EF4-FFF2-40B4-BE49-F238E27FC236}">
-                <a16:creationId xmlns:a16="http://schemas.microsoft.com/office/drawing/2014/main" xmlns="" id="{4F6EC2F6-AA02-E844-9A43-B33E50F84A5B}"/>
+                <a16:creationId xmlns="" xmlns:a16="http://schemas.microsoft.com/office/drawing/2014/main" id="{4F6EC2F6-AA02-E844-9A43-B33E50F84A5B}"/>
               </a:ext>
             </a:extLst>
           </p:cNvPr>
@@ -11488,7 +11488,7 @@
           <p:cNvPr id="11" name="TextBox 10">
             <a:extLst>
               <a:ext uri="{FF2B5EF4-FFF2-40B4-BE49-F238E27FC236}">
-                <a16:creationId xmlns:a16="http://schemas.microsoft.com/office/drawing/2014/main" xmlns="" id="{A4742195-C287-8148-8B0E-1BEA365D5F4C}"/>
+                <a16:creationId xmlns="" xmlns:a16="http://schemas.microsoft.com/office/drawing/2014/main" id="{A4742195-C287-8148-8B0E-1BEA365D5F4C}"/>
               </a:ext>
             </a:extLst>
           </p:cNvPr>
@@ -11538,7 +11538,7 @@
           <p:cNvPr id="13" name="TextBox 12">
             <a:extLst>
               <a:ext uri="{FF2B5EF4-FFF2-40B4-BE49-F238E27FC236}">
-                <a16:creationId xmlns:a16="http://schemas.microsoft.com/office/drawing/2014/main" xmlns="" id="{4B7AA5B9-E0BC-864E-964A-3F3B1B4C0C83}"/>
+                <a16:creationId xmlns="" xmlns:a16="http://schemas.microsoft.com/office/drawing/2014/main" id="{4B7AA5B9-E0BC-864E-964A-3F3B1B4C0C83}"/>
               </a:ext>
             </a:extLst>
           </p:cNvPr>
@@ -11588,7 +11588,7 @@
           <p:cNvPr id="16" name="TextBox 15">
             <a:extLst>
               <a:ext uri="{FF2B5EF4-FFF2-40B4-BE49-F238E27FC236}">
-                <a16:creationId xmlns:a16="http://schemas.microsoft.com/office/drawing/2014/main" xmlns="" id="{6408EA12-F3F0-2B4C-8B83-450E007DE5C3}"/>
+                <a16:creationId xmlns="" xmlns:a16="http://schemas.microsoft.com/office/drawing/2014/main" id="{6408EA12-F3F0-2B4C-8B83-450E007DE5C3}"/>
               </a:ext>
             </a:extLst>
           </p:cNvPr>
@@ -11641,7 +11641,7 @@
           <p:cNvPr id="12" name="TextBox 9">
             <a:extLst>
               <a:ext uri="{FF2B5EF4-FFF2-40B4-BE49-F238E27FC236}">
-                <a16:creationId xmlns:a16="http://schemas.microsoft.com/office/drawing/2014/main" xmlns="" id="{4F6EC2F6-AA02-E844-9A43-B33E50F84A5B}"/>
+                <a16:creationId xmlns="" xmlns:a16="http://schemas.microsoft.com/office/drawing/2014/main" id="{4F6EC2F6-AA02-E844-9A43-B33E50F84A5B}"/>
               </a:ext>
             </a:extLst>
           </p:cNvPr>
@@ -12085,7 +12085,7 @@
           <p:cNvPr id="17" name="Text Box 4">
             <a:extLst>
               <a:ext uri="{FF2B5EF4-FFF2-40B4-BE49-F238E27FC236}">
-                <a16:creationId xmlns:a16="http://schemas.microsoft.com/office/drawing/2014/main" xmlns="" id="{7FB8B298-1DE1-8446-854E-9DA7260C306B}"/>
+                <a16:creationId xmlns="" xmlns:a16="http://schemas.microsoft.com/office/drawing/2014/main" id="{7FB8B298-1DE1-8446-854E-9DA7260C306B}"/>
               </a:ext>
             </a:extLst>
           </p:cNvPr>
@@ -12795,7 +12795,7 @@
           <p:cNvPr id="17" name="Text Box 4">
             <a:extLst>
               <a:ext uri="{FF2B5EF4-FFF2-40B4-BE49-F238E27FC236}">
-                <a16:creationId xmlns:a16="http://schemas.microsoft.com/office/drawing/2014/main" xmlns="" id="{7FB8B298-1DE1-8446-854E-9DA7260C306B}"/>
+                <a16:creationId xmlns="" xmlns:a16="http://schemas.microsoft.com/office/drawing/2014/main" id="{7FB8B298-1DE1-8446-854E-9DA7260C306B}"/>
               </a:ext>
             </a:extLst>
           </p:cNvPr>
@@ -13009,7 +13009,7 @@
         </p:blipFill>
         <p:spPr>
           <a:xfrm>
-            <a:off x="5824317" y="3971444"/>
+            <a:off x="5946317" y="4157352"/>
             <a:ext cx="2921875" cy="2127362"/>
           </a:xfrm>
           <a:prstGeom prst="rect">
@@ -13061,7 +13061,13 @@
               <a:rPr lang="en-US" altLang="zh-CN" b="1" dirty="0" smtClean="0">
                 <a:sym typeface="Wingdings" charset="0"/>
               </a:rPr>
-              <a:t>of Knowledge Entities </a:t>
+              <a:t>of Knowledge </a:t>
+            </a:r>
+            <a:r>
+              <a:rPr lang="en-US" altLang="zh-CN" b="1" dirty="0" smtClean="0">
+                <a:sym typeface="Wingdings" charset="0"/>
+              </a:rPr>
+              <a:t>Entities (KEs) </a:t>
             </a:r>
             <a:endParaRPr lang="en-US" altLang="zh-CN" b="1" dirty="0" smtClean="0"/>
           </a:p>
@@ -13178,13 +13184,18 @@
               <a:buChar char="ü"/>
             </a:pPr>
             <a:r>
+              <a:rPr lang="en-US" altLang="zh-CN" dirty="0" smtClean="0"/>
+              <a:t>KEs</a:t>
+            </a:r>
+            <a:r>
+              <a:rPr lang="en-US" altLang="zh-CN" dirty="0" smtClean="0"/>
+              <a:t> </a:t>
+            </a:r>
+            <a:r>
               <a:rPr lang="en-US" altLang="zh-CN" dirty="0"/>
-              <a:t>Relation </a:t>
-            </a:r>
-            <a:r>
-              <a:rPr lang="en-US" altLang="zh-CN" dirty="0" smtClean="0"/>
-              <a:t>extraction</a:t>
-            </a:r>
+              <a:t>Relation</a:t>
+            </a:r>
+            <a:endParaRPr lang="en-US" altLang="zh-CN" dirty="0" smtClean="0"/>
           </a:p>
           <a:p>
             <a:pPr marL="742950" lvl="1" indent="-285750" algn="l">
@@ -13199,8 +13210,19 @@
             </a:pPr>
             <a:r>
               <a:rPr lang="en-US" altLang="zh-CN" dirty="0" smtClean="0"/>
-              <a:t>…</a:t>
-            </a:r>
+              <a:t>Others</a:t>
+            </a:r>
+          </a:p>
+          <a:p>
+            <a:pPr lvl="1" algn="l">
+              <a:spcBef>
+                <a:spcPts val="600"/>
+              </a:spcBef>
+              <a:buClr>
+                <a:schemeClr val="tx1"/>
+              </a:buClr>
+            </a:pPr>
+            <a:endParaRPr lang="en-US" altLang="zh-CN" dirty="0" smtClean="0"/>
           </a:p>
           <a:p>
             <a:pPr marL="285750" indent="-285750" algn="l">
@@ -13215,11 +13237,19 @@
             </a:pPr>
             <a:r>
               <a:rPr lang="en-US" altLang="zh-CN" b="1" dirty="0" smtClean="0"/>
-              <a:t>Evaluation and applications </a:t>
+              <a:t>Evaluation and </a:t>
+            </a:r>
+            <a:r>
+              <a:rPr lang="en-US" altLang="zh-CN" b="1" dirty="0" smtClean="0"/>
+              <a:t>Applications </a:t>
             </a:r>
             <a:r>
               <a:rPr lang="zh-CN" altLang="en-US" b="1" dirty="0" smtClean="0"/>
-              <a:t>of knowledge entity</a:t>
+              <a:t>of </a:t>
+            </a:r>
+            <a:r>
+              <a:rPr lang="en-US" altLang="zh-CN" b="1" dirty="0" smtClean="0"/>
+              <a:t>KEs</a:t>
             </a:r>
             <a:endParaRPr lang="en-US" altLang="zh-CN" b="1" dirty="0"/>
           </a:p>
@@ -13301,31 +13331,26 @@
               <a:buChar char="ü"/>
             </a:pPr>
             <a:r>
+              <a:rPr lang="en-US" altLang="zh-CN" dirty="0" smtClean="0"/>
+              <a:t>Other </a:t>
+            </a:r>
+            <a:r>
               <a:rPr lang="zh-CN" altLang="en-US" dirty="0" smtClean="0"/>
               <a:t>Application </a:t>
             </a:r>
             <a:r>
               <a:rPr lang="zh-CN" altLang="en-US" dirty="0"/>
-              <a:t>of knowledge entity </a:t>
+              <a:t>of </a:t>
+            </a:r>
+            <a:r>
+              <a:rPr lang="en-US" altLang="zh-CN" dirty="0" smtClean="0"/>
+              <a:t>KEs </a:t>
             </a:r>
             <a:r>
               <a:rPr lang="zh-CN" altLang="en-US" dirty="0" smtClean="0"/>
               <a:t>extraction </a:t>
             </a:r>
             <a:endParaRPr lang="en-US" altLang="zh-CN" dirty="0"/>
-          </a:p>
-          <a:p>
-            <a:pPr marL="742950" lvl="1" indent="-285750" algn="l">
-              <a:spcBef>
-                <a:spcPts val="600"/>
-              </a:spcBef>
-              <a:buFont typeface="Wingdings" panose="05000000000000000000" pitchFamily="2" charset="2"/>
-              <a:buChar char="ü"/>
-            </a:pPr>
-            <a:r>
-              <a:rPr lang="en-US" altLang="zh-CN" dirty="0" smtClean="0"/>
-              <a:t>…</a:t>
-            </a:r>
           </a:p>
         </p:txBody>
       </p:sp>
@@ -13337,7 +13362,7 @@
         </p:nvSpPr>
         <p:spPr>
           <a:xfrm>
-            <a:off x="6165904" y="6195891"/>
+            <a:off x="6360343" y="6284714"/>
             <a:ext cx="2338552" cy="400110"/>
           </a:xfrm>
           <a:prstGeom prst="rect">
@@ -13390,7 +13415,7 @@
         </p:blipFill>
         <p:spPr>
           <a:xfrm>
-            <a:off x="4487917" y="1125538"/>
+            <a:off x="4584772" y="1328703"/>
             <a:ext cx="4452718" cy="2219508"/>
           </a:xfrm>
           <a:prstGeom prst="rect">
@@ -13406,7 +13431,7 @@
         </p:nvSpPr>
         <p:spPr>
           <a:xfrm>
-            <a:off x="5276696" y="3368169"/>
+            <a:off x="5373551" y="3571334"/>
             <a:ext cx="3273698" cy="400110"/>
           </a:xfrm>
           <a:prstGeom prst="rect">
@@ -13796,7 +13821,7 @@
                                         <p:tgtEl>
                                           <p:spTgt spid="3">
                                             <p:txEl>
-                                              <p:pRg st="7" end="7"/>
+                                              <p:pRg st="8" end="8"/>
                                             </p:txEl>
                                           </p:spTgt>
                                         </p:tgtEl>
@@ -13827,7 +13852,7 @@
                                         <p:tgtEl>
                                           <p:spTgt spid="3">
                                             <p:txEl>
-                                              <p:pRg st="8" end="8"/>
+                                              <p:pRg st="9" end="9"/>
                                             </p:txEl>
                                           </p:spTgt>
                                         </p:tgtEl>
@@ -13858,7 +13883,7 @@
                                         <p:tgtEl>
                                           <p:spTgt spid="3">
                                             <p:txEl>
-                                              <p:pRg st="9" end="9"/>
+                                              <p:pRg st="10" end="10"/>
                                             </p:txEl>
                                           </p:spTgt>
                                         </p:tgtEl>
@@ -13889,7 +13914,7 @@
                                         <p:tgtEl>
                                           <p:spTgt spid="3">
                                             <p:txEl>
-                                              <p:pRg st="10" end="10"/>
+                                              <p:pRg st="11" end="11"/>
                                             </p:txEl>
                                           </p:spTgt>
                                         </p:tgtEl>
@@ -13920,7 +13945,7 @@
                                         <p:tgtEl>
                                           <p:spTgt spid="3">
                                             <p:txEl>
-                                              <p:pRg st="11" end="11"/>
+                                              <p:pRg st="12" end="12"/>
                                             </p:txEl>
                                           </p:spTgt>
                                         </p:tgtEl>
@@ -13951,37 +13976,6 @@
                                         <p:tgtEl>
                                           <p:spTgt spid="3">
                                             <p:txEl>
-                                              <p:pRg st="12" end="12"/>
-                                            </p:txEl>
-                                          </p:spTgt>
-                                        </p:tgtEl>
-                                        <p:attrNameLst>
-                                          <p:attrName>style.visibility</p:attrName>
-                                        </p:attrNameLst>
-                                      </p:cBhvr>
-                                      <p:to>
-                                        <p:strVal val="visible"/>
-                                      </p:to>
-                                    </p:set>
-                                  </p:childTnLst>
-                                </p:cTn>
-                              </p:par>
-                              <p:par>
-                                <p:cTn id="39" presetID="1" presetClass="entr" presetSubtype="0" fill="hold" nodeType="withEffect">
-                                  <p:stCondLst>
-                                    <p:cond delay="0"/>
-                                  </p:stCondLst>
-                                  <p:childTnLst>
-                                    <p:set>
-                                      <p:cBhvr>
-                                        <p:cTn id="40" dur="1" fill="hold">
-                                          <p:stCondLst>
-                                            <p:cond delay="0"/>
-                                          </p:stCondLst>
-                                        </p:cTn>
-                                        <p:tgtEl>
-                                          <p:spTgt spid="3">
-                                            <p:txEl>
                                               <p:pRg st="13" end="13"/>
                                             </p:txEl>
                                           </p:spTgt>
@@ -14004,26 +13998,26 @@
                     </p:cTn>
                   </p:par>
                   <p:par>
-                    <p:cTn id="41" fill="hold">
+                    <p:cTn id="39" fill="hold">
                       <p:stCondLst>
                         <p:cond delay="indefinite"/>
                       </p:stCondLst>
                       <p:childTnLst>
                         <p:par>
-                          <p:cTn id="42" fill="hold">
+                          <p:cTn id="40" fill="hold">
                             <p:stCondLst>
                               <p:cond delay="0"/>
                             </p:stCondLst>
                             <p:childTnLst>
                               <p:par>
-                                <p:cTn id="43" presetID="1" presetClass="entr" presetSubtype="0" fill="hold" nodeType="clickEffect">
+                                <p:cTn id="41" presetID="1" presetClass="entr" presetSubtype="0" fill="hold" nodeType="clickEffect">
                                   <p:stCondLst>
                                     <p:cond delay="0"/>
                                   </p:stCondLst>
                                   <p:childTnLst>
                                     <p:set>
                                       <p:cBhvr>
-                                        <p:cTn id="44" dur="1" fill="hold">
+                                        <p:cTn id="42" dur="1" fill="hold">
                                           <p:stCondLst>
                                             <p:cond delay="0"/>
                                           </p:stCondLst>
@@ -14043,14 +14037,14 @@
                                 </p:cTn>
                               </p:par>
                               <p:par>
-                                <p:cTn id="45" presetID="1" presetClass="entr" presetSubtype="0" fill="hold" grpId="0" nodeType="withEffect">
+                                <p:cTn id="43" presetID="1" presetClass="entr" presetSubtype="0" fill="hold" grpId="0" nodeType="withEffect">
                                   <p:stCondLst>
                                     <p:cond delay="0"/>
                                   </p:stCondLst>
                                   <p:childTnLst>
                                     <p:set>
                                       <p:cBhvr>
-                                        <p:cTn id="46" dur="1" fill="hold">
+                                        <p:cTn id="44" dur="1" fill="hold">
                                           <p:stCondLst>
                                             <p:cond delay="0"/>
                                           </p:stCondLst>
@@ -14338,7 +14332,7 @@
           <p:cNvPr id="17" name="Text Box 4">
             <a:extLst>
               <a:ext uri="{FF2B5EF4-FFF2-40B4-BE49-F238E27FC236}">
-                <a16:creationId xmlns:a16="http://schemas.microsoft.com/office/drawing/2014/main" xmlns="" id="{7FB8B298-1DE1-8446-854E-9DA7260C306B}"/>
+                <a16:creationId xmlns="" xmlns:a16="http://schemas.microsoft.com/office/drawing/2014/main" id="{7FB8B298-1DE1-8446-854E-9DA7260C306B}"/>
               </a:ext>
             </a:extLst>
           </p:cNvPr>
@@ -16114,7 +16108,7 @@
           <p:cNvPr id="17" name="Text Box 4">
             <a:extLst>
               <a:ext uri="{FF2B5EF4-FFF2-40B4-BE49-F238E27FC236}">
-                <a16:creationId xmlns:a16="http://schemas.microsoft.com/office/drawing/2014/main" xmlns="" id="{7FB8B298-1DE1-8446-854E-9DA7260C306B}"/>
+                <a16:creationId xmlns="" xmlns:a16="http://schemas.microsoft.com/office/drawing/2014/main" id="{7FB8B298-1DE1-8446-854E-9DA7260C306B}"/>
               </a:ext>
             </a:extLst>
           </p:cNvPr>
@@ -17611,7 +17605,7 @@
           <p:cNvPr id="17" name="Text Box 4">
             <a:extLst>
               <a:ext uri="{FF2B5EF4-FFF2-40B4-BE49-F238E27FC236}">
-                <a16:creationId xmlns:a16="http://schemas.microsoft.com/office/drawing/2014/main" xmlns="" id="{7FB8B298-1DE1-8446-854E-9DA7260C306B}"/>
+                <a16:creationId xmlns="" xmlns:a16="http://schemas.microsoft.com/office/drawing/2014/main" id="{7FB8B298-1DE1-8446-854E-9DA7260C306B}"/>
               </a:ext>
             </a:extLst>
           </p:cNvPr>
@@ -20070,7 +20064,7 @@
           <p:cNvPr id="17" name="Text Box 4">
             <a:extLst>
               <a:ext uri="{FF2B5EF4-FFF2-40B4-BE49-F238E27FC236}">
-                <a16:creationId xmlns:a16="http://schemas.microsoft.com/office/drawing/2014/main" xmlns="" id="{7FB8B298-1DE1-8446-854E-9DA7260C306B}"/>
+                <a16:creationId xmlns="" xmlns:a16="http://schemas.microsoft.com/office/drawing/2014/main" id="{7FB8B298-1DE1-8446-854E-9DA7260C306B}"/>
               </a:ext>
             </a:extLst>
           </p:cNvPr>
@@ -21835,7 +21829,7 @@
           <p:cNvPr id="17" name="Text Box 4">
             <a:extLst>
               <a:ext uri="{FF2B5EF4-FFF2-40B4-BE49-F238E27FC236}">
-                <a16:creationId xmlns:a16="http://schemas.microsoft.com/office/drawing/2014/main" xmlns="" id="{7FB8B298-1DE1-8446-854E-9DA7260C306B}"/>
+                <a16:creationId xmlns="" xmlns:a16="http://schemas.microsoft.com/office/drawing/2014/main" id="{7FB8B298-1DE1-8446-854E-9DA7260C306B}"/>
               </a:ext>
             </a:extLst>
           </p:cNvPr>
@@ -22038,7 +22032,7 @@
           <p:cNvPr id="10" name="TextBox 9">
             <a:extLst>
               <a:ext uri="{FF2B5EF4-FFF2-40B4-BE49-F238E27FC236}">
-                <a16:creationId xmlns:a16="http://schemas.microsoft.com/office/drawing/2014/main" xmlns="" id="{E532C04B-AEDE-AA4D-B4E8-2E6DFCFB3EC5}"/>
+                <a16:creationId xmlns="" xmlns:a16="http://schemas.microsoft.com/office/drawing/2014/main" id="{E532C04B-AEDE-AA4D-B4E8-2E6DFCFB3EC5}"/>
               </a:ext>
             </a:extLst>
           </p:cNvPr>

--- a/slides/eeke2020_intro.pptx
+++ b/slides/eeke2020_intro.pptx
@@ -5,25 +5,28 @@
     <p:sldMasterId id="2147483649" r:id="rId1"/>
   </p:sldMasterIdLst>
   <p:notesMasterIdLst>
-    <p:notesMasterId r:id="rId15"/>
+    <p:notesMasterId r:id="rId18"/>
   </p:notesMasterIdLst>
   <p:handoutMasterIdLst>
-    <p:handoutMasterId r:id="rId16"/>
+    <p:handoutMasterId r:id="rId19"/>
   </p:handoutMasterIdLst>
   <p:sldIdLst>
     <p:sldId id="600" r:id="rId2"/>
     <p:sldId id="986" r:id="rId3"/>
     <p:sldId id="1025" r:id="rId4"/>
-    <p:sldId id="1031" r:id="rId5"/>
-    <p:sldId id="1022" r:id="rId6"/>
-    <p:sldId id="1028" r:id="rId7"/>
-    <p:sldId id="1029" r:id="rId8"/>
-    <p:sldId id="1030" r:id="rId9"/>
-    <p:sldId id="1006" r:id="rId10"/>
-    <p:sldId id="1024" r:id="rId11"/>
-    <p:sldId id="1026" r:id="rId12"/>
-    <p:sldId id="1027" r:id="rId13"/>
-    <p:sldId id="955" r:id="rId14"/>
+    <p:sldId id="1033" r:id="rId5"/>
+    <p:sldId id="1034" r:id="rId6"/>
+    <p:sldId id="1031" r:id="rId7"/>
+    <p:sldId id="1022" r:id="rId8"/>
+    <p:sldId id="1028" r:id="rId9"/>
+    <p:sldId id="1029" r:id="rId10"/>
+    <p:sldId id="1030" r:id="rId11"/>
+    <p:sldId id="1006" r:id="rId12"/>
+    <p:sldId id="1024" r:id="rId13"/>
+    <p:sldId id="1026" r:id="rId14"/>
+    <p:sldId id="1027" r:id="rId15"/>
+    <p:sldId id="1032" r:id="rId16"/>
+    <p:sldId id="955" r:id="rId17"/>
   </p:sldIdLst>
   <p:sldSz cx="9144000" cy="6858000" type="screen4x3"/>
   <p:notesSz cx="6669088" cy="9928225"/>
@@ -606,7 +609,7 @@
               </a14:hiddenFill>
             </a:ext>
             <a:ext uri="{FAA26D3D-D897-4be2-8F04-BA451C77F1D7}">
-              <ma14:placeholderFlag xmlns:ma14="http://schemas.microsoft.com/office/mac/drawingml/2011/main" xmlns="" val="1"/>
+              <ma14:placeholderFlag xmlns:ma14="http://schemas.microsoft.com/office/mac/drawingml/2011/main" val="1"/>
             </a:ext>
           </a:extLst>
         </p:spPr>
@@ -1148,7 +1151,7 @@
               </a14:hiddenLine>
             </a:ext>
             <a:ext uri="{FAA26D3D-D897-4be2-8F04-BA451C77F1D7}">
-              <ma14:placeholderFlag xmlns:ma14="http://schemas.microsoft.com/office/mac/drawingml/2011/main" xmlns="" val="1"/>
+              <ma14:placeholderFlag xmlns:ma14="http://schemas.microsoft.com/office/mac/drawingml/2011/main" val="1"/>
             </a:ext>
           </a:extLst>
         </p:spPr>
@@ -1398,7 +1401,7 @@
               </a14:hiddenLine>
             </a:ext>
             <a:ext uri="{FAA26D3D-D897-4be2-8F04-BA451C77F1D7}">
-              <ma14:placeholderFlag xmlns:ma14="http://schemas.microsoft.com/office/mac/drawingml/2011/main" xmlns="" val="1"/>
+              <ma14:placeholderFlag xmlns:ma14="http://schemas.microsoft.com/office/mac/drawingml/2011/main" val="1"/>
             </a:ext>
           </a:extLst>
         </p:spPr>
@@ -1406,67 +1409,255 @@
           <a:bodyPr/>
           <a:lstStyle/>
           <a:p>
-            <a:pPr marL="171450" indent="-171450" eaLnBrk="1" hangingPunct="1">
-              <a:buFont typeface="Arial" panose="020B0604020202020204" pitchFamily="34" charset="0"/>
-              <a:buChar char="•"/>
-            </a:pPr>
-            <a:r>
-              <a:rPr lang="en-US" dirty="0" smtClean="0"/>
-              <a:t>Markus Stocker is </a:t>
-            </a:r>
-            <a:r>
-              <a:rPr lang="en-US" b="1" dirty="0" smtClean="0"/>
-              <a:t>Head of the Knowledge Infrastructures </a:t>
-            </a:r>
-            <a:r>
-              <a:rPr lang="en-US" dirty="0" smtClean="0"/>
-              <a:t>research group at the </a:t>
-            </a:r>
-            <a:r>
-              <a:rPr lang="en-US" b="1" dirty="0" smtClean="0"/>
-              <a:t>TIB Leibniz Information Centre for Science and Technology</a:t>
-            </a:r>
-            <a:r>
-              <a:rPr lang="en-US" dirty="0" smtClean="0"/>
-              <a:t> (Germany) and co-lead of the Open Research Knowledge Graph project. </a:t>
-            </a:r>
-          </a:p>
-          <a:p>
-            <a:pPr marL="171450" indent="-171450" eaLnBrk="1" hangingPunct="1">
-              <a:buFont typeface="Arial" panose="020B0604020202020204" pitchFamily="34" charset="0"/>
-              <a:buChar char="•"/>
-            </a:pPr>
-            <a:r>
-              <a:rPr lang="en-US" dirty="0" smtClean="0"/>
-              <a:t>He holds a </a:t>
-            </a:r>
-            <a:r>
-              <a:rPr lang="en-US" b="1" dirty="0" smtClean="0"/>
-              <a:t>PhD in Environmental Informatics </a:t>
-            </a:r>
-            <a:r>
-              <a:rPr lang="en-US" dirty="0" smtClean="0"/>
-              <a:t>from the University of Eastern Finland; a MSc in Environmental Science from the University of Eastern Finland; and a Diploma (MSc) in Informatics from the University of Zurich, Switzerland. </a:t>
-            </a:r>
-          </a:p>
-          <a:p>
-            <a:pPr marL="171450" indent="-171450" eaLnBrk="1" hangingPunct="1">
-              <a:buFont typeface="Arial" panose="020B0604020202020204" pitchFamily="34" charset="0"/>
-              <a:buChar char="•"/>
-            </a:pPr>
-            <a:r>
-              <a:rPr lang="en-US" dirty="0" smtClean="0"/>
-              <a:t>Research interests lie at the intersection between </a:t>
-            </a:r>
-            <a:r>
-              <a:rPr lang="en-US" b="1" dirty="0" smtClean="0"/>
-              <a:t>research infrastructures and research communities</a:t>
-            </a:r>
-            <a:r>
-              <a:rPr lang="en-US" dirty="0" smtClean="0"/>
-              <a:t>, and how such knowledge infrastructures acquire, maintain, and share scholarly knowledge about human and natural worlds.</a:t>
-            </a:r>
+            <a:pPr eaLnBrk="1" hangingPunct="1"/>
             <a:endParaRPr lang="en-US" dirty="0"/>
+          </a:p>
+        </p:txBody>
+      </p:sp>
+    </p:spTree>
+    <p:extLst>
+      <p:ext uri="{BB962C8B-B14F-4D97-AF65-F5344CB8AC3E}">
+        <p14:creationId xmlns:p14="http://schemas.microsoft.com/office/powerpoint/2010/main" val="1350717069"/>
+      </p:ext>
+    </p:extLst>
+  </p:cSld>
+  <p:clrMapOvr>
+    <a:masterClrMapping/>
+  </p:clrMapOvr>
+</p:notes>
+</file>
+
+<file path=ppt/notesSlides/notesSlide11.xml><?xml version="1.0" encoding="utf-8"?>
+<p:notes xmlns:a="http://schemas.openxmlformats.org/drawingml/2006/main" xmlns:r="http://schemas.openxmlformats.org/officeDocument/2006/relationships" xmlns:p="http://schemas.openxmlformats.org/presentationml/2006/main">
+  <p:cSld>
+    <p:spTree>
+      <p:nvGrpSpPr>
+        <p:cNvPr id="1" name=""/>
+        <p:cNvGrpSpPr/>
+        <p:nvPr/>
+      </p:nvGrpSpPr>
+      <p:grpSpPr>
+        <a:xfrm>
+          <a:off x="0" y="0"/>
+          <a:ext cx="0" cy="0"/>
+          <a:chOff x="0" y="0"/>
+          <a:chExt cx="0" cy="0"/>
+        </a:xfrm>
+      </p:grpSpPr>
+      <p:sp>
+        <p:nvSpPr>
+          <p:cNvPr id="18433" name="Rectangle 7"/>
+          <p:cNvSpPr>
+            <a:spLocks noGrp="1" noChangeArrowheads="1"/>
+          </p:cNvSpPr>
+          <p:nvPr>
+            <p:ph type="sldNum" sz="quarter" idx="5"/>
+          </p:nvPr>
+        </p:nvSpPr>
+        <p:spPr>
+          <a:noFill/>
+          <a:ln/>
+          <a:extLst>
+            <a:ext uri="{909E8E84-426E-40DD-AFC4-6F175D3DCCD1}">
+              <a14:hiddenFill xmlns:a14="http://schemas.microsoft.com/office/drawing/2010/main">
+                <a:solidFill>
+                  <a:srgbClr val="FFFFFF"/>
+                </a:solidFill>
+              </a14:hiddenFill>
+            </a:ext>
+            <a:ext uri="{91240B29-F687-4F45-9708-019B960494DF}">
+              <a14:hiddenLine xmlns:a14="http://schemas.microsoft.com/office/drawing/2010/main" w="9525">
+                <a:solidFill>
+                  <a:srgbClr val="000000"/>
+                </a:solidFill>
+                <a:miter lim="800000"/>
+                <a:headEnd/>
+                <a:tailEnd/>
+              </a14:hiddenLine>
+            </a:ext>
+          </a:extLst>
+        </p:spPr>
+        <p:txBody>
+          <a:bodyPr/>
+          <a:lstStyle>
+            <a:lvl1pPr defTabSz="952500" eaLnBrk="0" hangingPunct="0">
+              <a:defRPr sz="2400">
+                <a:solidFill>
+                  <a:schemeClr val="tx1"/>
+                </a:solidFill>
+                <a:latin typeface="Calibri" charset="0"/>
+                <a:ea typeface="ＭＳ Ｐゴシック" charset="0"/>
+                <a:cs typeface="ＭＳ Ｐゴシック" charset="0"/>
+              </a:defRPr>
+            </a:lvl1pPr>
+            <a:lvl2pPr marL="742950" indent="-285750" defTabSz="952500" eaLnBrk="0" hangingPunct="0">
+              <a:defRPr sz="2400">
+                <a:solidFill>
+                  <a:schemeClr val="tx1"/>
+                </a:solidFill>
+                <a:latin typeface="Calibri" charset="0"/>
+                <a:ea typeface="ＭＳ Ｐゴシック" charset="0"/>
+              </a:defRPr>
+            </a:lvl2pPr>
+            <a:lvl3pPr marL="1143000" indent="-228600" defTabSz="952500" eaLnBrk="0" hangingPunct="0">
+              <a:defRPr sz="2400">
+                <a:solidFill>
+                  <a:schemeClr val="tx1"/>
+                </a:solidFill>
+                <a:latin typeface="Calibri" charset="0"/>
+                <a:ea typeface="ＭＳ Ｐゴシック" charset="0"/>
+              </a:defRPr>
+            </a:lvl3pPr>
+            <a:lvl4pPr marL="1600200" indent="-228600" defTabSz="952500" eaLnBrk="0" hangingPunct="0">
+              <a:defRPr sz="2400">
+                <a:solidFill>
+                  <a:schemeClr val="tx1"/>
+                </a:solidFill>
+                <a:latin typeface="Calibri" charset="0"/>
+                <a:ea typeface="ＭＳ Ｐゴシック" charset="0"/>
+              </a:defRPr>
+            </a:lvl4pPr>
+            <a:lvl5pPr marL="2057400" indent="-228600" defTabSz="952500" eaLnBrk="0" hangingPunct="0">
+              <a:defRPr sz="2400">
+                <a:solidFill>
+                  <a:schemeClr val="tx1"/>
+                </a:solidFill>
+                <a:latin typeface="Calibri" charset="0"/>
+                <a:ea typeface="ＭＳ Ｐゴシック" charset="0"/>
+              </a:defRPr>
+            </a:lvl5pPr>
+            <a:lvl6pPr marL="2514600" indent="-228600" algn="ctr" defTabSz="952500" eaLnBrk="0" fontAlgn="base" hangingPunct="0">
+              <a:spcBef>
+                <a:spcPct val="50000"/>
+              </a:spcBef>
+              <a:spcAft>
+                <a:spcPct val="0"/>
+              </a:spcAft>
+              <a:defRPr sz="2400">
+                <a:solidFill>
+                  <a:schemeClr val="tx1"/>
+                </a:solidFill>
+                <a:latin typeface="Calibri" charset="0"/>
+                <a:ea typeface="ＭＳ Ｐゴシック" charset="0"/>
+              </a:defRPr>
+            </a:lvl6pPr>
+            <a:lvl7pPr marL="2971800" indent="-228600" algn="ctr" defTabSz="952500" eaLnBrk="0" fontAlgn="base" hangingPunct="0">
+              <a:spcBef>
+                <a:spcPct val="50000"/>
+              </a:spcBef>
+              <a:spcAft>
+                <a:spcPct val="0"/>
+              </a:spcAft>
+              <a:defRPr sz="2400">
+                <a:solidFill>
+                  <a:schemeClr val="tx1"/>
+                </a:solidFill>
+                <a:latin typeface="Calibri" charset="0"/>
+                <a:ea typeface="ＭＳ Ｐゴシック" charset="0"/>
+              </a:defRPr>
+            </a:lvl7pPr>
+            <a:lvl8pPr marL="3429000" indent="-228600" algn="ctr" defTabSz="952500" eaLnBrk="0" fontAlgn="base" hangingPunct="0">
+              <a:spcBef>
+                <a:spcPct val="50000"/>
+              </a:spcBef>
+              <a:spcAft>
+                <a:spcPct val="0"/>
+              </a:spcAft>
+              <a:defRPr sz="2400">
+                <a:solidFill>
+                  <a:schemeClr val="tx1"/>
+                </a:solidFill>
+                <a:latin typeface="Calibri" charset="0"/>
+                <a:ea typeface="ＭＳ Ｐゴシック" charset="0"/>
+              </a:defRPr>
+            </a:lvl8pPr>
+            <a:lvl9pPr marL="3886200" indent="-228600" algn="ctr" defTabSz="952500" eaLnBrk="0" fontAlgn="base" hangingPunct="0">
+              <a:spcBef>
+                <a:spcPct val="50000"/>
+              </a:spcBef>
+              <a:spcAft>
+                <a:spcPct val="0"/>
+              </a:spcAft>
+              <a:defRPr sz="2400">
+                <a:solidFill>
+                  <a:schemeClr val="tx1"/>
+                </a:solidFill>
+                <a:latin typeface="Calibri" charset="0"/>
+                <a:ea typeface="ＭＳ Ｐゴシック" charset="0"/>
+              </a:defRPr>
+            </a:lvl9pPr>
+          </a:lstStyle>
+          <a:p>
+            <a:pPr eaLnBrk="1" hangingPunct="1"/>
+            <a:fld id="{981BEAC7-1393-AD4B-AB83-A753287A20D7}" type="slidenum">
+              <a:rPr lang="fr-FR" sz="1300">
+                <a:latin typeface="Arial" charset="0"/>
+              </a:rPr>
+              <a:pPr eaLnBrk="1" hangingPunct="1"/>
+              <a:t>11</a:t>
+            </a:fld>
+            <a:endParaRPr lang="fr-FR" sz="1300">
+              <a:latin typeface="Arial" charset="0"/>
+            </a:endParaRPr>
+          </a:p>
+        </p:txBody>
+      </p:sp>
+      <p:sp>
+        <p:nvSpPr>
+          <p:cNvPr id="18434" name="Rectangle 2"/>
+          <p:cNvSpPr>
+            <a:spLocks noGrp="1" noRot="1" noChangeAspect="1" noChangeArrowheads="1" noTextEdit="1"/>
+          </p:cNvSpPr>
+          <p:nvPr>
+            <p:ph type="sldImg"/>
+          </p:nvPr>
+        </p:nvSpPr>
+        <p:spPr>
+          <a:ln/>
+        </p:spPr>
+      </p:sp>
+      <p:sp>
+        <p:nvSpPr>
+          <p:cNvPr id="18435" name="Rectangle 3"/>
+          <p:cNvSpPr>
+            <a:spLocks noGrp="1" noChangeArrowheads="1"/>
+          </p:cNvSpPr>
+          <p:nvPr>
+            <p:ph type="body" idx="1"/>
+          </p:nvPr>
+        </p:nvSpPr>
+        <p:spPr>
+          <a:noFill/>
+          <a:ln/>
+          <a:extLst>
+            <a:ext uri="{909E8E84-426E-40DD-AFC4-6F175D3DCCD1}">
+              <a14:hiddenFill xmlns:a14="http://schemas.microsoft.com/office/drawing/2010/main">
+                <a:solidFill>
+                  <a:srgbClr val="FFFFFF"/>
+                </a:solidFill>
+              </a14:hiddenFill>
+            </a:ext>
+            <a:ext uri="{91240B29-F687-4F45-9708-019B960494DF}">
+              <a14:hiddenLine xmlns:a14="http://schemas.microsoft.com/office/drawing/2010/main" w="9525">
+                <a:solidFill>
+                  <a:srgbClr val="000000"/>
+                </a:solidFill>
+                <a:miter lim="800000"/>
+                <a:headEnd/>
+                <a:tailEnd/>
+              </a14:hiddenLine>
+            </a:ext>
+            <a:ext uri="{FAA26D3D-D897-4be2-8F04-BA451C77F1D7}">
+              <ma14:placeholderFlag xmlns:ma14="http://schemas.microsoft.com/office/mac/drawingml/2011/main" val="1"/>
+            </a:ext>
+          </a:extLst>
+        </p:spPr>
+        <p:txBody>
+          <a:bodyPr/>
+          <a:lstStyle/>
+          <a:p>
+            <a:pPr eaLnBrk="1" hangingPunct="1"/>
+            <a:endParaRPr lang="en-US"/>
           </a:p>
         </p:txBody>
       </p:sp>
@@ -1483,7 +1674,313 @@
 </p:notes>
 </file>
 
-<file path=ppt/notesSlides/notesSlide11.xml><?xml version="1.0" encoding="utf-8"?>
+<file path=ppt/notesSlides/notesSlide12.xml><?xml version="1.0" encoding="utf-8"?>
+<p:notes xmlns:a="http://schemas.openxmlformats.org/drawingml/2006/main" xmlns:r="http://schemas.openxmlformats.org/officeDocument/2006/relationships" xmlns:p="http://schemas.openxmlformats.org/presentationml/2006/main">
+  <p:cSld>
+    <p:spTree>
+      <p:nvGrpSpPr>
+        <p:cNvPr id="1" name=""/>
+        <p:cNvGrpSpPr/>
+        <p:nvPr/>
+      </p:nvGrpSpPr>
+      <p:grpSpPr>
+        <a:xfrm>
+          <a:off x="0" y="0"/>
+          <a:ext cx="0" cy="0"/>
+          <a:chOff x="0" y="0"/>
+          <a:chExt cx="0" cy="0"/>
+        </a:xfrm>
+      </p:grpSpPr>
+      <p:sp>
+        <p:nvSpPr>
+          <p:cNvPr id="18433" name="Rectangle 7"/>
+          <p:cNvSpPr>
+            <a:spLocks noGrp="1" noChangeArrowheads="1"/>
+          </p:cNvSpPr>
+          <p:nvPr>
+            <p:ph type="sldNum" sz="quarter" idx="5"/>
+          </p:nvPr>
+        </p:nvSpPr>
+        <p:spPr>
+          <a:noFill/>
+          <a:ln/>
+          <a:extLst>
+            <a:ext uri="{909E8E84-426E-40DD-AFC4-6F175D3DCCD1}">
+              <a14:hiddenFill xmlns:a14="http://schemas.microsoft.com/office/drawing/2010/main">
+                <a:solidFill>
+                  <a:srgbClr val="FFFFFF"/>
+                </a:solidFill>
+              </a14:hiddenFill>
+            </a:ext>
+            <a:ext uri="{91240B29-F687-4F45-9708-019B960494DF}">
+              <a14:hiddenLine xmlns:a14="http://schemas.microsoft.com/office/drawing/2010/main" w="9525">
+                <a:solidFill>
+                  <a:srgbClr val="000000"/>
+                </a:solidFill>
+                <a:miter lim="800000"/>
+                <a:headEnd/>
+                <a:tailEnd/>
+              </a14:hiddenLine>
+            </a:ext>
+          </a:extLst>
+        </p:spPr>
+        <p:txBody>
+          <a:bodyPr/>
+          <a:lstStyle>
+            <a:lvl1pPr defTabSz="952500" eaLnBrk="0" hangingPunct="0">
+              <a:defRPr sz="2400">
+                <a:solidFill>
+                  <a:schemeClr val="tx1"/>
+                </a:solidFill>
+                <a:latin typeface="Calibri" charset="0"/>
+                <a:ea typeface="ＭＳ Ｐゴシック" charset="0"/>
+                <a:cs typeface="ＭＳ Ｐゴシック" charset="0"/>
+              </a:defRPr>
+            </a:lvl1pPr>
+            <a:lvl2pPr marL="742950" indent="-285750" defTabSz="952500" eaLnBrk="0" hangingPunct="0">
+              <a:defRPr sz="2400">
+                <a:solidFill>
+                  <a:schemeClr val="tx1"/>
+                </a:solidFill>
+                <a:latin typeface="Calibri" charset="0"/>
+                <a:ea typeface="ＭＳ Ｐゴシック" charset="0"/>
+              </a:defRPr>
+            </a:lvl2pPr>
+            <a:lvl3pPr marL="1143000" indent="-228600" defTabSz="952500" eaLnBrk="0" hangingPunct="0">
+              <a:defRPr sz="2400">
+                <a:solidFill>
+                  <a:schemeClr val="tx1"/>
+                </a:solidFill>
+                <a:latin typeface="Calibri" charset="0"/>
+                <a:ea typeface="ＭＳ Ｐゴシック" charset="0"/>
+              </a:defRPr>
+            </a:lvl3pPr>
+            <a:lvl4pPr marL="1600200" indent="-228600" defTabSz="952500" eaLnBrk="0" hangingPunct="0">
+              <a:defRPr sz="2400">
+                <a:solidFill>
+                  <a:schemeClr val="tx1"/>
+                </a:solidFill>
+                <a:latin typeface="Calibri" charset="0"/>
+                <a:ea typeface="ＭＳ Ｐゴシック" charset="0"/>
+              </a:defRPr>
+            </a:lvl4pPr>
+            <a:lvl5pPr marL="2057400" indent="-228600" defTabSz="952500" eaLnBrk="0" hangingPunct="0">
+              <a:defRPr sz="2400">
+                <a:solidFill>
+                  <a:schemeClr val="tx1"/>
+                </a:solidFill>
+                <a:latin typeface="Calibri" charset="0"/>
+                <a:ea typeface="ＭＳ Ｐゴシック" charset="0"/>
+              </a:defRPr>
+            </a:lvl5pPr>
+            <a:lvl6pPr marL="2514600" indent="-228600" algn="ctr" defTabSz="952500" eaLnBrk="0" fontAlgn="base" hangingPunct="0">
+              <a:spcBef>
+                <a:spcPct val="50000"/>
+              </a:spcBef>
+              <a:spcAft>
+                <a:spcPct val="0"/>
+              </a:spcAft>
+              <a:defRPr sz="2400">
+                <a:solidFill>
+                  <a:schemeClr val="tx1"/>
+                </a:solidFill>
+                <a:latin typeface="Calibri" charset="0"/>
+                <a:ea typeface="ＭＳ Ｐゴシック" charset="0"/>
+              </a:defRPr>
+            </a:lvl6pPr>
+            <a:lvl7pPr marL="2971800" indent="-228600" algn="ctr" defTabSz="952500" eaLnBrk="0" fontAlgn="base" hangingPunct="0">
+              <a:spcBef>
+                <a:spcPct val="50000"/>
+              </a:spcBef>
+              <a:spcAft>
+                <a:spcPct val="0"/>
+              </a:spcAft>
+              <a:defRPr sz="2400">
+                <a:solidFill>
+                  <a:schemeClr val="tx1"/>
+                </a:solidFill>
+                <a:latin typeface="Calibri" charset="0"/>
+                <a:ea typeface="ＭＳ Ｐゴシック" charset="0"/>
+              </a:defRPr>
+            </a:lvl7pPr>
+            <a:lvl8pPr marL="3429000" indent="-228600" algn="ctr" defTabSz="952500" eaLnBrk="0" fontAlgn="base" hangingPunct="0">
+              <a:spcBef>
+                <a:spcPct val="50000"/>
+              </a:spcBef>
+              <a:spcAft>
+                <a:spcPct val="0"/>
+              </a:spcAft>
+              <a:defRPr sz="2400">
+                <a:solidFill>
+                  <a:schemeClr val="tx1"/>
+                </a:solidFill>
+                <a:latin typeface="Calibri" charset="0"/>
+                <a:ea typeface="ＭＳ Ｐゴシック" charset="0"/>
+              </a:defRPr>
+            </a:lvl8pPr>
+            <a:lvl9pPr marL="3886200" indent="-228600" algn="ctr" defTabSz="952500" eaLnBrk="0" fontAlgn="base" hangingPunct="0">
+              <a:spcBef>
+                <a:spcPct val="50000"/>
+              </a:spcBef>
+              <a:spcAft>
+                <a:spcPct val="0"/>
+              </a:spcAft>
+              <a:defRPr sz="2400">
+                <a:solidFill>
+                  <a:schemeClr val="tx1"/>
+                </a:solidFill>
+                <a:latin typeface="Calibri" charset="0"/>
+                <a:ea typeface="ＭＳ Ｐゴシック" charset="0"/>
+              </a:defRPr>
+            </a:lvl9pPr>
+          </a:lstStyle>
+          <a:p>
+            <a:pPr eaLnBrk="1" hangingPunct="1"/>
+            <a:fld id="{981BEAC7-1393-AD4B-AB83-A753287A20D7}" type="slidenum">
+              <a:rPr lang="fr-FR" sz="1300">
+                <a:latin typeface="Arial" charset="0"/>
+              </a:rPr>
+              <a:pPr eaLnBrk="1" hangingPunct="1"/>
+              <a:t>12</a:t>
+            </a:fld>
+            <a:endParaRPr lang="fr-FR" sz="1300">
+              <a:latin typeface="Arial" charset="0"/>
+            </a:endParaRPr>
+          </a:p>
+        </p:txBody>
+      </p:sp>
+      <p:sp>
+        <p:nvSpPr>
+          <p:cNvPr id="18434" name="Rectangle 2"/>
+          <p:cNvSpPr>
+            <a:spLocks noGrp="1" noRot="1" noChangeAspect="1" noChangeArrowheads="1" noTextEdit="1"/>
+          </p:cNvSpPr>
+          <p:nvPr>
+            <p:ph type="sldImg"/>
+          </p:nvPr>
+        </p:nvSpPr>
+        <p:spPr>
+          <a:ln/>
+        </p:spPr>
+      </p:sp>
+      <p:sp>
+        <p:nvSpPr>
+          <p:cNvPr id="18435" name="Rectangle 3"/>
+          <p:cNvSpPr>
+            <a:spLocks noGrp="1" noChangeArrowheads="1"/>
+          </p:cNvSpPr>
+          <p:nvPr>
+            <p:ph type="body" idx="1"/>
+          </p:nvPr>
+        </p:nvSpPr>
+        <p:spPr>
+          <a:noFill/>
+          <a:ln/>
+          <a:extLst>
+            <a:ext uri="{909E8E84-426E-40DD-AFC4-6F175D3DCCD1}">
+              <a14:hiddenFill xmlns:a14="http://schemas.microsoft.com/office/drawing/2010/main">
+                <a:solidFill>
+                  <a:srgbClr val="FFFFFF"/>
+                </a:solidFill>
+              </a14:hiddenFill>
+            </a:ext>
+            <a:ext uri="{91240B29-F687-4F45-9708-019B960494DF}">
+              <a14:hiddenLine xmlns:a14="http://schemas.microsoft.com/office/drawing/2010/main" w="9525">
+                <a:solidFill>
+                  <a:srgbClr val="000000"/>
+                </a:solidFill>
+                <a:miter lim="800000"/>
+                <a:headEnd/>
+                <a:tailEnd/>
+              </a14:hiddenLine>
+            </a:ext>
+            <a:ext uri="{FAA26D3D-D897-4be2-8F04-BA451C77F1D7}">
+              <ma14:placeholderFlag xmlns:ma14="http://schemas.microsoft.com/office/mac/drawingml/2011/main" val="1"/>
+            </a:ext>
+          </a:extLst>
+        </p:spPr>
+        <p:txBody>
+          <a:bodyPr/>
+          <a:lstStyle/>
+          <a:p>
+            <a:pPr marL="171450" indent="-171450" eaLnBrk="1" hangingPunct="1">
+              <a:buFont typeface="Arial" panose="020B0604020202020204" pitchFamily="34" charset="0"/>
+              <a:buChar char="•"/>
+            </a:pPr>
+            <a:r>
+              <a:rPr lang="en-US" dirty="0" smtClean="0"/>
+              <a:t>Markus Stocker is </a:t>
+            </a:r>
+            <a:r>
+              <a:rPr lang="en-US" b="1" dirty="0" smtClean="0"/>
+              <a:t>Head of the Knowledge Infrastructures </a:t>
+            </a:r>
+            <a:r>
+              <a:rPr lang="en-US" dirty="0" smtClean="0"/>
+              <a:t>research group at the </a:t>
+            </a:r>
+            <a:r>
+              <a:rPr lang="en-US" b="1" dirty="0" smtClean="0"/>
+              <a:t>TIB Leibniz Information Centre for Science and Technology</a:t>
+            </a:r>
+            <a:r>
+              <a:rPr lang="en-US" dirty="0" smtClean="0"/>
+              <a:t> (Germany) and co-lead of the Open Research Knowledge Graph project. </a:t>
+            </a:r>
+          </a:p>
+          <a:p>
+            <a:pPr marL="171450" indent="-171450" eaLnBrk="1" hangingPunct="1">
+              <a:buFont typeface="Arial" panose="020B0604020202020204" pitchFamily="34" charset="0"/>
+              <a:buChar char="•"/>
+            </a:pPr>
+            <a:r>
+              <a:rPr lang="en-US" dirty="0" smtClean="0"/>
+              <a:t>He holds a </a:t>
+            </a:r>
+            <a:r>
+              <a:rPr lang="en-US" b="1" dirty="0" smtClean="0"/>
+              <a:t>PhD in Environmental Informatics </a:t>
+            </a:r>
+            <a:r>
+              <a:rPr lang="en-US" dirty="0" smtClean="0"/>
+              <a:t>from the University of Eastern Finland; a MSc in Environmental Science from the University of Eastern Finland; and a Diploma (MSc) in Informatics from the University of Zurich, Switzerland. </a:t>
+            </a:r>
+          </a:p>
+          <a:p>
+            <a:pPr marL="171450" indent="-171450" eaLnBrk="1" hangingPunct="1">
+              <a:buFont typeface="Arial" panose="020B0604020202020204" pitchFamily="34" charset="0"/>
+              <a:buChar char="•"/>
+            </a:pPr>
+            <a:r>
+              <a:rPr lang="en-US" dirty="0" smtClean="0"/>
+              <a:t>Research interests lie at the intersection between </a:t>
+            </a:r>
+            <a:r>
+              <a:rPr lang="en-US" b="1" dirty="0" smtClean="0"/>
+              <a:t>research infrastructures and research communities</a:t>
+            </a:r>
+            <a:r>
+              <a:rPr lang="en-US" dirty="0" smtClean="0"/>
+              <a:t>, and how such knowledge infrastructures acquire, maintain, and share scholarly knowledge about human and natural worlds.</a:t>
+            </a:r>
+            <a:endParaRPr lang="en-US" dirty="0"/>
+          </a:p>
+        </p:txBody>
+      </p:sp>
+    </p:spTree>
+    <p:extLst>
+      <p:ext uri="{BB962C8B-B14F-4D97-AF65-F5344CB8AC3E}">
+        <p14:creationId xmlns:p14="http://schemas.microsoft.com/office/powerpoint/2010/main" val="1345786528"/>
+      </p:ext>
+    </p:extLst>
+  </p:cSld>
+  <p:clrMapOvr>
+    <a:masterClrMapping/>
+  </p:clrMapOvr>
+</p:notes>
+</file>
+
+<file path=ppt/notesSlides/notesSlide13.xml><?xml version="1.0" encoding="utf-8"?>
 <p:notes xmlns:a="http://schemas.openxmlformats.org/drawingml/2006/main" xmlns:r="http://schemas.openxmlformats.org/officeDocument/2006/relationships" xmlns:p="http://schemas.openxmlformats.org/presentationml/2006/main">
   <p:cSld>
     <p:spTree>
@@ -1554,7 +2051,7 @@
               <a:pPr>
                 <a:defRPr/>
               </a:pPr>
-              <a:t>11</a:t>
+              <a:t>13</a:t>
             </a:fld>
             <a:endParaRPr lang="fr-FR"/>
           </a:p>
@@ -1573,7 +2070,7 @@
 </p:notes>
 </file>
 
-<file path=ppt/notesSlides/notesSlide12.xml><?xml version="1.0" encoding="utf-8"?>
+<file path=ppt/notesSlides/notesSlide14.xml><?xml version="1.0" encoding="utf-8"?>
 <p:notes xmlns:a="http://schemas.openxmlformats.org/drawingml/2006/main" xmlns:r="http://schemas.openxmlformats.org/officeDocument/2006/relationships" xmlns:p="http://schemas.openxmlformats.org/presentationml/2006/main">
   <p:cSld>
     <p:spTree>
@@ -1644,7 +2141,7 @@
               <a:pPr>
                 <a:defRPr/>
               </a:pPr>
-              <a:t>12</a:t>
+              <a:t>14</a:t>
             </a:fld>
             <a:endParaRPr lang="fr-FR"/>
           </a:p>
@@ -1663,7 +2160,97 @@
 </p:notes>
 </file>
 
-<file path=ppt/notesSlides/notesSlide13.xml><?xml version="1.0" encoding="utf-8"?>
+<file path=ppt/notesSlides/notesSlide15.xml><?xml version="1.0" encoding="utf-8"?>
+<p:notes xmlns:a="http://schemas.openxmlformats.org/drawingml/2006/main" xmlns:r="http://schemas.openxmlformats.org/officeDocument/2006/relationships" xmlns:p="http://schemas.openxmlformats.org/presentationml/2006/main">
+  <p:cSld>
+    <p:spTree>
+      <p:nvGrpSpPr>
+        <p:cNvPr id="1" name=""/>
+        <p:cNvGrpSpPr/>
+        <p:nvPr/>
+      </p:nvGrpSpPr>
+      <p:grpSpPr>
+        <a:xfrm>
+          <a:off x="0" y="0"/>
+          <a:ext cx="0" cy="0"/>
+          <a:chOff x="0" y="0"/>
+          <a:chExt cx="0" cy="0"/>
+        </a:xfrm>
+      </p:grpSpPr>
+      <p:sp>
+        <p:nvSpPr>
+          <p:cNvPr id="2" name="幻灯片图像占位符 1"/>
+          <p:cNvSpPr>
+            <a:spLocks noGrp="1" noRot="1" noChangeAspect="1"/>
+          </p:cNvSpPr>
+          <p:nvPr>
+            <p:ph type="sldImg"/>
+          </p:nvPr>
+        </p:nvSpPr>
+        <p:spPr/>
+      </p:sp>
+      <p:sp>
+        <p:nvSpPr>
+          <p:cNvPr id="3" name="备注占位符 2"/>
+          <p:cNvSpPr>
+            <a:spLocks noGrp="1"/>
+          </p:cNvSpPr>
+          <p:nvPr>
+            <p:ph type="body" idx="1"/>
+          </p:nvPr>
+        </p:nvSpPr>
+        <p:spPr/>
+        <p:txBody>
+          <a:bodyPr/>
+          <a:lstStyle/>
+          <a:p>
+            <a:endParaRPr lang="zh-CN" altLang="en-US" dirty="0"/>
+          </a:p>
+        </p:txBody>
+      </p:sp>
+      <p:sp>
+        <p:nvSpPr>
+          <p:cNvPr id="4" name="灯片编号占位符 3"/>
+          <p:cNvSpPr>
+            <a:spLocks noGrp="1"/>
+          </p:cNvSpPr>
+          <p:nvPr>
+            <p:ph type="sldNum" sz="quarter" idx="10"/>
+          </p:nvPr>
+        </p:nvSpPr>
+        <p:spPr/>
+        <p:txBody>
+          <a:bodyPr/>
+          <a:lstStyle/>
+          <a:p>
+            <a:pPr>
+              <a:defRPr/>
+            </a:pPr>
+            <a:fld id="{95125566-4E7C-A24B-BF7C-B39DB6D8F360}" type="slidenum">
+              <a:rPr lang="fr-FR" smtClean="0"/>
+              <a:pPr>
+                <a:defRPr/>
+              </a:pPr>
+              <a:t>15</a:t>
+            </a:fld>
+            <a:endParaRPr lang="fr-FR"/>
+          </a:p>
+        </p:txBody>
+      </p:sp>
+    </p:spTree>
+    <p:extLst>
+      <p:ext uri="{BB962C8B-B14F-4D97-AF65-F5344CB8AC3E}">
+        <p14:creationId xmlns:p14="http://schemas.microsoft.com/office/powerpoint/2010/main" val="489797409"/>
+      </p:ext>
+    </p:extLst>
+  </p:cSld>
+  <p:clrMapOvr>
+    <a:masterClrMapping/>
+  </p:clrMapOvr>
+</p:notes>
+</file>
+
+<file path=ppt/notesSlides/notesSlide16.xml><?xml version="1.0" encoding="utf-8"?>
 <p:notes xmlns:a="http://schemas.openxmlformats.org/drawingml/2006/main" xmlns:r="http://schemas.openxmlformats.org/officeDocument/2006/relationships" xmlns:p="http://schemas.openxmlformats.org/presentationml/2006/main">
   <p:cSld>
     <p:spTree>
@@ -1830,7 +2417,7 @@
                 <a:latin typeface="Arial" charset="0"/>
               </a:rPr>
               <a:pPr eaLnBrk="1" hangingPunct="1"/>
-              <a:t>13</a:t>
+              <a:t>16</a:t>
             </a:fld>
             <a:endParaRPr lang="fr-FR" sz="1300">
               <a:latin typeface="Arial" charset="0"/>
@@ -1884,7 +2471,7 @@
               </a14:hiddenLine>
             </a:ext>
             <a:ext uri="{FAA26D3D-D897-4be2-8F04-BA451C77F1D7}">
-              <ma14:placeholderFlag xmlns:ma14="http://schemas.microsoft.com/office/mac/drawingml/2011/main" xmlns="" val="1"/>
+              <ma14:placeholderFlag xmlns:ma14="http://schemas.microsoft.com/office/mac/drawingml/2011/main" val="1"/>
             </a:ext>
           </a:extLst>
         </p:spPr>
@@ -2130,7 +2717,7 @@
               </a14:hiddenLine>
             </a:ext>
             <a:ext uri="{FAA26D3D-D897-4be2-8F04-BA451C77F1D7}">
-              <ma14:placeholderFlag xmlns:ma14="http://schemas.microsoft.com/office/mac/drawingml/2011/main" xmlns="" val="1"/>
+              <ma14:placeholderFlag xmlns:ma14="http://schemas.microsoft.com/office/mac/drawingml/2011/main" val="1"/>
             </a:ext>
           </a:extLst>
         </p:spPr>
@@ -2377,7 +2964,7 @@
               </a14:hiddenLine>
             </a:ext>
             <a:ext uri="{FAA26D3D-D897-4be2-8F04-BA451C77F1D7}">
-              <ma14:placeholderFlag xmlns:ma14="http://schemas.microsoft.com/office/mac/drawingml/2011/main" xmlns="" val="1"/>
+              <ma14:placeholderFlag xmlns:ma14="http://schemas.microsoft.com/office/mac/drawingml/2011/main" val="1"/>
             </a:ext>
           </a:extLst>
         </p:spPr>
@@ -2624,7 +3211,7 @@
               </a14:hiddenLine>
             </a:ext>
             <a:ext uri="{FAA26D3D-D897-4be2-8F04-BA451C77F1D7}">
-              <ma14:placeholderFlag xmlns:ma14="http://schemas.microsoft.com/office/mac/drawingml/2011/main" xmlns="" val="1"/>
+              <ma14:placeholderFlag xmlns:ma14="http://schemas.microsoft.com/office/mac/drawingml/2011/main" val="1"/>
             </a:ext>
           </a:extLst>
         </p:spPr>
@@ -2640,7 +3227,7 @@
     </p:spTree>
     <p:extLst>
       <p:ext uri="{BB962C8B-B14F-4D97-AF65-F5344CB8AC3E}">
-        <p14:creationId xmlns:p14="http://schemas.microsoft.com/office/powerpoint/2010/main" val="2392192885"/>
+        <p14:creationId xmlns:p14="http://schemas.microsoft.com/office/powerpoint/2010/main" val="1304243388"/>
       </p:ext>
     </p:extLst>
   </p:cSld>
@@ -2871,7 +3458,7 @@
               </a14:hiddenLine>
             </a:ext>
             <a:ext uri="{FAA26D3D-D897-4be2-8F04-BA451C77F1D7}">
-              <ma14:placeholderFlag xmlns:ma14="http://schemas.microsoft.com/office/mac/drawingml/2011/main" xmlns="" val="1"/>
+              <ma14:placeholderFlag xmlns:ma14="http://schemas.microsoft.com/office/mac/drawingml/2011/main" val="1"/>
             </a:ext>
           </a:extLst>
         </p:spPr>
@@ -2880,14 +3467,14 @@
           <a:lstStyle/>
           <a:p>
             <a:pPr eaLnBrk="1" hangingPunct="1"/>
-            <a:endParaRPr lang="en-US"/>
+            <a:endParaRPr lang="en-US" dirty="0"/>
           </a:p>
         </p:txBody>
       </p:sp>
     </p:spTree>
     <p:extLst>
       <p:ext uri="{BB962C8B-B14F-4D97-AF65-F5344CB8AC3E}">
-        <p14:creationId xmlns:p14="http://schemas.microsoft.com/office/powerpoint/2010/main" val="1350717069"/>
+        <p14:creationId xmlns:p14="http://schemas.microsoft.com/office/powerpoint/2010/main" val="360447730"/>
       </p:ext>
     </p:extLst>
   </p:cSld>
@@ -3118,7 +3705,7 @@
               </a14:hiddenLine>
             </a:ext>
             <a:ext uri="{FAA26D3D-D897-4be2-8F04-BA451C77F1D7}">
-              <ma14:placeholderFlag xmlns:ma14="http://schemas.microsoft.com/office/mac/drawingml/2011/main" xmlns="" val="1"/>
+              <ma14:placeholderFlag xmlns:ma14="http://schemas.microsoft.com/office/mac/drawingml/2011/main" val="1"/>
             </a:ext>
           </a:extLst>
         </p:spPr>
@@ -3127,14 +3714,14 @@
           <a:lstStyle/>
           <a:p>
             <a:pPr eaLnBrk="1" hangingPunct="1"/>
-            <a:endParaRPr lang="en-US"/>
+            <a:endParaRPr lang="en-US" dirty="0"/>
           </a:p>
         </p:txBody>
       </p:sp>
     </p:spTree>
     <p:extLst>
       <p:ext uri="{BB962C8B-B14F-4D97-AF65-F5344CB8AC3E}">
-        <p14:creationId xmlns:p14="http://schemas.microsoft.com/office/powerpoint/2010/main" val="1350717069"/>
+        <p14:creationId xmlns:p14="http://schemas.microsoft.com/office/powerpoint/2010/main" val="2392192885"/>
       </p:ext>
     </p:extLst>
   </p:cSld>
@@ -3365,7 +3952,7 @@
               </a14:hiddenLine>
             </a:ext>
             <a:ext uri="{FAA26D3D-D897-4be2-8F04-BA451C77F1D7}">
-              <ma14:placeholderFlag xmlns:ma14="http://schemas.microsoft.com/office/mac/drawingml/2011/main" xmlns="" val="1"/>
+              <ma14:placeholderFlag xmlns:ma14="http://schemas.microsoft.com/office/mac/drawingml/2011/main" val="1"/>
             </a:ext>
           </a:extLst>
         </p:spPr>
@@ -3374,7 +3961,7 @@
           <a:lstStyle/>
           <a:p>
             <a:pPr eaLnBrk="1" hangingPunct="1"/>
-            <a:endParaRPr lang="en-US"/>
+            <a:endParaRPr lang="en-US" dirty="0"/>
           </a:p>
         </p:txBody>
       </p:sp>
@@ -3612,7 +4199,7 @@
               </a14:hiddenLine>
             </a:ext>
             <a:ext uri="{FAA26D3D-D897-4be2-8F04-BA451C77F1D7}">
-              <ma14:placeholderFlag xmlns:ma14="http://schemas.microsoft.com/office/mac/drawingml/2011/main" xmlns="" val="1"/>
+              <ma14:placeholderFlag xmlns:ma14="http://schemas.microsoft.com/office/mac/drawingml/2011/main" val="1"/>
             </a:ext>
           </a:extLst>
         </p:spPr>
@@ -3859,7 +4446,7 @@
               </a14:hiddenLine>
             </a:ext>
             <a:ext uri="{FAA26D3D-D897-4be2-8F04-BA451C77F1D7}">
-              <ma14:placeholderFlag xmlns:ma14="http://schemas.microsoft.com/office/mac/drawingml/2011/main" xmlns="" val="1"/>
+              <ma14:placeholderFlag xmlns:ma14="http://schemas.microsoft.com/office/mac/drawingml/2011/main" val="1"/>
             </a:ext>
           </a:extLst>
         </p:spPr>
@@ -3868,14 +4455,14 @@
           <a:lstStyle/>
           <a:p>
             <a:pPr eaLnBrk="1" hangingPunct="1"/>
-            <a:endParaRPr lang="en-US"/>
+            <a:endParaRPr lang="en-US" dirty="0"/>
           </a:p>
         </p:txBody>
       </p:sp>
     </p:spTree>
     <p:extLst>
       <p:ext uri="{BB962C8B-B14F-4D97-AF65-F5344CB8AC3E}">
-        <p14:creationId xmlns:p14="http://schemas.microsoft.com/office/powerpoint/2010/main" val="1345786528"/>
+        <p14:creationId xmlns:p14="http://schemas.microsoft.com/office/powerpoint/2010/main" val="1350717069"/>
       </p:ext>
     </p:extLst>
   </p:cSld>
@@ -7863,7 +8450,7 @@
               </a14:hiddenLine>
             </a:ext>
             <a:ext uri="{FAA26D3D-D897-4be2-8F04-BA451C77F1D7}">
-              <ma14:placeholderFlag xmlns:ma14="http://schemas.microsoft.com/office/mac/drawingml/2011/main" xmlns="" val="1"/>
+              <ma14:placeholderFlag xmlns:ma14="http://schemas.microsoft.com/office/mac/drawingml/2011/main" val="1"/>
             </a:ext>
           </a:extLst>
         </p:spPr>
@@ -7924,7 +8511,7 @@
               </a14:hiddenLine>
             </a:ext>
             <a:ext uri="{FAA26D3D-D897-4be2-8F04-BA451C77F1D7}">
-              <ma14:placeholderFlag xmlns:ma14="http://schemas.microsoft.com/office/mac/drawingml/2011/main" xmlns="" val="1"/>
+              <ma14:placeholderFlag xmlns:ma14="http://schemas.microsoft.com/office/mac/drawingml/2011/main" val="1"/>
             </a:ext>
           </a:extLst>
         </p:spPr>
@@ -8825,15 +9412,7 @@
             </a:r>
             <a:r>
               <a:rPr lang="en-GB" sz="2000" dirty="0" smtClean="0"/>
-              <a:t>Philipp </a:t>
-            </a:r>
-            <a:r>
-              <a:rPr lang="en-GB" sz="2000" dirty="0" err="1" smtClean="0"/>
-              <a:t>Mayr</a:t>
-            </a:r>
-            <a:r>
-              <a:rPr lang="en-GB" sz="2000" dirty="0" smtClean="0"/>
-              <a:t>, Wei Lu, Yi </a:t>
+              <a:t>Philipp Mayr, Wei Lu, Yi </a:t>
             </a:r>
             <a:r>
               <a:rPr lang="en-GB" sz="2000" dirty="0"/>
@@ -9012,7 +9591,7 @@
         </p:nvSpPr>
         <p:spPr>
           <a:xfrm>
-            <a:off x="1965049" y="5396514"/>
+            <a:off x="1948116" y="5304400"/>
             <a:ext cx="5734049" cy="461665"/>
           </a:xfrm>
           <a:prstGeom prst="rect">
@@ -9050,7 +9629,7 @@
         </p:nvSpPr>
         <p:spPr>
           <a:xfrm>
-            <a:off x="3108742" y="6253844"/>
+            <a:off x="116556" y="165502"/>
             <a:ext cx="3663119" cy="461665"/>
           </a:xfrm>
           <a:prstGeom prst="rect">
@@ -9095,7 +9674,7 @@
         </p:blipFill>
         <p:spPr>
           <a:xfrm>
-            <a:off x="5202621" y="128090"/>
+            <a:off x="5196524" y="165502"/>
             <a:ext cx="3793019" cy="638721"/>
           </a:xfrm>
           <a:prstGeom prst="rect">
@@ -9319,14 +9898,24 @@
           <a:p>
             <a:pPr marL="536575" indent="-536575" eaLnBrk="1" hangingPunct="1"/>
             <a:r>
-              <a:rPr lang="en-GB" sz="3200" dirty="0" smtClean="0">
+              <a:rPr lang="en-GB" sz="3200" dirty="0">
                 <a:solidFill>
                   <a:srgbClr val="CC0000"/>
                 </a:solidFill>
                 <a:latin typeface="Calibri" charset="0"/>
                 <a:sym typeface="Wingdings" charset="0"/>
               </a:rPr>
-              <a:t>Keynote 2</a:t>
+              <a:t>Agenda: </a:t>
+            </a:r>
+            <a:r>
+              <a:rPr lang="en-GB" sz="3200" dirty="0" smtClean="0">
+                <a:solidFill>
+                  <a:srgbClr val="CC0000"/>
+                </a:solidFill>
+                <a:latin typeface="Calibri" charset="0"/>
+                <a:sym typeface="Wingdings" charset="0"/>
+              </a:rPr>
+              <a:t>Part 4</a:t>
             </a:r>
             <a:endParaRPr lang="en-GB" sz="3200" dirty="0">
               <a:solidFill>
@@ -9342,7 +9931,7 @@
           <p:cNvPr id="17" name="Text Box 4">
             <a:extLst>
               <a:ext uri="{FF2B5EF4-FFF2-40B4-BE49-F238E27FC236}">
-                <a16:creationId xmlns="" xmlns:a16="http://schemas.microsoft.com/office/drawing/2014/main" id="{7FB8B298-1DE1-8446-854E-9DA7260C306B}"/>
+                <a16:creationId xmlns:a16="http://schemas.microsoft.com/office/drawing/2014/main" xmlns="" id="{7FB8B298-1DE1-8446-854E-9DA7260C306B}"/>
               </a:ext>
             </a:extLst>
           </p:cNvPr>
@@ -9542,10 +10131,2434 @@
       </p:sp>
       <p:sp>
         <p:nvSpPr>
+          <p:cNvPr id="5" name="Rectangle 1"/>
+          <p:cNvSpPr>
+            <a:spLocks noChangeArrowheads="1"/>
+          </p:cNvSpPr>
+          <p:nvPr/>
+        </p:nvSpPr>
+        <p:spPr bwMode="auto">
+          <a:xfrm>
+            <a:off x="3273425" y="1974850"/>
+            <a:ext cx="9144000" cy="0"/>
+          </a:xfrm>
+          <a:prstGeom prst="rect">
+            <a:avLst/>
+          </a:prstGeom>
+          <a:noFill/>
+          <a:ln>
+            <a:noFill/>
+          </a:ln>
+          <a:effectLst/>
+          <a:extLst>
+            <a:ext uri="{909E8E84-426E-40DD-AFC4-6F175D3DCCD1}">
+              <a14:hiddenFill xmlns:a14="http://schemas.microsoft.com/office/drawing/2010/main">
+                <a:solidFill>
+                  <a:schemeClr val="accent1"/>
+                </a:solidFill>
+              </a14:hiddenFill>
+            </a:ext>
+            <a:ext uri="{91240B29-F687-4F45-9708-019B960494DF}">
+              <a14:hiddenLine xmlns:a14="http://schemas.microsoft.com/office/drawing/2010/main" w="9525">
+                <a:solidFill>
+                  <a:schemeClr val="tx1"/>
+                </a:solidFill>
+                <a:miter lim="800000"/>
+                <a:headEnd/>
+                <a:tailEnd/>
+              </a14:hiddenLine>
+            </a:ext>
+            <a:ext uri="{AF507438-7753-43E0-B8FC-AC1667EBCBE1}">
+              <a14:hiddenEffects xmlns:a14="http://schemas.microsoft.com/office/drawing/2010/main">
+                <a:effectLst>
+                  <a:outerShdw dist="35921" dir="2700000" algn="ctr" rotWithShape="0">
+                    <a:schemeClr val="bg2"/>
+                  </a:outerShdw>
+                </a:effectLst>
+              </a14:hiddenEffects>
+            </a:ext>
+          </a:extLst>
+        </p:spPr>
+        <p:txBody>
+          <a:bodyPr vert="horz" wrap="none" lIns="91440" tIns="45720" rIns="91440" bIns="45720" numCol="1" anchor="ctr" anchorCtr="0" compatLnSpc="1">
+            <a:prstTxWarp prst="textNoShape">
+              <a:avLst/>
+            </a:prstTxWarp>
+            <a:spAutoFit/>
+          </a:bodyPr>
+          <a:lstStyle/>
+          <a:p>
+            <a:pPr marL="0" marR="0" lvl="0" indent="0" algn="l" defTabSz="914400" rtl="0" eaLnBrk="1" fontAlgn="base" latinLnBrk="0" hangingPunct="1">
+              <a:lnSpc>
+                <a:spcPct val="100000"/>
+              </a:lnSpc>
+              <a:spcBef>
+                <a:spcPct val="0"/>
+              </a:spcBef>
+              <a:spcAft>
+                <a:spcPct val="0"/>
+              </a:spcAft>
+              <a:buClrTx/>
+              <a:buSzTx/>
+              <a:buFontTx/>
+              <a:buNone/>
+              <a:tabLst/>
+            </a:pPr>
+            <a:r>
+              <a:rPr kumimoji="0" lang="de-DE" altLang="de-DE" sz="1800" b="0" i="0" u="none" strike="noStrike" cap="none" normalizeH="0" baseline="0" smtClean="0">
+                <a:ln>
+                  <a:noFill/>
+                </a:ln>
+                <a:solidFill>
+                  <a:schemeClr val="tx1"/>
+                </a:solidFill>
+                <a:effectLst/>
+                <a:latin typeface="Arial" pitchFamily="34" charset="0"/>
+                <a:cs typeface="Arial" pitchFamily="34" charset="0"/>
+              </a:rPr>
+              <a:t/>
+            </a:r>
+            <a:br>
+              <a:rPr kumimoji="0" lang="de-DE" altLang="de-DE" sz="1800" b="0" i="0" u="none" strike="noStrike" cap="none" normalizeH="0" baseline="0" smtClean="0">
+                <a:ln>
+                  <a:noFill/>
+                </a:ln>
+                <a:solidFill>
+                  <a:schemeClr val="tx1"/>
+                </a:solidFill>
+                <a:effectLst/>
+                <a:latin typeface="Arial" pitchFamily="34" charset="0"/>
+                <a:cs typeface="Arial" pitchFamily="34" charset="0"/>
+              </a:rPr>
+            </a:br>
+            <a:endParaRPr kumimoji="0" lang="de-DE" altLang="de-DE" sz="1800" b="0" i="0" u="none" strike="noStrike" cap="none" normalizeH="0" baseline="0" smtClean="0">
+              <a:ln>
+                <a:noFill/>
+              </a:ln>
+              <a:solidFill>
+                <a:schemeClr val="tx1"/>
+              </a:solidFill>
+              <a:effectLst/>
+              <a:latin typeface="Arial" pitchFamily="34" charset="0"/>
+              <a:cs typeface="Arial" pitchFamily="34" charset="0"/>
+            </a:endParaRPr>
+          </a:p>
+        </p:txBody>
+      </p:sp>
+      <p:graphicFrame>
+        <p:nvGraphicFramePr>
+          <p:cNvPr id="2" name="Tabelle 1"/>
+          <p:cNvGraphicFramePr>
+            <a:graphicFrameLocks noGrp="1"/>
+          </p:cNvGraphicFramePr>
+          <p:nvPr>
+            <p:extLst>
+              <p:ext uri="{D42A27DB-BD31-4B8C-83A1-F6EECF244321}">
+                <p14:modId xmlns:p14="http://schemas.microsoft.com/office/powerpoint/2010/main" val="4241993645"/>
+              </p:ext>
+            </p:extLst>
+          </p:nvPr>
+        </p:nvGraphicFramePr>
+        <p:xfrm>
+          <a:off x="88210" y="1281696"/>
+          <a:ext cx="8893629" cy="5267033"/>
+        </p:xfrm>
+        <a:graphic>
+          <a:graphicData uri="http://schemas.openxmlformats.org/drawingml/2006/table">
+            <a:tbl>
+              <a:tblPr/>
+              <a:tblGrid>
+                <a:gridCol w="1540544"/>
+                <a:gridCol w="3769412"/>
+                <a:gridCol w="2022137"/>
+                <a:gridCol w="1561536"/>
+              </a:tblGrid>
+              <a:tr h="423112">
+                <a:tc>
+                  <a:txBody>
+                    <a:bodyPr/>
+                    <a:lstStyle/>
+                    <a:p>
+                      <a:pPr algn="l"/>
+                      <a:r>
+                        <a:rPr lang="de-DE" sz="1500" dirty="0">
+                          <a:effectLst/>
+                        </a:rPr>
+                        <a:t>18:55-19:50</a:t>
+                      </a:r>
+                    </a:p>
+                  </a:txBody>
+                  <a:tcPr marL="40907" marR="51134" marT="40907" marB="40907" anchor="ctr">
+                    <a:lnL>
+                      <a:noFill/>
+                    </a:lnL>
+                    <a:lnR>
+                      <a:noFill/>
+                    </a:lnR>
+                    <a:lnT>
+                      <a:noFill/>
+                    </a:lnT>
+                    <a:lnB w="7620" cap="flat" cmpd="sng" algn="ctr">
+                      <a:solidFill>
+                        <a:srgbClr val="E1E1E1"/>
+                      </a:solidFill>
+                      <a:prstDash val="solid"/>
+                      <a:round/>
+                      <a:headEnd type="none" w="med" len="med"/>
+                      <a:tailEnd type="none" w="med" len="med"/>
+                    </a:lnB>
+                  </a:tcPr>
+                </a:tc>
+                <a:tc gridSpan="2">
+                  <a:txBody>
+                    <a:bodyPr/>
+                    <a:lstStyle/>
+                    <a:p>
+                      <a:pPr algn="l"/>
+                      <a:r>
+                        <a:rPr lang="en-US" sz="1500" b="1" i="1" dirty="0">
+                          <a:solidFill>
+                            <a:schemeClr val="bg2">
+                              <a:lumMod val="60000"/>
+                              <a:lumOff val="40000"/>
+                            </a:schemeClr>
+                          </a:solidFill>
+                          <a:effectLst/>
+                        </a:rPr>
+                        <a:t>Session 5: Poster/ Greeting Notes of EEKE2020</a:t>
+                      </a:r>
+                      <a:endParaRPr lang="en-US" sz="1500" dirty="0">
+                        <a:solidFill>
+                          <a:schemeClr val="bg2">
+                            <a:lumMod val="60000"/>
+                            <a:lumOff val="40000"/>
+                          </a:schemeClr>
+                        </a:solidFill>
+                        <a:effectLst/>
+                      </a:endParaRPr>
+                    </a:p>
+                  </a:txBody>
+                  <a:tcPr marL="51134" marR="51134" marT="40907" marB="40907" anchor="ctr">
+                    <a:lnL>
+                      <a:noFill/>
+                    </a:lnL>
+                    <a:lnR>
+                      <a:noFill/>
+                    </a:lnR>
+                    <a:lnT>
+                      <a:noFill/>
+                    </a:lnT>
+                    <a:lnB w="7620" cap="flat" cmpd="sng" algn="ctr">
+                      <a:solidFill>
+                        <a:srgbClr val="E1E1E1"/>
+                      </a:solidFill>
+                      <a:prstDash val="solid"/>
+                      <a:round/>
+                      <a:headEnd type="none" w="med" len="med"/>
+                      <a:tailEnd type="none" w="med" len="med"/>
+                    </a:lnB>
+                  </a:tcPr>
+                </a:tc>
+                <a:tc hMerge="1">
+                  <a:txBody>
+                    <a:bodyPr/>
+                    <a:lstStyle/>
+                    <a:p>
+                      <a:endParaRPr lang="de-DE"/>
+                    </a:p>
+                  </a:txBody>
+                  <a:tcPr/>
+                </a:tc>
+                <a:tc rowSpan="5">
+                  <a:txBody>
+                    <a:bodyPr/>
+                    <a:lstStyle/>
+                    <a:p>
+                      <a:pPr algn="l"/>
+                      <a:r>
+                        <a:rPr lang="de-DE" sz="1500" dirty="0">
+                          <a:effectLst/>
+                        </a:rPr>
+                        <a:t>Chair: Jin </a:t>
+                      </a:r>
+                      <a:r>
+                        <a:rPr lang="de-DE" sz="1500" dirty="0" smtClean="0">
+                          <a:effectLst/>
+                        </a:rPr>
+                        <a:t>Mao</a:t>
+                      </a:r>
+                    </a:p>
+                    <a:p>
+                      <a:pPr algn="l"/>
+                      <a:endParaRPr lang="de-DE" sz="1500" dirty="0" smtClean="0">
+                        <a:effectLst/>
+                      </a:endParaRPr>
+                    </a:p>
+                    <a:p>
+                      <a:pPr algn="l"/>
+                      <a:endParaRPr lang="de-DE" sz="1500" dirty="0" smtClean="0">
+                        <a:effectLst/>
+                      </a:endParaRPr>
+                    </a:p>
+                    <a:p>
+                      <a:pPr algn="l"/>
+                      <a:endParaRPr lang="de-DE" sz="1500" dirty="0" smtClean="0">
+                        <a:effectLst/>
+                      </a:endParaRPr>
+                    </a:p>
+                    <a:p>
+                      <a:pPr algn="l"/>
+                      <a:endParaRPr lang="de-DE" sz="1500" dirty="0" smtClean="0">
+                        <a:effectLst/>
+                      </a:endParaRPr>
+                    </a:p>
+                    <a:p>
+                      <a:pPr algn="l"/>
+                      <a:endParaRPr lang="de-DE" sz="1500" dirty="0" smtClean="0">
+                        <a:effectLst/>
+                      </a:endParaRPr>
+                    </a:p>
+                    <a:p>
+                      <a:pPr algn="l"/>
+                      <a:endParaRPr lang="de-DE" sz="1500" dirty="0" smtClean="0">
+                        <a:effectLst/>
+                      </a:endParaRPr>
+                    </a:p>
+                    <a:p>
+                      <a:pPr algn="l"/>
+                      <a:endParaRPr lang="de-DE" sz="1500" dirty="0" smtClean="0">
+                        <a:effectLst/>
+                      </a:endParaRPr>
+                    </a:p>
+                    <a:p>
+                      <a:pPr algn="l"/>
+                      <a:endParaRPr lang="de-DE" sz="1500" dirty="0" smtClean="0">
+                        <a:effectLst/>
+                      </a:endParaRPr>
+                    </a:p>
+                    <a:p>
+                      <a:pPr algn="l"/>
+                      <a:endParaRPr lang="de-DE" sz="1500" dirty="0" smtClean="0">
+                        <a:effectLst/>
+                      </a:endParaRPr>
+                    </a:p>
+                    <a:p>
+                      <a:pPr algn="l"/>
+                      <a:endParaRPr lang="de-DE" sz="1500" dirty="0" smtClean="0">
+                        <a:effectLst/>
+                      </a:endParaRPr>
+                    </a:p>
+                    <a:p>
+                      <a:pPr algn="l"/>
+                      <a:endParaRPr lang="de-DE" sz="1500" dirty="0" smtClean="0">
+                        <a:effectLst/>
+                      </a:endParaRPr>
+                    </a:p>
+                    <a:p>
+                      <a:pPr algn="l"/>
+                      <a:endParaRPr lang="de-DE" sz="1500" dirty="0" smtClean="0">
+                        <a:effectLst/>
+                      </a:endParaRPr>
+                    </a:p>
+                    <a:p>
+                      <a:pPr algn="l"/>
+                      <a:endParaRPr lang="de-DE" sz="1500" dirty="0">
+                        <a:effectLst/>
+                      </a:endParaRPr>
+                    </a:p>
+                    <a:p>
+                      <a:pPr algn="l"/>
+                      <a:r>
+                        <a:rPr lang="de-DE" sz="1500" dirty="0">
+                          <a:effectLst/>
+                        </a:rPr>
+                        <a:t> </a:t>
+                      </a:r>
+                    </a:p>
+                    <a:p>
+                      <a:pPr algn="l"/>
+                      <a:r>
+                        <a:rPr lang="de-DE" sz="1500" dirty="0">
+                          <a:effectLst/>
+                        </a:rPr>
+                        <a:t> </a:t>
+                      </a:r>
+                    </a:p>
+                    <a:p>
+                      <a:pPr algn="l"/>
+                      <a:r>
+                        <a:rPr lang="de-DE" sz="1500" dirty="0">
+                          <a:effectLst/>
+                        </a:rPr>
+                        <a:t> </a:t>
+                      </a:r>
+                    </a:p>
+                    <a:p>
+                      <a:pPr algn="l"/>
+                      <a:r>
+                        <a:rPr lang="de-DE" sz="1500" dirty="0">
+                          <a:effectLst/>
+                        </a:rPr>
+                        <a:t> </a:t>
+                      </a:r>
+                    </a:p>
+                  </a:txBody>
+                  <a:tcPr marL="51134" marR="40907" marT="40907" marB="40907" anchor="ctr">
+                    <a:lnL>
+                      <a:noFill/>
+                    </a:lnL>
+                    <a:lnR>
+                      <a:noFill/>
+                    </a:lnR>
+                    <a:lnT>
+                      <a:noFill/>
+                    </a:lnT>
+                    <a:lnB w="7620" cap="flat" cmpd="sng" algn="ctr">
+                      <a:solidFill>
+                        <a:srgbClr val="E1E1E1"/>
+                      </a:solidFill>
+                      <a:prstDash val="solid"/>
+                      <a:round/>
+                      <a:headEnd type="none" w="med" len="med"/>
+                      <a:tailEnd type="none" w="med" len="med"/>
+                    </a:lnB>
+                  </a:tcPr>
+                </a:tc>
+              </a:tr>
+              <a:tr h="940310">
+                <a:tc>
+                  <a:txBody>
+                    <a:bodyPr/>
+                    <a:lstStyle/>
+                    <a:p>
+                      <a:pPr algn="l"/>
+                      <a:r>
+                        <a:rPr lang="de-DE" sz="1500">
+                          <a:effectLst/>
+                        </a:rPr>
+                        <a:t>18:55-19:05</a:t>
+                      </a:r>
+                    </a:p>
+                  </a:txBody>
+                  <a:tcPr marL="40907" marR="51134" marT="40907" marB="40907" anchor="ctr">
+                    <a:lnL>
+                      <a:noFill/>
+                    </a:lnL>
+                    <a:lnR>
+                      <a:noFill/>
+                    </a:lnR>
+                    <a:lnT w="7620" cap="flat" cmpd="sng" algn="ctr">
+                      <a:solidFill>
+                        <a:srgbClr val="E1E1E1"/>
+                      </a:solidFill>
+                      <a:prstDash val="solid"/>
+                      <a:round/>
+                      <a:headEnd type="none" w="med" len="med"/>
+                      <a:tailEnd type="none" w="med" len="med"/>
+                    </a:lnT>
+                    <a:lnB w="7620" cap="flat" cmpd="sng" algn="ctr">
+                      <a:solidFill>
+                        <a:srgbClr val="E1E1E1"/>
+                      </a:solidFill>
+                      <a:prstDash val="solid"/>
+                      <a:round/>
+                      <a:headEnd type="none" w="med" len="med"/>
+                      <a:tailEnd type="none" w="med" len="med"/>
+                    </a:lnB>
+                  </a:tcPr>
+                </a:tc>
+                <a:tc>
+                  <a:txBody>
+                    <a:bodyPr/>
+                    <a:lstStyle/>
+                    <a:p>
+                      <a:pPr algn="l"/>
+                      <a:r>
+                        <a:rPr lang="de-DE" sz="1500" i="1">
+                          <a:effectLst/>
+                        </a:rPr>
+                        <a:t>Long-tail dataset entity recognition based on Data Augmentation</a:t>
+                      </a:r>
+                      <a:endParaRPr lang="de-DE" sz="1500">
+                        <a:effectLst/>
+                      </a:endParaRPr>
+                    </a:p>
+                  </a:txBody>
+                  <a:tcPr marL="51134" marR="51134" marT="40907" marB="40907" anchor="ctr">
+                    <a:lnL>
+                      <a:noFill/>
+                    </a:lnL>
+                    <a:lnR>
+                      <a:noFill/>
+                    </a:lnR>
+                    <a:lnT w="7620" cap="flat" cmpd="sng" algn="ctr">
+                      <a:solidFill>
+                        <a:srgbClr val="E1E1E1"/>
+                      </a:solidFill>
+                      <a:prstDash val="solid"/>
+                      <a:round/>
+                      <a:headEnd type="none" w="med" len="med"/>
+                      <a:tailEnd type="none" w="med" len="med"/>
+                    </a:lnT>
+                    <a:lnB w="7620" cap="flat" cmpd="sng" algn="ctr">
+                      <a:solidFill>
+                        <a:srgbClr val="E1E1E1"/>
+                      </a:solidFill>
+                      <a:prstDash val="solid"/>
+                      <a:round/>
+                      <a:headEnd type="none" w="med" len="med"/>
+                      <a:tailEnd type="none" w="med" len="med"/>
+                    </a:lnB>
+                  </a:tcPr>
+                </a:tc>
+                <a:tc>
+                  <a:txBody>
+                    <a:bodyPr/>
+                    <a:lstStyle/>
+                    <a:p>
+                      <a:pPr algn="l"/>
+                      <a:r>
+                        <a:rPr lang="it-IT" sz="1500" b="1" u="sng">
+                          <a:effectLst/>
+                          <a:latin typeface="Raleway"/>
+                        </a:rPr>
+                        <a:t>Qikai Liu</a:t>
+                      </a:r>
+                      <a:r>
+                        <a:rPr lang="it-IT" sz="1500">
+                          <a:effectLst/>
+                        </a:rPr>
+                        <a:t>, Pengcheng Li, Wei Lu and Qikai Cheng</a:t>
+                      </a:r>
+                    </a:p>
+                  </a:txBody>
+                  <a:tcPr marL="51134" marR="51134" marT="40907" marB="40907" anchor="ctr">
+                    <a:lnL>
+                      <a:noFill/>
+                    </a:lnL>
+                    <a:lnR>
+                      <a:noFill/>
+                    </a:lnR>
+                    <a:lnT w="7620" cap="flat" cmpd="sng" algn="ctr">
+                      <a:solidFill>
+                        <a:srgbClr val="E1E1E1"/>
+                      </a:solidFill>
+                      <a:prstDash val="solid"/>
+                      <a:round/>
+                      <a:headEnd type="none" w="med" len="med"/>
+                      <a:tailEnd type="none" w="med" len="med"/>
+                    </a:lnT>
+                    <a:lnB w="7620" cap="flat" cmpd="sng" algn="ctr">
+                      <a:solidFill>
+                        <a:srgbClr val="E1E1E1"/>
+                      </a:solidFill>
+                      <a:prstDash val="solid"/>
+                      <a:round/>
+                      <a:headEnd type="none" w="med" len="med"/>
+                      <a:tailEnd type="none" w="med" len="med"/>
+                    </a:lnB>
+                  </a:tcPr>
+                </a:tc>
+                <a:tc vMerge="1">
+                  <a:txBody>
+                    <a:bodyPr/>
+                    <a:lstStyle/>
+                    <a:p>
+                      <a:pPr algn="l"/>
+                      <a:endParaRPr lang="de-DE" sz="1500">
+                        <a:effectLst/>
+                      </a:endParaRPr>
+                    </a:p>
+                  </a:txBody>
+                  <a:tcPr marL="51134" marR="40907" marT="40907" marB="40907" anchor="ctr">
+                    <a:lnL>
+                      <a:noFill/>
+                    </a:lnL>
+                    <a:lnR>
+                      <a:noFill/>
+                    </a:lnR>
+                    <a:lnT w="7620" cap="flat" cmpd="sng" algn="ctr">
+                      <a:solidFill>
+                        <a:srgbClr val="E1E1E1"/>
+                      </a:solidFill>
+                      <a:prstDash val="solid"/>
+                      <a:round/>
+                      <a:headEnd type="none" w="med" len="med"/>
+                      <a:tailEnd type="none" w="med" len="med"/>
+                    </a:lnT>
+                    <a:lnB w="7620" cap="flat" cmpd="sng" algn="ctr">
+                      <a:solidFill>
+                        <a:srgbClr val="E1E1E1"/>
+                      </a:solidFill>
+                      <a:prstDash val="solid"/>
+                      <a:round/>
+                      <a:headEnd type="none" w="med" len="med"/>
+                      <a:tailEnd type="none" w="med" len="med"/>
+                    </a:lnB>
+                  </a:tcPr>
+                </a:tc>
+              </a:tr>
+              <a:tr h="740448">
+                <a:tc>
+                  <a:txBody>
+                    <a:bodyPr/>
+                    <a:lstStyle/>
+                    <a:p>
+                      <a:pPr algn="l"/>
+                      <a:r>
+                        <a:rPr lang="de-DE" sz="1500">
+                          <a:effectLst/>
+                        </a:rPr>
+                        <a:t>19:05-19:15</a:t>
+                      </a:r>
+                    </a:p>
+                  </a:txBody>
+                  <a:tcPr marL="40907" marR="51134" marT="40907" marB="40907" anchor="ctr">
+                    <a:lnL>
+                      <a:noFill/>
+                    </a:lnL>
+                    <a:lnR>
+                      <a:noFill/>
+                    </a:lnR>
+                    <a:lnT w="7620" cap="flat" cmpd="sng" algn="ctr">
+                      <a:solidFill>
+                        <a:srgbClr val="E1E1E1"/>
+                      </a:solidFill>
+                      <a:prstDash val="solid"/>
+                      <a:round/>
+                      <a:headEnd type="none" w="med" len="med"/>
+                      <a:tailEnd type="none" w="med" len="med"/>
+                    </a:lnT>
+                    <a:lnB w="7620" cap="flat" cmpd="sng" algn="ctr">
+                      <a:solidFill>
+                        <a:srgbClr val="E1E1E1"/>
+                      </a:solidFill>
+                      <a:prstDash val="solid"/>
+                      <a:round/>
+                      <a:headEnd type="none" w="med" len="med"/>
+                      <a:tailEnd type="none" w="med" len="med"/>
+                    </a:lnB>
+                  </a:tcPr>
+                </a:tc>
+                <a:tc>
+                  <a:txBody>
+                    <a:bodyPr/>
+                    <a:lstStyle/>
+                    <a:p>
+                      <a:pPr algn="l"/>
+                      <a:r>
+                        <a:rPr lang="en-US" sz="1500" i="1">
+                          <a:effectLst/>
+                        </a:rPr>
+                        <a:t>Assessing Impact of Method Entities in a Special Task</a:t>
+                      </a:r>
+                      <a:endParaRPr lang="en-US" sz="1500">
+                        <a:effectLst/>
+                      </a:endParaRPr>
+                    </a:p>
+                  </a:txBody>
+                  <a:tcPr marL="51134" marR="51134" marT="40907" marB="40907" anchor="ctr">
+                    <a:lnL>
+                      <a:noFill/>
+                    </a:lnL>
+                    <a:lnR>
+                      <a:noFill/>
+                    </a:lnR>
+                    <a:lnT w="7620" cap="flat" cmpd="sng" algn="ctr">
+                      <a:solidFill>
+                        <a:srgbClr val="E1E1E1"/>
+                      </a:solidFill>
+                      <a:prstDash val="solid"/>
+                      <a:round/>
+                      <a:headEnd type="none" w="med" len="med"/>
+                      <a:tailEnd type="none" w="med" len="med"/>
+                    </a:lnT>
+                    <a:lnB w="7620" cap="flat" cmpd="sng" algn="ctr">
+                      <a:solidFill>
+                        <a:srgbClr val="E1E1E1"/>
+                      </a:solidFill>
+                      <a:prstDash val="solid"/>
+                      <a:round/>
+                      <a:headEnd type="none" w="med" len="med"/>
+                      <a:tailEnd type="none" w="med" len="med"/>
+                    </a:lnB>
+                  </a:tcPr>
+                </a:tc>
+                <a:tc>
+                  <a:txBody>
+                    <a:bodyPr/>
+                    <a:lstStyle/>
+                    <a:p>
+                      <a:pPr algn="l"/>
+                      <a:r>
+                        <a:rPr lang="de-DE" sz="1500" b="1" u="sng" dirty="0">
+                          <a:effectLst/>
+                          <a:latin typeface="Raleway"/>
+                        </a:rPr>
+                        <a:t>Xiaole Li</a:t>
+                      </a:r>
+                      <a:r>
+                        <a:rPr lang="de-DE" sz="1500" dirty="0">
+                          <a:effectLst/>
+                        </a:rPr>
+                        <a:t>, Yuzhuo Wang</a:t>
+                      </a:r>
+                    </a:p>
+                  </a:txBody>
+                  <a:tcPr marL="51134" marR="51134" marT="40907" marB="40907" anchor="ctr">
+                    <a:lnL>
+                      <a:noFill/>
+                    </a:lnL>
+                    <a:lnR>
+                      <a:noFill/>
+                    </a:lnR>
+                    <a:lnT w="7620" cap="flat" cmpd="sng" algn="ctr">
+                      <a:solidFill>
+                        <a:srgbClr val="E1E1E1"/>
+                      </a:solidFill>
+                      <a:prstDash val="solid"/>
+                      <a:round/>
+                      <a:headEnd type="none" w="med" len="med"/>
+                      <a:tailEnd type="none" w="med" len="med"/>
+                    </a:lnT>
+                    <a:lnB w="7620" cap="flat" cmpd="sng" algn="ctr">
+                      <a:solidFill>
+                        <a:srgbClr val="E1E1E1"/>
+                      </a:solidFill>
+                      <a:prstDash val="solid"/>
+                      <a:round/>
+                      <a:headEnd type="none" w="med" len="med"/>
+                      <a:tailEnd type="none" w="med" len="med"/>
+                    </a:lnB>
+                  </a:tcPr>
+                </a:tc>
+                <a:tc vMerge="1">
+                  <a:txBody>
+                    <a:bodyPr/>
+                    <a:lstStyle/>
+                    <a:p>
+                      <a:pPr algn="l"/>
+                      <a:endParaRPr lang="de-DE" sz="1500" dirty="0">
+                        <a:effectLst/>
+                      </a:endParaRPr>
+                    </a:p>
+                  </a:txBody>
+                  <a:tcPr marL="51134" marR="40907" marT="40907" marB="40907" anchor="ctr">
+                    <a:lnL>
+                      <a:noFill/>
+                    </a:lnL>
+                    <a:lnR>
+                      <a:noFill/>
+                    </a:lnR>
+                    <a:lnT w="7620" cap="flat" cmpd="sng" algn="ctr">
+                      <a:solidFill>
+                        <a:srgbClr val="E1E1E1"/>
+                      </a:solidFill>
+                      <a:prstDash val="solid"/>
+                      <a:round/>
+                      <a:headEnd type="none" w="med" len="med"/>
+                      <a:tailEnd type="none" w="med" len="med"/>
+                    </a:lnT>
+                    <a:lnB w="7620" cap="flat" cmpd="sng" algn="ctr">
+                      <a:solidFill>
+                        <a:srgbClr val="E1E1E1"/>
+                      </a:solidFill>
+                      <a:prstDash val="solid"/>
+                      <a:round/>
+                      <a:headEnd type="none" w="med" len="med"/>
+                      <a:tailEnd type="none" w="med" len="med"/>
+                    </a:lnB>
+                  </a:tcPr>
+                </a:tc>
+              </a:tr>
+              <a:tr h="1371854">
+                <a:tc>
+                  <a:txBody>
+                    <a:bodyPr/>
+                    <a:lstStyle/>
+                    <a:p>
+                      <a:pPr algn="l"/>
+                      <a:r>
+                        <a:rPr lang="de-DE" sz="1500">
+                          <a:effectLst/>
+                        </a:rPr>
+                        <a:t>19:15-19:25</a:t>
+                      </a:r>
+                    </a:p>
+                  </a:txBody>
+                  <a:tcPr marL="40907" marR="51134" marT="40907" marB="40907" anchor="ctr">
+                    <a:lnL>
+                      <a:noFill/>
+                    </a:lnL>
+                    <a:lnR>
+                      <a:noFill/>
+                    </a:lnR>
+                    <a:lnT w="7620" cap="flat" cmpd="sng" algn="ctr">
+                      <a:solidFill>
+                        <a:srgbClr val="E1E1E1"/>
+                      </a:solidFill>
+                      <a:prstDash val="solid"/>
+                      <a:round/>
+                      <a:headEnd type="none" w="med" len="med"/>
+                      <a:tailEnd type="none" w="med" len="med"/>
+                    </a:lnT>
+                    <a:lnB w="7620" cap="flat" cmpd="sng" algn="ctr">
+                      <a:solidFill>
+                        <a:srgbClr val="E1E1E1"/>
+                      </a:solidFill>
+                      <a:prstDash val="solid"/>
+                      <a:round/>
+                      <a:headEnd type="none" w="med" len="med"/>
+                      <a:tailEnd type="none" w="med" len="med"/>
+                    </a:lnB>
+                  </a:tcPr>
+                </a:tc>
+                <a:tc>
+                  <a:txBody>
+                    <a:bodyPr/>
+                    <a:lstStyle/>
+                    <a:p>
+                      <a:pPr algn="l"/>
+                      <a:r>
+                        <a:rPr lang="en-US" sz="1500" i="1" dirty="0">
+                          <a:effectLst/>
+                        </a:rPr>
+                        <a:t>Study on the Difference between Summary Peer Reviews and Abstracts of Scientific Papers</a:t>
+                      </a:r>
+                      <a:endParaRPr lang="en-US" sz="1500" dirty="0">
+                        <a:effectLst/>
+                      </a:endParaRPr>
+                    </a:p>
+                  </a:txBody>
+                  <a:tcPr marL="51134" marR="51134" marT="40907" marB="40907" anchor="ctr">
+                    <a:lnL>
+                      <a:noFill/>
+                    </a:lnL>
+                    <a:lnR>
+                      <a:noFill/>
+                    </a:lnR>
+                    <a:lnT w="7620" cap="flat" cmpd="sng" algn="ctr">
+                      <a:solidFill>
+                        <a:srgbClr val="E1E1E1"/>
+                      </a:solidFill>
+                      <a:prstDash val="solid"/>
+                      <a:round/>
+                      <a:headEnd type="none" w="med" len="med"/>
+                      <a:tailEnd type="none" w="med" len="med"/>
+                    </a:lnT>
+                    <a:lnB w="7620" cap="flat" cmpd="sng" algn="ctr">
+                      <a:solidFill>
+                        <a:srgbClr val="E1E1E1"/>
+                      </a:solidFill>
+                      <a:prstDash val="solid"/>
+                      <a:round/>
+                      <a:headEnd type="none" w="med" len="med"/>
+                      <a:tailEnd type="none" w="med" len="med"/>
+                    </a:lnB>
+                  </a:tcPr>
+                </a:tc>
+                <a:tc>
+                  <a:txBody>
+                    <a:bodyPr/>
+                    <a:lstStyle/>
+                    <a:p>
+                      <a:pPr algn="l"/>
+                      <a:r>
+                        <a:rPr lang="de-DE" sz="1500" dirty="0">
+                          <a:effectLst/>
+                        </a:rPr>
+                        <a:t>Chong Chen, </a:t>
+                      </a:r>
+                      <a:r>
+                        <a:rPr lang="de-DE" sz="1500" b="1" u="sng" dirty="0">
+                          <a:effectLst/>
+                          <a:latin typeface="Raleway"/>
+                        </a:rPr>
+                        <a:t>Jingying Zhang</a:t>
+                      </a:r>
+                      <a:r>
+                        <a:rPr lang="de-DE" sz="1500" dirty="0">
+                          <a:effectLst/>
+                        </a:rPr>
+                        <a:t>, Xiaoyu Chu and Jinglin Zheng</a:t>
+                      </a:r>
+                    </a:p>
+                  </a:txBody>
+                  <a:tcPr marL="51134" marR="51134" marT="40907" marB="40907" anchor="ctr">
+                    <a:lnL>
+                      <a:noFill/>
+                    </a:lnL>
+                    <a:lnR>
+                      <a:noFill/>
+                    </a:lnR>
+                    <a:lnT w="7620" cap="flat" cmpd="sng" algn="ctr">
+                      <a:solidFill>
+                        <a:srgbClr val="E1E1E1"/>
+                      </a:solidFill>
+                      <a:prstDash val="solid"/>
+                      <a:round/>
+                      <a:headEnd type="none" w="med" len="med"/>
+                      <a:tailEnd type="none" w="med" len="med"/>
+                    </a:lnT>
+                    <a:lnB w="7620" cap="flat" cmpd="sng" algn="ctr">
+                      <a:solidFill>
+                        <a:srgbClr val="E1E1E1"/>
+                      </a:solidFill>
+                      <a:prstDash val="solid"/>
+                      <a:round/>
+                      <a:headEnd type="none" w="med" len="med"/>
+                      <a:tailEnd type="none" w="med" len="med"/>
+                    </a:lnB>
+                  </a:tcPr>
+                </a:tc>
+                <a:tc vMerge="1">
+                  <a:txBody>
+                    <a:bodyPr/>
+                    <a:lstStyle/>
+                    <a:p>
+                      <a:pPr algn="l"/>
+                      <a:endParaRPr lang="de-DE" sz="1500" dirty="0">
+                        <a:effectLst/>
+                      </a:endParaRPr>
+                    </a:p>
+                  </a:txBody>
+                  <a:tcPr marL="51134" marR="40907" marT="40907" marB="40907" anchor="ctr">
+                    <a:lnL>
+                      <a:noFill/>
+                    </a:lnL>
+                    <a:lnR>
+                      <a:noFill/>
+                    </a:lnR>
+                    <a:lnT w="7620" cap="flat" cmpd="sng" algn="ctr">
+                      <a:solidFill>
+                        <a:srgbClr val="E1E1E1"/>
+                      </a:solidFill>
+                      <a:prstDash val="solid"/>
+                      <a:round/>
+                      <a:headEnd type="none" w="med" len="med"/>
+                      <a:tailEnd type="none" w="med" len="med"/>
+                    </a:lnT>
+                    <a:lnB w="7620" cap="flat" cmpd="sng" algn="ctr">
+                      <a:solidFill>
+                        <a:srgbClr val="E1E1E1"/>
+                      </a:solidFill>
+                      <a:prstDash val="solid"/>
+                      <a:round/>
+                      <a:headEnd type="none" w="med" len="med"/>
+                      <a:tailEnd type="none" w="med" len="med"/>
+                    </a:lnB>
+                  </a:tcPr>
+                </a:tc>
+              </a:tr>
+              <a:tr h="899114">
+                <a:tc>
+                  <a:txBody>
+                    <a:bodyPr/>
+                    <a:lstStyle/>
+                    <a:p>
+                      <a:pPr algn="l"/>
+                      <a:r>
+                        <a:rPr lang="de-DE" sz="1500">
+                          <a:effectLst/>
+                        </a:rPr>
+                        <a:t>19:25-19:35</a:t>
+                      </a:r>
+                    </a:p>
+                  </a:txBody>
+                  <a:tcPr marL="40907" marR="51134" marT="40907" marB="40907" anchor="ctr">
+                    <a:lnL>
+                      <a:noFill/>
+                    </a:lnL>
+                    <a:lnR>
+                      <a:noFill/>
+                    </a:lnR>
+                    <a:lnT w="7620" cap="flat" cmpd="sng" algn="ctr">
+                      <a:solidFill>
+                        <a:srgbClr val="E1E1E1"/>
+                      </a:solidFill>
+                      <a:prstDash val="solid"/>
+                      <a:round/>
+                      <a:headEnd type="none" w="med" len="med"/>
+                      <a:tailEnd type="none" w="med" len="med"/>
+                    </a:lnT>
+                    <a:lnB w="7620" cap="flat" cmpd="sng" algn="ctr">
+                      <a:solidFill>
+                        <a:srgbClr val="E1E1E1"/>
+                      </a:solidFill>
+                      <a:prstDash val="solid"/>
+                      <a:round/>
+                      <a:headEnd type="none" w="med" len="med"/>
+                      <a:tailEnd type="none" w="med" len="med"/>
+                    </a:lnB>
+                  </a:tcPr>
+                </a:tc>
+                <a:tc>
+                  <a:txBody>
+                    <a:bodyPr/>
+                    <a:lstStyle/>
+                    <a:p>
+                      <a:pPr algn="l"/>
+                      <a:r>
+                        <a:rPr lang="en-US" sz="1500" i="1">
+                          <a:effectLst/>
+                        </a:rPr>
+                        <a:t>A Unsupervised Method for Terminology Extraction from Scientific Text</a:t>
+                      </a:r>
+                      <a:endParaRPr lang="en-US" sz="1500">
+                        <a:effectLst/>
+                      </a:endParaRPr>
+                    </a:p>
+                  </a:txBody>
+                  <a:tcPr marL="51134" marR="51134" marT="40907" marB="40907" anchor="ctr">
+                    <a:lnL>
+                      <a:noFill/>
+                    </a:lnL>
+                    <a:lnR>
+                      <a:noFill/>
+                    </a:lnR>
+                    <a:lnT w="7620" cap="flat" cmpd="sng" algn="ctr">
+                      <a:solidFill>
+                        <a:srgbClr val="E1E1E1"/>
+                      </a:solidFill>
+                      <a:prstDash val="solid"/>
+                      <a:round/>
+                      <a:headEnd type="none" w="med" len="med"/>
+                      <a:tailEnd type="none" w="med" len="med"/>
+                    </a:lnT>
+                    <a:lnB w="7620" cap="flat" cmpd="sng" algn="ctr">
+                      <a:solidFill>
+                        <a:srgbClr val="E1E1E1"/>
+                      </a:solidFill>
+                      <a:prstDash val="solid"/>
+                      <a:round/>
+                      <a:headEnd type="none" w="med" len="med"/>
+                      <a:tailEnd type="none" w="med" len="med"/>
+                    </a:lnB>
+                  </a:tcPr>
+                </a:tc>
+                <a:tc>
+                  <a:txBody>
+                    <a:bodyPr/>
+                    <a:lstStyle/>
+                    <a:p>
+                      <a:pPr algn="l"/>
+                      <a:r>
+                        <a:rPr lang="en-US" sz="1500" b="1" u="sng">
+                          <a:effectLst/>
+                          <a:latin typeface="Raleway"/>
+                        </a:rPr>
+                        <a:t>Wei Shao</a:t>
+                      </a:r>
+                      <a:r>
+                        <a:rPr lang="en-US" sz="1500">
+                          <a:effectLst/>
+                        </a:rPr>
+                        <a:t> and Hua Bolin</a:t>
+                      </a:r>
+                    </a:p>
+                  </a:txBody>
+                  <a:tcPr marL="51134" marR="51134" marT="40907" marB="40907" anchor="ctr">
+                    <a:lnL>
+                      <a:noFill/>
+                    </a:lnL>
+                    <a:lnR>
+                      <a:noFill/>
+                    </a:lnR>
+                    <a:lnT w="7620" cap="flat" cmpd="sng" algn="ctr">
+                      <a:solidFill>
+                        <a:srgbClr val="E1E1E1"/>
+                      </a:solidFill>
+                      <a:prstDash val="solid"/>
+                      <a:round/>
+                      <a:headEnd type="none" w="med" len="med"/>
+                      <a:tailEnd type="none" w="med" len="med"/>
+                    </a:lnT>
+                    <a:lnB w="7620" cap="flat" cmpd="sng" algn="ctr">
+                      <a:solidFill>
+                        <a:srgbClr val="E1E1E1"/>
+                      </a:solidFill>
+                      <a:prstDash val="solid"/>
+                      <a:round/>
+                      <a:headEnd type="none" w="med" len="med"/>
+                      <a:tailEnd type="none" w="med" len="med"/>
+                    </a:lnB>
+                  </a:tcPr>
+                </a:tc>
+                <a:tc vMerge="1">
+                  <a:txBody>
+                    <a:bodyPr/>
+                    <a:lstStyle/>
+                    <a:p>
+                      <a:pPr algn="l"/>
+                      <a:endParaRPr lang="de-DE" sz="1500" dirty="0">
+                        <a:effectLst/>
+                      </a:endParaRPr>
+                    </a:p>
+                  </a:txBody>
+                  <a:tcPr marL="51134" marR="40907" marT="40907" marB="40907" anchor="ctr">
+                    <a:lnL>
+                      <a:noFill/>
+                    </a:lnL>
+                    <a:lnR>
+                      <a:noFill/>
+                    </a:lnR>
+                    <a:lnT w="7620" cap="flat" cmpd="sng" algn="ctr">
+                      <a:solidFill>
+                        <a:srgbClr val="E1E1E1"/>
+                      </a:solidFill>
+                      <a:prstDash val="solid"/>
+                      <a:round/>
+                      <a:headEnd type="none" w="med" len="med"/>
+                      <a:tailEnd type="none" w="med" len="med"/>
+                    </a:lnT>
+                    <a:lnB w="7620" cap="flat" cmpd="sng" algn="ctr">
+                      <a:solidFill>
+                        <a:srgbClr val="E1E1E1"/>
+                      </a:solidFill>
+                      <a:prstDash val="solid"/>
+                      <a:round/>
+                      <a:headEnd type="none" w="med" len="med"/>
+                      <a:tailEnd type="none" w="med" len="med"/>
+                    </a:lnB>
+                  </a:tcPr>
+                </a:tc>
+              </a:tr>
+              <a:tr h="581781">
+                <a:tc>
+                  <a:txBody>
+                    <a:bodyPr/>
+                    <a:lstStyle/>
+                    <a:p>
+                      <a:pPr algn="l"/>
+                      <a:r>
+                        <a:rPr lang="de-DE" sz="1500">
+                          <a:effectLst/>
+                        </a:rPr>
+                        <a:t>19:35-19:50</a:t>
+                      </a:r>
+                    </a:p>
+                  </a:txBody>
+                  <a:tcPr marL="40907" marR="51134" marT="40907" marB="40907" anchor="ctr">
+                    <a:lnL>
+                      <a:noFill/>
+                    </a:lnL>
+                    <a:lnR>
+                      <a:noFill/>
+                    </a:lnR>
+                    <a:lnT w="7620" cap="flat" cmpd="sng" algn="ctr">
+                      <a:solidFill>
+                        <a:srgbClr val="E1E1E1"/>
+                      </a:solidFill>
+                      <a:prstDash val="solid"/>
+                      <a:round/>
+                      <a:headEnd type="none" w="med" len="med"/>
+                      <a:tailEnd type="none" w="med" len="med"/>
+                    </a:lnT>
+                    <a:lnB w="7620" cap="flat" cmpd="sng" algn="ctr">
+                      <a:solidFill>
+                        <a:srgbClr val="E1E1E1"/>
+                      </a:solidFill>
+                      <a:prstDash val="solid"/>
+                      <a:round/>
+                      <a:headEnd type="none" w="med" len="med"/>
+                      <a:tailEnd type="none" w="med" len="med"/>
+                    </a:lnB>
+                  </a:tcPr>
+                </a:tc>
+                <a:tc>
+                  <a:txBody>
+                    <a:bodyPr/>
+                    <a:lstStyle/>
+                    <a:p>
+                      <a:pPr algn="l"/>
+                      <a:r>
+                        <a:rPr lang="de-DE" sz="1500" dirty="0">
+                          <a:effectLst/>
+                        </a:rPr>
+                        <a:t>Greeting Notes of EEKE2020</a:t>
+                      </a:r>
+                    </a:p>
+                  </a:txBody>
+                  <a:tcPr marL="51134" marR="51134" marT="40907" marB="40907" anchor="ctr">
+                    <a:lnL>
+                      <a:noFill/>
+                    </a:lnL>
+                    <a:lnR>
+                      <a:noFill/>
+                    </a:lnR>
+                    <a:lnT w="7620" cap="flat" cmpd="sng" algn="ctr">
+                      <a:solidFill>
+                        <a:srgbClr val="E1E1E1"/>
+                      </a:solidFill>
+                      <a:prstDash val="solid"/>
+                      <a:round/>
+                      <a:headEnd type="none" w="med" len="med"/>
+                      <a:tailEnd type="none" w="med" len="med"/>
+                    </a:lnT>
+                    <a:lnB w="7620" cap="flat" cmpd="sng" algn="ctr">
+                      <a:solidFill>
+                        <a:srgbClr val="E1E1E1"/>
+                      </a:solidFill>
+                      <a:prstDash val="solid"/>
+                      <a:round/>
+                      <a:headEnd type="none" w="med" len="med"/>
+                      <a:tailEnd type="none" w="med" len="med"/>
+                    </a:lnB>
+                  </a:tcPr>
+                </a:tc>
+                <a:tc rowSpan="2" gridSpan="2">
+                  <a:txBody>
+                    <a:bodyPr/>
+                    <a:lstStyle/>
+                    <a:p>
+                      <a:pPr algn="l"/>
+                      <a:r>
+                        <a:rPr lang="de-DE" sz="1500" dirty="0">
+                          <a:effectLst/>
+                        </a:rPr>
+                        <a:t>Co-Chairs of EEKE2020 (Chengzhi Zhang, Philipp Mayr, Wei Lu, Yi Zhang)</a:t>
+                      </a:r>
+                    </a:p>
+                    <a:p>
+                      <a:pPr algn="l"/>
+                      <a:r>
+                        <a:rPr lang="de-DE" sz="1500" dirty="0">
+                          <a:effectLst/>
+                        </a:rPr>
+                        <a:t> </a:t>
+                      </a:r>
+                    </a:p>
+                  </a:txBody>
+                  <a:tcPr marL="51134" marR="40907" marT="40907" marB="40907" anchor="ctr">
+                    <a:lnL>
+                      <a:noFill/>
+                    </a:lnL>
+                    <a:lnR>
+                      <a:noFill/>
+                    </a:lnR>
+                    <a:lnT w="7620" cap="flat" cmpd="sng" algn="ctr">
+                      <a:solidFill>
+                        <a:srgbClr val="E1E1E1"/>
+                      </a:solidFill>
+                      <a:prstDash val="solid"/>
+                      <a:round/>
+                      <a:headEnd type="none" w="med" len="med"/>
+                      <a:tailEnd type="none" w="med" len="med"/>
+                    </a:lnT>
+                    <a:lnB w="7620" cap="flat" cmpd="sng" algn="ctr">
+                      <a:solidFill>
+                        <a:srgbClr val="E1E1E1"/>
+                      </a:solidFill>
+                      <a:prstDash val="solid"/>
+                      <a:round/>
+                      <a:headEnd type="none" w="med" len="med"/>
+                      <a:tailEnd type="none" w="med" len="med"/>
+                    </a:lnB>
+                  </a:tcPr>
+                </a:tc>
+                <a:tc rowSpan="2" hMerge="1">
+                  <a:txBody>
+                    <a:bodyPr/>
+                    <a:lstStyle/>
+                    <a:p>
+                      <a:endParaRPr lang="zh-CN" altLang="en-US"/>
+                    </a:p>
+                  </a:txBody>
+                  <a:tcPr/>
+                </a:tc>
+              </a:tr>
+              <a:tr h="309060">
+                <a:tc>
+                  <a:txBody>
+                    <a:bodyPr/>
+                    <a:lstStyle/>
+                    <a:p>
+                      <a:pPr algn="l"/>
+                      <a:r>
+                        <a:rPr lang="de-DE" sz="1500" dirty="0">
+                          <a:effectLst/>
+                        </a:rPr>
+                        <a:t>19:50</a:t>
+                      </a:r>
+                    </a:p>
+                  </a:txBody>
+                  <a:tcPr marL="40907" marR="51134" marT="40907" marB="40907" anchor="ctr">
+                    <a:lnL>
+                      <a:noFill/>
+                    </a:lnL>
+                    <a:lnR>
+                      <a:noFill/>
+                    </a:lnR>
+                    <a:lnT w="7620" cap="flat" cmpd="sng" algn="ctr">
+                      <a:solidFill>
+                        <a:srgbClr val="E1E1E1"/>
+                      </a:solidFill>
+                      <a:prstDash val="solid"/>
+                      <a:round/>
+                      <a:headEnd type="none" w="med" len="med"/>
+                      <a:tailEnd type="none" w="med" len="med"/>
+                    </a:lnT>
+                    <a:lnB w="7620" cap="flat" cmpd="sng" algn="ctr">
+                      <a:solidFill>
+                        <a:srgbClr val="E1E1E1"/>
+                      </a:solidFill>
+                      <a:prstDash val="solid"/>
+                      <a:round/>
+                      <a:headEnd type="none" w="med" len="med"/>
+                      <a:tailEnd type="none" w="med" len="med"/>
+                    </a:lnB>
+                  </a:tcPr>
+                </a:tc>
+                <a:tc>
+                  <a:txBody>
+                    <a:bodyPr/>
+                    <a:lstStyle/>
+                    <a:p>
+                      <a:pPr algn="l"/>
+                      <a:r>
+                        <a:rPr lang="de-DE" sz="1500" dirty="0">
+                          <a:effectLst/>
+                        </a:rPr>
+                        <a:t>End of workshop</a:t>
+                      </a:r>
+                    </a:p>
+                  </a:txBody>
+                  <a:tcPr marL="51134" marR="51134" marT="40907" marB="40907" anchor="ctr">
+                    <a:lnL>
+                      <a:noFill/>
+                    </a:lnL>
+                    <a:lnR>
+                      <a:noFill/>
+                    </a:lnR>
+                    <a:lnT w="7620" cap="flat" cmpd="sng" algn="ctr">
+                      <a:solidFill>
+                        <a:srgbClr val="E1E1E1"/>
+                      </a:solidFill>
+                      <a:prstDash val="solid"/>
+                      <a:round/>
+                      <a:headEnd type="none" w="med" len="med"/>
+                      <a:tailEnd type="none" w="med" len="med"/>
+                    </a:lnT>
+                    <a:lnB w="7620" cap="flat" cmpd="sng" algn="ctr">
+                      <a:solidFill>
+                        <a:srgbClr val="E1E1E1"/>
+                      </a:solidFill>
+                      <a:prstDash val="solid"/>
+                      <a:round/>
+                      <a:headEnd type="none" w="med" len="med"/>
+                      <a:tailEnd type="none" w="med" len="med"/>
+                    </a:lnB>
+                  </a:tcPr>
+                </a:tc>
+                <a:tc gridSpan="2" vMerge="1">
+                  <a:txBody>
+                    <a:bodyPr/>
+                    <a:lstStyle/>
+                    <a:p>
+                      <a:pPr algn="l"/>
+                      <a:endParaRPr lang="de-DE" sz="1500" dirty="0">
+                        <a:effectLst/>
+                      </a:endParaRPr>
+                    </a:p>
+                  </a:txBody>
+                  <a:tcPr marL="51134" marR="51134" marT="40907" marB="40907" anchor="ctr">
+                    <a:lnL>
+                      <a:noFill/>
+                    </a:lnL>
+                    <a:lnR>
+                      <a:noFill/>
+                    </a:lnR>
+                    <a:lnT w="7620" cap="flat" cmpd="sng" algn="ctr">
+                      <a:solidFill>
+                        <a:srgbClr val="E1E1E1"/>
+                      </a:solidFill>
+                      <a:prstDash val="solid"/>
+                      <a:round/>
+                      <a:headEnd type="none" w="med" len="med"/>
+                      <a:tailEnd type="none" w="med" len="med"/>
+                    </a:lnT>
+                    <a:lnB w="7620" cap="flat" cmpd="sng" algn="ctr">
+                      <a:solidFill>
+                        <a:srgbClr val="E1E1E1"/>
+                      </a:solidFill>
+                      <a:prstDash val="solid"/>
+                      <a:round/>
+                      <a:headEnd type="none" w="med" len="med"/>
+                      <a:tailEnd type="none" w="med" len="med"/>
+                    </a:lnB>
+                  </a:tcPr>
+                </a:tc>
+                <a:tc hMerge="1" vMerge="1">
+                  <a:txBody>
+                    <a:bodyPr/>
+                    <a:lstStyle/>
+                    <a:p>
+                      <a:endParaRPr lang="zh-CN" altLang="en-US"/>
+                    </a:p>
+                  </a:txBody>
+                  <a:tcPr/>
+                </a:tc>
+              </a:tr>
+            </a:tbl>
+          </a:graphicData>
+        </a:graphic>
+      </p:graphicFrame>
+      <p:sp>
+        <p:nvSpPr>
+          <p:cNvPr id="9" name="Rechteck 8"/>
+          <p:cNvSpPr/>
+          <p:nvPr/>
+        </p:nvSpPr>
+        <p:spPr>
+          <a:xfrm>
+            <a:off x="3701143" y="613358"/>
+            <a:ext cx="4059010" cy="369332"/>
+          </a:xfrm>
+          <a:prstGeom prst="rect">
+            <a:avLst/>
+          </a:prstGeom>
+        </p:spPr>
+        <p:style>
+          <a:lnRef idx="1">
+            <a:schemeClr val="accent4"/>
+          </a:lnRef>
+          <a:fillRef idx="2">
+            <a:schemeClr val="accent4"/>
+          </a:fillRef>
+          <a:effectRef idx="1">
+            <a:schemeClr val="accent4"/>
+          </a:effectRef>
+          <a:fontRef idx="minor">
+            <a:schemeClr val="dk1"/>
+          </a:fontRef>
+        </p:style>
+        <p:txBody>
+          <a:bodyPr wrap="square">
+            <a:spAutoFit/>
+          </a:bodyPr>
+          <a:lstStyle/>
+          <a:p>
+            <a:r>
+              <a:rPr lang="en-US" dirty="0"/>
+              <a:t>All times are </a:t>
+            </a:r>
+            <a:r>
+              <a:rPr lang="de-DE" dirty="0">
+                <a:solidFill>
+                  <a:srgbClr val="FF0000"/>
+                </a:solidFill>
+              </a:rPr>
+              <a:t>Beijing Time</a:t>
+            </a:r>
+          </a:p>
+        </p:txBody>
+      </p:sp>
+    </p:spTree>
+    <p:extLst>
+      <p:ext uri="{BB962C8B-B14F-4D97-AF65-F5344CB8AC3E}">
+        <p14:creationId xmlns:p14="http://schemas.microsoft.com/office/powerpoint/2010/main" val="3240651486"/>
+      </p:ext>
+    </p:extLst>
+  </p:cSld>
+  <p:clrMapOvr>
+    <a:masterClrMapping/>
+  </p:clrMapOvr>
+  <p:timing>
+    <p:tnLst>
+      <p:par>
+        <p:cTn id="1" dur="indefinite" restart="never" nodeType="tmRoot"/>
+      </p:par>
+    </p:tnLst>
+  </p:timing>
+</p:sld>
+</file>
+
+<file path=ppt/slides/slide11.xml><?xml version="1.0" encoding="utf-8"?>
+<p:sld xmlns:a="http://schemas.openxmlformats.org/drawingml/2006/main" xmlns:r="http://schemas.openxmlformats.org/officeDocument/2006/relationships" xmlns:p="http://schemas.openxmlformats.org/presentationml/2006/main">
+  <p:cSld>
+    <p:spTree>
+      <p:nvGrpSpPr>
+        <p:cNvPr id="1" name=""/>
+        <p:cNvGrpSpPr/>
+        <p:nvPr/>
+      </p:nvGrpSpPr>
+      <p:grpSpPr>
+        <a:xfrm>
+          <a:off x="0" y="0"/>
+          <a:ext cx="0" cy="0"/>
+          <a:chOff x="0" y="0"/>
+          <a:chExt cx="0" cy="0"/>
+        </a:xfrm>
+      </p:grpSpPr>
+      <p:sp>
+        <p:nvSpPr>
+          <p:cNvPr id="17410" name="Espace réservé du numéro de diapositive 5"/>
+          <p:cNvSpPr>
+            <a:spLocks noGrp="1"/>
+          </p:cNvSpPr>
+          <p:nvPr>
+            <p:ph type="sldNum" sz="quarter" idx="11"/>
+          </p:nvPr>
+        </p:nvSpPr>
+        <p:spPr>
+          <a:xfrm>
+            <a:off x="7010400" y="6400800"/>
+            <a:ext cx="2133600" cy="457200"/>
+          </a:xfrm>
+          <a:noFill/>
+          <a:ln/>
+          <a:extLst>
+            <a:ext uri="{909E8E84-426E-40DD-AFC4-6F175D3DCCD1}">
+              <a14:hiddenFill xmlns:a14="http://schemas.microsoft.com/office/drawing/2010/main">
+                <a:solidFill>
+                  <a:srgbClr val="FFFFFF"/>
+                </a:solidFill>
+              </a14:hiddenFill>
+            </a:ext>
+            <a:ext uri="{91240B29-F687-4F45-9708-019B960494DF}">
+              <a14:hiddenLine xmlns:a14="http://schemas.microsoft.com/office/drawing/2010/main" w="9525">
+                <a:solidFill>
+                  <a:srgbClr val="000000"/>
+                </a:solidFill>
+                <a:miter lim="800000"/>
+                <a:headEnd/>
+                <a:tailEnd/>
+              </a14:hiddenLine>
+            </a:ext>
+          </a:extLst>
+        </p:spPr>
+        <p:txBody>
+          <a:bodyPr/>
+          <a:lstStyle>
+            <a:lvl1pPr eaLnBrk="0" hangingPunct="0">
+              <a:defRPr sz="2400">
+                <a:solidFill>
+                  <a:schemeClr val="tx1"/>
+                </a:solidFill>
+                <a:latin typeface="Calibri" charset="0"/>
+                <a:ea typeface="ＭＳ Ｐゴシック" charset="0"/>
+                <a:cs typeface="ＭＳ Ｐゴシック" charset="0"/>
+              </a:defRPr>
+            </a:lvl1pPr>
+            <a:lvl2pPr marL="742950" indent="-285750" eaLnBrk="0" hangingPunct="0">
+              <a:defRPr sz="2400">
+                <a:solidFill>
+                  <a:schemeClr val="tx1"/>
+                </a:solidFill>
+                <a:latin typeface="Calibri" charset="0"/>
+                <a:ea typeface="ＭＳ Ｐゴシック" charset="0"/>
+              </a:defRPr>
+            </a:lvl2pPr>
+            <a:lvl3pPr marL="1143000" indent="-228600" eaLnBrk="0" hangingPunct="0">
+              <a:defRPr sz="2400">
+                <a:solidFill>
+                  <a:schemeClr val="tx1"/>
+                </a:solidFill>
+                <a:latin typeface="Calibri" charset="0"/>
+                <a:ea typeface="ＭＳ Ｐゴシック" charset="0"/>
+              </a:defRPr>
+            </a:lvl3pPr>
+            <a:lvl4pPr marL="1600200" indent="-228600" eaLnBrk="0" hangingPunct="0">
+              <a:defRPr sz="2400">
+                <a:solidFill>
+                  <a:schemeClr val="tx1"/>
+                </a:solidFill>
+                <a:latin typeface="Calibri" charset="0"/>
+                <a:ea typeface="ＭＳ Ｐゴシック" charset="0"/>
+              </a:defRPr>
+            </a:lvl4pPr>
+            <a:lvl5pPr marL="2057400" indent="-228600" eaLnBrk="0" hangingPunct="0">
+              <a:defRPr sz="2400">
+                <a:solidFill>
+                  <a:schemeClr val="tx1"/>
+                </a:solidFill>
+                <a:latin typeface="Calibri" charset="0"/>
+                <a:ea typeface="ＭＳ Ｐゴシック" charset="0"/>
+              </a:defRPr>
+            </a:lvl5pPr>
+            <a:lvl6pPr marL="2514600" indent="-228600" algn="ctr" eaLnBrk="0" fontAlgn="base" hangingPunct="0">
+              <a:spcBef>
+                <a:spcPct val="50000"/>
+              </a:spcBef>
+              <a:spcAft>
+                <a:spcPct val="0"/>
+              </a:spcAft>
+              <a:defRPr sz="2400">
+                <a:solidFill>
+                  <a:schemeClr val="tx1"/>
+                </a:solidFill>
+                <a:latin typeface="Calibri" charset="0"/>
+                <a:ea typeface="ＭＳ Ｐゴシック" charset="0"/>
+              </a:defRPr>
+            </a:lvl6pPr>
+            <a:lvl7pPr marL="2971800" indent="-228600" algn="ctr" eaLnBrk="0" fontAlgn="base" hangingPunct="0">
+              <a:spcBef>
+                <a:spcPct val="50000"/>
+              </a:spcBef>
+              <a:spcAft>
+                <a:spcPct val="0"/>
+              </a:spcAft>
+              <a:defRPr sz="2400">
+                <a:solidFill>
+                  <a:schemeClr val="tx1"/>
+                </a:solidFill>
+                <a:latin typeface="Calibri" charset="0"/>
+                <a:ea typeface="ＭＳ Ｐゴシック" charset="0"/>
+              </a:defRPr>
+            </a:lvl7pPr>
+            <a:lvl8pPr marL="3429000" indent="-228600" algn="ctr" eaLnBrk="0" fontAlgn="base" hangingPunct="0">
+              <a:spcBef>
+                <a:spcPct val="50000"/>
+              </a:spcBef>
+              <a:spcAft>
+                <a:spcPct val="0"/>
+              </a:spcAft>
+              <a:defRPr sz="2400">
+                <a:solidFill>
+                  <a:schemeClr val="tx1"/>
+                </a:solidFill>
+                <a:latin typeface="Calibri" charset="0"/>
+                <a:ea typeface="ＭＳ Ｐゴシック" charset="0"/>
+              </a:defRPr>
+            </a:lvl8pPr>
+            <a:lvl9pPr marL="3886200" indent="-228600" algn="ctr" eaLnBrk="0" fontAlgn="base" hangingPunct="0">
+              <a:spcBef>
+                <a:spcPct val="50000"/>
+              </a:spcBef>
+              <a:spcAft>
+                <a:spcPct val="0"/>
+              </a:spcAft>
+              <a:defRPr sz="2400">
+                <a:solidFill>
+                  <a:schemeClr val="tx1"/>
+                </a:solidFill>
+                <a:latin typeface="Calibri" charset="0"/>
+                <a:ea typeface="ＭＳ Ｐゴシック" charset="0"/>
+              </a:defRPr>
+            </a:lvl9pPr>
+          </a:lstStyle>
+          <a:p>
+            <a:pPr eaLnBrk="1" hangingPunct="1"/>
+            <a:fld id="{2885B478-7DA6-BA40-9EF5-9E15BC7A0401}" type="slidenum">
+              <a:rPr lang="en-GB" sz="1200" smtClean="0">
+                <a:latin typeface="Arial Black" charset="0"/>
+              </a:rPr>
+              <a:pPr eaLnBrk="1" hangingPunct="1"/>
+              <a:t>11</a:t>
+            </a:fld>
+            <a:endParaRPr lang="en-GB" sz="1200">
+              <a:latin typeface="Arial Black" charset="0"/>
+            </a:endParaRPr>
+          </a:p>
+        </p:txBody>
+      </p:sp>
+      <p:sp>
+        <p:nvSpPr>
+          <p:cNvPr id="8" name="Rectangle 2"/>
+          <p:cNvSpPr>
+            <a:spLocks noGrp="1" noChangeArrowheads="1"/>
+          </p:cNvSpPr>
+          <p:nvPr>
+            <p:ph type="title"/>
+          </p:nvPr>
+        </p:nvSpPr>
+        <p:spPr>
+          <a:xfrm>
+            <a:off x="457200" y="457200"/>
+            <a:ext cx="8686800" cy="668338"/>
+          </a:xfrm>
+        </p:spPr>
+        <p:txBody>
+          <a:bodyPr/>
+          <a:lstStyle/>
+          <a:p>
+            <a:pPr marL="536575" indent="-536575" eaLnBrk="1" hangingPunct="1"/>
+            <a:r>
+              <a:rPr lang="en-GB" sz="3200" dirty="0" smtClean="0">
+                <a:solidFill>
+                  <a:srgbClr val="CC0000"/>
+                </a:solidFill>
+                <a:latin typeface="Calibri" charset="0"/>
+                <a:sym typeface="Wingdings" charset="0"/>
+              </a:rPr>
+              <a:t>Keynote 1</a:t>
+            </a:r>
+            <a:endParaRPr lang="en-GB" sz="3200" dirty="0">
+              <a:solidFill>
+                <a:srgbClr val="CC0000"/>
+              </a:solidFill>
+              <a:latin typeface="Calibri" charset="0"/>
+            </a:endParaRPr>
+          </a:p>
+        </p:txBody>
+      </p:sp>
+      <p:sp>
+        <p:nvSpPr>
+          <p:cNvPr id="17" name="Text Box 4">
+            <a:extLst>
+              <a:ext uri="{FF2B5EF4-FFF2-40B4-BE49-F238E27FC236}">
+                <a16:creationId xmlns:a16="http://schemas.microsoft.com/office/drawing/2014/main" xmlns="" id="{7FB8B298-1DE1-8446-854E-9DA7260C306B}"/>
+              </a:ext>
+            </a:extLst>
+          </p:cNvPr>
+          <p:cNvSpPr txBox="1">
+            <a:spLocks noChangeArrowheads="1"/>
+          </p:cNvSpPr>
+          <p:nvPr/>
+        </p:nvSpPr>
+        <p:spPr bwMode="auto">
+          <a:xfrm>
+            <a:off x="684213" y="97497"/>
+            <a:ext cx="8459787" cy="338554"/>
+          </a:xfrm>
+          <a:prstGeom prst="rect">
+            <a:avLst/>
+          </a:prstGeom>
+          <a:noFill/>
+          <a:ln>
+            <a:noFill/>
+          </a:ln>
+          <a:extLst>
+            <a:ext uri="{909E8E84-426E-40DD-AFC4-6F175D3DCCD1}">
+              <a14:hiddenFill xmlns:a14="http://schemas.microsoft.com/office/drawing/2010/main">
+                <a:solidFill>
+                  <a:srgbClr val="FFFFFF"/>
+                </a:solidFill>
+              </a14:hiddenFill>
+            </a:ext>
+            <a:ext uri="{91240B29-F687-4F45-9708-019B960494DF}">
+              <a14:hiddenLine xmlns:a14="http://schemas.microsoft.com/office/drawing/2010/main" w="9525">
+                <a:solidFill>
+                  <a:srgbClr val="000000"/>
+                </a:solidFill>
+                <a:miter lim="800000"/>
+                <a:headEnd/>
+                <a:tailEnd/>
+              </a14:hiddenLine>
+            </a:ext>
+          </a:extLst>
+        </p:spPr>
+        <p:txBody>
+          <a:bodyPr>
+            <a:spAutoFit/>
+          </a:bodyPr>
+          <a:lstStyle>
+            <a:lvl1pPr marL="342900" indent="-342900" eaLnBrk="0" hangingPunct="0">
+              <a:tabLst>
+                <a:tab pos="8253413" algn="r"/>
+              </a:tabLst>
+              <a:defRPr sz="2400">
+                <a:solidFill>
+                  <a:schemeClr val="tx1"/>
+                </a:solidFill>
+                <a:latin typeface="Calibri" charset="0"/>
+                <a:ea typeface="ＭＳ Ｐゴシック" charset="0"/>
+                <a:cs typeface="ＭＳ Ｐゴシック" charset="0"/>
+              </a:defRPr>
+            </a:lvl1pPr>
+            <a:lvl2pPr marL="742950" indent="-285750" eaLnBrk="0" hangingPunct="0">
+              <a:tabLst>
+                <a:tab pos="8253413" algn="r"/>
+              </a:tabLst>
+              <a:defRPr sz="2400">
+                <a:solidFill>
+                  <a:schemeClr val="tx1"/>
+                </a:solidFill>
+                <a:latin typeface="Calibri" charset="0"/>
+                <a:ea typeface="ＭＳ Ｐゴシック" charset="0"/>
+              </a:defRPr>
+            </a:lvl2pPr>
+            <a:lvl3pPr marL="1143000" indent="-228600" eaLnBrk="0" hangingPunct="0">
+              <a:tabLst>
+                <a:tab pos="8253413" algn="r"/>
+              </a:tabLst>
+              <a:defRPr sz="2400">
+                <a:solidFill>
+                  <a:schemeClr val="tx1"/>
+                </a:solidFill>
+                <a:latin typeface="Calibri" charset="0"/>
+                <a:ea typeface="ＭＳ Ｐゴシック" charset="0"/>
+              </a:defRPr>
+            </a:lvl3pPr>
+            <a:lvl4pPr marL="1600200" indent="-228600" eaLnBrk="0" hangingPunct="0">
+              <a:tabLst>
+                <a:tab pos="8253413" algn="r"/>
+              </a:tabLst>
+              <a:defRPr sz="2400">
+                <a:solidFill>
+                  <a:schemeClr val="tx1"/>
+                </a:solidFill>
+                <a:latin typeface="Calibri" charset="0"/>
+                <a:ea typeface="ＭＳ Ｐゴシック" charset="0"/>
+              </a:defRPr>
+            </a:lvl4pPr>
+            <a:lvl5pPr marL="2057400" indent="-228600" eaLnBrk="0" hangingPunct="0">
+              <a:tabLst>
+                <a:tab pos="8253413" algn="r"/>
+              </a:tabLst>
+              <a:defRPr sz="2400">
+                <a:solidFill>
+                  <a:schemeClr val="tx1"/>
+                </a:solidFill>
+                <a:latin typeface="Calibri" charset="0"/>
+                <a:ea typeface="ＭＳ Ｐゴシック" charset="0"/>
+              </a:defRPr>
+            </a:lvl5pPr>
+            <a:lvl6pPr marL="2514600" indent="-228600" algn="ctr" eaLnBrk="0" fontAlgn="base" hangingPunct="0">
+              <a:spcBef>
+                <a:spcPct val="50000"/>
+              </a:spcBef>
+              <a:spcAft>
+                <a:spcPct val="0"/>
+              </a:spcAft>
+              <a:tabLst>
+                <a:tab pos="8253413" algn="r"/>
+              </a:tabLst>
+              <a:defRPr sz="2400">
+                <a:solidFill>
+                  <a:schemeClr val="tx1"/>
+                </a:solidFill>
+                <a:latin typeface="Calibri" charset="0"/>
+                <a:ea typeface="ＭＳ Ｐゴシック" charset="0"/>
+              </a:defRPr>
+            </a:lvl6pPr>
+            <a:lvl7pPr marL="2971800" indent="-228600" algn="ctr" eaLnBrk="0" fontAlgn="base" hangingPunct="0">
+              <a:spcBef>
+                <a:spcPct val="50000"/>
+              </a:spcBef>
+              <a:spcAft>
+                <a:spcPct val="0"/>
+              </a:spcAft>
+              <a:tabLst>
+                <a:tab pos="8253413" algn="r"/>
+              </a:tabLst>
+              <a:defRPr sz="2400">
+                <a:solidFill>
+                  <a:schemeClr val="tx1"/>
+                </a:solidFill>
+                <a:latin typeface="Calibri" charset="0"/>
+                <a:ea typeface="ＭＳ Ｐゴシック" charset="0"/>
+              </a:defRPr>
+            </a:lvl7pPr>
+            <a:lvl8pPr marL="3429000" indent="-228600" algn="ctr" eaLnBrk="0" fontAlgn="base" hangingPunct="0">
+              <a:spcBef>
+                <a:spcPct val="50000"/>
+              </a:spcBef>
+              <a:spcAft>
+                <a:spcPct val="0"/>
+              </a:spcAft>
+              <a:tabLst>
+                <a:tab pos="8253413" algn="r"/>
+              </a:tabLst>
+              <a:defRPr sz="2400">
+                <a:solidFill>
+                  <a:schemeClr val="tx1"/>
+                </a:solidFill>
+                <a:latin typeface="Calibri" charset="0"/>
+                <a:ea typeface="ＭＳ Ｐゴシック" charset="0"/>
+              </a:defRPr>
+            </a:lvl8pPr>
+            <a:lvl9pPr marL="3886200" indent="-228600" algn="ctr" eaLnBrk="0" fontAlgn="base" hangingPunct="0">
+              <a:spcBef>
+                <a:spcPct val="50000"/>
+              </a:spcBef>
+              <a:spcAft>
+                <a:spcPct val="0"/>
+              </a:spcAft>
+              <a:tabLst>
+                <a:tab pos="8253413" algn="r"/>
+              </a:tabLst>
+              <a:defRPr sz="2400">
+                <a:solidFill>
+                  <a:schemeClr val="tx1"/>
+                </a:solidFill>
+                <a:latin typeface="Calibri" charset="0"/>
+                <a:ea typeface="ＭＳ Ｐゴシック" charset="0"/>
+              </a:defRPr>
+            </a:lvl9pPr>
+          </a:lstStyle>
+          <a:p>
+            <a:pPr algn="r" eaLnBrk="1" hangingPunct="1"/>
+            <a:r>
+              <a:rPr lang="fr-FR" sz="1600" dirty="0" smtClean="0">
+                <a:solidFill>
+                  <a:schemeClr val="accent6"/>
+                </a:solidFill>
+              </a:rPr>
+              <a:t>EEKE 2020</a:t>
+            </a:r>
+            <a:endParaRPr lang="en-GB" sz="1200" i="1" dirty="0">
+              <a:solidFill>
+                <a:schemeClr val="accent6"/>
+              </a:solidFill>
+            </a:endParaRPr>
+          </a:p>
+        </p:txBody>
+      </p:sp>
+      <p:sp>
+        <p:nvSpPr>
           <p:cNvPr id="10" name="TextBox 9">
             <a:extLst>
               <a:ext uri="{FF2B5EF4-FFF2-40B4-BE49-F238E27FC236}">
-                <a16:creationId xmlns="" xmlns:a16="http://schemas.microsoft.com/office/drawing/2014/main" id="{E532C04B-AEDE-AA4D-B4E8-2E6DFCFB3EC5}"/>
+                <a16:creationId xmlns:a16="http://schemas.microsoft.com/office/drawing/2014/main" xmlns="" id="{E532C04B-AEDE-AA4D-B4E8-2E6DFCFB3EC5}"/>
+              </a:ext>
+            </a:extLst>
+          </p:cNvPr>
+          <p:cNvSpPr txBox="1"/>
+          <p:nvPr/>
+        </p:nvSpPr>
+        <p:spPr>
+          <a:xfrm>
+            <a:off x="4185709" y="2754751"/>
+            <a:ext cx="4755092" cy="3016210"/>
+          </a:xfrm>
+          <a:prstGeom prst="rect">
+            <a:avLst/>
+          </a:prstGeom>
+          <a:noFill/>
+        </p:spPr>
+        <p:txBody>
+          <a:bodyPr wrap="square" rtlCol="0">
+            <a:spAutoFit/>
+          </a:bodyPr>
+          <a:lstStyle/>
+          <a:p>
+            <a:r>
+              <a:rPr lang="en-GB" sz="2800" b="1" dirty="0" smtClean="0"/>
+              <a:t>KEYNOTE</a:t>
+            </a:r>
+          </a:p>
+          <a:p>
+            <a:r>
+              <a:rPr lang="en-US" sz="2800" dirty="0" err="1"/>
+              <a:t>Entitymetrics</a:t>
+            </a:r>
+            <a:r>
+              <a:rPr lang="en-US" sz="2800" dirty="0"/>
+              <a:t> 2.0: Measuring the Impact of Entities and Relations Extracted from Scientific </a:t>
+            </a:r>
+            <a:r>
+              <a:rPr lang="en-US" sz="2800" dirty="0" smtClean="0"/>
+              <a:t>Documents</a:t>
+            </a:r>
+            <a:endParaRPr lang="de-DE" sz="2800" b="1" dirty="0" smtClean="0"/>
+          </a:p>
+          <a:p>
+            <a:endParaRPr lang="en-US" sz="2400" dirty="0"/>
+          </a:p>
+        </p:txBody>
+      </p:sp>
+      <p:sp>
+        <p:nvSpPr>
+          <p:cNvPr id="2" name="Inhaltsplatzhalter 1"/>
+          <p:cNvSpPr>
+            <a:spLocks noGrp="1"/>
+          </p:cNvSpPr>
+          <p:nvPr>
+            <p:ph sz="half" idx="1"/>
+          </p:nvPr>
+        </p:nvSpPr>
+        <p:spPr/>
+        <p:txBody>
+          <a:bodyPr/>
+          <a:lstStyle/>
+          <a:p>
+            <a:r>
+              <a:rPr lang="de-DE" b="1" dirty="0"/>
+              <a:t>Min Song</a:t>
+            </a:r>
+          </a:p>
+        </p:txBody>
+      </p:sp>
+      <p:pic>
+        <p:nvPicPr>
+          <p:cNvPr id="4" name="Picture 2" descr="min_song_picture.jpg"/>
+          <p:cNvPicPr>
+            <a:picLocks noChangeAspect="1" noChangeArrowheads="1"/>
+          </p:cNvPicPr>
+          <p:nvPr/>
+        </p:nvPicPr>
+        <p:blipFill>
+          <a:blip r:embed="rId3" cstate="email">
+            <a:extLst>
+              <a:ext uri="{28A0092B-C50C-407E-A947-70E740481C1C}">
+                <a14:useLocalDpi xmlns:a14="http://schemas.microsoft.com/office/drawing/2010/main" val="0"/>
+              </a:ext>
+            </a:extLst>
+          </a:blip>
+          <a:srcRect/>
+          <a:stretch>
+            <a:fillRect/>
+          </a:stretch>
+        </p:blipFill>
+        <p:spPr bwMode="auto">
+          <a:xfrm>
+            <a:off x="1040524" y="2754751"/>
+            <a:ext cx="2212052" cy="2609610"/>
+          </a:xfrm>
+          <a:prstGeom prst="rect">
+            <a:avLst/>
+          </a:prstGeom>
+          <a:noFill/>
+          <a:extLst>
+            <a:ext uri="{909E8E84-426E-40DD-AFC4-6F175D3DCCD1}">
+              <a14:hiddenFill xmlns:a14="http://schemas.microsoft.com/office/drawing/2010/main">
+                <a:solidFill>
+                  <a:srgbClr val="FFFFFF"/>
+                </a:solidFill>
+              </a14:hiddenFill>
+            </a:ext>
+          </a:extLst>
+        </p:spPr>
+      </p:pic>
+    </p:spTree>
+    <p:extLst>
+      <p:ext uri="{BB962C8B-B14F-4D97-AF65-F5344CB8AC3E}">
+        <p14:creationId xmlns:p14="http://schemas.microsoft.com/office/powerpoint/2010/main" val="3933073139"/>
+      </p:ext>
+    </p:extLst>
+  </p:cSld>
+  <p:clrMapOvr>
+    <a:masterClrMapping/>
+  </p:clrMapOvr>
+  <p:timing>
+    <p:tnLst>
+      <p:par>
+        <p:cTn id="1" dur="indefinite" restart="never" nodeType="tmRoot"/>
+      </p:par>
+    </p:tnLst>
+  </p:timing>
+</p:sld>
+</file>
+
+<file path=ppt/slides/slide12.xml><?xml version="1.0" encoding="utf-8"?>
+<p:sld xmlns:a="http://schemas.openxmlformats.org/drawingml/2006/main" xmlns:r="http://schemas.openxmlformats.org/officeDocument/2006/relationships" xmlns:p="http://schemas.openxmlformats.org/presentationml/2006/main">
+  <p:cSld>
+    <p:spTree>
+      <p:nvGrpSpPr>
+        <p:cNvPr id="1" name=""/>
+        <p:cNvGrpSpPr/>
+        <p:nvPr/>
+      </p:nvGrpSpPr>
+      <p:grpSpPr>
+        <a:xfrm>
+          <a:off x="0" y="0"/>
+          <a:ext cx="0" cy="0"/>
+          <a:chOff x="0" y="0"/>
+          <a:chExt cx="0" cy="0"/>
+        </a:xfrm>
+      </p:grpSpPr>
+      <p:sp>
+        <p:nvSpPr>
+          <p:cNvPr id="17410" name="Espace réservé du numéro de diapositive 5"/>
+          <p:cNvSpPr>
+            <a:spLocks noGrp="1"/>
+          </p:cNvSpPr>
+          <p:nvPr>
+            <p:ph type="sldNum" sz="quarter" idx="11"/>
+          </p:nvPr>
+        </p:nvSpPr>
+        <p:spPr>
+          <a:xfrm>
+            <a:off x="7010400" y="6400800"/>
+            <a:ext cx="2133600" cy="457200"/>
+          </a:xfrm>
+          <a:noFill/>
+          <a:ln/>
+          <a:extLst>
+            <a:ext uri="{909E8E84-426E-40DD-AFC4-6F175D3DCCD1}">
+              <a14:hiddenFill xmlns:a14="http://schemas.microsoft.com/office/drawing/2010/main">
+                <a:solidFill>
+                  <a:srgbClr val="FFFFFF"/>
+                </a:solidFill>
+              </a14:hiddenFill>
+            </a:ext>
+            <a:ext uri="{91240B29-F687-4F45-9708-019B960494DF}">
+              <a14:hiddenLine xmlns:a14="http://schemas.microsoft.com/office/drawing/2010/main" w="9525">
+                <a:solidFill>
+                  <a:srgbClr val="000000"/>
+                </a:solidFill>
+                <a:miter lim="800000"/>
+                <a:headEnd/>
+                <a:tailEnd/>
+              </a14:hiddenLine>
+            </a:ext>
+          </a:extLst>
+        </p:spPr>
+        <p:txBody>
+          <a:bodyPr/>
+          <a:lstStyle>
+            <a:lvl1pPr eaLnBrk="0" hangingPunct="0">
+              <a:defRPr sz="2400">
+                <a:solidFill>
+                  <a:schemeClr val="tx1"/>
+                </a:solidFill>
+                <a:latin typeface="Calibri" charset="0"/>
+                <a:ea typeface="ＭＳ Ｐゴシック" charset="0"/>
+                <a:cs typeface="ＭＳ Ｐゴシック" charset="0"/>
+              </a:defRPr>
+            </a:lvl1pPr>
+            <a:lvl2pPr marL="742950" indent="-285750" eaLnBrk="0" hangingPunct="0">
+              <a:defRPr sz="2400">
+                <a:solidFill>
+                  <a:schemeClr val="tx1"/>
+                </a:solidFill>
+                <a:latin typeface="Calibri" charset="0"/>
+                <a:ea typeface="ＭＳ Ｐゴシック" charset="0"/>
+              </a:defRPr>
+            </a:lvl2pPr>
+            <a:lvl3pPr marL="1143000" indent="-228600" eaLnBrk="0" hangingPunct="0">
+              <a:defRPr sz="2400">
+                <a:solidFill>
+                  <a:schemeClr val="tx1"/>
+                </a:solidFill>
+                <a:latin typeface="Calibri" charset="0"/>
+                <a:ea typeface="ＭＳ Ｐゴシック" charset="0"/>
+              </a:defRPr>
+            </a:lvl3pPr>
+            <a:lvl4pPr marL="1600200" indent="-228600" eaLnBrk="0" hangingPunct="0">
+              <a:defRPr sz="2400">
+                <a:solidFill>
+                  <a:schemeClr val="tx1"/>
+                </a:solidFill>
+                <a:latin typeface="Calibri" charset="0"/>
+                <a:ea typeface="ＭＳ Ｐゴシック" charset="0"/>
+              </a:defRPr>
+            </a:lvl4pPr>
+            <a:lvl5pPr marL="2057400" indent="-228600" eaLnBrk="0" hangingPunct="0">
+              <a:defRPr sz="2400">
+                <a:solidFill>
+                  <a:schemeClr val="tx1"/>
+                </a:solidFill>
+                <a:latin typeface="Calibri" charset="0"/>
+                <a:ea typeface="ＭＳ Ｐゴシック" charset="0"/>
+              </a:defRPr>
+            </a:lvl5pPr>
+            <a:lvl6pPr marL="2514600" indent="-228600" algn="ctr" eaLnBrk="0" fontAlgn="base" hangingPunct="0">
+              <a:spcBef>
+                <a:spcPct val="50000"/>
+              </a:spcBef>
+              <a:spcAft>
+                <a:spcPct val="0"/>
+              </a:spcAft>
+              <a:defRPr sz="2400">
+                <a:solidFill>
+                  <a:schemeClr val="tx1"/>
+                </a:solidFill>
+                <a:latin typeface="Calibri" charset="0"/>
+                <a:ea typeface="ＭＳ Ｐゴシック" charset="0"/>
+              </a:defRPr>
+            </a:lvl6pPr>
+            <a:lvl7pPr marL="2971800" indent="-228600" algn="ctr" eaLnBrk="0" fontAlgn="base" hangingPunct="0">
+              <a:spcBef>
+                <a:spcPct val="50000"/>
+              </a:spcBef>
+              <a:spcAft>
+                <a:spcPct val="0"/>
+              </a:spcAft>
+              <a:defRPr sz="2400">
+                <a:solidFill>
+                  <a:schemeClr val="tx1"/>
+                </a:solidFill>
+                <a:latin typeface="Calibri" charset="0"/>
+                <a:ea typeface="ＭＳ Ｐゴシック" charset="0"/>
+              </a:defRPr>
+            </a:lvl7pPr>
+            <a:lvl8pPr marL="3429000" indent="-228600" algn="ctr" eaLnBrk="0" fontAlgn="base" hangingPunct="0">
+              <a:spcBef>
+                <a:spcPct val="50000"/>
+              </a:spcBef>
+              <a:spcAft>
+                <a:spcPct val="0"/>
+              </a:spcAft>
+              <a:defRPr sz="2400">
+                <a:solidFill>
+                  <a:schemeClr val="tx1"/>
+                </a:solidFill>
+                <a:latin typeface="Calibri" charset="0"/>
+                <a:ea typeface="ＭＳ Ｐゴシック" charset="0"/>
+              </a:defRPr>
+            </a:lvl8pPr>
+            <a:lvl9pPr marL="3886200" indent="-228600" algn="ctr" eaLnBrk="0" fontAlgn="base" hangingPunct="0">
+              <a:spcBef>
+                <a:spcPct val="50000"/>
+              </a:spcBef>
+              <a:spcAft>
+                <a:spcPct val="0"/>
+              </a:spcAft>
+              <a:defRPr sz="2400">
+                <a:solidFill>
+                  <a:schemeClr val="tx1"/>
+                </a:solidFill>
+                <a:latin typeface="Calibri" charset="0"/>
+                <a:ea typeface="ＭＳ Ｐゴシック" charset="0"/>
+              </a:defRPr>
+            </a:lvl9pPr>
+          </a:lstStyle>
+          <a:p>
+            <a:pPr eaLnBrk="1" hangingPunct="1"/>
+            <a:fld id="{2885B478-7DA6-BA40-9EF5-9E15BC7A0401}" type="slidenum">
+              <a:rPr lang="en-GB" sz="1200" smtClean="0">
+                <a:latin typeface="Arial Black" charset="0"/>
+              </a:rPr>
+              <a:pPr eaLnBrk="1" hangingPunct="1"/>
+              <a:t>12</a:t>
+            </a:fld>
+            <a:endParaRPr lang="en-GB" sz="1200">
+              <a:latin typeface="Arial Black" charset="0"/>
+            </a:endParaRPr>
+          </a:p>
+        </p:txBody>
+      </p:sp>
+      <p:sp>
+        <p:nvSpPr>
+          <p:cNvPr id="8" name="Rectangle 2"/>
+          <p:cNvSpPr>
+            <a:spLocks noGrp="1" noChangeArrowheads="1"/>
+          </p:cNvSpPr>
+          <p:nvPr>
+            <p:ph type="title"/>
+          </p:nvPr>
+        </p:nvSpPr>
+        <p:spPr>
+          <a:xfrm>
+            <a:off x="457200" y="457200"/>
+            <a:ext cx="8686800" cy="668338"/>
+          </a:xfrm>
+        </p:spPr>
+        <p:txBody>
+          <a:bodyPr/>
+          <a:lstStyle/>
+          <a:p>
+            <a:pPr marL="536575" indent="-536575" eaLnBrk="1" hangingPunct="1"/>
+            <a:r>
+              <a:rPr lang="en-GB" sz="3200" dirty="0" smtClean="0">
+                <a:solidFill>
+                  <a:srgbClr val="CC0000"/>
+                </a:solidFill>
+                <a:latin typeface="Calibri" charset="0"/>
+                <a:sym typeface="Wingdings" charset="0"/>
+              </a:rPr>
+              <a:t>Keynote 2</a:t>
+            </a:r>
+            <a:endParaRPr lang="en-GB" sz="3200" dirty="0">
+              <a:solidFill>
+                <a:srgbClr val="CC0000"/>
+              </a:solidFill>
+              <a:latin typeface="Calibri" charset="0"/>
+            </a:endParaRPr>
+          </a:p>
+        </p:txBody>
+      </p:sp>
+      <p:sp>
+        <p:nvSpPr>
+          <p:cNvPr id="17" name="Text Box 4">
+            <a:extLst>
+              <a:ext uri="{FF2B5EF4-FFF2-40B4-BE49-F238E27FC236}">
+                <a16:creationId xmlns:a16="http://schemas.microsoft.com/office/drawing/2014/main" xmlns="" id="{7FB8B298-1DE1-8446-854E-9DA7260C306B}"/>
+              </a:ext>
+            </a:extLst>
+          </p:cNvPr>
+          <p:cNvSpPr txBox="1">
+            <a:spLocks noChangeArrowheads="1"/>
+          </p:cNvSpPr>
+          <p:nvPr/>
+        </p:nvSpPr>
+        <p:spPr bwMode="auto">
+          <a:xfrm>
+            <a:off x="684213" y="97497"/>
+            <a:ext cx="8459787" cy="338554"/>
+          </a:xfrm>
+          <a:prstGeom prst="rect">
+            <a:avLst/>
+          </a:prstGeom>
+          <a:noFill/>
+          <a:ln>
+            <a:noFill/>
+          </a:ln>
+          <a:extLst>
+            <a:ext uri="{909E8E84-426E-40DD-AFC4-6F175D3DCCD1}">
+              <a14:hiddenFill xmlns:a14="http://schemas.microsoft.com/office/drawing/2010/main">
+                <a:solidFill>
+                  <a:srgbClr val="FFFFFF"/>
+                </a:solidFill>
+              </a14:hiddenFill>
+            </a:ext>
+            <a:ext uri="{91240B29-F687-4F45-9708-019B960494DF}">
+              <a14:hiddenLine xmlns:a14="http://schemas.microsoft.com/office/drawing/2010/main" w="9525">
+                <a:solidFill>
+                  <a:srgbClr val="000000"/>
+                </a:solidFill>
+                <a:miter lim="800000"/>
+                <a:headEnd/>
+                <a:tailEnd/>
+              </a14:hiddenLine>
+            </a:ext>
+          </a:extLst>
+        </p:spPr>
+        <p:txBody>
+          <a:bodyPr>
+            <a:spAutoFit/>
+          </a:bodyPr>
+          <a:lstStyle>
+            <a:lvl1pPr marL="342900" indent="-342900" eaLnBrk="0" hangingPunct="0">
+              <a:tabLst>
+                <a:tab pos="8253413" algn="r"/>
+              </a:tabLst>
+              <a:defRPr sz="2400">
+                <a:solidFill>
+                  <a:schemeClr val="tx1"/>
+                </a:solidFill>
+                <a:latin typeface="Calibri" charset="0"/>
+                <a:ea typeface="ＭＳ Ｐゴシック" charset="0"/>
+                <a:cs typeface="ＭＳ Ｐゴシック" charset="0"/>
+              </a:defRPr>
+            </a:lvl1pPr>
+            <a:lvl2pPr marL="742950" indent="-285750" eaLnBrk="0" hangingPunct="0">
+              <a:tabLst>
+                <a:tab pos="8253413" algn="r"/>
+              </a:tabLst>
+              <a:defRPr sz="2400">
+                <a:solidFill>
+                  <a:schemeClr val="tx1"/>
+                </a:solidFill>
+                <a:latin typeface="Calibri" charset="0"/>
+                <a:ea typeface="ＭＳ Ｐゴシック" charset="0"/>
+              </a:defRPr>
+            </a:lvl2pPr>
+            <a:lvl3pPr marL="1143000" indent="-228600" eaLnBrk="0" hangingPunct="0">
+              <a:tabLst>
+                <a:tab pos="8253413" algn="r"/>
+              </a:tabLst>
+              <a:defRPr sz="2400">
+                <a:solidFill>
+                  <a:schemeClr val="tx1"/>
+                </a:solidFill>
+                <a:latin typeface="Calibri" charset="0"/>
+                <a:ea typeface="ＭＳ Ｐゴシック" charset="0"/>
+              </a:defRPr>
+            </a:lvl3pPr>
+            <a:lvl4pPr marL="1600200" indent="-228600" eaLnBrk="0" hangingPunct="0">
+              <a:tabLst>
+                <a:tab pos="8253413" algn="r"/>
+              </a:tabLst>
+              <a:defRPr sz="2400">
+                <a:solidFill>
+                  <a:schemeClr val="tx1"/>
+                </a:solidFill>
+                <a:latin typeface="Calibri" charset="0"/>
+                <a:ea typeface="ＭＳ Ｐゴシック" charset="0"/>
+              </a:defRPr>
+            </a:lvl4pPr>
+            <a:lvl5pPr marL="2057400" indent="-228600" eaLnBrk="0" hangingPunct="0">
+              <a:tabLst>
+                <a:tab pos="8253413" algn="r"/>
+              </a:tabLst>
+              <a:defRPr sz="2400">
+                <a:solidFill>
+                  <a:schemeClr val="tx1"/>
+                </a:solidFill>
+                <a:latin typeface="Calibri" charset="0"/>
+                <a:ea typeface="ＭＳ Ｐゴシック" charset="0"/>
+              </a:defRPr>
+            </a:lvl5pPr>
+            <a:lvl6pPr marL="2514600" indent="-228600" algn="ctr" eaLnBrk="0" fontAlgn="base" hangingPunct="0">
+              <a:spcBef>
+                <a:spcPct val="50000"/>
+              </a:spcBef>
+              <a:spcAft>
+                <a:spcPct val="0"/>
+              </a:spcAft>
+              <a:tabLst>
+                <a:tab pos="8253413" algn="r"/>
+              </a:tabLst>
+              <a:defRPr sz="2400">
+                <a:solidFill>
+                  <a:schemeClr val="tx1"/>
+                </a:solidFill>
+                <a:latin typeface="Calibri" charset="0"/>
+                <a:ea typeface="ＭＳ Ｐゴシック" charset="0"/>
+              </a:defRPr>
+            </a:lvl6pPr>
+            <a:lvl7pPr marL="2971800" indent="-228600" algn="ctr" eaLnBrk="0" fontAlgn="base" hangingPunct="0">
+              <a:spcBef>
+                <a:spcPct val="50000"/>
+              </a:spcBef>
+              <a:spcAft>
+                <a:spcPct val="0"/>
+              </a:spcAft>
+              <a:tabLst>
+                <a:tab pos="8253413" algn="r"/>
+              </a:tabLst>
+              <a:defRPr sz="2400">
+                <a:solidFill>
+                  <a:schemeClr val="tx1"/>
+                </a:solidFill>
+                <a:latin typeface="Calibri" charset="0"/>
+                <a:ea typeface="ＭＳ Ｐゴシック" charset="0"/>
+              </a:defRPr>
+            </a:lvl7pPr>
+            <a:lvl8pPr marL="3429000" indent="-228600" algn="ctr" eaLnBrk="0" fontAlgn="base" hangingPunct="0">
+              <a:spcBef>
+                <a:spcPct val="50000"/>
+              </a:spcBef>
+              <a:spcAft>
+                <a:spcPct val="0"/>
+              </a:spcAft>
+              <a:tabLst>
+                <a:tab pos="8253413" algn="r"/>
+              </a:tabLst>
+              <a:defRPr sz="2400">
+                <a:solidFill>
+                  <a:schemeClr val="tx1"/>
+                </a:solidFill>
+                <a:latin typeface="Calibri" charset="0"/>
+                <a:ea typeface="ＭＳ Ｐゴシック" charset="0"/>
+              </a:defRPr>
+            </a:lvl8pPr>
+            <a:lvl9pPr marL="3886200" indent="-228600" algn="ctr" eaLnBrk="0" fontAlgn="base" hangingPunct="0">
+              <a:spcBef>
+                <a:spcPct val="50000"/>
+              </a:spcBef>
+              <a:spcAft>
+                <a:spcPct val="0"/>
+              </a:spcAft>
+              <a:tabLst>
+                <a:tab pos="8253413" algn="r"/>
+              </a:tabLst>
+              <a:defRPr sz="2400">
+                <a:solidFill>
+                  <a:schemeClr val="tx1"/>
+                </a:solidFill>
+                <a:latin typeface="Calibri" charset="0"/>
+                <a:ea typeface="ＭＳ Ｐゴシック" charset="0"/>
+              </a:defRPr>
+            </a:lvl9pPr>
+          </a:lstStyle>
+          <a:p>
+            <a:pPr algn="r" eaLnBrk="1" hangingPunct="1"/>
+            <a:r>
+              <a:rPr lang="fr-FR" sz="1600" dirty="0" smtClean="0">
+                <a:solidFill>
+                  <a:schemeClr val="accent6"/>
+                </a:solidFill>
+              </a:rPr>
+              <a:t>EEKE 2020</a:t>
+            </a:r>
+            <a:endParaRPr lang="en-GB" sz="1200" i="1" dirty="0">
+              <a:solidFill>
+                <a:schemeClr val="accent6"/>
+              </a:solidFill>
+            </a:endParaRPr>
+          </a:p>
+        </p:txBody>
+      </p:sp>
+      <p:sp>
+        <p:nvSpPr>
+          <p:cNvPr id="10" name="TextBox 9">
+            <a:extLst>
+              <a:ext uri="{FF2B5EF4-FFF2-40B4-BE49-F238E27FC236}">
+                <a16:creationId xmlns:a16="http://schemas.microsoft.com/office/drawing/2014/main" xmlns="" id="{E532C04B-AEDE-AA4D-B4E8-2E6DFCFB3EC5}"/>
               </a:ext>
             </a:extLst>
           </p:cNvPr>
@@ -9669,7 +12682,7 @@
 </p:sld>
 </file>
 
-<file path=ppt/slides/slide11.xml><?xml version="1.0" encoding="utf-8"?>
+<file path=ppt/slides/slide13.xml><?xml version="1.0" encoding="utf-8"?>
 <p:sld xmlns:a="http://schemas.openxmlformats.org/drawingml/2006/main" xmlns:r="http://schemas.openxmlformats.org/officeDocument/2006/relationships" xmlns:p="http://schemas.openxmlformats.org/presentationml/2006/main">
   <p:cSld>
     <p:spTree>
@@ -9707,14 +12720,35 @@
           <a:lstStyle/>
           <a:p>
             <a:r>
-              <a:rPr lang="de-DE" sz="4000" dirty="0" smtClean="0"/>
-              <a:t>CEUR-WS </a:t>
-            </a:r>
-            <a:r>
-              <a:rPr lang="de-DE" sz="4000" dirty="0" err="1" smtClean="0"/>
-              <a:t>proceedings</a:t>
-            </a:r>
-            <a:endParaRPr lang="de-DE" sz="4000" dirty="0"/>
+              <a:rPr lang="de-DE" sz="3200" dirty="0" err="1">
+                <a:solidFill>
+                  <a:srgbClr val="C0271F"/>
+                </a:solidFill>
+                <a:latin typeface="Calibri" charset="0"/>
+                <a:ea typeface="Calibri" charset="0"/>
+                <a:cs typeface="Calibri" charset="0"/>
+              </a:rPr>
+              <a:t>P</a:t>
+            </a:r>
+            <a:r>
+              <a:rPr lang="de-DE" sz="3200" dirty="0" err="1" smtClean="0">
+                <a:solidFill>
+                  <a:srgbClr val="C0271F"/>
+                </a:solidFill>
+                <a:latin typeface="Calibri" charset="0"/>
+                <a:ea typeface="Calibri" charset="0"/>
+                <a:cs typeface="Calibri" charset="0"/>
+              </a:rPr>
+              <a:t>roceedings</a:t>
+            </a:r>
+            <a:endParaRPr lang="de-DE" sz="3200" dirty="0">
+              <a:solidFill>
+                <a:srgbClr val="C0271F"/>
+              </a:solidFill>
+              <a:latin typeface="Calibri" charset="0"/>
+              <a:ea typeface="Calibri" charset="0"/>
+              <a:cs typeface="Calibri" charset="0"/>
+            </a:endParaRPr>
           </a:p>
         </p:txBody>
       </p:sp>
@@ -10228,7 +13262,7 @@
               <a:pPr>
                 <a:defRPr/>
               </a:pPr>
-              <a:t>11</a:t>
+              <a:t>13</a:t>
             </a:fld>
             <a:endParaRPr lang="fr-FR"/>
           </a:p>
@@ -10254,7 +13288,7 @@
 </p:sld>
 </file>
 
-<file path=ppt/slides/slide12.xml><?xml version="1.0" encoding="utf-8"?>
+<file path=ppt/slides/slide14.xml><?xml version="1.0" encoding="utf-8"?>
 <p:sld xmlns:a="http://schemas.openxmlformats.org/drawingml/2006/main" xmlns:r="http://schemas.openxmlformats.org/officeDocument/2006/relationships" xmlns:p="http://schemas.openxmlformats.org/presentationml/2006/main">
   <p:cSld>
     <p:spTree>
@@ -10292,14 +13326,35 @@
           <a:lstStyle/>
           <a:p>
             <a:r>
-              <a:rPr lang="en-US" altLang="zh-CN" dirty="0" smtClean="0"/>
+              <a:rPr lang="en-US" altLang="zh-CN" sz="3200" dirty="0" smtClean="0">
+                <a:solidFill>
+                  <a:srgbClr val="C0271F"/>
+                </a:solidFill>
+                <a:latin typeface="Calibri" charset="0"/>
+                <a:ea typeface="Calibri" charset="0"/>
+                <a:cs typeface="Calibri" charset="0"/>
+              </a:rPr>
               <a:t>N</a:t>
             </a:r>
             <a:r>
-              <a:rPr lang="de-DE" dirty="0" smtClean="0"/>
+              <a:rPr lang="de-DE" sz="3200" dirty="0" smtClean="0">
+                <a:solidFill>
+                  <a:srgbClr val="C0271F"/>
+                </a:solidFill>
+                <a:latin typeface="Calibri" charset="0"/>
+                <a:ea typeface="Calibri" charset="0"/>
+                <a:cs typeface="Calibri" charset="0"/>
+              </a:rPr>
               <a:t>ext steps</a:t>
             </a:r>
-            <a:endParaRPr lang="de-DE" dirty="0"/>
+            <a:endParaRPr lang="de-DE" sz="3200" dirty="0">
+              <a:solidFill>
+                <a:srgbClr val="C0271F"/>
+              </a:solidFill>
+              <a:latin typeface="Calibri" charset="0"/>
+              <a:ea typeface="Calibri" charset="0"/>
+              <a:cs typeface="Calibri" charset="0"/>
+            </a:endParaRPr>
           </a:p>
         </p:txBody>
       </p:sp>
@@ -10326,7 +13381,7 @@
               <a:pPr>
                 <a:defRPr/>
               </a:pPr>
-              <a:t>12</a:t>
+              <a:t>14</a:t>
             </a:fld>
             <a:endParaRPr lang="fr-FR"/>
           </a:p>
@@ -10650,7 +13705,467 @@
 </p:sld>
 </file>
 
-<file path=ppt/slides/slide13.xml><?xml version="1.0" encoding="utf-8"?>
+<file path=ppt/slides/slide15.xml><?xml version="1.0" encoding="utf-8"?>
+<p:sld xmlns:a="http://schemas.openxmlformats.org/drawingml/2006/main" xmlns:r="http://schemas.openxmlformats.org/officeDocument/2006/relationships" xmlns:p="http://schemas.openxmlformats.org/presentationml/2006/main">
+  <p:cSld>
+    <p:spTree>
+      <p:nvGrpSpPr>
+        <p:cNvPr id="1" name=""/>
+        <p:cNvGrpSpPr/>
+        <p:nvPr/>
+      </p:nvGrpSpPr>
+      <p:grpSpPr>
+        <a:xfrm>
+          <a:off x="0" y="0"/>
+          <a:ext cx="0" cy="0"/>
+          <a:chOff x="0" y="0"/>
+          <a:chExt cx="0" cy="0"/>
+        </a:xfrm>
+      </p:grpSpPr>
+      <p:sp>
+        <p:nvSpPr>
+          <p:cNvPr id="2" name="Titel 1"/>
+          <p:cNvSpPr>
+            <a:spLocks noGrp="1"/>
+          </p:cNvSpPr>
+          <p:nvPr>
+            <p:ph type="title"/>
+          </p:nvPr>
+        </p:nvSpPr>
+        <p:spPr>
+          <a:xfrm>
+            <a:off x="371475" y="86054"/>
+            <a:ext cx="8229600" cy="1371600"/>
+          </a:xfrm>
+        </p:spPr>
+        <p:txBody>
+          <a:bodyPr/>
+          <a:lstStyle/>
+          <a:p>
+            <a:r>
+              <a:rPr lang="en-US" altLang="zh-CN" sz="3200" dirty="0" smtClean="0">
+                <a:solidFill>
+                  <a:srgbClr val="C0271F"/>
+                </a:solidFill>
+                <a:latin typeface="Calibri" charset="0"/>
+                <a:ea typeface="Calibri" charset="0"/>
+                <a:cs typeface="Calibri" charset="0"/>
+              </a:rPr>
+              <a:t>N</a:t>
+            </a:r>
+            <a:r>
+              <a:rPr lang="de-DE" sz="3200" dirty="0" smtClean="0">
+                <a:solidFill>
+                  <a:srgbClr val="C0271F"/>
+                </a:solidFill>
+                <a:latin typeface="Calibri" charset="0"/>
+                <a:ea typeface="Calibri" charset="0"/>
+                <a:cs typeface="Calibri" charset="0"/>
+              </a:rPr>
+              <a:t>ext steps</a:t>
+            </a:r>
+            <a:endParaRPr lang="de-DE" sz="3200" dirty="0">
+              <a:solidFill>
+                <a:srgbClr val="C0271F"/>
+              </a:solidFill>
+              <a:latin typeface="Calibri" charset="0"/>
+              <a:ea typeface="Calibri" charset="0"/>
+              <a:cs typeface="Calibri" charset="0"/>
+            </a:endParaRPr>
+          </a:p>
+        </p:txBody>
+      </p:sp>
+      <p:sp>
+        <p:nvSpPr>
+          <p:cNvPr id="4" name="Foliennummernplatzhalter 3"/>
+          <p:cNvSpPr>
+            <a:spLocks noGrp="1"/>
+          </p:cNvSpPr>
+          <p:nvPr>
+            <p:ph type="sldNum" sz="quarter" idx="11"/>
+          </p:nvPr>
+        </p:nvSpPr>
+        <p:spPr/>
+        <p:txBody>
+          <a:bodyPr/>
+          <a:lstStyle/>
+          <a:p>
+            <a:pPr>
+              <a:defRPr/>
+            </a:pPr>
+            <a:fld id="{AEE02E9E-D9FE-1444-BE68-D91C902B281D}" type="slidenum">
+              <a:rPr lang="fr-FR" smtClean="0"/>
+              <a:pPr>
+                <a:defRPr/>
+              </a:pPr>
+              <a:t>15</a:t>
+            </a:fld>
+            <a:endParaRPr lang="fr-FR"/>
+          </a:p>
+        </p:txBody>
+      </p:sp>
+      <p:sp>
+        <p:nvSpPr>
+          <p:cNvPr id="7" name="矩形 6"/>
+          <p:cNvSpPr/>
+          <p:nvPr/>
+        </p:nvSpPr>
+        <p:spPr>
+          <a:xfrm>
+            <a:off x="285751" y="1306074"/>
+            <a:ext cx="6009946" cy="2185214"/>
+          </a:xfrm>
+          <a:prstGeom prst="rect">
+            <a:avLst/>
+          </a:prstGeom>
+        </p:spPr>
+        <p:txBody>
+          <a:bodyPr wrap="square">
+            <a:spAutoFit/>
+          </a:bodyPr>
+          <a:lstStyle/>
+          <a:p>
+            <a:pPr algn="l">
+              <a:spcBef>
+                <a:spcPts val="600"/>
+              </a:spcBef>
+            </a:pPr>
+            <a:r>
+              <a:rPr lang="en-US" altLang="zh-CN" sz="2000" i="1" dirty="0" smtClean="0"/>
+              <a:t>Data</a:t>
+            </a:r>
+            <a:r>
+              <a:rPr lang="zh-CN" altLang="en-US" sz="2000" i="1" dirty="0" smtClean="0"/>
+              <a:t> </a:t>
+            </a:r>
+            <a:r>
+              <a:rPr lang="en-US" altLang="zh-CN" sz="2000" i="1" dirty="0" smtClean="0"/>
+              <a:t>and Information Management</a:t>
+            </a:r>
+          </a:p>
+          <a:p>
+            <a:pPr algn="l">
+              <a:spcBef>
+                <a:spcPts val="600"/>
+              </a:spcBef>
+            </a:pPr>
+            <a:r>
+              <a:rPr lang="zh-CN" altLang="en-US" sz="2000" i="1" dirty="0" smtClean="0"/>
+              <a:t>Call </a:t>
+            </a:r>
+            <a:r>
+              <a:rPr lang="zh-CN" altLang="en-US" sz="2000" i="1" dirty="0"/>
+              <a:t>for papers </a:t>
+            </a:r>
+          </a:p>
+          <a:p>
+            <a:pPr algn="l">
+              <a:spcBef>
+                <a:spcPts val="600"/>
+              </a:spcBef>
+            </a:pPr>
+            <a:r>
+              <a:rPr lang="zh-CN" altLang="en-US" sz="2000" b="1" dirty="0"/>
+              <a:t>Special Issue on </a:t>
+            </a:r>
+            <a:r>
+              <a:rPr lang="zh-CN" altLang="en-US" sz="2000" dirty="0" smtClean="0"/>
+              <a:t>“</a:t>
+            </a:r>
+            <a:r>
+              <a:rPr lang="en-US" altLang="zh-CN" sz="2000" b="1" dirty="0" smtClean="0"/>
+              <a:t>Scientific Documents Mining and Applications</a:t>
+            </a:r>
+            <a:r>
+              <a:rPr lang="zh-CN" altLang="en-US" dirty="0" smtClean="0"/>
+              <a:t>”</a:t>
+            </a:r>
+            <a:endParaRPr lang="zh-CN" altLang="en-US" dirty="0"/>
+          </a:p>
+          <a:p>
+            <a:pPr algn="l">
+              <a:spcBef>
+                <a:spcPts val="600"/>
+              </a:spcBef>
+            </a:pPr>
+            <a:endParaRPr lang="en-US" altLang="zh-CN" dirty="0" smtClean="0"/>
+          </a:p>
+          <a:p>
+            <a:pPr algn="l">
+              <a:spcBef>
+                <a:spcPts val="600"/>
+              </a:spcBef>
+            </a:pPr>
+            <a:r>
+              <a:rPr lang="zh-CN" altLang="en-US" dirty="0" smtClean="0"/>
+              <a:t>Guest Editors：Chengzhi Zhang</a:t>
+            </a:r>
+            <a:r>
+              <a:rPr lang="en-US" altLang="zh-CN" dirty="0" smtClean="0"/>
+              <a:t>, </a:t>
+            </a:r>
+            <a:r>
+              <a:rPr lang="zh-CN" altLang="en-US" dirty="0" smtClean="0"/>
+              <a:t>Philipp Mayr</a:t>
+            </a:r>
+            <a:r>
+              <a:rPr lang="en-US" altLang="zh-CN" dirty="0" smtClean="0"/>
+              <a:t>,  </a:t>
+            </a:r>
+            <a:r>
+              <a:rPr lang="zh-CN" altLang="en-US" dirty="0" smtClean="0"/>
+              <a:t>Wei Lu</a:t>
+            </a:r>
+            <a:r>
+              <a:rPr lang="en-US" altLang="zh-CN" dirty="0" smtClean="0"/>
+              <a:t>, </a:t>
+            </a:r>
+            <a:r>
+              <a:rPr lang="zh-CN" altLang="en-US" dirty="0" smtClean="0"/>
+              <a:t>Yi Zhang</a:t>
+            </a:r>
+            <a:endParaRPr lang="zh-CN" altLang="en-US" dirty="0"/>
+          </a:p>
+        </p:txBody>
+      </p:sp>
+      <p:sp>
+        <p:nvSpPr>
+          <p:cNvPr id="8" name="矩形 7"/>
+          <p:cNvSpPr/>
+          <p:nvPr/>
+        </p:nvSpPr>
+        <p:spPr>
+          <a:xfrm>
+            <a:off x="285751" y="3801576"/>
+            <a:ext cx="9482666" cy="2446824"/>
+          </a:xfrm>
+          <a:prstGeom prst="rect">
+            <a:avLst/>
+          </a:prstGeom>
+        </p:spPr>
+        <p:txBody>
+          <a:bodyPr wrap="square">
+            <a:spAutoFit/>
+          </a:bodyPr>
+          <a:lstStyle/>
+          <a:p>
+            <a:pPr marL="285750" indent="-285750" algn="l">
+              <a:buFont typeface="Wingdings" panose="05000000000000000000" pitchFamily="2" charset="2"/>
+              <a:buChar char="l"/>
+            </a:pPr>
+            <a:r>
+              <a:rPr lang="zh-CN" altLang="en-US" b="1" dirty="0" smtClean="0"/>
+              <a:t>   Important </a:t>
+            </a:r>
+            <a:r>
+              <a:rPr lang="zh-CN" altLang="en-US" b="1" dirty="0"/>
+              <a:t>dates</a:t>
+            </a:r>
+          </a:p>
+          <a:p>
+            <a:pPr marL="742950" lvl="1" indent="-285750" algn="l">
+              <a:buFont typeface="Wingdings" panose="05000000000000000000" pitchFamily="2" charset="2"/>
+              <a:buChar char="ü"/>
+            </a:pPr>
+            <a:r>
+              <a:rPr lang="zh-CN" altLang="en-US" dirty="0" smtClean="0"/>
+              <a:t>   </a:t>
+            </a:r>
+            <a:r>
+              <a:rPr lang="zh-CN" altLang="en-US" b="1" dirty="0" smtClean="0">
+                <a:solidFill>
+                  <a:srgbClr val="FF0000"/>
+                </a:solidFill>
+              </a:rPr>
+              <a:t>Paper </a:t>
+            </a:r>
+            <a:r>
+              <a:rPr lang="zh-CN" altLang="en-US" b="1" dirty="0">
+                <a:solidFill>
+                  <a:srgbClr val="FF0000"/>
+                </a:solidFill>
+              </a:rPr>
+              <a:t>submission: 31 October 2020</a:t>
+            </a:r>
+          </a:p>
+          <a:p>
+            <a:pPr marL="742950" lvl="1" indent="-285750" algn="l">
+              <a:spcBef>
+                <a:spcPts val="0"/>
+              </a:spcBef>
+              <a:buFont typeface="Wingdings" panose="05000000000000000000" pitchFamily="2" charset="2"/>
+              <a:buChar char="ü"/>
+            </a:pPr>
+            <a:r>
+              <a:rPr lang="zh-CN" altLang="en-US" dirty="0" smtClean="0"/>
+              <a:t>   Review </a:t>
+            </a:r>
+            <a:r>
+              <a:rPr lang="zh-CN" altLang="en-US" dirty="0"/>
+              <a:t>reports and invitation to submit revised paper: 30 November 2020</a:t>
+            </a:r>
+          </a:p>
+          <a:p>
+            <a:pPr marL="742950" lvl="1" indent="-285750" algn="l">
+              <a:spcBef>
+                <a:spcPts val="0"/>
+              </a:spcBef>
+              <a:buFont typeface="Wingdings" panose="05000000000000000000" pitchFamily="2" charset="2"/>
+              <a:buChar char="ü"/>
+            </a:pPr>
+            <a:r>
+              <a:rPr lang="zh-CN" altLang="en-US" dirty="0" smtClean="0"/>
+              <a:t>   Revised </a:t>
+            </a:r>
+            <a:r>
+              <a:rPr lang="zh-CN" altLang="en-US" dirty="0"/>
+              <a:t>paper submission: 15 January 2021</a:t>
+            </a:r>
+          </a:p>
+          <a:p>
+            <a:pPr marL="742950" lvl="1" indent="-285750" algn="l">
+              <a:spcBef>
+                <a:spcPts val="0"/>
+              </a:spcBef>
+              <a:buFont typeface="Wingdings" panose="05000000000000000000" pitchFamily="2" charset="2"/>
+              <a:buChar char="ü"/>
+            </a:pPr>
+            <a:r>
+              <a:rPr lang="zh-CN" altLang="en-US" dirty="0" smtClean="0"/>
+              <a:t>   Expected </a:t>
+            </a:r>
+            <a:r>
+              <a:rPr lang="zh-CN" altLang="en-US" dirty="0"/>
+              <a:t>publication: </a:t>
+            </a:r>
+            <a:r>
+              <a:rPr lang="en-US" altLang="zh-CN" dirty="0" smtClean="0"/>
+              <a:t>March,</a:t>
+            </a:r>
+            <a:r>
+              <a:rPr lang="zh-CN" altLang="en-US" dirty="0" smtClean="0"/>
+              <a:t> </a:t>
+            </a:r>
+            <a:r>
+              <a:rPr lang="zh-CN" altLang="en-US" dirty="0"/>
+              <a:t>2021</a:t>
+            </a:r>
+          </a:p>
+          <a:p>
+            <a:pPr marL="285750" indent="-285750" algn="l">
+              <a:buFont typeface="Wingdings" panose="05000000000000000000" pitchFamily="2" charset="2"/>
+              <a:buChar char="l"/>
+            </a:pPr>
+            <a:r>
+              <a:rPr lang="zh-CN" altLang="en-US" dirty="0" smtClean="0"/>
+              <a:t>  Please </a:t>
+            </a:r>
+            <a:r>
+              <a:rPr lang="zh-CN" altLang="en-US" dirty="0"/>
+              <a:t>submit your manuscript </a:t>
+            </a:r>
+            <a:r>
+              <a:rPr lang="en-US" altLang="zh-CN" dirty="0" smtClean="0"/>
+              <a:t>via</a:t>
+            </a:r>
+            <a:r>
+              <a:rPr lang="zh-CN" altLang="en-US" dirty="0" smtClean="0"/>
+              <a:t>  </a:t>
+            </a:r>
+            <a:r>
+              <a:rPr lang="en-US" altLang="zh-CN" dirty="0" smtClean="0">
+                <a:hlinkClick r:id="rId3"/>
+              </a:rPr>
+              <a:t>https</a:t>
+            </a:r>
+            <a:r>
+              <a:rPr lang="en-US" altLang="zh-CN" dirty="0">
+                <a:hlinkClick r:id="rId3"/>
+              </a:rPr>
+              <a:t>://www.editorialmanager.com/dim/default.aspx</a:t>
+            </a:r>
+            <a:r>
+              <a:rPr lang="zh-CN" altLang="en-US" dirty="0" smtClean="0">
+                <a:hlinkClick r:id="rId3"/>
+              </a:rPr>
+              <a:t> </a:t>
+            </a:r>
+            <a:endParaRPr lang="en-US" altLang="zh-CN" dirty="0">
+              <a:hlinkClick r:id="rId3"/>
+            </a:endParaRPr>
+          </a:p>
+          <a:p>
+            <a:pPr algn="l"/>
+            <a:r>
+              <a:rPr lang="zh-CN" altLang="en-US" dirty="0" smtClean="0"/>
+              <a:t>        When submit, please put a note “EEKE2020” at the beginning of title.</a:t>
+            </a:r>
+            <a:endParaRPr lang="zh-CN" altLang="en-US" dirty="0"/>
+          </a:p>
+        </p:txBody>
+      </p:sp>
+      <p:pic>
+        <p:nvPicPr>
+          <p:cNvPr id="1026" name="Picture 2" descr="ttps://d2n072ee0zk4pp.cloudfront.net/cover/covers/25439251.jpg?width=200"/>
+          <p:cNvPicPr>
+            <a:picLocks noChangeAspect="1" noChangeArrowheads="1"/>
+          </p:cNvPicPr>
+          <p:nvPr/>
+        </p:nvPicPr>
+        <p:blipFill>
+          <a:blip r:embed="rId4">
+            <a:extLst>
+              <a:ext uri="{28A0092B-C50C-407E-A947-70E740481C1C}">
+                <a14:useLocalDpi xmlns:a14="http://schemas.microsoft.com/office/drawing/2010/main" val="0"/>
+              </a:ext>
+            </a:extLst>
+          </a:blip>
+          <a:srcRect/>
+          <a:stretch>
+            <a:fillRect/>
+          </a:stretch>
+        </p:blipFill>
+        <p:spPr bwMode="auto">
+          <a:xfrm>
+            <a:off x="6295697" y="413607"/>
+            <a:ext cx="2556951" cy="3291151"/>
+          </a:xfrm>
+          <a:prstGeom prst="rect">
+            <a:avLst/>
+          </a:prstGeom>
+          <a:noFill/>
+          <a:extLst>
+            <a:ext uri="{909E8E84-426E-40DD-AFC4-6F175D3DCCD1}">
+              <a14:hiddenFill xmlns:a14="http://schemas.microsoft.com/office/drawing/2010/main">
+                <a:solidFill>
+                  <a:srgbClr val="FFFFFF"/>
+                </a:solidFill>
+              </a14:hiddenFill>
+            </a:ext>
+          </a:extLst>
+        </p:spPr>
+      </p:pic>
+    </p:spTree>
+    <p:extLst>
+      <p:ext uri="{BB962C8B-B14F-4D97-AF65-F5344CB8AC3E}">
+        <p14:creationId xmlns:p14="http://schemas.microsoft.com/office/powerpoint/2010/main" val="1584544208"/>
+      </p:ext>
+    </p:extLst>
+  </p:cSld>
+  <p:clrMapOvr>
+    <a:masterClrMapping/>
+  </p:clrMapOvr>
+  <p:timing>
+    <p:tnLst>
+      <p:par>
+        <p:cTn id="1" dur="indefinite" restart="never" nodeType="tmRoot"/>
+      </p:par>
+    </p:tnLst>
+  </p:timing>
+</p:sld>
+</file>
+
+<file path=ppt/slides/slide16.xml><?xml version="1.0" encoding="utf-8"?>
 <p:sld xmlns:a="http://schemas.openxmlformats.org/drawingml/2006/main" xmlns:r="http://schemas.openxmlformats.org/officeDocument/2006/relationships" xmlns:p="http://schemas.openxmlformats.org/presentationml/2006/main">
   <p:cSld>
     <p:spTree>
@@ -10949,15 +14464,7 @@
             </a:r>
             <a:r>
               <a:rPr lang="en-GB" sz="2000" dirty="0" smtClean="0"/>
-              <a:t>Philipp </a:t>
-            </a:r>
-            <a:r>
-              <a:rPr lang="en-GB" sz="2000" dirty="0" err="1" smtClean="0"/>
-              <a:t>Mayr</a:t>
-            </a:r>
-            <a:r>
-              <a:rPr lang="en-GB" sz="2000" dirty="0" smtClean="0"/>
-              <a:t>, Wei Lu, Yi </a:t>
+              <a:t>Philipp Mayr, Wei Lu, Yi </a:t>
             </a:r>
             <a:r>
               <a:rPr lang="en-GB" sz="2000" dirty="0"/>
@@ -11220,7 +14727,7 @@
           <p:cNvPr id="17" name="Text Box 4">
             <a:extLst>
               <a:ext uri="{FF2B5EF4-FFF2-40B4-BE49-F238E27FC236}">
-                <a16:creationId xmlns="" xmlns:a16="http://schemas.microsoft.com/office/drawing/2014/main" id="{7FB8B298-1DE1-8446-854E-9DA7260C306B}"/>
+                <a16:creationId xmlns:a16="http://schemas.microsoft.com/office/drawing/2014/main" xmlns="" id="{7FB8B298-1DE1-8446-854E-9DA7260C306B}"/>
               </a:ext>
             </a:extLst>
           </p:cNvPr>
@@ -11423,7 +14930,7 @@
           <p:cNvPr id="10" name="TextBox 9">
             <a:extLst>
               <a:ext uri="{FF2B5EF4-FFF2-40B4-BE49-F238E27FC236}">
-                <a16:creationId xmlns="" xmlns:a16="http://schemas.microsoft.com/office/drawing/2014/main" id="{4F6EC2F6-AA02-E844-9A43-B33E50F84A5B}"/>
+                <a16:creationId xmlns:a16="http://schemas.microsoft.com/office/drawing/2014/main" xmlns="" id="{4F6EC2F6-AA02-E844-9A43-B33E50F84A5B}"/>
               </a:ext>
             </a:extLst>
           </p:cNvPr>
@@ -11488,7 +14995,7 @@
           <p:cNvPr id="11" name="TextBox 10">
             <a:extLst>
               <a:ext uri="{FF2B5EF4-FFF2-40B4-BE49-F238E27FC236}">
-                <a16:creationId xmlns="" xmlns:a16="http://schemas.microsoft.com/office/drawing/2014/main" id="{A4742195-C287-8148-8B0E-1BEA365D5F4C}"/>
+                <a16:creationId xmlns:a16="http://schemas.microsoft.com/office/drawing/2014/main" xmlns="" id="{A4742195-C287-8148-8B0E-1BEA365D5F4C}"/>
               </a:ext>
             </a:extLst>
           </p:cNvPr>
@@ -11538,7 +15045,7 @@
           <p:cNvPr id="13" name="TextBox 12">
             <a:extLst>
               <a:ext uri="{FF2B5EF4-FFF2-40B4-BE49-F238E27FC236}">
-                <a16:creationId xmlns="" xmlns:a16="http://schemas.microsoft.com/office/drawing/2014/main" id="{4B7AA5B9-E0BC-864E-964A-3F3B1B4C0C83}"/>
+                <a16:creationId xmlns:a16="http://schemas.microsoft.com/office/drawing/2014/main" xmlns="" id="{4B7AA5B9-E0BC-864E-964A-3F3B1B4C0C83}"/>
               </a:ext>
             </a:extLst>
           </p:cNvPr>
@@ -11588,7 +15095,7 @@
           <p:cNvPr id="16" name="TextBox 15">
             <a:extLst>
               <a:ext uri="{FF2B5EF4-FFF2-40B4-BE49-F238E27FC236}">
-                <a16:creationId xmlns="" xmlns:a16="http://schemas.microsoft.com/office/drawing/2014/main" id="{6408EA12-F3F0-2B4C-8B83-450E007DE5C3}"/>
+                <a16:creationId xmlns:a16="http://schemas.microsoft.com/office/drawing/2014/main" xmlns="" id="{6408EA12-F3F0-2B4C-8B83-450E007DE5C3}"/>
               </a:ext>
             </a:extLst>
           </p:cNvPr>
@@ -11641,7 +15148,7 @@
           <p:cNvPr id="12" name="TextBox 9">
             <a:extLst>
               <a:ext uri="{FF2B5EF4-FFF2-40B4-BE49-F238E27FC236}">
-                <a16:creationId xmlns="" xmlns:a16="http://schemas.microsoft.com/office/drawing/2014/main" id="{4F6EC2F6-AA02-E844-9A43-B33E50F84A5B}"/>
+                <a16:creationId xmlns:a16="http://schemas.microsoft.com/office/drawing/2014/main" xmlns="" id="{4F6EC2F6-AA02-E844-9A43-B33E50F84A5B}"/>
               </a:ext>
             </a:extLst>
           </p:cNvPr>
@@ -12069,7 +15576,7 @@
                 <a:latin typeface="Calibri" charset="0"/>
                 <a:sym typeface="Wingdings" charset="0"/>
               </a:rPr>
-              <a:t>Introduction</a:t>
+              <a:t>Goal</a:t>
             </a:r>
             <a:endParaRPr lang="en-GB" sz="3200" dirty="0">
               <a:solidFill>
@@ -12085,7 +15592,7 @@
           <p:cNvPr id="17" name="Text Box 4">
             <a:extLst>
               <a:ext uri="{FF2B5EF4-FFF2-40B4-BE49-F238E27FC236}">
-                <a16:creationId xmlns="" xmlns:a16="http://schemas.microsoft.com/office/drawing/2014/main" id="{7FB8B298-1DE1-8446-854E-9DA7260C306B}"/>
+                <a16:creationId xmlns:a16="http://schemas.microsoft.com/office/drawing/2014/main" xmlns="" id="{7FB8B298-1DE1-8446-854E-9DA7260C306B}"/>
               </a:ext>
             </a:extLst>
           </p:cNvPr>
@@ -12359,123 +15866,8 @@
             </a:pPr>
             <a:endParaRPr lang="en-US" sz="1800" dirty="0"/>
           </a:p>
-          <a:p>
-            <a:pPr algn="just">
-              <a:buFont typeface="Wingdings" panose="05000000000000000000" pitchFamily="2" charset="2"/>
-              <a:buChar char="l"/>
-            </a:pPr>
-            <a:r>
-              <a:rPr lang="en-US" sz="1800" dirty="0"/>
-              <a:t>Extracting knowledge entities from scientific documents in an </a:t>
-            </a:r>
-            <a:r>
-              <a:rPr lang="en-US" sz="1800" dirty="0" smtClean="0"/>
-              <a:t>accurate and </a:t>
-            </a:r>
-            <a:r>
-              <a:rPr lang="en-US" sz="1800" dirty="0"/>
-              <a:t>comprehensive way becomes a significant topic</a:t>
-            </a:r>
-            <a:r>
-              <a:rPr lang="en-US" sz="1800" dirty="0" smtClean="0"/>
-              <a:t>. </a:t>
-            </a:r>
-            <a:r>
-              <a:rPr lang="en-US" altLang="zh-CN" sz="1800" dirty="0" smtClean="0"/>
-              <a:t>It is also a key issue in the filed of digital library.</a:t>
-            </a:r>
-            <a:endParaRPr lang="en-US" sz="1800" dirty="0"/>
-          </a:p>
-          <a:p>
-            <a:pPr algn="just">
-              <a:buFont typeface="Wingdings" panose="05000000000000000000" pitchFamily="2" charset="2"/>
-              <a:buChar char="l"/>
-            </a:pPr>
-            <a:endParaRPr lang="en-US" sz="1800" dirty="0"/>
-          </a:p>
-          <a:p>
-            <a:pPr algn="just">
-              <a:buFont typeface="Wingdings" panose="05000000000000000000" pitchFamily="2" charset="2"/>
-              <a:buChar char="l"/>
-            </a:pPr>
-            <a:r>
-              <a:rPr lang="en-US" sz="1800" dirty="0"/>
-              <a:t>EEKE </a:t>
-            </a:r>
-            <a:r>
-              <a:rPr lang="en-US" sz="1800" dirty="0" smtClean="0"/>
-              <a:t>workshop aims </a:t>
-            </a:r>
-            <a:r>
-              <a:rPr lang="en-US" sz="1800" dirty="0"/>
-              <a:t>to extract knowledge entities from scientific documents, </a:t>
-            </a:r>
-            <a:r>
-              <a:rPr lang="en-US" sz="1800" dirty="0" smtClean="0"/>
-              <a:t>and explore </a:t>
-            </a:r>
-            <a:r>
-              <a:rPr lang="en-US" sz="1800" dirty="0"/>
-              <a:t>the features of entities to conduct practical applications.</a:t>
-            </a:r>
-            <a:endParaRPr lang="de-DE" sz="1800" dirty="0"/>
-          </a:p>
         </p:txBody>
       </p:sp>
-      <p:pic>
-        <p:nvPicPr>
-          <p:cNvPr id="6" name="Picture 5" descr="Recycling Translations 1"/>
-          <p:cNvPicPr>
-            <a:picLocks noChangeAspect="1" noChangeArrowheads="1"/>
-          </p:cNvPicPr>
-          <p:nvPr/>
-        </p:nvPicPr>
-        <p:blipFill>
-          <a:blip r:embed="rId3" cstate="email">
-            <a:extLst>
-              <a:ext uri="{28A0092B-C50C-407E-A947-70E740481C1C}">
-                <a14:useLocalDpi xmlns:a14="http://schemas.microsoft.com/office/drawing/2010/main" val="0"/>
-              </a:ext>
-            </a:extLst>
-          </a:blip>
-          <a:srcRect/>
-          <a:stretch>
-            <a:fillRect/>
-          </a:stretch>
-        </p:blipFill>
-        <p:spPr bwMode="auto">
-          <a:xfrm>
-            <a:off x="979951" y="4317612"/>
-            <a:ext cx="3732274" cy="2083188"/>
-          </a:xfrm>
-          <a:prstGeom prst="rect">
-            <a:avLst/>
-          </a:prstGeom>
-          <a:noFill/>
-          <a:ln>
-            <a:noFill/>
-          </a:ln>
-          <a:extLst>
-            <a:ext uri="{909E8E84-426E-40DD-AFC4-6F175D3DCCD1}">
-              <a14:hiddenFill xmlns:a14="http://schemas.microsoft.com/office/drawing/2010/main">
-                <a:solidFill>
-                  <a:srgbClr val="FFFFFF"/>
-                </a:solidFill>
-              </a14:hiddenFill>
-            </a:ext>
-            <a:ext uri="{91240B29-F687-4F45-9708-019B960494DF}">
-              <a14:hiddenLine xmlns:a14="http://schemas.microsoft.com/office/drawing/2010/main" w="9525">
-                <a:solidFill>
-                  <a:srgbClr val="000000"/>
-                </a:solidFill>
-                <a:miter lim="800000"/>
-                <a:headEnd/>
-                <a:tailEnd/>
-              </a14:hiddenLine>
-            </a:ext>
-          </a:extLst>
-        </p:spPr>
-      </p:pic>
       <p:pic>
         <p:nvPicPr>
           <p:cNvPr id="7" name="图片 6"/>
@@ -12485,15 +15877,15 @@
           <p:nvPr/>
         </p:nvPicPr>
         <p:blipFill>
-          <a:blip r:embed="rId4"/>
+          <a:blip r:embed="rId3"/>
           <a:stretch>
             <a:fillRect/>
           </a:stretch>
         </p:blipFill>
         <p:spPr>
           <a:xfrm>
-            <a:off x="4911482" y="4317612"/>
-            <a:ext cx="3950373" cy="2196662"/>
+            <a:off x="1270817" y="2404003"/>
+            <a:ext cx="6997942" cy="3891307"/>
           </a:xfrm>
           <a:prstGeom prst="rect">
             <a:avLst/>
@@ -12508,8 +15900,8 @@
         </p:nvSpPr>
         <p:spPr>
           <a:xfrm>
-            <a:off x="5478283" y="6457890"/>
-            <a:ext cx="2816772" cy="400110"/>
+            <a:off x="2447216" y="6506289"/>
+            <a:ext cx="5172784" cy="246221"/>
           </a:xfrm>
           <a:prstGeom prst="rect">
             <a:avLst/>
@@ -12762,26 +16154,16 @@
           <a:p>
             <a:pPr marL="536575" indent="-536575" eaLnBrk="1" hangingPunct="1"/>
             <a:r>
-              <a:rPr lang="en-GB" sz="2800" dirty="0" smtClean="0">
+              <a:rPr lang="en-GB" sz="3200" dirty="0" smtClean="0">
                 <a:solidFill>
                   <a:srgbClr val="CC0000"/>
                 </a:solidFill>
                 <a:latin typeface="Calibri" charset="0"/>
                 <a:sym typeface="Wingdings" charset="0"/>
               </a:rPr>
-              <a:t>Topics:</a:t>
-            </a:r>
-            <a:r>
-              <a:rPr lang="en-US" sz="2800" dirty="0">
-                <a:solidFill>
-                  <a:srgbClr val="CC0000"/>
-                </a:solidFill>
-                <a:latin typeface="Calibri" charset="0"/>
-                <a:sym typeface="Wingdings" charset="0"/>
-              </a:rPr>
-              <a:t> Extraction and Evaluation of Knowledge Entities</a:t>
-            </a:r>
-            <a:endParaRPr lang="en-GB" sz="2800" dirty="0">
+              <a:t>Goal</a:t>
+            </a:r>
+            <a:endParaRPr lang="en-GB" sz="3200" dirty="0">
               <a:solidFill>
                 <a:srgbClr val="CC0000"/>
               </a:solidFill>
@@ -12795,7 +16177,1460 @@
           <p:cNvPr id="17" name="Text Box 4">
             <a:extLst>
               <a:ext uri="{FF2B5EF4-FFF2-40B4-BE49-F238E27FC236}">
-                <a16:creationId xmlns="" xmlns:a16="http://schemas.microsoft.com/office/drawing/2014/main" id="{7FB8B298-1DE1-8446-854E-9DA7260C306B}"/>
+                <a16:creationId xmlns:a16="http://schemas.microsoft.com/office/drawing/2014/main" xmlns="" id="{7FB8B298-1DE1-8446-854E-9DA7260C306B}"/>
+              </a:ext>
+            </a:extLst>
+          </p:cNvPr>
+          <p:cNvSpPr txBox="1">
+            <a:spLocks noChangeArrowheads="1"/>
+          </p:cNvSpPr>
+          <p:nvPr/>
+        </p:nvSpPr>
+        <p:spPr bwMode="auto">
+          <a:xfrm>
+            <a:off x="684213" y="97497"/>
+            <a:ext cx="8459787" cy="338554"/>
+          </a:xfrm>
+          <a:prstGeom prst="rect">
+            <a:avLst/>
+          </a:prstGeom>
+          <a:noFill/>
+          <a:ln>
+            <a:noFill/>
+          </a:ln>
+          <a:extLst>
+            <a:ext uri="{909E8E84-426E-40DD-AFC4-6F175D3DCCD1}">
+              <a14:hiddenFill xmlns:a14="http://schemas.microsoft.com/office/drawing/2010/main">
+                <a:solidFill>
+                  <a:srgbClr val="FFFFFF"/>
+                </a:solidFill>
+              </a14:hiddenFill>
+            </a:ext>
+            <a:ext uri="{91240B29-F687-4F45-9708-019B960494DF}">
+              <a14:hiddenLine xmlns:a14="http://schemas.microsoft.com/office/drawing/2010/main" w="9525">
+                <a:solidFill>
+                  <a:srgbClr val="000000"/>
+                </a:solidFill>
+                <a:miter lim="800000"/>
+                <a:headEnd/>
+                <a:tailEnd/>
+              </a14:hiddenLine>
+            </a:ext>
+          </a:extLst>
+        </p:spPr>
+        <p:txBody>
+          <a:bodyPr>
+            <a:spAutoFit/>
+          </a:bodyPr>
+          <a:lstStyle>
+            <a:lvl1pPr marL="342900" indent="-342900" eaLnBrk="0" hangingPunct="0">
+              <a:tabLst>
+                <a:tab pos="8253413" algn="r"/>
+              </a:tabLst>
+              <a:defRPr sz="2400">
+                <a:solidFill>
+                  <a:schemeClr val="tx1"/>
+                </a:solidFill>
+                <a:latin typeface="Calibri" charset="0"/>
+                <a:ea typeface="ＭＳ Ｐゴシック" charset="0"/>
+                <a:cs typeface="ＭＳ Ｐゴシック" charset="0"/>
+              </a:defRPr>
+            </a:lvl1pPr>
+            <a:lvl2pPr marL="742950" indent="-285750" eaLnBrk="0" hangingPunct="0">
+              <a:tabLst>
+                <a:tab pos="8253413" algn="r"/>
+              </a:tabLst>
+              <a:defRPr sz="2400">
+                <a:solidFill>
+                  <a:schemeClr val="tx1"/>
+                </a:solidFill>
+                <a:latin typeface="Calibri" charset="0"/>
+                <a:ea typeface="ＭＳ Ｐゴシック" charset="0"/>
+              </a:defRPr>
+            </a:lvl2pPr>
+            <a:lvl3pPr marL="1143000" indent="-228600" eaLnBrk="0" hangingPunct="0">
+              <a:tabLst>
+                <a:tab pos="8253413" algn="r"/>
+              </a:tabLst>
+              <a:defRPr sz="2400">
+                <a:solidFill>
+                  <a:schemeClr val="tx1"/>
+                </a:solidFill>
+                <a:latin typeface="Calibri" charset="0"/>
+                <a:ea typeface="ＭＳ Ｐゴシック" charset="0"/>
+              </a:defRPr>
+            </a:lvl3pPr>
+            <a:lvl4pPr marL="1600200" indent="-228600" eaLnBrk="0" hangingPunct="0">
+              <a:tabLst>
+                <a:tab pos="8253413" algn="r"/>
+              </a:tabLst>
+              <a:defRPr sz="2400">
+                <a:solidFill>
+                  <a:schemeClr val="tx1"/>
+                </a:solidFill>
+                <a:latin typeface="Calibri" charset="0"/>
+                <a:ea typeface="ＭＳ Ｐゴシック" charset="0"/>
+              </a:defRPr>
+            </a:lvl4pPr>
+            <a:lvl5pPr marL="2057400" indent="-228600" eaLnBrk="0" hangingPunct="0">
+              <a:tabLst>
+                <a:tab pos="8253413" algn="r"/>
+              </a:tabLst>
+              <a:defRPr sz="2400">
+                <a:solidFill>
+                  <a:schemeClr val="tx1"/>
+                </a:solidFill>
+                <a:latin typeface="Calibri" charset="0"/>
+                <a:ea typeface="ＭＳ Ｐゴシック" charset="0"/>
+              </a:defRPr>
+            </a:lvl5pPr>
+            <a:lvl6pPr marL="2514600" indent="-228600" algn="ctr" eaLnBrk="0" fontAlgn="base" hangingPunct="0">
+              <a:spcBef>
+                <a:spcPct val="50000"/>
+              </a:spcBef>
+              <a:spcAft>
+                <a:spcPct val="0"/>
+              </a:spcAft>
+              <a:tabLst>
+                <a:tab pos="8253413" algn="r"/>
+              </a:tabLst>
+              <a:defRPr sz="2400">
+                <a:solidFill>
+                  <a:schemeClr val="tx1"/>
+                </a:solidFill>
+                <a:latin typeface="Calibri" charset="0"/>
+                <a:ea typeface="ＭＳ Ｐゴシック" charset="0"/>
+              </a:defRPr>
+            </a:lvl6pPr>
+            <a:lvl7pPr marL="2971800" indent="-228600" algn="ctr" eaLnBrk="0" fontAlgn="base" hangingPunct="0">
+              <a:spcBef>
+                <a:spcPct val="50000"/>
+              </a:spcBef>
+              <a:spcAft>
+                <a:spcPct val="0"/>
+              </a:spcAft>
+              <a:tabLst>
+                <a:tab pos="8253413" algn="r"/>
+              </a:tabLst>
+              <a:defRPr sz="2400">
+                <a:solidFill>
+                  <a:schemeClr val="tx1"/>
+                </a:solidFill>
+                <a:latin typeface="Calibri" charset="0"/>
+                <a:ea typeface="ＭＳ Ｐゴシック" charset="0"/>
+              </a:defRPr>
+            </a:lvl7pPr>
+            <a:lvl8pPr marL="3429000" indent="-228600" algn="ctr" eaLnBrk="0" fontAlgn="base" hangingPunct="0">
+              <a:spcBef>
+                <a:spcPct val="50000"/>
+              </a:spcBef>
+              <a:spcAft>
+                <a:spcPct val="0"/>
+              </a:spcAft>
+              <a:tabLst>
+                <a:tab pos="8253413" algn="r"/>
+              </a:tabLst>
+              <a:defRPr sz="2400">
+                <a:solidFill>
+                  <a:schemeClr val="tx1"/>
+                </a:solidFill>
+                <a:latin typeface="Calibri" charset="0"/>
+                <a:ea typeface="ＭＳ Ｐゴシック" charset="0"/>
+              </a:defRPr>
+            </a:lvl8pPr>
+            <a:lvl9pPr marL="3886200" indent="-228600" algn="ctr" eaLnBrk="0" fontAlgn="base" hangingPunct="0">
+              <a:spcBef>
+                <a:spcPct val="50000"/>
+              </a:spcBef>
+              <a:spcAft>
+                <a:spcPct val="0"/>
+              </a:spcAft>
+              <a:tabLst>
+                <a:tab pos="8253413" algn="r"/>
+              </a:tabLst>
+              <a:defRPr sz="2400">
+                <a:solidFill>
+                  <a:schemeClr val="tx1"/>
+                </a:solidFill>
+                <a:latin typeface="Calibri" charset="0"/>
+                <a:ea typeface="ＭＳ Ｐゴシック" charset="0"/>
+              </a:defRPr>
+            </a:lvl9pPr>
+          </a:lstStyle>
+          <a:p>
+            <a:pPr algn="r" eaLnBrk="1" hangingPunct="1"/>
+            <a:r>
+              <a:rPr lang="fr-FR" sz="1600" dirty="0" smtClean="0">
+                <a:solidFill>
+                  <a:schemeClr val="accent6"/>
+                </a:solidFill>
+              </a:rPr>
+              <a:t>EEKE 2020</a:t>
+            </a:r>
+            <a:endParaRPr lang="en-GB" sz="1200" i="1" dirty="0">
+              <a:solidFill>
+                <a:schemeClr val="accent6"/>
+              </a:solidFill>
+            </a:endParaRPr>
+          </a:p>
+        </p:txBody>
+      </p:sp>
+      <p:sp>
+        <p:nvSpPr>
+          <p:cNvPr id="9" name="Inhaltsplatzhalter 2"/>
+          <p:cNvSpPr>
+            <a:spLocks noGrp="1"/>
+          </p:cNvSpPr>
+          <p:nvPr>
+            <p:ph idx="1"/>
+          </p:nvPr>
+        </p:nvSpPr>
+        <p:spPr>
+          <a:xfrm>
+            <a:off x="457200" y="1236135"/>
+            <a:ext cx="8404656" cy="2252132"/>
+          </a:xfrm>
+        </p:spPr>
+        <p:txBody>
+          <a:bodyPr/>
+          <a:lstStyle/>
+          <a:p>
+            <a:pPr algn="just">
+              <a:buFont typeface="Wingdings" panose="05000000000000000000" pitchFamily="2" charset="2"/>
+              <a:buChar char="l"/>
+            </a:pPr>
+            <a:r>
+              <a:rPr lang="en-US" altLang="zh-CN" sz="1800" dirty="0" smtClean="0"/>
+              <a:t>K</a:t>
+            </a:r>
+            <a:r>
+              <a:rPr lang="en-US" sz="1800" dirty="0" smtClean="0"/>
+              <a:t>nowledge </a:t>
+            </a:r>
+            <a:r>
+              <a:rPr lang="en-US" sz="1800" dirty="0"/>
+              <a:t>entity</a:t>
+            </a:r>
+            <a:r>
+              <a:rPr lang="en-US" sz="1800" dirty="0" smtClean="0"/>
+              <a:t>： knowledge mentioned/used/cited </a:t>
+            </a:r>
+            <a:r>
+              <a:rPr lang="en-US" sz="1800" dirty="0"/>
+              <a:t>by authors, such as </a:t>
+            </a:r>
+            <a:r>
+              <a:rPr lang="en-US" sz="1800" dirty="0" smtClean="0"/>
+              <a:t>algorithms, models</a:t>
+            </a:r>
+            <a:r>
+              <a:rPr lang="en-US" sz="1800" dirty="0"/>
+              <a:t>, theories, datasets and software, which reflect </a:t>
+            </a:r>
+            <a:r>
+              <a:rPr lang="en-US" sz="1800" dirty="0" smtClean="0"/>
+              <a:t>the various </a:t>
+            </a:r>
+            <a:r>
+              <a:rPr lang="en-US" sz="1800" dirty="0"/>
+              <a:t>resources </a:t>
+            </a:r>
+            <a:r>
+              <a:rPr lang="en-US" sz="1800" dirty="0" smtClean="0"/>
+              <a:t>proposed/used </a:t>
+            </a:r>
+            <a:r>
+              <a:rPr lang="en-US" sz="1800" dirty="0"/>
+              <a:t>by the authors in solving problems.</a:t>
+            </a:r>
+          </a:p>
+          <a:p>
+            <a:pPr algn="just">
+              <a:buFont typeface="Wingdings" panose="05000000000000000000" pitchFamily="2" charset="2"/>
+              <a:buChar char="l"/>
+            </a:pPr>
+            <a:endParaRPr lang="en-US" sz="1800" dirty="0"/>
+          </a:p>
+          <a:p>
+            <a:pPr algn="just">
+              <a:buFont typeface="Wingdings" panose="05000000000000000000" pitchFamily="2" charset="2"/>
+              <a:buChar char="l"/>
+            </a:pPr>
+            <a:r>
+              <a:rPr lang="en-US" sz="1800" dirty="0"/>
+              <a:t>Extracting knowledge entities from scientific documents in an </a:t>
+            </a:r>
+            <a:r>
+              <a:rPr lang="en-US" sz="1800" dirty="0" smtClean="0"/>
+              <a:t>accurate and </a:t>
+            </a:r>
+            <a:r>
+              <a:rPr lang="en-US" sz="1800" dirty="0"/>
+              <a:t>comprehensive way becomes a significant topic</a:t>
+            </a:r>
+            <a:r>
+              <a:rPr lang="en-US" sz="1800" dirty="0" smtClean="0"/>
+              <a:t>. </a:t>
+            </a:r>
+            <a:r>
+              <a:rPr lang="en-US" altLang="zh-CN" sz="1800" dirty="0" smtClean="0"/>
+              <a:t>It is also a key issue in the filed of digital library.</a:t>
+            </a:r>
+            <a:endParaRPr lang="en-US" sz="1800" dirty="0"/>
+          </a:p>
+          <a:p>
+            <a:pPr algn="just">
+              <a:buFont typeface="Wingdings" panose="05000000000000000000" pitchFamily="2" charset="2"/>
+              <a:buChar char="l"/>
+            </a:pPr>
+            <a:endParaRPr lang="en-US" sz="1800" dirty="0"/>
+          </a:p>
+        </p:txBody>
+      </p:sp>
+      <p:pic>
+        <p:nvPicPr>
+          <p:cNvPr id="6" name="Picture 5" descr="Recycling Translations 1"/>
+          <p:cNvPicPr>
+            <a:picLocks noChangeAspect="1" noChangeArrowheads="1"/>
+          </p:cNvPicPr>
+          <p:nvPr/>
+        </p:nvPicPr>
+        <p:blipFill>
+          <a:blip r:embed="rId3" cstate="email">
+            <a:extLst>
+              <a:ext uri="{28A0092B-C50C-407E-A947-70E740481C1C}">
+                <a14:useLocalDpi xmlns:a14="http://schemas.microsoft.com/office/drawing/2010/main" val="0"/>
+              </a:ext>
+            </a:extLst>
+          </a:blip>
+          <a:srcRect/>
+          <a:stretch>
+            <a:fillRect/>
+          </a:stretch>
+        </p:blipFill>
+        <p:spPr bwMode="auto">
+          <a:xfrm>
+            <a:off x="684213" y="3598864"/>
+            <a:ext cx="3859409" cy="2154149"/>
+          </a:xfrm>
+          <a:prstGeom prst="rect">
+            <a:avLst/>
+          </a:prstGeom>
+          <a:noFill/>
+          <a:ln>
+            <a:noFill/>
+          </a:ln>
+          <a:extLst>
+            <a:ext uri="{909E8E84-426E-40DD-AFC4-6F175D3DCCD1}">
+              <a14:hiddenFill xmlns:a14="http://schemas.microsoft.com/office/drawing/2010/main">
+                <a:solidFill>
+                  <a:srgbClr val="FFFFFF"/>
+                </a:solidFill>
+              </a14:hiddenFill>
+            </a:ext>
+            <a:ext uri="{91240B29-F687-4F45-9708-019B960494DF}">
+              <a14:hiddenLine xmlns:a14="http://schemas.microsoft.com/office/drawing/2010/main" w="9525">
+                <a:solidFill>
+                  <a:srgbClr val="000000"/>
+                </a:solidFill>
+                <a:miter lim="800000"/>
+                <a:headEnd/>
+                <a:tailEnd/>
+              </a14:hiddenLine>
+            </a:ext>
+          </a:extLst>
+        </p:spPr>
+      </p:pic>
+      <p:pic>
+        <p:nvPicPr>
+          <p:cNvPr id="11" name="图片 10"/>
+          <p:cNvPicPr>
+            <a:picLocks noChangeAspect="1"/>
+          </p:cNvPicPr>
+          <p:nvPr/>
+        </p:nvPicPr>
+        <p:blipFill>
+          <a:blip r:embed="rId4"/>
+          <a:stretch>
+            <a:fillRect/>
+          </a:stretch>
+        </p:blipFill>
+        <p:spPr>
+          <a:xfrm>
+            <a:off x="4543622" y="3693490"/>
+            <a:ext cx="3973845" cy="2127362"/>
+          </a:xfrm>
+          <a:prstGeom prst="rect">
+            <a:avLst/>
+          </a:prstGeom>
+        </p:spPr>
+      </p:pic>
+      <p:sp>
+        <p:nvSpPr>
+          <p:cNvPr id="12" name="矩形 11"/>
+          <p:cNvSpPr/>
+          <p:nvPr/>
+        </p:nvSpPr>
+        <p:spPr>
+          <a:xfrm>
+            <a:off x="4707468" y="6153443"/>
+            <a:ext cx="4154388" cy="246221"/>
+          </a:xfrm>
+          <a:prstGeom prst="rect">
+            <a:avLst/>
+          </a:prstGeom>
+        </p:spPr>
+        <p:txBody>
+          <a:bodyPr wrap="square">
+            <a:spAutoFit/>
+          </a:bodyPr>
+          <a:lstStyle/>
+          <a:p>
+            <a:r>
+              <a:rPr lang="en-US" altLang="zh-CN" sz="1000" i="1" dirty="0" smtClean="0"/>
+              <a:t>(</a:t>
+            </a:r>
+            <a:r>
+              <a:rPr lang="zh-CN" altLang="en-US" sz="1000" i="1" dirty="0" smtClean="0"/>
+              <a:t>Zha </a:t>
+            </a:r>
+            <a:r>
+              <a:rPr lang="zh-CN" altLang="en-US" sz="1000" i="1" dirty="0"/>
+              <a:t>et.al. Mining Algorithm Roadmap in Scientific Publications. KDD</a:t>
+            </a:r>
+            <a:r>
+              <a:rPr lang="zh-CN" altLang="en-US" sz="1000" i="1" dirty="0" smtClean="0"/>
+              <a:t>2019</a:t>
+            </a:r>
+            <a:r>
+              <a:rPr lang="en-US" altLang="zh-CN" sz="1000" i="1" dirty="0" smtClean="0"/>
+              <a:t>)</a:t>
+            </a:r>
+            <a:endParaRPr lang="zh-CN" altLang="en-US" sz="1000" i="1" dirty="0"/>
+          </a:p>
+        </p:txBody>
+      </p:sp>
+    </p:spTree>
+    <p:extLst>
+      <p:ext uri="{BB962C8B-B14F-4D97-AF65-F5344CB8AC3E}">
+        <p14:creationId xmlns:p14="http://schemas.microsoft.com/office/powerpoint/2010/main" val="532252849"/>
+      </p:ext>
+    </p:extLst>
+  </p:cSld>
+  <p:clrMapOvr>
+    <a:masterClrMapping/>
+  </p:clrMapOvr>
+  <p:timing>
+    <p:tnLst>
+      <p:par>
+        <p:cTn id="1" dur="indefinite" restart="never" nodeType="tmRoot"/>
+      </p:par>
+    </p:tnLst>
+  </p:timing>
+</p:sld>
+</file>
+
+<file path=ppt/slides/slide5.xml><?xml version="1.0" encoding="utf-8"?>
+<p:sld xmlns:a="http://schemas.openxmlformats.org/drawingml/2006/main" xmlns:r="http://schemas.openxmlformats.org/officeDocument/2006/relationships" xmlns:p="http://schemas.openxmlformats.org/presentationml/2006/main">
+  <p:cSld>
+    <p:spTree>
+      <p:nvGrpSpPr>
+        <p:cNvPr id="1" name=""/>
+        <p:cNvGrpSpPr/>
+        <p:nvPr/>
+      </p:nvGrpSpPr>
+      <p:grpSpPr>
+        <a:xfrm>
+          <a:off x="0" y="0"/>
+          <a:ext cx="0" cy="0"/>
+          <a:chOff x="0" y="0"/>
+          <a:chExt cx="0" cy="0"/>
+        </a:xfrm>
+      </p:grpSpPr>
+      <p:sp>
+        <p:nvSpPr>
+          <p:cNvPr id="17410" name="Espace réservé du numéro de diapositive 5"/>
+          <p:cNvSpPr>
+            <a:spLocks noGrp="1"/>
+          </p:cNvSpPr>
+          <p:nvPr>
+            <p:ph type="sldNum" sz="quarter" idx="11"/>
+          </p:nvPr>
+        </p:nvSpPr>
+        <p:spPr>
+          <a:xfrm>
+            <a:off x="7010400" y="6400800"/>
+            <a:ext cx="2133600" cy="457200"/>
+          </a:xfrm>
+          <a:noFill/>
+          <a:ln/>
+          <a:extLst>
+            <a:ext uri="{909E8E84-426E-40DD-AFC4-6F175D3DCCD1}">
+              <a14:hiddenFill xmlns:a14="http://schemas.microsoft.com/office/drawing/2010/main">
+                <a:solidFill>
+                  <a:srgbClr val="FFFFFF"/>
+                </a:solidFill>
+              </a14:hiddenFill>
+            </a:ext>
+            <a:ext uri="{91240B29-F687-4F45-9708-019B960494DF}">
+              <a14:hiddenLine xmlns:a14="http://schemas.microsoft.com/office/drawing/2010/main" w="9525">
+                <a:solidFill>
+                  <a:srgbClr val="000000"/>
+                </a:solidFill>
+                <a:miter lim="800000"/>
+                <a:headEnd/>
+                <a:tailEnd/>
+              </a14:hiddenLine>
+            </a:ext>
+          </a:extLst>
+        </p:spPr>
+        <p:txBody>
+          <a:bodyPr/>
+          <a:lstStyle>
+            <a:lvl1pPr eaLnBrk="0" hangingPunct="0">
+              <a:defRPr sz="2400">
+                <a:solidFill>
+                  <a:schemeClr val="tx1"/>
+                </a:solidFill>
+                <a:latin typeface="Calibri" charset="0"/>
+                <a:ea typeface="ＭＳ Ｐゴシック" charset="0"/>
+                <a:cs typeface="ＭＳ Ｐゴシック" charset="0"/>
+              </a:defRPr>
+            </a:lvl1pPr>
+            <a:lvl2pPr marL="742950" indent="-285750" eaLnBrk="0" hangingPunct="0">
+              <a:defRPr sz="2400">
+                <a:solidFill>
+                  <a:schemeClr val="tx1"/>
+                </a:solidFill>
+                <a:latin typeface="Calibri" charset="0"/>
+                <a:ea typeface="ＭＳ Ｐゴシック" charset="0"/>
+              </a:defRPr>
+            </a:lvl2pPr>
+            <a:lvl3pPr marL="1143000" indent="-228600" eaLnBrk="0" hangingPunct="0">
+              <a:defRPr sz="2400">
+                <a:solidFill>
+                  <a:schemeClr val="tx1"/>
+                </a:solidFill>
+                <a:latin typeface="Calibri" charset="0"/>
+                <a:ea typeface="ＭＳ Ｐゴシック" charset="0"/>
+              </a:defRPr>
+            </a:lvl3pPr>
+            <a:lvl4pPr marL="1600200" indent="-228600" eaLnBrk="0" hangingPunct="0">
+              <a:defRPr sz="2400">
+                <a:solidFill>
+                  <a:schemeClr val="tx1"/>
+                </a:solidFill>
+                <a:latin typeface="Calibri" charset="0"/>
+                <a:ea typeface="ＭＳ Ｐゴシック" charset="0"/>
+              </a:defRPr>
+            </a:lvl4pPr>
+            <a:lvl5pPr marL="2057400" indent="-228600" eaLnBrk="0" hangingPunct="0">
+              <a:defRPr sz="2400">
+                <a:solidFill>
+                  <a:schemeClr val="tx1"/>
+                </a:solidFill>
+                <a:latin typeface="Calibri" charset="0"/>
+                <a:ea typeface="ＭＳ Ｐゴシック" charset="0"/>
+              </a:defRPr>
+            </a:lvl5pPr>
+            <a:lvl6pPr marL="2514600" indent="-228600" algn="ctr" eaLnBrk="0" fontAlgn="base" hangingPunct="0">
+              <a:spcBef>
+                <a:spcPct val="50000"/>
+              </a:spcBef>
+              <a:spcAft>
+                <a:spcPct val="0"/>
+              </a:spcAft>
+              <a:defRPr sz="2400">
+                <a:solidFill>
+                  <a:schemeClr val="tx1"/>
+                </a:solidFill>
+                <a:latin typeface="Calibri" charset="0"/>
+                <a:ea typeface="ＭＳ Ｐゴシック" charset="0"/>
+              </a:defRPr>
+            </a:lvl6pPr>
+            <a:lvl7pPr marL="2971800" indent="-228600" algn="ctr" eaLnBrk="0" fontAlgn="base" hangingPunct="0">
+              <a:spcBef>
+                <a:spcPct val="50000"/>
+              </a:spcBef>
+              <a:spcAft>
+                <a:spcPct val="0"/>
+              </a:spcAft>
+              <a:defRPr sz="2400">
+                <a:solidFill>
+                  <a:schemeClr val="tx1"/>
+                </a:solidFill>
+                <a:latin typeface="Calibri" charset="0"/>
+                <a:ea typeface="ＭＳ Ｐゴシック" charset="0"/>
+              </a:defRPr>
+            </a:lvl7pPr>
+            <a:lvl8pPr marL="3429000" indent="-228600" algn="ctr" eaLnBrk="0" fontAlgn="base" hangingPunct="0">
+              <a:spcBef>
+                <a:spcPct val="50000"/>
+              </a:spcBef>
+              <a:spcAft>
+                <a:spcPct val="0"/>
+              </a:spcAft>
+              <a:defRPr sz="2400">
+                <a:solidFill>
+                  <a:schemeClr val="tx1"/>
+                </a:solidFill>
+                <a:latin typeface="Calibri" charset="0"/>
+                <a:ea typeface="ＭＳ Ｐゴシック" charset="0"/>
+              </a:defRPr>
+            </a:lvl8pPr>
+            <a:lvl9pPr marL="3886200" indent="-228600" algn="ctr" eaLnBrk="0" fontAlgn="base" hangingPunct="0">
+              <a:spcBef>
+                <a:spcPct val="50000"/>
+              </a:spcBef>
+              <a:spcAft>
+                <a:spcPct val="0"/>
+              </a:spcAft>
+              <a:defRPr sz="2400">
+                <a:solidFill>
+                  <a:schemeClr val="tx1"/>
+                </a:solidFill>
+                <a:latin typeface="Calibri" charset="0"/>
+                <a:ea typeface="ＭＳ Ｐゴシック" charset="0"/>
+              </a:defRPr>
+            </a:lvl9pPr>
+          </a:lstStyle>
+          <a:p>
+            <a:pPr eaLnBrk="1" hangingPunct="1"/>
+            <a:fld id="{2885B478-7DA6-BA40-9EF5-9E15BC7A0401}" type="slidenum">
+              <a:rPr lang="en-GB" sz="1200" smtClean="0">
+                <a:latin typeface="Arial Black" charset="0"/>
+              </a:rPr>
+              <a:pPr eaLnBrk="1" hangingPunct="1"/>
+              <a:t>5</a:t>
+            </a:fld>
+            <a:endParaRPr lang="en-GB" sz="1200" dirty="0">
+              <a:latin typeface="Arial Black" charset="0"/>
+            </a:endParaRPr>
+          </a:p>
+        </p:txBody>
+      </p:sp>
+      <p:sp>
+        <p:nvSpPr>
+          <p:cNvPr id="8" name="Rectangle 2"/>
+          <p:cNvSpPr>
+            <a:spLocks noGrp="1" noChangeArrowheads="1"/>
+          </p:cNvSpPr>
+          <p:nvPr>
+            <p:ph type="title"/>
+          </p:nvPr>
+        </p:nvSpPr>
+        <p:spPr>
+          <a:xfrm>
+            <a:off x="457200" y="457200"/>
+            <a:ext cx="8686800" cy="668338"/>
+          </a:xfrm>
+        </p:spPr>
+        <p:txBody>
+          <a:bodyPr/>
+          <a:lstStyle/>
+          <a:p>
+            <a:pPr marL="536575" indent="-536575" eaLnBrk="1" hangingPunct="1"/>
+            <a:r>
+              <a:rPr lang="en-GB" sz="3200" dirty="0" smtClean="0">
+                <a:solidFill>
+                  <a:srgbClr val="CC0000"/>
+                </a:solidFill>
+                <a:latin typeface="Calibri" charset="0"/>
+                <a:sym typeface="Wingdings" charset="0"/>
+              </a:rPr>
+              <a:t>Goal</a:t>
+            </a:r>
+            <a:endParaRPr lang="en-GB" sz="3200" dirty="0">
+              <a:solidFill>
+                <a:srgbClr val="CC0000"/>
+              </a:solidFill>
+              <a:latin typeface="Calibri" charset="0"/>
+            </a:endParaRPr>
+          </a:p>
+        </p:txBody>
+      </p:sp>
+      <p:sp>
+        <p:nvSpPr>
+          <p:cNvPr id="17" name="Text Box 4">
+            <a:extLst>
+              <a:ext uri="{FF2B5EF4-FFF2-40B4-BE49-F238E27FC236}">
+                <a16:creationId xmlns:a16="http://schemas.microsoft.com/office/drawing/2014/main" xmlns="" id="{7FB8B298-1DE1-8446-854E-9DA7260C306B}"/>
+              </a:ext>
+            </a:extLst>
+          </p:cNvPr>
+          <p:cNvSpPr txBox="1">
+            <a:spLocks noChangeArrowheads="1"/>
+          </p:cNvSpPr>
+          <p:nvPr/>
+        </p:nvSpPr>
+        <p:spPr bwMode="auto">
+          <a:xfrm>
+            <a:off x="684213" y="97497"/>
+            <a:ext cx="8459787" cy="338554"/>
+          </a:xfrm>
+          <a:prstGeom prst="rect">
+            <a:avLst/>
+          </a:prstGeom>
+          <a:noFill/>
+          <a:ln>
+            <a:noFill/>
+          </a:ln>
+          <a:extLst>
+            <a:ext uri="{909E8E84-426E-40DD-AFC4-6F175D3DCCD1}">
+              <a14:hiddenFill xmlns:a14="http://schemas.microsoft.com/office/drawing/2010/main">
+                <a:solidFill>
+                  <a:srgbClr val="FFFFFF"/>
+                </a:solidFill>
+              </a14:hiddenFill>
+            </a:ext>
+            <a:ext uri="{91240B29-F687-4F45-9708-019B960494DF}">
+              <a14:hiddenLine xmlns:a14="http://schemas.microsoft.com/office/drawing/2010/main" w="9525">
+                <a:solidFill>
+                  <a:srgbClr val="000000"/>
+                </a:solidFill>
+                <a:miter lim="800000"/>
+                <a:headEnd/>
+                <a:tailEnd/>
+              </a14:hiddenLine>
+            </a:ext>
+          </a:extLst>
+        </p:spPr>
+        <p:txBody>
+          <a:bodyPr>
+            <a:spAutoFit/>
+          </a:bodyPr>
+          <a:lstStyle>
+            <a:lvl1pPr marL="342900" indent="-342900" eaLnBrk="0" hangingPunct="0">
+              <a:tabLst>
+                <a:tab pos="8253413" algn="r"/>
+              </a:tabLst>
+              <a:defRPr sz="2400">
+                <a:solidFill>
+                  <a:schemeClr val="tx1"/>
+                </a:solidFill>
+                <a:latin typeface="Calibri" charset="0"/>
+                <a:ea typeface="ＭＳ Ｐゴシック" charset="0"/>
+                <a:cs typeface="ＭＳ Ｐゴシック" charset="0"/>
+              </a:defRPr>
+            </a:lvl1pPr>
+            <a:lvl2pPr marL="742950" indent="-285750" eaLnBrk="0" hangingPunct="0">
+              <a:tabLst>
+                <a:tab pos="8253413" algn="r"/>
+              </a:tabLst>
+              <a:defRPr sz="2400">
+                <a:solidFill>
+                  <a:schemeClr val="tx1"/>
+                </a:solidFill>
+                <a:latin typeface="Calibri" charset="0"/>
+                <a:ea typeface="ＭＳ Ｐゴシック" charset="0"/>
+              </a:defRPr>
+            </a:lvl2pPr>
+            <a:lvl3pPr marL="1143000" indent="-228600" eaLnBrk="0" hangingPunct="0">
+              <a:tabLst>
+                <a:tab pos="8253413" algn="r"/>
+              </a:tabLst>
+              <a:defRPr sz="2400">
+                <a:solidFill>
+                  <a:schemeClr val="tx1"/>
+                </a:solidFill>
+                <a:latin typeface="Calibri" charset="0"/>
+                <a:ea typeface="ＭＳ Ｐゴシック" charset="0"/>
+              </a:defRPr>
+            </a:lvl3pPr>
+            <a:lvl4pPr marL="1600200" indent="-228600" eaLnBrk="0" hangingPunct="0">
+              <a:tabLst>
+                <a:tab pos="8253413" algn="r"/>
+              </a:tabLst>
+              <a:defRPr sz="2400">
+                <a:solidFill>
+                  <a:schemeClr val="tx1"/>
+                </a:solidFill>
+                <a:latin typeface="Calibri" charset="0"/>
+                <a:ea typeface="ＭＳ Ｐゴシック" charset="0"/>
+              </a:defRPr>
+            </a:lvl4pPr>
+            <a:lvl5pPr marL="2057400" indent="-228600" eaLnBrk="0" hangingPunct="0">
+              <a:tabLst>
+                <a:tab pos="8253413" algn="r"/>
+              </a:tabLst>
+              <a:defRPr sz="2400">
+                <a:solidFill>
+                  <a:schemeClr val="tx1"/>
+                </a:solidFill>
+                <a:latin typeface="Calibri" charset="0"/>
+                <a:ea typeface="ＭＳ Ｐゴシック" charset="0"/>
+              </a:defRPr>
+            </a:lvl5pPr>
+            <a:lvl6pPr marL="2514600" indent="-228600" algn="ctr" eaLnBrk="0" fontAlgn="base" hangingPunct="0">
+              <a:spcBef>
+                <a:spcPct val="50000"/>
+              </a:spcBef>
+              <a:spcAft>
+                <a:spcPct val="0"/>
+              </a:spcAft>
+              <a:tabLst>
+                <a:tab pos="8253413" algn="r"/>
+              </a:tabLst>
+              <a:defRPr sz="2400">
+                <a:solidFill>
+                  <a:schemeClr val="tx1"/>
+                </a:solidFill>
+                <a:latin typeface="Calibri" charset="0"/>
+                <a:ea typeface="ＭＳ Ｐゴシック" charset="0"/>
+              </a:defRPr>
+            </a:lvl6pPr>
+            <a:lvl7pPr marL="2971800" indent="-228600" algn="ctr" eaLnBrk="0" fontAlgn="base" hangingPunct="0">
+              <a:spcBef>
+                <a:spcPct val="50000"/>
+              </a:spcBef>
+              <a:spcAft>
+                <a:spcPct val="0"/>
+              </a:spcAft>
+              <a:tabLst>
+                <a:tab pos="8253413" algn="r"/>
+              </a:tabLst>
+              <a:defRPr sz="2400">
+                <a:solidFill>
+                  <a:schemeClr val="tx1"/>
+                </a:solidFill>
+                <a:latin typeface="Calibri" charset="0"/>
+                <a:ea typeface="ＭＳ Ｐゴシック" charset="0"/>
+              </a:defRPr>
+            </a:lvl7pPr>
+            <a:lvl8pPr marL="3429000" indent="-228600" algn="ctr" eaLnBrk="0" fontAlgn="base" hangingPunct="0">
+              <a:spcBef>
+                <a:spcPct val="50000"/>
+              </a:spcBef>
+              <a:spcAft>
+                <a:spcPct val="0"/>
+              </a:spcAft>
+              <a:tabLst>
+                <a:tab pos="8253413" algn="r"/>
+              </a:tabLst>
+              <a:defRPr sz="2400">
+                <a:solidFill>
+                  <a:schemeClr val="tx1"/>
+                </a:solidFill>
+                <a:latin typeface="Calibri" charset="0"/>
+                <a:ea typeface="ＭＳ Ｐゴシック" charset="0"/>
+              </a:defRPr>
+            </a:lvl8pPr>
+            <a:lvl9pPr marL="3886200" indent="-228600" algn="ctr" eaLnBrk="0" fontAlgn="base" hangingPunct="0">
+              <a:spcBef>
+                <a:spcPct val="50000"/>
+              </a:spcBef>
+              <a:spcAft>
+                <a:spcPct val="0"/>
+              </a:spcAft>
+              <a:tabLst>
+                <a:tab pos="8253413" algn="r"/>
+              </a:tabLst>
+              <a:defRPr sz="2400">
+                <a:solidFill>
+                  <a:schemeClr val="tx1"/>
+                </a:solidFill>
+                <a:latin typeface="Calibri" charset="0"/>
+                <a:ea typeface="ＭＳ Ｐゴシック" charset="0"/>
+              </a:defRPr>
+            </a:lvl9pPr>
+          </a:lstStyle>
+          <a:p>
+            <a:pPr algn="r" eaLnBrk="1" hangingPunct="1"/>
+            <a:r>
+              <a:rPr lang="fr-FR" sz="1600" dirty="0" smtClean="0">
+                <a:solidFill>
+                  <a:schemeClr val="accent6"/>
+                </a:solidFill>
+              </a:rPr>
+              <a:t>EEKE 2020</a:t>
+            </a:r>
+            <a:endParaRPr lang="en-GB" sz="1200" i="1" dirty="0">
+              <a:solidFill>
+                <a:schemeClr val="accent6"/>
+              </a:solidFill>
+            </a:endParaRPr>
+          </a:p>
+        </p:txBody>
+      </p:sp>
+      <p:sp>
+        <p:nvSpPr>
+          <p:cNvPr id="9" name="Inhaltsplatzhalter 2"/>
+          <p:cNvSpPr>
+            <a:spLocks noGrp="1"/>
+          </p:cNvSpPr>
+          <p:nvPr>
+            <p:ph idx="1"/>
+          </p:nvPr>
+        </p:nvSpPr>
+        <p:spPr>
+          <a:xfrm>
+            <a:off x="457200" y="1236135"/>
+            <a:ext cx="8404656" cy="3886200"/>
+          </a:xfrm>
+        </p:spPr>
+        <p:txBody>
+          <a:bodyPr/>
+          <a:lstStyle/>
+          <a:p>
+            <a:pPr algn="just">
+              <a:buFont typeface="Wingdings" panose="05000000000000000000" pitchFamily="2" charset="2"/>
+              <a:buChar char="l"/>
+            </a:pPr>
+            <a:r>
+              <a:rPr lang="en-US" altLang="zh-CN" sz="1800" dirty="0" smtClean="0"/>
+              <a:t>K</a:t>
+            </a:r>
+            <a:r>
+              <a:rPr lang="en-US" sz="1800" dirty="0" smtClean="0"/>
+              <a:t>nowledge </a:t>
+            </a:r>
+            <a:r>
+              <a:rPr lang="en-US" sz="1800" dirty="0"/>
+              <a:t>entity</a:t>
+            </a:r>
+            <a:r>
+              <a:rPr lang="en-US" sz="1800" dirty="0" smtClean="0"/>
+              <a:t>： knowledge mentioned/used/cited </a:t>
+            </a:r>
+            <a:r>
+              <a:rPr lang="en-US" sz="1800" dirty="0"/>
+              <a:t>by authors, such as </a:t>
+            </a:r>
+            <a:r>
+              <a:rPr lang="en-US" sz="1800" dirty="0" smtClean="0"/>
+              <a:t>algorithms, models</a:t>
+            </a:r>
+            <a:r>
+              <a:rPr lang="en-US" sz="1800" dirty="0"/>
+              <a:t>, theories, datasets and software, which reflect </a:t>
+            </a:r>
+            <a:r>
+              <a:rPr lang="en-US" sz="1800" dirty="0" smtClean="0"/>
+              <a:t>the various </a:t>
+            </a:r>
+            <a:r>
+              <a:rPr lang="en-US" sz="1800" dirty="0"/>
+              <a:t>resources </a:t>
+            </a:r>
+            <a:r>
+              <a:rPr lang="en-US" sz="1800" dirty="0" smtClean="0"/>
+              <a:t>proposed/used </a:t>
+            </a:r>
+            <a:r>
+              <a:rPr lang="en-US" sz="1800" dirty="0"/>
+              <a:t>by the authors in solving problems.</a:t>
+            </a:r>
+          </a:p>
+          <a:p>
+            <a:pPr algn="just">
+              <a:buFont typeface="Wingdings" panose="05000000000000000000" pitchFamily="2" charset="2"/>
+              <a:buChar char="l"/>
+            </a:pPr>
+            <a:endParaRPr lang="en-US" sz="1800" dirty="0"/>
+          </a:p>
+          <a:p>
+            <a:pPr algn="just">
+              <a:buFont typeface="Wingdings" panose="05000000000000000000" pitchFamily="2" charset="2"/>
+              <a:buChar char="l"/>
+            </a:pPr>
+            <a:r>
+              <a:rPr lang="en-US" sz="1800" dirty="0"/>
+              <a:t>Extracting knowledge entities from scientific documents in an </a:t>
+            </a:r>
+            <a:r>
+              <a:rPr lang="en-US" sz="1800" dirty="0" smtClean="0"/>
+              <a:t>accurate and </a:t>
+            </a:r>
+            <a:r>
+              <a:rPr lang="en-US" sz="1800" dirty="0"/>
+              <a:t>comprehensive way becomes a significant topic</a:t>
+            </a:r>
+            <a:r>
+              <a:rPr lang="en-US" sz="1800" dirty="0" smtClean="0"/>
+              <a:t>. </a:t>
+            </a:r>
+            <a:r>
+              <a:rPr lang="en-US" altLang="zh-CN" sz="1800" dirty="0" smtClean="0"/>
+              <a:t>It is also a key issue in the filed of digital library.</a:t>
+            </a:r>
+            <a:endParaRPr lang="en-US" sz="1800" dirty="0"/>
+          </a:p>
+          <a:p>
+            <a:pPr algn="just">
+              <a:buFont typeface="Wingdings" panose="05000000000000000000" pitchFamily="2" charset="2"/>
+              <a:buChar char="l"/>
+            </a:pPr>
+            <a:endParaRPr lang="en-US" sz="1800" dirty="0"/>
+          </a:p>
+          <a:p>
+            <a:pPr algn="just">
+              <a:buFont typeface="Wingdings" panose="05000000000000000000" pitchFamily="2" charset="2"/>
+              <a:buChar char="l"/>
+            </a:pPr>
+            <a:r>
+              <a:rPr lang="en-US" sz="1800" dirty="0"/>
+              <a:t>EEKE </a:t>
+            </a:r>
+            <a:r>
+              <a:rPr lang="en-US" sz="1800" dirty="0" smtClean="0"/>
+              <a:t>workshop aims </a:t>
+            </a:r>
+            <a:r>
+              <a:rPr lang="en-US" sz="1800" dirty="0"/>
+              <a:t>to extract knowledge entities from scientific documents, </a:t>
+            </a:r>
+            <a:r>
+              <a:rPr lang="en-US" sz="1800" dirty="0" smtClean="0"/>
+              <a:t>and explore </a:t>
+            </a:r>
+            <a:r>
+              <a:rPr lang="en-US" sz="1800" dirty="0"/>
+              <a:t>the features of entities to conduct practical applications.</a:t>
+            </a:r>
+            <a:endParaRPr lang="de-DE" sz="1800" dirty="0"/>
+          </a:p>
+        </p:txBody>
+      </p:sp>
+      <p:pic>
+        <p:nvPicPr>
+          <p:cNvPr id="2" name="图片 1"/>
+          <p:cNvPicPr>
+            <a:picLocks noChangeAspect="1"/>
+          </p:cNvPicPr>
+          <p:nvPr/>
+        </p:nvPicPr>
+        <p:blipFill>
+          <a:blip r:embed="rId3"/>
+          <a:stretch>
+            <a:fillRect/>
+          </a:stretch>
+        </p:blipFill>
+        <p:spPr>
+          <a:xfrm>
+            <a:off x="237067" y="4395174"/>
+            <a:ext cx="2624666" cy="1609366"/>
+          </a:xfrm>
+          <a:prstGeom prst="rect">
+            <a:avLst/>
+          </a:prstGeom>
+          <a:ln>
+            <a:solidFill>
+              <a:schemeClr val="accent1"/>
+            </a:solidFill>
+          </a:ln>
+        </p:spPr>
+      </p:pic>
+      <p:sp>
+        <p:nvSpPr>
+          <p:cNvPr id="3" name="矩形 2"/>
+          <p:cNvSpPr/>
+          <p:nvPr/>
+        </p:nvSpPr>
+        <p:spPr>
+          <a:xfrm>
+            <a:off x="345489" y="6110398"/>
+            <a:ext cx="2292007" cy="646331"/>
+          </a:xfrm>
+          <a:prstGeom prst="rect">
+            <a:avLst/>
+          </a:prstGeom>
+        </p:spPr>
+        <p:txBody>
+          <a:bodyPr wrap="square">
+            <a:spAutoFit/>
+          </a:bodyPr>
+          <a:lstStyle/>
+          <a:p>
+            <a:r>
+              <a:rPr lang="en-US" altLang="zh-CN" sz="1200" b="1" dirty="0" err="1" smtClean="0"/>
+              <a:t>NLPprogress</a:t>
+            </a:r>
+            <a:r>
+              <a:rPr lang="zh-CN" altLang="en-US" sz="1200" dirty="0"/>
+              <a:t> </a:t>
+            </a:r>
+            <a:r>
+              <a:rPr lang="zh-CN" altLang="en-US" sz="1200" dirty="0" smtClean="0"/>
+              <a:t>https</a:t>
+            </a:r>
+            <a:r>
+              <a:rPr lang="zh-CN" altLang="en-US" sz="1200" dirty="0"/>
+              <a:t>://nlpprogress.com/english/sentiment_analysis.html</a:t>
+            </a:r>
+          </a:p>
+        </p:txBody>
+      </p:sp>
+      <p:pic>
+        <p:nvPicPr>
+          <p:cNvPr id="4" name="图片 3"/>
+          <p:cNvPicPr>
+            <a:picLocks noChangeAspect="1"/>
+          </p:cNvPicPr>
+          <p:nvPr/>
+        </p:nvPicPr>
+        <p:blipFill>
+          <a:blip r:embed="rId4"/>
+          <a:stretch>
+            <a:fillRect/>
+          </a:stretch>
+        </p:blipFill>
+        <p:spPr>
+          <a:xfrm>
+            <a:off x="3114513" y="4396937"/>
+            <a:ext cx="2608954" cy="1607603"/>
+          </a:xfrm>
+          <a:prstGeom prst="rect">
+            <a:avLst/>
+          </a:prstGeom>
+          <a:ln>
+            <a:solidFill>
+              <a:schemeClr val="accent1"/>
+            </a:solidFill>
+          </a:ln>
+        </p:spPr>
+      </p:pic>
+      <p:sp>
+        <p:nvSpPr>
+          <p:cNvPr id="5" name="矩形 4"/>
+          <p:cNvSpPr/>
+          <p:nvPr/>
+        </p:nvSpPr>
+        <p:spPr>
+          <a:xfrm>
+            <a:off x="2919640" y="6110398"/>
+            <a:ext cx="2906705" cy="646331"/>
+          </a:xfrm>
+          <a:prstGeom prst="rect">
+            <a:avLst/>
+          </a:prstGeom>
+        </p:spPr>
+        <p:txBody>
+          <a:bodyPr wrap="square">
+            <a:spAutoFit/>
+          </a:bodyPr>
+          <a:lstStyle/>
+          <a:p>
+            <a:r>
+              <a:rPr lang="en-US" altLang="zh-CN" sz="1200" b="1" dirty="0" err="1" smtClean="0"/>
+              <a:t>Paperswithcode</a:t>
+            </a:r>
+            <a:r>
+              <a:rPr lang="zh-CN" altLang="en-US" sz="1200" b="1" dirty="0"/>
+              <a:t> </a:t>
+            </a:r>
+            <a:r>
+              <a:rPr lang="zh-CN" altLang="en-US" sz="1200" dirty="0" smtClean="0"/>
+              <a:t>https://www.paperswithcode.com/methods/category/word-embeddings</a:t>
+            </a:r>
+            <a:endParaRPr lang="zh-CN" altLang="en-US" sz="1200" dirty="0"/>
+          </a:p>
+        </p:txBody>
+      </p:sp>
+      <p:pic>
+        <p:nvPicPr>
+          <p:cNvPr id="11" name="图片 10"/>
+          <p:cNvPicPr>
+            <a:picLocks noChangeAspect="1"/>
+          </p:cNvPicPr>
+          <p:nvPr/>
+        </p:nvPicPr>
+        <p:blipFill>
+          <a:blip r:embed="rId5"/>
+          <a:stretch>
+            <a:fillRect/>
+          </a:stretch>
+        </p:blipFill>
+        <p:spPr>
+          <a:xfrm>
+            <a:off x="5971081" y="4396937"/>
+            <a:ext cx="2890775" cy="1607603"/>
+          </a:xfrm>
+          <a:prstGeom prst="rect">
+            <a:avLst/>
+          </a:prstGeom>
+        </p:spPr>
+      </p:pic>
+      <p:sp>
+        <p:nvSpPr>
+          <p:cNvPr id="12" name="矩形 11"/>
+          <p:cNvSpPr/>
+          <p:nvPr/>
+        </p:nvSpPr>
+        <p:spPr>
+          <a:xfrm>
+            <a:off x="6108489" y="6110398"/>
+            <a:ext cx="2811274" cy="646331"/>
+          </a:xfrm>
+          <a:prstGeom prst="rect">
+            <a:avLst/>
+          </a:prstGeom>
+        </p:spPr>
+        <p:txBody>
+          <a:bodyPr wrap="square">
+            <a:spAutoFit/>
+          </a:bodyPr>
+          <a:lstStyle/>
+          <a:p>
+            <a:r>
+              <a:rPr lang="en-US" altLang="zh-CN" sz="1200" b="1" dirty="0" smtClean="0"/>
+              <a:t>IBM science summarizer </a:t>
+            </a:r>
+            <a:r>
+              <a:rPr lang="zh-CN" altLang="en-US" sz="1200" dirty="0" smtClean="0"/>
+              <a:t>https</a:t>
+            </a:r>
+            <a:r>
+              <a:rPr lang="zh-CN" altLang="en-US" sz="1200" dirty="0"/>
+              <a:t>://dimsum.eu-gb.containers.appdomain.cloud/</a:t>
+            </a:r>
+          </a:p>
+        </p:txBody>
+      </p:sp>
+    </p:spTree>
+    <p:extLst>
+      <p:ext uri="{BB962C8B-B14F-4D97-AF65-F5344CB8AC3E}">
+        <p14:creationId xmlns:p14="http://schemas.microsoft.com/office/powerpoint/2010/main" val="1390065749"/>
+      </p:ext>
+    </p:extLst>
+  </p:cSld>
+  <p:clrMapOvr>
+    <a:masterClrMapping/>
+  </p:clrMapOvr>
+  <p:timing>
+    <p:tnLst>
+      <p:par>
+        <p:cTn id="1" dur="indefinite" restart="never" nodeType="tmRoot"/>
+      </p:par>
+    </p:tnLst>
+  </p:timing>
+</p:sld>
+</file>
+
+<file path=ppt/slides/slide6.xml><?xml version="1.0" encoding="utf-8"?>
+<p:sld xmlns:a="http://schemas.openxmlformats.org/drawingml/2006/main" xmlns:r="http://schemas.openxmlformats.org/officeDocument/2006/relationships" xmlns:p="http://schemas.openxmlformats.org/presentationml/2006/main">
+  <p:cSld>
+    <p:spTree>
+      <p:nvGrpSpPr>
+        <p:cNvPr id="1" name=""/>
+        <p:cNvGrpSpPr/>
+        <p:nvPr/>
+      </p:nvGrpSpPr>
+      <p:grpSpPr>
+        <a:xfrm>
+          <a:off x="0" y="0"/>
+          <a:ext cx="0" cy="0"/>
+          <a:chOff x="0" y="0"/>
+          <a:chExt cx="0" cy="0"/>
+        </a:xfrm>
+      </p:grpSpPr>
+      <p:sp>
+        <p:nvSpPr>
+          <p:cNvPr id="17410" name="Espace réservé du numéro de diapositive 5"/>
+          <p:cNvSpPr>
+            <a:spLocks noGrp="1"/>
+          </p:cNvSpPr>
+          <p:nvPr>
+            <p:ph type="sldNum" sz="quarter" idx="11"/>
+          </p:nvPr>
+        </p:nvSpPr>
+        <p:spPr>
+          <a:xfrm>
+            <a:off x="7010400" y="6400800"/>
+            <a:ext cx="2133600" cy="457200"/>
+          </a:xfrm>
+          <a:noFill/>
+          <a:ln/>
+          <a:extLst>
+            <a:ext uri="{909E8E84-426E-40DD-AFC4-6F175D3DCCD1}">
+              <a14:hiddenFill xmlns:a14="http://schemas.microsoft.com/office/drawing/2010/main">
+                <a:solidFill>
+                  <a:srgbClr val="FFFFFF"/>
+                </a:solidFill>
+              </a14:hiddenFill>
+            </a:ext>
+            <a:ext uri="{91240B29-F687-4F45-9708-019B960494DF}">
+              <a14:hiddenLine xmlns:a14="http://schemas.microsoft.com/office/drawing/2010/main" w="9525">
+                <a:solidFill>
+                  <a:srgbClr val="000000"/>
+                </a:solidFill>
+                <a:miter lim="800000"/>
+                <a:headEnd/>
+                <a:tailEnd/>
+              </a14:hiddenLine>
+            </a:ext>
+          </a:extLst>
+        </p:spPr>
+        <p:txBody>
+          <a:bodyPr/>
+          <a:lstStyle>
+            <a:lvl1pPr eaLnBrk="0" hangingPunct="0">
+              <a:defRPr sz="2400">
+                <a:solidFill>
+                  <a:schemeClr val="tx1"/>
+                </a:solidFill>
+                <a:latin typeface="Calibri" charset="0"/>
+                <a:ea typeface="ＭＳ Ｐゴシック" charset="0"/>
+                <a:cs typeface="ＭＳ Ｐゴシック" charset="0"/>
+              </a:defRPr>
+            </a:lvl1pPr>
+            <a:lvl2pPr marL="742950" indent="-285750" eaLnBrk="0" hangingPunct="0">
+              <a:defRPr sz="2400">
+                <a:solidFill>
+                  <a:schemeClr val="tx1"/>
+                </a:solidFill>
+                <a:latin typeface="Calibri" charset="0"/>
+                <a:ea typeface="ＭＳ Ｐゴシック" charset="0"/>
+              </a:defRPr>
+            </a:lvl2pPr>
+            <a:lvl3pPr marL="1143000" indent="-228600" eaLnBrk="0" hangingPunct="0">
+              <a:defRPr sz="2400">
+                <a:solidFill>
+                  <a:schemeClr val="tx1"/>
+                </a:solidFill>
+                <a:latin typeface="Calibri" charset="0"/>
+                <a:ea typeface="ＭＳ Ｐゴシック" charset="0"/>
+              </a:defRPr>
+            </a:lvl3pPr>
+            <a:lvl4pPr marL="1600200" indent="-228600" eaLnBrk="0" hangingPunct="0">
+              <a:defRPr sz="2400">
+                <a:solidFill>
+                  <a:schemeClr val="tx1"/>
+                </a:solidFill>
+                <a:latin typeface="Calibri" charset="0"/>
+                <a:ea typeface="ＭＳ Ｐゴシック" charset="0"/>
+              </a:defRPr>
+            </a:lvl4pPr>
+            <a:lvl5pPr marL="2057400" indent="-228600" eaLnBrk="0" hangingPunct="0">
+              <a:defRPr sz="2400">
+                <a:solidFill>
+                  <a:schemeClr val="tx1"/>
+                </a:solidFill>
+                <a:latin typeface="Calibri" charset="0"/>
+                <a:ea typeface="ＭＳ Ｐゴシック" charset="0"/>
+              </a:defRPr>
+            </a:lvl5pPr>
+            <a:lvl6pPr marL="2514600" indent="-228600" algn="ctr" eaLnBrk="0" fontAlgn="base" hangingPunct="0">
+              <a:spcBef>
+                <a:spcPct val="50000"/>
+              </a:spcBef>
+              <a:spcAft>
+                <a:spcPct val="0"/>
+              </a:spcAft>
+              <a:defRPr sz="2400">
+                <a:solidFill>
+                  <a:schemeClr val="tx1"/>
+                </a:solidFill>
+                <a:latin typeface="Calibri" charset="0"/>
+                <a:ea typeface="ＭＳ Ｐゴシック" charset="0"/>
+              </a:defRPr>
+            </a:lvl6pPr>
+            <a:lvl7pPr marL="2971800" indent="-228600" algn="ctr" eaLnBrk="0" fontAlgn="base" hangingPunct="0">
+              <a:spcBef>
+                <a:spcPct val="50000"/>
+              </a:spcBef>
+              <a:spcAft>
+                <a:spcPct val="0"/>
+              </a:spcAft>
+              <a:defRPr sz="2400">
+                <a:solidFill>
+                  <a:schemeClr val="tx1"/>
+                </a:solidFill>
+                <a:latin typeface="Calibri" charset="0"/>
+                <a:ea typeface="ＭＳ Ｐゴシック" charset="0"/>
+              </a:defRPr>
+            </a:lvl7pPr>
+            <a:lvl8pPr marL="3429000" indent="-228600" algn="ctr" eaLnBrk="0" fontAlgn="base" hangingPunct="0">
+              <a:spcBef>
+                <a:spcPct val="50000"/>
+              </a:spcBef>
+              <a:spcAft>
+                <a:spcPct val="0"/>
+              </a:spcAft>
+              <a:defRPr sz="2400">
+                <a:solidFill>
+                  <a:schemeClr val="tx1"/>
+                </a:solidFill>
+                <a:latin typeface="Calibri" charset="0"/>
+                <a:ea typeface="ＭＳ Ｐゴシック" charset="0"/>
+              </a:defRPr>
+            </a:lvl8pPr>
+            <a:lvl9pPr marL="3886200" indent="-228600" algn="ctr" eaLnBrk="0" fontAlgn="base" hangingPunct="0">
+              <a:spcBef>
+                <a:spcPct val="50000"/>
+              </a:spcBef>
+              <a:spcAft>
+                <a:spcPct val="0"/>
+              </a:spcAft>
+              <a:defRPr sz="2400">
+                <a:solidFill>
+                  <a:schemeClr val="tx1"/>
+                </a:solidFill>
+                <a:latin typeface="Calibri" charset="0"/>
+                <a:ea typeface="ＭＳ Ｐゴシック" charset="0"/>
+              </a:defRPr>
+            </a:lvl9pPr>
+          </a:lstStyle>
+          <a:p>
+            <a:pPr eaLnBrk="1" hangingPunct="1"/>
+            <a:fld id="{2885B478-7DA6-BA40-9EF5-9E15BC7A0401}" type="slidenum">
+              <a:rPr lang="en-GB" sz="1200" smtClean="0">
+                <a:latin typeface="Arial Black" charset="0"/>
+              </a:rPr>
+              <a:pPr eaLnBrk="1" hangingPunct="1"/>
+              <a:t>6</a:t>
+            </a:fld>
+            <a:endParaRPr lang="en-GB" sz="1200">
+              <a:latin typeface="Arial Black" charset="0"/>
+            </a:endParaRPr>
+          </a:p>
+        </p:txBody>
+      </p:sp>
+      <p:sp>
+        <p:nvSpPr>
+          <p:cNvPr id="8" name="Rectangle 2"/>
+          <p:cNvSpPr>
+            <a:spLocks noGrp="1" noChangeArrowheads="1"/>
+          </p:cNvSpPr>
+          <p:nvPr>
+            <p:ph type="title"/>
+          </p:nvPr>
+        </p:nvSpPr>
+        <p:spPr>
+          <a:xfrm>
+            <a:off x="457200" y="457200"/>
+            <a:ext cx="8686800" cy="668338"/>
+          </a:xfrm>
+        </p:spPr>
+        <p:txBody>
+          <a:bodyPr/>
+          <a:lstStyle/>
+          <a:p>
+            <a:pPr marL="536575" indent="-536575" eaLnBrk="1" hangingPunct="1"/>
+            <a:r>
+              <a:rPr lang="en-GB" sz="2800" dirty="0" smtClean="0">
+                <a:solidFill>
+                  <a:srgbClr val="CC0000"/>
+                </a:solidFill>
+                <a:latin typeface="Calibri" charset="0"/>
+                <a:sym typeface="Wingdings" charset="0"/>
+              </a:rPr>
+              <a:t>Topics</a:t>
+            </a:r>
+            <a:endParaRPr lang="en-GB" sz="2800" dirty="0">
+              <a:solidFill>
+                <a:srgbClr val="CC0000"/>
+              </a:solidFill>
+              <a:latin typeface="Calibri" charset="0"/>
+            </a:endParaRPr>
+          </a:p>
+        </p:txBody>
+      </p:sp>
+      <p:sp>
+        <p:nvSpPr>
+          <p:cNvPr id="17" name="Text Box 4">
+            <a:extLst>
+              <a:ext uri="{FF2B5EF4-FFF2-40B4-BE49-F238E27FC236}">
+                <a16:creationId xmlns:a16="http://schemas.microsoft.com/office/drawing/2014/main" xmlns="" id="{7FB8B298-1DE1-8446-854E-9DA7260C306B}"/>
               </a:ext>
             </a:extLst>
           </p:cNvPr>
@@ -13061,13 +17896,7 @@
               <a:rPr lang="en-US" altLang="zh-CN" b="1" dirty="0" smtClean="0">
                 <a:sym typeface="Wingdings" charset="0"/>
               </a:rPr>
-              <a:t>of Knowledge </a:t>
-            </a:r>
-            <a:r>
-              <a:rPr lang="en-US" altLang="zh-CN" b="1" dirty="0" smtClean="0">
-                <a:sym typeface="Wingdings" charset="0"/>
-              </a:rPr>
-              <a:t>Entities (KEs) </a:t>
+              <a:t>of Knowledge Entities (KEs) </a:t>
             </a:r>
             <a:endParaRPr lang="en-US" altLang="zh-CN" b="1" dirty="0" smtClean="0"/>
           </a:p>
@@ -13185,11 +18014,7 @@
             </a:pPr>
             <a:r>
               <a:rPr lang="en-US" altLang="zh-CN" dirty="0" smtClean="0"/>
-              <a:t>KEs</a:t>
-            </a:r>
-            <a:r>
-              <a:rPr lang="en-US" altLang="zh-CN" dirty="0" smtClean="0"/>
-              <a:t> </a:t>
+              <a:t>KEs </a:t>
             </a:r>
             <a:r>
               <a:rPr lang="en-US" altLang="zh-CN" dirty="0"/>
@@ -13237,11 +18062,7 @@
             </a:pPr>
             <a:r>
               <a:rPr lang="en-US" altLang="zh-CN" b="1" dirty="0" smtClean="0"/>
-              <a:t>Evaluation and </a:t>
-            </a:r>
-            <a:r>
-              <a:rPr lang="en-US" altLang="zh-CN" b="1" dirty="0" smtClean="0"/>
-              <a:t>Applications </a:t>
+              <a:t>Evaluation and Applications </a:t>
             </a:r>
             <a:r>
               <a:rPr lang="zh-CN" altLang="en-US" b="1" dirty="0" smtClean="0"/>
@@ -14098,7 +18919,7 @@
 </p:sld>
 </file>
 
-<file path=ppt/slides/slide5.xml><?xml version="1.0" encoding="utf-8"?>
+<file path=ppt/slides/slide7.xml><?xml version="1.0" encoding="utf-8"?>
 <p:sld xmlns:a="http://schemas.openxmlformats.org/drawingml/2006/main" xmlns:r="http://schemas.openxmlformats.org/officeDocument/2006/relationships" xmlns:p="http://schemas.openxmlformats.org/presentationml/2006/main">
   <p:cSld>
     <p:spTree>
@@ -14127,7 +18948,7 @@
         </p:nvSpPr>
         <p:spPr>
           <a:xfrm>
-            <a:off x="7010400" y="6400800"/>
+            <a:off x="6905299" y="6400800"/>
             <a:ext cx="2133600" cy="457200"/>
           </a:xfrm>
           <a:noFill/>
@@ -14269,7 +19090,7 @@
                 <a:latin typeface="Arial Black" charset="0"/>
               </a:rPr>
               <a:pPr eaLnBrk="1" hangingPunct="1"/>
-              <a:t>5</a:t>
+              <a:t>7</a:t>
             </a:fld>
             <a:endParaRPr lang="en-GB" sz="1200">
               <a:latin typeface="Arial Black" charset="0"/>
@@ -14332,7 +19153,7 @@
           <p:cNvPr id="17" name="Text Box 4">
             <a:extLst>
               <a:ext uri="{FF2B5EF4-FFF2-40B4-BE49-F238E27FC236}">
-                <a16:creationId xmlns="" xmlns:a16="http://schemas.microsoft.com/office/drawing/2014/main" id="{7FB8B298-1DE1-8446-854E-9DA7260C306B}"/>
+                <a16:creationId xmlns:a16="http://schemas.microsoft.com/office/drawing/2014/main" xmlns="" id="{7FB8B298-1DE1-8446-854E-9DA7260C306B}"/>
               </a:ext>
             </a:extLst>
           </p:cNvPr>
@@ -14589,24 +19410,27 @@
           <p:nvPr>
             <p:extLst>
               <p:ext uri="{D42A27DB-BD31-4B8C-83A1-F6EECF244321}">
-                <p14:modId xmlns:p14="http://schemas.microsoft.com/office/powerpoint/2010/main" val="3412032892"/>
+                <p14:modId xmlns:p14="http://schemas.microsoft.com/office/powerpoint/2010/main" val="144437207"/>
               </p:ext>
             </p:extLst>
           </p:nvPr>
         </p:nvGraphicFramePr>
         <p:xfrm>
-          <a:off x="225084" y="1251857"/>
-          <a:ext cx="8918915" cy="5170716"/>
+          <a:off x="225086" y="1138848"/>
+          <a:ext cx="8813813" cy="5170716"/>
         </p:xfrm>
         <a:graphic>
           <a:graphicData uri="http://schemas.openxmlformats.org/drawingml/2006/table">
             <a:tbl>
-              <a:tblPr/>
+              <a:tblPr>
+                <a:effectLst/>
+              </a:tblPr>
               <a:tblGrid>
-                <a:gridCol w="1248649"/>
-                <a:gridCol w="4013510"/>
-                <a:gridCol w="2318918"/>
-                <a:gridCol w="1337838"/>
+                <a:gridCol w="1233935"/>
+                <a:gridCol w="3966214"/>
+                <a:gridCol w="2291591"/>
+                <a:gridCol w="92360"/>
+                <a:gridCol w="1229713"/>
               </a:tblGrid>
               <a:tr h="367281">
                 <a:tc>
@@ -14714,7 +19538,7 @@
                     </a:lnB>
                   </a:tcPr>
                 </a:tc>
-                <a:tc>
+                <a:tc gridSpan="2">
                   <a:txBody>
                     <a:bodyPr/>
                     <a:lstStyle/>
@@ -14748,6 +19572,16 @@
                       <a:tailEnd type="none" w="med" len="med"/>
                     </a:lnB>
                   </a:tcPr>
+                </a:tc>
+                <a:tc hMerge="1">
+                  <a:txBody>
+                    <a:bodyPr/>
+                    <a:lstStyle/>
+                    <a:p>
+                      <a:endParaRPr lang="zh-CN" altLang="en-US"/>
+                    </a:p>
+                  </a:txBody>
+                  <a:tcPr/>
                 </a:tc>
               </a:tr>
               <a:tr h="727809">
@@ -14848,7 +19682,7 @@
                     </a:lnB>
                   </a:tcPr>
                 </a:tc>
-                <a:tc gridSpan="2">
+                <a:tc gridSpan="3">
                   <a:txBody>
                     <a:bodyPr/>
                     <a:lstStyle/>
@@ -14928,6 +19762,16 @@
                     <a:lstStyle/>
                     <a:p>
                       <a:endParaRPr lang="de-DE"/>
+                    </a:p>
+                  </a:txBody>
+                  <a:tcPr/>
+                </a:tc>
+                <a:tc hMerge="1">
+                  <a:txBody>
+                    <a:bodyPr/>
+                    <a:lstStyle/>
+                    <a:p>
+                      <a:endParaRPr lang="zh-CN" altLang="en-US"/>
                     </a:p>
                   </a:txBody>
                   <a:tcPr/>
@@ -15055,7 +19899,7 @@
                     </a:lnB>
                   </a:tcPr>
                 </a:tc>
-                <a:tc>
+                <a:tc gridSpan="2">
                   <a:txBody>
                     <a:bodyPr/>
                     <a:lstStyle/>
@@ -15070,6 +19914,44 @@
                     </a:p>
                   </a:txBody>
                   <a:tcPr marL="49569" marR="49569" marT="39655" marB="39655" anchor="ctr">
+                    <a:lnL>
+                      <a:noFill/>
+                    </a:lnL>
+                    <a:lnR>
+                      <a:noFill/>
+                    </a:lnR>
+                    <a:lnT w="7620" cap="flat" cmpd="sng" algn="ctr">
+                      <a:solidFill>
+                        <a:srgbClr val="E1E1E1"/>
+                      </a:solidFill>
+                      <a:prstDash val="solid"/>
+                      <a:round/>
+                      <a:headEnd type="none" w="med" len="med"/>
+                      <a:tailEnd type="none" w="med" len="med"/>
+                    </a:lnT>
+                    <a:lnB w="7620" cap="flat" cmpd="sng" algn="ctr">
+                      <a:solidFill>
+                        <a:srgbClr val="E1E1E1"/>
+                      </a:solidFill>
+                      <a:prstDash val="solid"/>
+                      <a:round/>
+                      <a:headEnd type="none" w="med" len="med"/>
+                      <a:tailEnd type="none" w="med" len="med"/>
+                    </a:lnB>
+                  </a:tcPr>
+                </a:tc>
+                <a:tc hMerge="1">
+                  <a:txBody>
+                    <a:bodyPr/>
+                    <a:lstStyle/>
+                    <a:p>
+                      <a:pPr algn="l"/>
+                      <a:endParaRPr lang="de-DE" sz="1600" dirty="0">
+                        <a:effectLst/>
+                      </a:endParaRPr>
+                    </a:p>
+                  </a:txBody>
+                  <a:tcPr marL="49569" marR="39655" marT="39655" marB="39655" anchor="ctr">
                     <a:lnL>
                       <a:noFill/>
                     </a:lnL>
@@ -15198,7 +20080,7 @@
                     </a:lnB>
                   </a:tcPr>
                 </a:tc>
-                <a:tc gridSpan="2">
+                <a:tc gridSpan="3">
                   <a:txBody>
                     <a:bodyPr/>
                     <a:lstStyle/>
@@ -15264,17 +20146,127 @@
                   </a:txBody>
                   <a:tcPr/>
                 </a:tc>
-                <a:tc>
+                <a:tc hMerge="1">
+                  <a:txBody>
+                    <a:bodyPr/>
+                    <a:lstStyle/>
+                    <a:p>
+                      <a:pPr algn="l"/>
+                      <a:endParaRPr lang="de-DE" sz="1600" dirty="0">
+                        <a:effectLst/>
+                      </a:endParaRPr>
+                    </a:p>
+                  </a:txBody>
+                  <a:tcPr marL="49569" marR="39655" marT="39655" marB="39655" anchor="ctr">
+                    <a:lnL>
+                      <a:noFill/>
+                    </a:lnL>
+                    <a:lnR>
+                      <a:noFill/>
+                    </a:lnR>
+                    <a:lnT w="7620" cap="flat" cmpd="sng" algn="ctr">
+                      <a:solidFill>
+                        <a:srgbClr val="E1E1E1"/>
+                      </a:solidFill>
+                      <a:prstDash val="solid"/>
+                      <a:round/>
+                      <a:headEnd type="none" w="med" len="med"/>
+                      <a:tailEnd type="none" w="med" len="med"/>
+                    </a:lnT>
+                    <a:lnB w="7620" cap="flat" cmpd="sng" algn="ctr">
+                      <a:solidFill>
+                        <a:srgbClr val="E1E1E1"/>
+                      </a:solidFill>
+                      <a:prstDash val="solid"/>
+                      <a:round/>
+                      <a:headEnd type="none" w="med" len="med"/>
+                      <a:tailEnd type="none" w="med" len="med"/>
+                    </a:lnB>
+                  </a:tcPr>
+                </a:tc>
+                <a:tc rowSpan="3">
                   <a:txBody>
                     <a:bodyPr/>
                     <a:lstStyle/>
                     <a:p>
                       <a:pPr algn="l"/>
                       <a:r>
-                        <a:rPr lang="de-DE" sz="1600">
+                        <a:rPr lang="de-DE" sz="1600" dirty="0">
                           <a:effectLst/>
                         </a:rPr>
-                        <a:t>Chair: Shuo Xu</a:t>
+                        <a:t>Chair: </a:t>
+                      </a:r>
+                      <a:endParaRPr lang="de-DE" sz="1600" dirty="0" smtClean="0">
+                        <a:effectLst/>
+                      </a:endParaRPr>
+                    </a:p>
+                    <a:p>
+                      <a:pPr algn="l"/>
+                      <a:r>
+                        <a:rPr lang="de-DE" sz="1600" dirty="0" smtClean="0">
+                          <a:effectLst/>
+                        </a:rPr>
+                        <a:t>Shuo Xu</a:t>
+                      </a:r>
+                    </a:p>
+                    <a:p>
+                      <a:pPr algn="l"/>
+                      <a:endParaRPr lang="de-DE" sz="1600" dirty="0" smtClean="0">
+                        <a:effectLst/>
+                      </a:endParaRPr>
+                    </a:p>
+                    <a:p>
+                      <a:pPr algn="l"/>
+                      <a:endParaRPr lang="de-DE" sz="1600" dirty="0" smtClean="0">
+                        <a:effectLst/>
+                      </a:endParaRPr>
+                    </a:p>
+                    <a:p>
+                      <a:pPr algn="l"/>
+                      <a:endParaRPr lang="de-DE" sz="1600" dirty="0" smtClean="0">
+                        <a:effectLst/>
+                      </a:endParaRPr>
+                    </a:p>
+                    <a:p>
+                      <a:pPr algn="l"/>
+                      <a:endParaRPr lang="de-DE" sz="1600" dirty="0" smtClean="0">
+                        <a:effectLst/>
+                      </a:endParaRPr>
+                    </a:p>
+                    <a:p>
+                      <a:pPr algn="l"/>
+                      <a:endParaRPr lang="de-DE" sz="1600" dirty="0" smtClean="0">
+                        <a:effectLst/>
+                      </a:endParaRPr>
+                    </a:p>
+                    <a:p>
+                      <a:pPr algn="l"/>
+                      <a:endParaRPr lang="de-DE" sz="1600" dirty="0" smtClean="0">
+                        <a:effectLst/>
+                      </a:endParaRPr>
+                    </a:p>
+                    <a:p>
+                      <a:pPr algn="l"/>
+                      <a:endParaRPr lang="de-DE" sz="1600" dirty="0">
+                        <a:effectLst/>
+                      </a:endParaRPr>
+                    </a:p>
+                    <a:p>
+                      <a:pPr algn="l"/>
+                      <a:r>
+                        <a:rPr lang="de-DE" sz="1600" dirty="0">
+                          <a:effectLst/>
+                        </a:rPr>
+                        <a:t> </a:t>
+                      </a:r>
+                    </a:p>
+                    <a:p>
+                      <a:pPr algn="l"/>
+                      <a:r>
+                        <a:rPr lang="de-DE" sz="1600" dirty="0">
+                          <a:effectLst/>
+                        </a:rPr>
+                        <a:t> </a:t>
                       </a:r>
                     </a:p>
                   </a:txBody>
@@ -15314,7 +20306,7 @@
                     <a:p>
                       <a:pPr algn="l"/>
                       <a:r>
-                        <a:rPr lang="de-DE" sz="1600">
+                        <a:rPr lang="de-DE" sz="1600" dirty="0">
                           <a:effectLst/>
                         </a:rPr>
                         <a:t>14:20-14:40</a:t>
@@ -15398,7 +20390,7 @@
                     </a:lnB>
                   </a:tcPr>
                 </a:tc>
-                <a:tc>
+                <a:tc gridSpan="2">
                   <a:txBody>
                     <a:bodyPr/>
                     <a:lstStyle/>
@@ -15453,18 +20445,53 @@
                     </a:lnB>
                   </a:tcPr>
                 </a:tc>
-                <a:tc>
+                <a:tc hMerge="1">
                   <a:txBody>
                     <a:bodyPr/>
                     <a:lstStyle/>
                     <a:p>
                       <a:pPr algn="l"/>
-                      <a:r>
-                        <a:rPr lang="de-DE" sz="1600">
-                          <a:effectLst/>
-                        </a:rPr>
-                        <a:t> </a:t>
-                      </a:r>
+                      <a:endParaRPr lang="de-DE" sz="1600" dirty="0">
+                        <a:effectLst/>
+                      </a:endParaRPr>
+                    </a:p>
+                  </a:txBody>
+                  <a:tcPr marL="49569" marR="39655" marT="39655" marB="39655" anchor="ctr">
+                    <a:lnL>
+                      <a:noFill/>
+                    </a:lnL>
+                    <a:lnR>
+                      <a:noFill/>
+                    </a:lnR>
+                    <a:lnT w="7620" cap="flat" cmpd="sng" algn="ctr">
+                      <a:solidFill>
+                        <a:srgbClr val="E1E1E1"/>
+                      </a:solidFill>
+                      <a:prstDash val="solid"/>
+                      <a:round/>
+                      <a:headEnd type="none" w="med" len="med"/>
+                      <a:tailEnd type="none" w="med" len="med"/>
+                    </a:lnT>
+                    <a:lnB w="7620" cap="flat" cmpd="sng" algn="ctr">
+                      <a:solidFill>
+                        <a:srgbClr val="E1E1E1"/>
+                      </a:solidFill>
+                      <a:prstDash val="solid"/>
+                      <a:round/>
+                      <a:headEnd type="none" w="med" len="med"/>
+                      <a:tailEnd type="none" w="med" len="med"/>
+                    </a:lnB>
+                  </a:tcPr>
+                </a:tc>
+                <a:tc vMerge="1">
+                  <a:txBody>
+                    <a:bodyPr/>
+                    <a:lstStyle/>
+                    <a:p>
+                      <a:pPr algn="l"/>
+                      <a:endParaRPr lang="de-DE" sz="1600" dirty="0">
+                        <a:effectLst/>
+                      </a:endParaRPr>
                     </a:p>
                   </a:txBody>
                   <a:tcPr marL="49569" marR="39655" marT="39655" marB="39655" anchor="ctr">
@@ -15503,7 +20530,7 @@
                     <a:p>
                       <a:pPr algn="l"/>
                       <a:r>
-                        <a:rPr lang="de-DE" sz="1600">
+                        <a:rPr lang="de-DE" sz="1600" dirty="0">
                           <a:effectLst/>
                         </a:rPr>
                         <a:t>14:40-15:00</a:t>
@@ -15593,7 +20620,7 @@
                     </a:lnB>
                   </a:tcPr>
                 </a:tc>
-                <a:tc>
+                <a:tc gridSpan="2">
                   <a:txBody>
                     <a:bodyPr/>
                     <a:lstStyle/>
@@ -15648,18 +20675,53 @@
                     </a:lnB>
                   </a:tcPr>
                 </a:tc>
-                <a:tc>
+                <a:tc hMerge="1">
                   <a:txBody>
                     <a:bodyPr/>
                     <a:lstStyle/>
                     <a:p>
                       <a:pPr algn="l"/>
-                      <a:r>
-                        <a:rPr lang="de-DE" sz="1600">
-                          <a:effectLst/>
-                        </a:rPr>
-                        <a:t> </a:t>
-                      </a:r>
+                      <a:endParaRPr lang="de-DE" sz="1600" dirty="0">
+                        <a:effectLst/>
+                      </a:endParaRPr>
+                    </a:p>
+                  </a:txBody>
+                  <a:tcPr marL="49569" marR="39655" marT="39655" marB="39655" anchor="ctr">
+                    <a:lnL>
+                      <a:noFill/>
+                    </a:lnL>
+                    <a:lnR>
+                      <a:noFill/>
+                    </a:lnR>
+                    <a:lnT w="7620" cap="flat" cmpd="sng" algn="ctr">
+                      <a:solidFill>
+                        <a:srgbClr val="E1E1E1"/>
+                      </a:solidFill>
+                      <a:prstDash val="solid"/>
+                      <a:round/>
+                      <a:headEnd type="none" w="med" len="med"/>
+                      <a:tailEnd type="none" w="med" len="med"/>
+                    </a:lnT>
+                    <a:lnB w="7620" cap="flat" cmpd="sng" algn="ctr">
+                      <a:solidFill>
+                        <a:srgbClr val="E1E1E1"/>
+                      </a:solidFill>
+                      <a:prstDash val="solid"/>
+                      <a:round/>
+                      <a:headEnd type="none" w="med" len="med"/>
+                      <a:tailEnd type="none" w="med" len="med"/>
+                    </a:lnB>
+                  </a:tcPr>
+                </a:tc>
+                <a:tc vMerge="1">
+                  <a:txBody>
+                    <a:bodyPr/>
+                    <a:lstStyle/>
+                    <a:p>
+                      <a:pPr algn="l"/>
+                      <a:endParaRPr lang="de-DE" sz="1600" dirty="0">
+                        <a:effectLst/>
+                      </a:endParaRPr>
                     </a:p>
                   </a:txBody>
                   <a:tcPr marL="49569" marR="39655" marT="39655" marB="39655" anchor="ctr">
@@ -15700,7 +20762,7 @@
                       <a:r>
                         <a:rPr lang="de-DE" sz="1600" i="0" dirty="0">
                           <a:solidFill>
-                            <a:srgbClr val="222222"/>
+                            <a:schemeClr val="tx1"/>
                           </a:solidFill>
                           <a:effectLst/>
                           <a:latin typeface="Raleway"/>
@@ -15743,9 +20805,9 @@
                     <a:p>
                       <a:pPr algn="l"/>
                       <a:r>
-                        <a:rPr lang="de-DE" sz="1600" b="0" i="0">
+                        <a:rPr lang="de-DE" sz="1600" b="0" i="0" dirty="0">
                           <a:solidFill>
-                            <a:srgbClr val="222222"/>
+                            <a:schemeClr val="tx1"/>
                           </a:solidFill>
                           <a:effectLst/>
                           <a:latin typeface="Raleway"/>
@@ -15781,7 +20843,7 @@
                     </a:lnB>
                   </a:tcPr>
                 </a:tc>
-                <a:tc>
+                <a:tc gridSpan="3">
                   <a:txBody>
                     <a:bodyPr/>
                     <a:lstStyle/>
@@ -15803,8 +20865,9 @@
                     <a:lnL>
                       <a:noFill/>
                     </a:lnL>
-                    <a:lnR>
+                    <a:lnR w="12700" cmpd="sng">
                       <a:noFill/>
+                      <a:prstDash val="solid"/>
                     </a:lnR>
                     <a:lnT w="7620" cap="flat" cmpd="sng" algn="ctr">
                       <a:solidFill>
@@ -15826,12 +20889,39 @@
                     </a:lnB>
                   </a:tcPr>
                 </a:tc>
-                <a:tc>
+                <a:tc hMerge="1">
                   <a:txBody>
                     <a:bodyPr/>
                     <a:lstStyle/>
                     <a:p>
                       <a:endParaRPr lang="de-DE" sz="1600" dirty="0"/>
+                    </a:p>
+                  </a:txBody>
+                  <a:tcPr marL="39655" marR="39655" marT="19828" marB="19828">
+                    <a:lnL>
+                      <a:noFill/>
+                    </a:lnL>
+                    <a:lnT w="7620" cap="flat" cmpd="sng" algn="ctr">
+                      <a:solidFill>
+                        <a:srgbClr val="E1E1E1"/>
+                      </a:solidFill>
+                      <a:prstDash val="solid"/>
+                      <a:round/>
+                      <a:headEnd type="none" w="med" len="med"/>
+                      <a:tailEnd type="none" w="med" len="med"/>
+                    </a:lnT>
+                  </a:tcPr>
+                </a:tc>
+                <a:tc hMerge="1">
+                  <a:txBody>
+                    <a:bodyPr/>
+                    <a:lstStyle/>
+                    <a:p>
+                      <a:endParaRPr lang="zh-CN" altLang="en-US" dirty="0">
+                        <a:solidFill>
+                          <a:schemeClr val="bg1"/>
+                        </a:solidFill>
+                      </a:endParaRPr>
                     </a:p>
                   </a:txBody>
                   <a:tcPr marL="39655" marR="39655" marT="19828" marB="19828">
@@ -15874,7 +20964,7 @@
 </p:sld>
 </file>
 
-<file path=ppt/slides/slide6.xml><?xml version="1.0" encoding="utf-8"?>
+<file path=ppt/slides/slide8.xml><?xml version="1.0" encoding="utf-8"?>
 <p:sld xmlns:a="http://schemas.openxmlformats.org/drawingml/2006/main" xmlns:r="http://schemas.openxmlformats.org/officeDocument/2006/relationships" xmlns:p="http://schemas.openxmlformats.org/presentationml/2006/main">
   <p:cSld>
     <p:spTree>
@@ -16045,7 +21135,7 @@
                 <a:latin typeface="Arial Black" charset="0"/>
               </a:rPr>
               <a:pPr eaLnBrk="1" hangingPunct="1"/>
-              <a:t>6</a:t>
+              <a:t>8</a:t>
             </a:fld>
             <a:endParaRPr lang="en-GB" sz="1200">
               <a:latin typeface="Arial Black" charset="0"/>
@@ -16108,7 +21198,7 @@
           <p:cNvPr id="17" name="Text Box 4">
             <a:extLst>
               <a:ext uri="{FF2B5EF4-FFF2-40B4-BE49-F238E27FC236}">
-                <a16:creationId xmlns="" xmlns:a16="http://schemas.microsoft.com/office/drawing/2014/main" id="{7FB8B298-1DE1-8446-854E-9DA7260C306B}"/>
+                <a16:creationId xmlns:a16="http://schemas.microsoft.com/office/drawing/2014/main" xmlns="" id="{7FB8B298-1DE1-8446-854E-9DA7260C306B}"/>
               </a:ext>
             </a:extLst>
           </p:cNvPr>
@@ -16315,14 +21405,14 @@
           <p:nvPr>
             <p:extLst>
               <p:ext uri="{D42A27DB-BD31-4B8C-83A1-F6EECF244321}">
-                <p14:modId xmlns:p14="http://schemas.microsoft.com/office/powerpoint/2010/main" val="2313206760"/>
+                <p14:modId xmlns:p14="http://schemas.microsoft.com/office/powerpoint/2010/main" val="2542210143"/>
               </p:ext>
             </p:extLst>
           </p:nvPr>
         </p:nvGraphicFramePr>
         <p:xfrm>
           <a:off x="295420" y="1139483"/>
-          <a:ext cx="8567228" cy="5514537"/>
+          <a:ext cx="8567228" cy="5450503"/>
         </p:xfrm>
         <a:graphic>
           <a:graphicData uri="http://schemas.openxmlformats.org/drawingml/2006/table">
@@ -16334,7 +21424,7 @@
                 <a:gridCol w="2663986"/>
                 <a:gridCol w="1223891"/>
               </a:tblGrid>
-              <a:tr h="567878">
+              <a:tr h="561284">
                 <a:tc>
                   <a:txBody>
                     <a:bodyPr/>
@@ -16478,17 +21568,167 @@
                   </a:txBody>
                   <a:tcPr/>
                 </a:tc>
-                <a:tc>
+                <a:tc rowSpan="5">
                   <a:txBody>
                     <a:bodyPr/>
                     <a:lstStyle/>
                     <a:p>
                       <a:pPr algn="l"/>
                       <a:r>
-                        <a:rPr lang="de-DE" sz="1500">
+                        <a:rPr lang="de-DE" sz="1500" dirty="0">
                           <a:effectLst/>
                         </a:rPr>
-                        <a:t>Chair: Yingyi Zhang</a:t>
+                        <a:t>Chair: </a:t>
+                      </a:r>
+                      <a:endParaRPr lang="de-DE" sz="1500" dirty="0" smtClean="0">
+                        <a:effectLst/>
+                      </a:endParaRPr>
+                    </a:p>
+                    <a:p>
+                      <a:pPr algn="l"/>
+                      <a:r>
+                        <a:rPr lang="de-DE" sz="1500" dirty="0" smtClean="0">
+                          <a:effectLst/>
+                        </a:rPr>
+                        <a:t>Yingyi Zhang</a:t>
+                      </a:r>
+                    </a:p>
+                    <a:p>
+                      <a:pPr algn="l"/>
+                      <a:endParaRPr lang="de-DE" sz="1500" dirty="0" smtClean="0">
+                        <a:effectLst/>
+                      </a:endParaRPr>
+                    </a:p>
+                    <a:p>
+                      <a:pPr algn="l"/>
+                      <a:endParaRPr lang="de-DE" sz="1500" dirty="0" smtClean="0">
+                        <a:effectLst/>
+                      </a:endParaRPr>
+                    </a:p>
+                    <a:p>
+                      <a:pPr algn="l"/>
+                      <a:endParaRPr lang="de-DE" sz="1500" dirty="0" smtClean="0">
+                        <a:effectLst/>
+                      </a:endParaRPr>
+                    </a:p>
+                    <a:p>
+                      <a:pPr algn="l"/>
+                      <a:endParaRPr lang="de-DE" sz="1500" dirty="0" smtClean="0">
+                        <a:effectLst/>
+                      </a:endParaRPr>
+                    </a:p>
+                    <a:p>
+                      <a:pPr algn="l"/>
+                      <a:endParaRPr lang="de-DE" sz="1500" dirty="0" smtClean="0">
+                        <a:effectLst/>
+                      </a:endParaRPr>
+                    </a:p>
+                    <a:p>
+                      <a:pPr algn="l"/>
+                      <a:endParaRPr lang="de-DE" sz="1500" dirty="0" smtClean="0">
+                        <a:effectLst/>
+                      </a:endParaRPr>
+                    </a:p>
+                    <a:p>
+                      <a:pPr algn="l"/>
+                      <a:endParaRPr lang="de-DE" sz="1500" dirty="0" smtClean="0">
+                        <a:effectLst/>
+                      </a:endParaRPr>
+                    </a:p>
+                    <a:p>
+                      <a:pPr algn="l"/>
+                      <a:endParaRPr lang="de-DE" sz="1500" dirty="0" smtClean="0">
+                        <a:effectLst/>
+                      </a:endParaRPr>
+                    </a:p>
+                    <a:p>
+                      <a:pPr algn="l"/>
+                      <a:endParaRPr lang="de-DE" sz="1500" dirty="0" smtClean="0">
+                        <a:effectLst/>
+                      </a:endParaRPr>
+                    </a:p>
+                    <a:p>
+                      <a:pPr algn="l"/>
+                      <a:endParaRPr lang="de-DE" sz="1500" dirty="0" smtClean="0">
+                        <a:effectLst/>
+                      </a:endParaRPr>
+                    </a:p>
+                    <a:p>
+                      <a:pPr algn="l"/>
+                      <a:endParaRPr lang="de-DE" sz="1500" dirty="0" smtClean="0">
+                        <a:effectLst/>
+                      </a:endParaRPr>
+                    </a:p>
+                    <a:p>
+                      <a:pPr algn="l"/>
+                      <a:endParaRPr lang="de-DE" sz="1500" dirty="0" smtClean="0">
+                        <a:effectLst/>
+                      </a:endParaRPr>
+                    </a:p>
+                    <a:p>
+                      <a:pPr algn="l"/>
+                      <a:endParaRPr lang="de-DE" sz="1500" dirty="0" smtClean="0">
+                        <a:effectLst/>
+                      </a:endParaRPr>
+                    </a:p>
+                    <a:p>
+                      <a:pPr algn="l"/>
+                      <a:endParaRPr lang="de-DE" sz="1500" dirty="0" smtClean="0">
+                        <a:effectLst/>
+                      </a:endParaRPr>
+                    </a:p>
+                    <a:p>
+                      <a:pPr algn="l"/>
+                      <a:endParaRPr lang="de-DE" sz="1500" dirty="0" smtClean="0">
+                        <a:effectLst/>
+                      </a:endParaRPr>
+                    </a:p>
+                    <a:p>
+                      <a:pPr algn="l"/>
+                      <a:endParaRPr lang="de-DE" sz="1500" dirty="0" smtClean="0">
+                        <a:effectLst/>
+                      </a:endParaRPr>
+                    </a:p>
+                    <a:p>
+                      <a:pPr algn="l"/>
+                      <a:endParaRPr lang="de-DE" sz="1500" dirty="0">
+                        <a:effectLst/>
+                      </a:endParaRPr>
+                    </a:p>
+                    <a:p>
+                      <a:pPr algn="l"/>
+                      <a:r>
+                        <a:rPr lang="de-DE" sz="1500" dirty="0">
+                          <a:effectLst/>
+                        </a:rPr>
+                        <a:t> </a:t>
+                      </a:r>
+                    </a:p>
+                    <a:p>
+                      <a:pPr algn="l"/>
+                      <a:r>
+                        <a:rPr lang="de-DE" sz="1500" dirty="0">
+                          <a:effectLst/>
+                        </a:rPr>
+                        <a:t> </a:t>
+                      </a:r>
+                    </a:p>
+                    <a:p>
+                      <a:pPr algn="l"/>
+                      <a:r>
+                        <a:rPr lang="de-DE" sz="1500" dirty="0">
+                          <a:effectLst/>
+                        </a:rPr>
+                        <a:t> </a:t>
+                      </a:r>
+                    </a:p>
+                    <a:p>
+                      <a:pPr algn="l"/>
+                      <a:r>
+                        <a:rPr lang="de-DE" sz="1500" dirty="0">
+                          <a:effectLst/>
+                        </a:rPr>
+                        <a:t> </a:t>
                       </a:r>
                     </a:p>
                   </a:txBody>
@@ -16514,7 +21754,7 @@
                   </a:tcPr>
                 </a:tc>
               </a:tr>
-              <a:tr h="1775864">
+              <a:tr h="1755243">
                 <a:tc>
                   <a:txBody>
                     <a:bodyPr/>
@@ -16701,18 +21941,15 @@
                     </a:lnB>
                   </a:tcPr>
                 </a:tc>
-                <a:tc>
+                <a:tc vMerge="1">
                   <a:txBody>
                     <a:bodyPr/>
                     <a:lstStyle/>
                     <a:p>
                       <a:pPr algn="l"/>
-                      <a:r>
-                        <a:rPr lang="de-DE" sz="1500" dirty="0">
-                          <a:effectLst/>
-                        </a:rPr>
-                        <a:t> </a:t>
-                      </a:r>
+                      <a:endParaRPr lang="de-DE" sz="1500" dirty="0">
+                        <a:effectLst/>
+                      </a:endParaRPr>
                     </a:p>
                   </a:txBody>
                   <a:tcPr marL="50080" marR="40064" marT="40064" marB="40064" anchor="ctr">
@@ -16743,7 +21980,7 @@
                   </a:tcPr>
                 </a:tc>
               </a:tr>
-              <a:tr h="1051072">
+              <a:tr h="1038867">
                 <a:tc>
                   <a:txBody>
                     <a:bodyPr/>
@@ -16889,18 +22126,15 @@
                     </a:lnB>
                   </a:tcPr>
                 </a:tc>
-                <a:tc>
+                <a:tc vMerge="1">
                   <a:txBody>
                     <a:bodyPr/>
                     <a:lstStyle/>
                     <a:p>
                       <a:pPr algn="l"/>
-                      <a:r>
-                        <a:rPr lang="de-DE" sz="1500">
-                          <a:effectLst/>
-                        </a:rPr>
-                        <a:t> </a:t>
-                      </a:r>
+                      <a:endParaRPr lang="de-DE" sz="1500">
+                        <a:effectLst/>
+                      </a:endParaRPr>
                     </a:p>
                   </a:txBody>
                   <a:tcPr marL="50080" marR="40064" marT="40064" marB="40064" anchor="ctr">
@@ -16931,7 +22165,7 @@
                   </a:tcPr>
                 </a:tc>
               </a:tr>
-              <a:tr h="1292670">
+              <a:tr h="1277660">
                 <a:tc>
                   <a:txBody>
                     <a:bodyPr/>
@@ -17079,18 +22313,15 @@
                     </a:lnB>
                   </a:tcPr>
                 </a:tc>
-                <a:tc>
+                <a:tc vMerge="1">
                   <a:txBody>
                     <a:bodyPr/>
                     <a:lstStyle/>
                     <a:p>
                       <a:pPr algn="l"/>
-                      <a:r>
-                        <a:rPr lang="de-DE" sz="1500">
-                          <a:effectLst/>
-                        </a:rPr>
-                        <a:t> </a:t>
-                      </a:r>
+                      <a:endParaRPr lang="de-DE" sz="1500">
+                        <a:effectLst/>
+                      </a:endParaRPr>
                     </a:p>
                   </a:txBody>
                   <a:tcPr marL="50080" marR="40064" marT="40064" marB="40064" anchor="ctr">
@@ -17121,7 +22352,7 @@
                   </a:tcPr>
                 </a:tc>
               </a:tr>
-              <a:tr h="827053">
+              <a:tr h="817449">
                 <a:tc>
                   <a:txBody>
                     <a:bodyPr/>
@@ -17214,14 +22445,14 @@
                     <a:p>
                       <a:pPr algn="l"/>
                       <a:r>
-                        <a:rPr lang="de-DE" sz="1500" b="1" u="sng">
+                        <a:rPr lang="de-DE" sz="1500" b="1" u="sng" dirty="0">
                           <a:effectLst/>
                           <a:latin typeface="Raleway"/>
                         </a:rPr>
                         <a:t>Liang Chen</a:t>
                       </a:r>
                       <a:r>
-                        <a:rPr lang="de-DE" sz="1500">
+                        <a:rPr lang="de-DE" sz="1500" dirty="0">
                           <a:effectLst/>
                         </a:rPr>
                         <a:t>, Shuo Xu, Weijiao Shang, Zheng Wang, Chao Wei and Haiyun Xu</a:t>
@@ -17255,18 +22486,15 @@
                     </a:lnB>
                   </a:tcPr>
                 </a:tc>
-                <a:tc>
+                <a:tc vMerge="1">
                   <a:txBody>
                     <a:bodyPr/>
                     <a:lstStyle/>
                     <a:p>
                       <a:pPr algn="l"/>
-                      <a:r>
-                        <a:rPr lang="de-DE" sz="1500" dirty="0">
-                          <a:effectLst/>
-                        </a:rPr>
-                        <a:t> </a:t>
-                      </a:r>
+                      <a:endParaRPr lang="de-DE" sz="1500" dirty="0">
+                        <a:effectLst/>
+                      </a:endParaRPr>
                     </a:p>
                   </a:txBody>
                   <a:tcPr marL="50080" marR="40064" marT="40064" marB="40064" anchor="ctr">
@@ -17371,7 +22599,7 @@
 </p:sld>
 </file>
 
-<file path=ppt/slides/slide7.xml><?xml version="1.0" encoding="utf-8"?>
+<file path=ppt/slides/slide9.xml><?xml version="1.0" encoding="utf-8"?>
 <p:sld xmlns:a="http://schemas.openxmlformats.org/drawingml/2006/main" xmlns:r="http://schemas.openxmlformats.org/officeDocument/2006/relationships" xmlns:p="http://schemas.openxmlformats.org/presentationml/2006/main">
   <p:cSld>
     <p:spTree>
@@ -17542,7 +22770,7 @@
                 <a:latin typeface="Arial Black" charset="0"/>
               </a:rPr>
               <a:pPr eaLnBrk="1" hangingPunct="1"/>
-              <a:t>7</a:t>
+              <a:t>9</a:t>
             </a:fld>
             <a:endParaRPr lang="en-GB" sz="1200">
               <a:latin typeface="Arial Black" charset="0"/>
@@ -17605,7 +22833,7 @@
           <p:cNvPr id="17" name="Text Box 4">
             <a:extLst>
               <a:ext uri="{FF2B5EF4-FFF2-40B4-BE49-F238E27FC236}">
-                <a16:creationId xmlns="" xmlns:a16="http://schemas.microsoft.com/office/drawing/2014/main" id="{7FB8B298-1DE1-8446-854E-9DA7260C306B}"/>
+                <a16:creationId xmlns:a16="http://schemas.microsoft.com/office/drawing/2014/main" xmlns="" id="{7FB8B298-1DE1-8446-854E-9DA7260C306B}"/>
               </a:ext>
             </a:extLst>
           </p:cNvPr>
@@ -17928,14 +23156,14 @@
           <p:nvPr>
             <p:extLst>
               <p:ext uri="{D42A27DB-BD31-4B8C-83A1-F6EECF244321}">
-                <p14:modId xmlns:p14="http://schemas.microsoft.com/office/powerpoint/2010/main" val="1975745672"/>
+                <p14:modId xmlns:p14="http://schemas.microsoft.com/office/powerpoint/2010/main" val="3679618954"/>
               </p:ext>
             </p:extLst>
           </p:nvPr>
         </p:nvGraphicFramePr>
         <p:xfrm>
           <a:off x="140678" y="1181684"/>
-          <a:ext cx="8872694" cy="5596941"/>
+          <a:ext cx="8872694" cy="5381352"/>
         </p:xfrm>
         <a:graphic>
           <a:graphicData uri="http://schemas.openxmlformats.org/drawingml/2006/table">
@@ -17946,9 +23174,10 @@
                 <a:gridCol w="4097670"/>
                 <a:gridCol w="1368125"/>
                 <a:gridCol w="866145"/>
-                <a:gridCol w="1352029"/>
+                <a:gridCol w="210905"/>
+                <a:gridCol w="1141124"/>
               </a:tblGrid>
-              <a:tr h="496719">
+              <a:tr h="495634">
                 <a:tc>
                   <a:txBody>
                     <a:bodyPr/>
@@ -18058,7 +23287,7 @@
                     </a:lnB>
                   </a:tcPr>
                 </a:tc>
-                <a:tc gridSpan="2">
+                <a:tc gridSpan="3">
                   <a:txBody>
                     <a:bodyPr/>
                     <a:lstStyle/>
@@ -18125,23 +23354,82 @@
                     </a:lnB>
                   </a:tcPr>
                 </a:tc>
-                <a:tc>
+                <a:tc hMerge="1">
+                  <a:txBody>
+                    <a:bodyPr/>
+                    <a:lstStyle/>
+                    <a:p>
+                      <a:pPr algn="l"/>
+                      <a:endParaRPr lang="de-DE" sz="1500" dirty="0">
+                        <a:effectLst/>
+                      </a:endParaRPr>
+                    </a:p>
+                  </a:txBody>
+                  <a:tcPr marL="29264" marR="23411" marT="23411" marB="23411" anchor="ctr">
+                    <a:lnL>
+                      <a:noFill/>
+                    </a:lnL>
+                    <a:lnR>
+                      <a:noFill/>
+                    </a:lnR>
+                    <a:lnT>
+                      <a:noFill/>
+                    </a:lnT>
+                    <a:lnB w="7620" cap="flat" cmpd="sng" algn="ctr">
+                      <a:solidFill>
+                        <a:srgbClr val="E1E1E1"/>
+                      </a:solidFill>
+                      <a:prstDash val="solid"/>
+                      <a:round/>
+                      <a:headEnd type="none" w="med" len="med"/>
+                      <a:tailEnd type="none" w="med" len="med"/>
+                    </a:lnB>
+                  </a:tcPr>
+                </a:tc>
+                <a:tc rowSpan="2">
                   <a:txBody>
                     <a:bodyPr/>
                     <a:lstStyle/>
                     <a:p>
                       <a:pPr algn="l"/>
                       <a:r>
-                        <a:rPr lang="de-DE" sz="1500" dirty="0" err="1">
+                        <a:rPr lang="de-DE" sz="1500" dirty="0">
                           <a:effectLst/>
                         </a:rPr>
-                        <a:t>Chair</a:t>
+                        <a:t>Chair: Chong </a:t>
                       </a:r>
+                      <a:r>
+                        <a:rPr lang="de-DE" sz="1500" dirty="0" smtClean="0">
+                          <a:effectLst/>
+                        </a:rPr>
+                        <a:t>Chen</a:t>
+                      </a:r>
+                    </a:p>
+                    <a:p>
+                      <a:pPr algn="l"/>
+                      <a:endParaRPr lang="de-DE" sz="1500" dirty="0" smtClean="0">
+                        <a:effectLst/>
+                      </a:endParaRPr>
+                    </a:p>
+                    <a:p>
+                      <a:pPr algn="l"/>
+                      <a:endParaRPr lang="de-DE" sz="1500" dirty="0" smtClean="0">
+                        <a:effectLst/>
+                      </a:endParaRPr>
+                    </a:p>
+                    <a:p>
+                      <a:pPr algn="l"/>
+                      <a:endParaRPr lang="de-DE" sz="1500" dirty="0">
+                        <a:effectLst/>
+                      </a:endParaRPr>
+                    </a:p>
+                    <a:p>
+                      <a:pPr algn="l"/>
                       <a:r>
                         <a:rPr lang="de-DE" sz="1500" dirty="0">
                           <a:effectLst/>
                         </a:rPr>
-                        <a:t>: Chong Chen</a:t>
+                        <a:t> </a:t>
                       </a:r>
                     </a:p>
                   </a:txBody>
@@ -18167,7 +23455,7 @@
                   </a:tcPr>
                 </a:tc>
               </a:tr>
-              <a:tr h="975102">
+              <a:tr h="930159">
                 <a:tc>
                   <a:txBody>
                     <a:bodyPr/>
@@ -18253,7 +23541,7 @@
                     </a:lnB>
                   </a:tcPr>
                 </a:tc>
-                <a:tc gridSpan="2">
+                <a:tc gridSpan="3">
                   <a:txBody>
                     <a:bodyPr/>
                     <a:lstStyle/>
@@ -18339,18 +23627,53 @@
                     </a:lnB>
                   </a:tcPr>
                 </a:tc>
-                <a:tc>
+                <a:tc hMerge="1">
                   <a:txBody>
                     <a:bodyPr/>
                     <a:lstStyle/>
                     <a:p>
                       <a:pPr algn="l"/>
-                      <a:r>
-                        <a:rPr lang="de-DE" sz="1500">
-                          <a:effectLst/>
-                        </a:rPr>
-                        <a:t> </a:t>
-                      </a:r>
+                      <a:endParaRPr lang="de-DE" sz="1500">
+                        <a:effectLst/>
+                      </a:endParaRPr>
+                    </a:p>
+                  </a:txBody>
+                  <a:tcPr marL="29264" marR="23411" marT="23411" marB="23411" anchor="ctr">
+                    <a:lnL>
+                      <a:noFill/>
+                    </a:lnL>
+                    <a:lnR>
+                      <a:noFill/>
+                    </a:lnR>
+                    <a:lnT w="7620" cap="flat" cmpd="sng" algn="ctr">
+                      <a:solidFill>
+                        <a:srgbClr val="E1E1E1"/>
+                      </a:solidFill>
+                      <a:prstDash val="solid"/>
+                      <a:round/>
+                      <a:headEnd type="none" w="med" len="med"/>
+                      <a:tailEnd type="none" w="med" len="med"/>
+                    </a:lnT>
+                    <a:lnB w="7620" cap="flat" cmpd="sng" algn="ctr">
+                      <a:solidFill>
+                        <a:srgbClr val="E1E1E1"/>
+                      </a:solidFill>
+                      <a:prstDash val="solid"/>
+                      <a:round/>
+                      <a:headEnd type="none" w="med" len="med"/>
+                      <a:tailEnd type="none" w="med" len="med"/>
+                    </a:lnB>
+                  </a:tcPr>
+                </a:tc>
+                <a:tc vMerge="1">
+                  <a:txBody>
+                    <a:bodyPr/>
+                    <a:lstStyle/>
+                    <a:p>
+                      <a:pPr algn="l"/>
+                      <a:endParaRPr lang="de-DE" sz="1500" dirty="0">
+                        <a:effectLst/>
+                      </a:endParaRPr>
                     </a:p>
                   </a:txBody>
                   <a:tcPr marL="29264" marR="23411" marT="23411" marB="23411" anchor="ctr">
@@ -18381,7 +23704,7 @@
                   </a:tcPr>
                 </a:tc>
               </a:tr>
-              <a:tr h="271432">
+              <a:tr h="270839">
                 <a:tc>
                   <a:txBody>
                     <a:bodyPr/>
@@ -18505,7 +23828,7 @@
                     </a:lnB>
                   </a:tcPr>
                 </a:tc>
-                <a:tc gridSpan="2">
+                <a:tc gridSpan="3">
                   <a:txBody>
                     <a:bodyPr/>
                     <a:lstStyle/>
@@ -18556,8 +23879,18 @@
                   </a:txBody>
                   <a:tcPr/>
                 </a:tc>
+                <a:tc hMerge="1">
+                  <a:txBody>
+                    <a:bodyPr/>
+                    <a:lstStyle/>
+                    <a:p>
+                      <a:endParaRPr lang="zh-CN" altLang="en-US"/>
+                    </a:p>
+                  </a:txBody>
+                  <a:tcPr/>
+                </a:tc>
               </a:tr>
-              <a:tr h="975102">
+              <a:tr h="930159">
                 <a:tc>
                   <a:txBody>
                     <a:bodyPr/>
@@ -18734,23 +24067,35 @@
                     </a:lnB>
                   </a:tcPr>
                 </a:tc>
-                <a:tc>
+                <a:tc gridSpan="2">
                   <a:txBody>
                     <a:bodyPr/>
                     <a:lstStyle/>
                     <a:p>
                       <a:pPr algn="l"/>
                       <a:r>
-                        <a:rPr lang="de-DE" sz="1500" dirty="0" err="1">
+                        <a:rPr lang="de-DE" sz="1500" dirty="0">
                           <a:effectLst/>
                         </a:rPr>
-                        <a:t>Chair</a:t>
+                        <a:t>Chair: </a:t>
+                      </a:r>
+                      <a:endParaRPr lang="de-DE" sz="1500" dirty="0" smtClean="0">
+                        <a:effectLst/>
+                      </a:endParaRPr>
+                    </a:p>
+                    <a:p>
+                      <a:pPr algn="l"/>
+                      <a:r>
+                        <a:rPr lang="de-DE" sz="1500" dirty="0" smtClean="0">
+                          <a:effectLst/>
+                        </a:rPr>
+                        <a:t>Philipp </a:t>
                       </a:r>
                       <a:r>
                         <a:rPr lang="de-DE" sz="1500" dirty="0">
                           <a:effectLst/>
                         </a:rPr>
-                        <a:t>: Philipp Mayr</a:t>
+                        <a:t>Mayr</a:t>
                       </a:r>
                     </a:p>
                   </a:txBody>
@@ -18781,8 +24126,18 @@
                     </a:lnB>
                   </a:tcPr>
                 </a:tc>
+                <a:tc hMerge="1">
+                  <a:txBody>
+                    <a:bodyPr/>
+                    <a:lstStyle/>
+                    <a:p>
+                      <a:endParaRPr lang="zh-CN" altLang="en-US"/>
+                    </a:p>
+                  </a:txBody>
+                  <a:tcPr/>
+                </a:tc>
               </a:tr>
-              <a:tr h="496719">
+              <a:tr h="495634">
                 <a:tc>
                   <a:txBody>
                     <a:bodyPr/>
@@ -18964,23 +24319,92 @@
                     </a:lnB>
                   </a:tcPr>
                 </a:tc>
-                <a:tc>
+                <a:tc rowSpan="4" gridSpan="2">
                   <a:txBody>
                     <a:bodyPr/>
                     <a:lstStyle/>
                     <a:p>
                       <a:pPr algn="l"/>
                       <a:r>
-                        <a:rPr lang="de-DE" sz="1500" dirty="0" err="1">
+                        <a:rPr lang="de-DE" sz="1500" dirty="0">
                           <a:effectLst/>
                         </a:rPr>
-                        <a:t>Chair</a:t>
+                        <a:t>Chair: </a:t>
                       </a:r>
+                      <a:endParaRPr lang="de-DE" sz="1500" dirty="0" smtClean="0">
+                        <a:effectLst/>
+                      </a:endParaRPr>
+                    </a:p>
+                    <a:p>
+                      <a:pPr algn="l"/>
+                      <a:r>
+                        <a:rPr lang="de-DE" sz="1500" dirty="0" smtClean="0">
+                          <a:effectLst/>
+                        </a:rPr>
+                        <a:t>Yi Zhang</a:t>
+                      </a:r>
+                    </a:p>
+                    <a:p>
+                      <a:pPr algn="l"/>
+                      <a:endParaRPr lang="de-DE" sz="1500" dirty="0" smtClean="0">
+                        <a:effectLst/>
+                      </a:endParaRPr>
+                    </a:p>
+                    <a:p>
+                      <a:pPr algn="l"/>
+                      <a:endParaRPr lang="de-DE" sz="1500" dirty="0" smtClean="0">
+                        <a:effectLst/>
+                      </a:endParaRPr>
+                    </a:p>
+                    <a:p>
+                      <a:pPr algn="l"/>
+                      <a:endParaRPr lang="de-DE" sz="1500" dirty="0" smtClean="0">
+                        <a:effectLst/>
+                      </a:endParaRPr>
+                    </a:p>
+                    <a:p>
+                      <a:pPr algn="l"/>
+                      <a:endParaRPr lang="de-DE" sz="1500" dirty="0" smtClean="0">
+                        <a:effectLst/>
+                      </a:endParaRPr>
+                    </a:p>
+                    <a:p>
+                      <a:pPr algn="l"/>
+                      <a:endParaRPr lang="de-DE" sz="1500" dirty="0" smtClean="0">
+                        <a:effectLst/>
+                      </a:endParaRPr>
+                    </a:p>
+                    <a:p>
+                      <a:pPr algn="l"/>
+                      <a:endParaRPr lang="de-DE" sz="1500" dirty="0">
+                        <a:effectLst/>
+                      </a:endParaRPr>
+                    </a:p>
+                    <a:p>
+                      <a:pPr algn="l"/>
                       <a:r>
                         <a:rPr lang="de-DE" sz="1500" dirty="0">
                           <a:effectLst/>
                         </a:rPr>
-                        <a:t>: Yi Zhang</a:t>
+                        <a:t> </a:t>
+                      </a:r>
+                    </a:p>
+                    <a:p>
+                      <a:pPr algn="l"/>
+                      <a:r>
+                        <a:rPr lang="de-DE" sz="1500" dirty="0">
+                          <a:effectLst/>
+                        </a:rPr>
+                        <a:t> </a:t>
+                      </a:r>
+                    </a:p>
+                    <a:p>
+                      <a:pPr algn="l"/>
+                      <a:r>
+                        <a:rPr lang="de-DE" sz="1500" dirty="0">
+                          <a:effectLst/>
+                        </a:rPr>
+                        <a:t> </a:t>
                       </a:r>
                     </a:p>
                   </a:txBody>
@@ -19011,8 +24435,18 @@
                     </a:lnB>
                   </a:tcPr>
                 </a:tc>
+                <a:tc rowSpan="4" hMerge="1">
+                  <a:txBody>
+                    <a:bodyPr/>
+                    <a:lstStyle/>
+                    <a:p>
+                      <a:endParaRPr lang="zh-CN" altLang="en-US"/>
+                    </a:p>
+                  </a:txBody>
+                  <a:tcPr/>
+                </a:tc>
               </a:tr>
-              <a:tr h="787757">
+              <a:tr h="751448">
                 <a:tc>
                   <a:txBody>
                     <a:bodyPr/>
@@ -19239,18 +24673,15 @@
                     </a:lnB>
                   </a:tcPr>
                 </a:tc>
-                <a:tc>
+                <a:tc gridSpan="2" vMerge="1">
                   <a:txBody>
                     <a:bodyPr/>
                     <a:lstStyle/>
                     <a:p>
                       <a:pPr algn="l"/>
-                      <a:r>
-                        <a:rPr lang="de-DE" sz="1500">
-                          <a:effectLst/>
-                        </a:rPr>
-                        <a:t> </a:t>
-                      </a:r>
+                      <a:endParaRPr lang="de-DE" sz="1500">
+                        <a:effectLst/>
+                      </a:endParaRPr>
                     </a:p>
                   </a:txBody>
                   <a:tcPr marL="29264" marR="23411" marT="23411" marB="23411" anchor="ctr">
@@ -19280,8 +24711,18 @@
                     </a:lnB>
                   </a:tcPr>
                 </a:tc>
+                <a:tc hMerge="1" vMerge="1">
+                  <a:txBody>
+                    <a:bodyPr/>
+                    <a:lstStyle/>
+                    <a:p>
+                      <a:endParaRPr lang="zh-CN" altLang="en-US"/>
+                    </a:p>
+                  </a:txBody>
+                  <a:tcPr/>
+                </a:tc>
               </a:tr>
-              <a:tr h="787757">
+              <a:tr h="751448">
                 <a:tc>
                   <a:txBody>
                     <a:bodyPr/>
@@ -19486,18 +24927,15 @@
                     </a:lnB>
                   </a:tcPr>
                 </a:tc>
-                <a:tc>
+                <a:tc gridSpan="2" vMerge="1">
                   <a:txBody>
                     <a:bodyPr/>
                     <a:lstStyle/>
                     <a:p>
                       <a:pPr algn="l"/>
-                      <a:r>
-                        <a:rPr lang="de-DE" sz="1500">
-                          <a:effectLst/>
-                        </a:rPr>
-                        <a:t> </a:t>
-                      </a:r>
+                      <a:endParaRPr lang="de-DE" sz="1500">
+                        <a:effectLst/>
+                      </a:endParaRPr>
                     </a:p>
                   </a:txBody>
                   <a:tcPr marL="29264" marR="23411" marT="23411" marB="23411" anchor="ctr">
@@ -19527,8 +24965,18 @@
                     </a:lnB>
                   </a:tcPr>
                 </a:tc>
+                <a:tc hMerge="1" vMerge="1">
+                  <a:txBody>
+                    <a:bodyPr/>
+                    <a:lstStyle/>
+                    <a:p>
+                      <a:endParaRPr lang="zh-CN" altLang="en-US"/>
+                    </a:p>
+                  </a:txBody>
+                  <a:tcPr/>
+                </a:tc>
               </a:tr>
-              <a:tr h="787757">
+              <a:tr h="751448">
                 <a:tc>
                   <a:txBody>
                     <a:bodyPr/>
@@ -19577,12 +25025,12 @@
                     <a:p>
                       <a:pPr algn="l"/>
                       <a:r>
-                        <a:rPr lang="en-US" sz="1500" i="1">
+                        <a:rPr lang="en-US" sz="1500" i="1" dirty="0">
                           <a:effectLst/>
                         </a:rPr>
                         <a:t>Document Clustering and Labeling for Research Trend Extraction and Evolution Mapping</a:t>
                       </a:r>
-                      <a:endParaRPr lang="en-US" sz="1500">
+                      <a:endParaRPr lang="en-US" sz="1500" dirty="0">
                         <a:effectLst/>
                       </a:endParaRPr>
                     </a:p>
@@ -19714,18 +25162,15 @@
                     </a:lnB>
                   </a:tcPr>
                 </a:tc>
-                <a:tc>
+                <a:tc gridSpan="2" vMerge="1">
                   <a:txBody>
                     <a:bodyPr/>
                     <a:lstStyle/>
                     <a:p>
                       <a:pPr algn="l"/>
-                      <a:r>
-                        <a:rPr lang="de-DE" sz="1500" dirty="0">
-                          <a:effectLst/>
-                        </a:rPr>
-                        <a:t> </a:t>
-                      </a:r>
+                      <a:endParaRPr lang="de-DE" sz="1500" dirty="0">
+                        <a:effectLst/>
+                      </a:endParaRPr>
                     </a:p>
                   </a:txBody>
                   <a:tcPr marL="29264" marR="23411" marT="23411" marB="23411" anchor="ctr">
@@ -19754,6 +25199,16 @@
                       <a:tailEnd type="none" w="med" len="med"/>
                     </a:lnB>
                   </a:tcPr>
+                </a:tc>
+                <a:tc hMerge="1" vMerge="1">
+                  <a:txBody>
+                    <a:bodyPr/>
+                    <a:lstStyle/>
+                    <a:p>
+                      <a:endParaRPr lang="zh-CN" altLang="en-US"/>
+                    </a:p>
+                  </a:txBody>
+                  <a:tcPr/>
                 </a:tc>
               </a:tr>
             </a:tbl>
@@ -19814,2339 +25269,6 @@
     <p:extLst>
       <p:ext uri="{BB962C8B-B14F-4D97-AF65-F5344CB8AC3E}">
         <p14:creationId xmlns:p14="http://schemas.microsoft.com/office/powerpoint/2010/main" val="3646717785"/>
-      </p:ext>
-    </p:extLst>
-  </p:cSld>
-  <p:clrMapOvr>
-    <a:masterClrMapping/>
-  </p:clrMapOvr>
-  <p:timing>
-    <p:tnLst>
-      <p:par>
-        <p:cTn id="1" dur="indefinite" restart="never" nodeType="tmRoot"/>
-      </p:par>
-    </p:tnLst>
-  </p:timing>
-</p:sld>
-</file>
-
-<file path=ppt/slides/slide8.xml><?xml version="1.0" encoding="utf-8"?>
-<p:sld xmlns:a="http://schemas.openxmlformats.org/drawingml/2006/main" xmlns:r="http://schemas.openxmlformats.org/officeDocument/2006/relationships" xmlns:p="http://schemas.openxmlformats.org/presentationml/2006/main">
-  <p:cSld>
-    <p:spTree>
-      <p:nvGrpSpPr>
-        <p:cNvPr id="1" name=""/>
-        <p:cNvGrpSpPr/>
-        <p:nvPr/>
-      </p:nvGrpSpPr>
-      <p:grpSpPr>
-        <a:xfrm>
-          <a:off x="0" y="0"/>
-          <a:ext cx="0" cy="0"/>
-          <a:chOff x="0" y="0"/>
-          <a:chExt cx="0" cy="0"/>
-        </a:xfrm>
-      </p:grpSpPr>
-      <p:sp>
-        <p:nvSpPr>
-          <p:cNvPr id="17410" name="Espace réservé du numéro de diapositive 5"/>
-          <p:cNvSpPr>
-            <a:spLocks noGrp="1"/>
-          </p:cNvSpPr>
-          <p:nvPr>
-            <p:ph type="sldNum" sz="quarter" idx="11"/>
-          </p:nvPr>
-        </p:nvSpPr>
-        <p:spPr>
-          <a:xfrm>
-            <a:off x="7010400" y="6400800"/>
-            <a:ext cx="2133600" cy="457200"/>
-          </a:xfrm>
-          <a:noFill/>
-          <a:ln/>
-          <a:extLst>
-            <a:ext uri="{909E8E84-426E-40DD-AFC4-6F175D3DCCD1}">
-              <a14:hiddenFill xmlns:a14="http://schemas.microsoft.com/office/drawing/2010/main">
-                <a:solidFill>
-                  <a:srgbClr val="FFFFFF"/>
-                </a:solidFill>
-              </a14:hiddenFill>
-            </a:ext>
-            <a:ext uri="{91240B29-F687-4F45-9708-019B960494DF}">
-              <a14:hiddenLine xmlns:a14="http://schemas.microsoft.com/office/drawing/2010/main" w="9525">
-                <a:solidFill>
-                  <a:srgbClr val="000000"/>
-                </a:solidFill>
-                <a:miter lim="800000"/>
-                <a:headEnd/>
-                <a:tailEnd/>
-              </a14:hiddenLine>
-            </a:ext>
-          </a:extLst>
-        </p:spPr>
-        <p:txBody>
-          <a:bodyPr/>
-          <a:lstStyle>
-            <a:lvl1pPr eaLnBrk="0" hangingPunct="0">
-              <a:defRPr sz="2400">
-                <a:solidFill>
-                  <a:schemeClr val="tx1"/>
-                </a:solidFill>
-                <a:latin typeface="Calibri" charset="0"/>
-                <a:ea typeface="ＭＳ Ｐゴシック" charset="0"/>
-                <a:cs typeface="ＭＳ Ｐゴシック" charset="0"/>
-              </a:defRPr>
-            </a:lvl1pPr>
-            <a:lvl2pPr marL="742950" indent="-285750" eaLnBrk="0" hangingPunct="0">
-              <a:defRPr sz="2400">
-                <a:solidFill>
-                  <a:schemeClr val="tx1"/>
-                </a:solidFill>
-                <a:latin typeface="Calibri" charset="0"/>
-                <a:ea typeface="ＭＳ Ｐゴシック" charset="0"/>
-              </a:defRPr>
-            </a:lvl2pPr>
-            <a:lvl3pPr marL="1143000" indent="-228600" eaLnBrk="0" hangingPunct="0">
-              <a:defRPr sz="2400">
-                <a:solidFill>
-                  <a:schemeClr val="tx1"/>
-                </a:solidFill>
-                <a:latin typeface="Calibri" charset="0"/>
-                <a:ea typeface="ＭＳ Ｐゴシック" charset="0"/>
-              </a:defRPr>
-            </a:lvl3pPr>
-            <a:lvl4pPr marL="1600200" indent="-228600" eaLnBrk="0" hangingPunct="0">
-              <a:defRPr sz="2400">
-                <a:solidFill>
-                  <a:schemeClr val="tx1"/>
-                </a:solidFill>
-                <a:latin typeface="Calibri" charset="0"/>
-                <a:ea typeface="ＭＳ Ｐゴシック" charset="0"/>
-              </a:defRPr>
-            </a:lvl4pPr>
-            <a:lvl5pPr marL="2057400" indent="-228600" eaLnBrk="0" hangingPunct="0">
-              <a:defRPr sz="2400">
-                <a:solidFill>
-                  <a:schemeClr val="tx1"/>
-                </a:solidFill>
-                <a:latin typeface="Calibri" charset="0"/>
-                <a:ea typeface="ＭＳ Ｐゴシック" charset="0"/>
-              </a:defRPr>
-            </a:lvl5pPr>
-            <a:lvl6pPr marL="2514600" indent="-228600" algn="ctr" eaLnBrk="0" fontAlgn="base" hangingPunct="0">
-              <a:spcBef>
-                <a:spcPct val="50000"/>
-              </a:spcBef>
-              <a:spcAft>
-                <a:spcPct val="0"/>
-              </a:spcAft>
-              <a:defRPr sz="2400">
-                <a:solidFill>
-                  <a:schemeClr val="tx1"/>
-                </a:solidFill>
-                <a:latin typeface="Calibri" charset="0"/>
-                <a:ea typeface="ＭＳ Ｐゴシック" charset="0"/>
-              </a:defRPr>
-            </a:lvl6pPr>
-            <a:lvl7pPr marL="2971800" indent="-228600" algn="ctr" eaLnBrk="0" fontAlgn="base" hangingPunct="0">
-              <a:spcBef>
-                <a:spcPct val="50000"/>
-              </a:spcBef>
-              <a:spcAft>
-                <a:spcPct val="0"/>
-              </a:spcAft>
-              <a:defRPr sz="2400">
-                <a:solidFill>
-                  <a:schemeClr val="tx1"/>
-                </a:solidFill>
-                <a:latin typeface="Calibri" charset="0"/>
-                <a:ea typeface="ＭＳ Ｐゴシック" charset="0"/>
-              </a:defRPr>
-            </a:lvl7pPr>
-            <a:lvl8pPr marL="3429000" indent="-228600" algn="ctr" eaLnBrk="0" fontAlgn="base" hangingPunct="0">
-              <a:spcBef>
-                <a:spcPct val="50000"/>
-              </a:spcBef>
-              <a:spcAft>
-                <a:spcPct val="0"/>
-              </a:spcAft>
-              <a:defRPr sz="2400">
-                <a:solidFill>
-                  <a:schemeClr val="tx1"/>
-                </a:solidFill>
-                <a:latin typeface="Calibri" charset="0"/>
-                <a:ea typeface="ＭＳ Ｐゴシック" charset="0"/>
-              </a:defRPr>
-            </a:lvl8pPr>
-            <a:lvl9pPr marL="3886200" indent="-228600" algn="ctr" eaLnBrk="0" fontAlgn="base" hangingPunct="0">
-              <a:spcBef>
-                <a:spcPct val="50000"/>
-              </a:spcBef>
-              <a:spcAft>
-                <a:spcPct val="0"/>
-              </a:spcAft>
-              <a:defRPr sz="2400">
-                <a:solidFill>
-                  <a:schemeClr val="tx1"/>
-                </a:solidFill>
-                <a:latin typeface="Calibri" charset="0"/>
-                <a:ea typeface="ＭＳ Ｐゴシック" charset="0"/>
-              </a:defRPr>
-            </a:lvl9pPr>
-          </a:lstStyle>
-          <a:p>
-            <a:pPr eaLnBrk="1" hangingPunct="1"/>
-            <a:fld id="{2885B478-7DA6-BA40-9EF5-9E15BC7A0401}" type="slidenum">
-              <a:rPr lang="en-GB" sz="1200" smtClean="0">
-                <a:latin typeface="Arial Black" charset="0"/>
-              </a:rPr>
-              <a:pPr eaLnBrk="1" hangingPunct="1"/>
-              <a:t>8</a:t>
-            </a:fld>
-            <a:endParaRPr lang="en-GB" sz="1200">
-              <a:latin typeface="Arial Black" charset="0"/>
-            </a:endParaRPr>
-          </a:p>
-        </p:txBody>
-      </p:sp>
-      <p:sp>
-        <p:nvSpPr>
-          <p:cNvPr id="8" name="Rectangle 2"/>
-          <p:cNvSpPr>
-            <a:spLocks noGrp="1" noChangeArrowheads="1"/>
-          </p:cNvSpPr>
-          <p:nvPr>
-            <p:ph type="title"/>
-          </p:nvPr>
-        </p:nvSpPr>
-        <p:spPr>
-          <a:xfrm>
-            <a:off x="457200" y="457200"/>
-            <a:ext cx="8686800" cy="668338"/>
-          </a:xfrm>
-        </p:spPr>
-        <p:txBody>
-          <a:bodyPr/>
-          <a:lstStyle/>
-          <a:p>
-            <a:pPr marL="536575" indent="-536575" eaLnBrk="1" hangingPunct="1"/>
-            <a:r>
-              <a:rPr lang="en-GB" sz="3200" dirty="0">
-                <a:solidFill>
-                  <a:srgbClr val="CC0000"/>
-                </a:solidFill>
-                <a:latin typeface="Calibri" charset="0"/>
-                <a:sym typeface="Wingdings" charset="0"/>
-              </a:rPr>
-              <a:t>Agenda: </a:t>
-            </a:r>
-            <a:r>
-              <a:rPr lang="en-GB" sz="3200" dirty="0" smtClean="0">
-                <a:solidFill>
-                  <a:srgbClr val="CC0000"/>
-                </a:solidFill>
-                <a:latin typeface="Calibri" charset="0"/>
-                <a:sym typeface="Wingdings" charset="0"/>
-              </a:rPr>
-              <a:t>Part 4</a:t>
-            </a:r>
-            <a:endParaRPr lang="en-GB" sz="3200" dirty="0">
-              <a:solidFill>
-                <a:srgbClr val="CC0000"/>
-              </a:solidFill>
-              <a:latin typeface="Calibri" charset="0"/>
-            </a:endParaRPr>
-          </a:p>
-        </p:txBody>
-      </p:sp>
-      <p:sp>
-        <p:nvSpPr>
-          <p:cNvPr id="17" name="Text Box 4">
-            <a:extLst>
-              <a:ext uri="{FF2B5EF4-FFF2-40B4-BE49-F238E27FC236}">
-                <a16:creationId xmlns="" xmlns:a16="http://schemas.microsoft.com/office/drawing/2014/main" id="{7FB8B298-1DE1-8446-854E-9DA7260C306B}"/>
-              </a:ext>
-            </a:extLst>
-          </p:cNvPr>
-          <p:cNvSpPr txBox="1">
-            <a:spLocks noChangeArrowheads="1"/>
-          </p:cNvSpPr>
-          <p:nvPr/>
-        </p:nvSpPr>
-        <p:spPr bwMode="auto">
-          <a:xfrm>
-            <a:off x="684213" y="97497"/>
-            <a:ext cx="8459787" cy="338554"/>
-          </a:xfrm>
-          <a:prstGeom prst="rect">
-            <a:avLst/>
-          </a:prstGeom>
-          <a:noFill/>
-          <a:ln>
-            <a:noFill/>
-          </a:ln>
-          <a:extLst>
-            <a:ext uri="{909E8E84-426E-40DD-AFC4-6F175D3DCCD1}">
-              <a14:hiddenFill xmlns:a14="http://schemas.microsoft.com/office/drawing/2010/main">
-                <a:solidFill>
-                  <a:srgbClr val="FFFFFF"/>
-                </a:solidFill>
-              </a14:hiddenFill>
-            </a:ext>
-            <a:ext uri="{91240B29-F687-4F45-9708-019B960494DF}">
-              <a14:hiddenLine xmlns:a14="http://schemas.microsoft.com/office/drawing/2010/main" w="9525">
-                <a:solidFill>
-                  <a:srgbClr val="000000"/>
-                </a:solidFill>
-                <a:miter lim="800000"/>
-                <a:headEnd/>
-                <a:tailEnd/>
-              </a14:hiddenLine>
-            </a:ext>
-          </a:extLst>
-        </p:spPr>
-        <p:txBody>
-          <a:bodyPr>
-            <a:spAutoFit/>
-          </a:bodyPr>
-          <a:lstStyle>
-            <a:lvl1pPr marL="342900" indent="-342900" eaLnBrk="0" hangingPunct="0">
-              <a:tabLst>
-                <a:tab pos="8253413" algn="r"/>
-              </a:tabLst>
-              <a:defRPr sz="2400">
-                <a:solidFill>
-                  <a:schemeClr val="tx1"/>
-                </a:solidFill>
-                <a:latin typeface="Calibri" charset="0"/>
-                <a:ea typeface="ＭＳ Ｐゴシック" charset="0"/>
-                <a:cs typeface="ＭＳ Ｐゴシック" charset="0"/>
-              </a:defRPr>
-            </a:lvl1pPr>
-            <a:lvl2pPr marL="742950" indent="-285750" eaLnBrk="0" hangingPunct="0">
-              <a:tabLst>
-                <a:tab pos="8253413" algn="r"/>
-              </a:tabLst>
-              <a:defRPr sz="2400">
-                <a:solidFill>
-                  <a:schemeClr val="tx1"/>
-                </a:solidFill>
-                <a:latin typeface="Calibri" charset="0"/>
-                <a:ea typeface="ＭＳ Ｐゴシック" charset="0"/>
-              </a:defRPr>
-            </a:lvl2pPr>
-            <a:lvl3pPr marL="1143000" indent="-228600" eaLnBrk="0" hangingPunct="0">
-              <a:tabLst>
-                <a:tab pos="8253413" algn="r"/>
-              </a:tabLst>
-              <a:defRPr sz="2400">
-                <a:solidFill>
-                  <a:schemeClr val="tx1"/>
-                </a:solidFill>
-                <a:latin typeface="Calibri" charset="0"/>
-                <a:ea typeface="ＭＳ Ｐゴシック" charset="0"/>
-              </a:defRPr>
-            </a:lvl3pPr>
-            <a:lvl4pPr marL="1600200" indent="-228600" eaLnBrk="0" hangingPunct="0">
-              <a:tabLst>
-                <a:tab pos="8253413" algn="r"/>
-              </a:tabLst>
-              <a:defRPr sz="2400">
-                <a:solidFill>
-                  <a:schemeClr val="tx1"/>
-                </a:solidFill>
-                <a:latin typeface="Calibri" charset="0"/>
-                <a:ea typeface="ＭＳ Ｐゴシック" charset="0"/>
-              </a:defRPr>
-            </a:lvl4pPr>
-            <a:lvl5pPr marL="2057400" indent="-228600" eaLnBrk="0" hangingPunct="0">
-              <a:tabLst>
-                <a:tab pos="8253413" algn="r"/>
-              </a:tabLst>
-              <a:defRPr sz="2400">
-                <a:solidFill>
-                  <a:schemeClr val="tx1"/>
-                </a:solidFill>
-                <a:latin typeface="Calibri" charset="0"/>
-                <a:ea typeface="ＭＳ Ｐゴシック" charset="0"/>
-              </a:defRPr>
-            </a:lvl5pPr>
-            <a:lvl6pPr marL="2514600" indent="-228600" algn="ctr" eaLnBrk="0" fontAlgn="base" hangingPunct="0">
-              <a:spcBef>
-                <a:spcPct val="50000"/>
-              </a:spcBef>
-              <a:spcAft>
-                <a:spcPct val="0"/>
-              </a:spcAft>
-              <a:tabLst>
-                <a:tab pos="8253413" algn="r"/>
-              </a:tabLst>
-              <a:defRPr sz="2400">
-                <a:solidFill>
-                  <a:schemeClr val="tx1"/>
-                </a:solidFill>
-                <a:latin typeface="Calibri" charset="0"/>
-                <a:ea typeface="ＭＳ Ｐゴシック" charset="0"/>
-              </a:defRPr>
-            </a:lvl6pPr>
-            <a:lvl7pPr marL="2971800" indent="-228600" algn="ctr" eaLnBrk="0" fontAlgn="base" hangingPunct="0">
-              <a:spcBef>
-                <a:spcPct val="50000"/>
-              </a:spcBef>
-              <a:spcAft>
-                <a:spcPct val="0"/>
-              </a:spcAft>
-              <a:tabLst>
-                <a:tab pos="8253413" algn="r"/>
-              </a:tabLst>
-              <a:defRPr sz="2400">
-                <a:solidFill>
-                  <a:schemeClr val="tx1"/>
-                </a:solidFill>
-                <a:latin typeface="Calibri" charset="0"/>
-                <a:ea typeface="ＭＳ Ｐゴシック" charset="0"/>
-              </a:defRPr>
-            </a:lvl7pPr>
-            <a:lvl8pPr marL="3429000" indent="-228600" algn="ctr" eaLnBrk="0" fontAlgn="base" hangingPunct="0">
-              <a:spcBef>
-                <a:spcPct val="50000"/>
-              </a:spcBef>
-              <a:spcAft>
-                <a:spcPct val="0"/>
-              </a:spcAft>
-              <a:tabLst>
-                <a:tab pos="8253413" algn="r"/>
-              </a:tabLst>
-              <a:defRPr sz="2400">
-                <a:solidFill>
-                  <a:schemeClr val="tx1"/>
-                </a:solidFill>
-                <a:latin typeface="Calibri" charset="0"/>
-                <a:ea typeface="ＭＳ Ｐゴシック" charset="0"/>
-              </a:defRPr>
-            </a:lvl8pPr>
-            <a:lvl9pPr marL="3886200" indent="-228600" algn="ctr" eaLnBrk="0" fontAlgn="base" hangingPunct="0">
-              <a:spcBef>
-                <a:spcPct val="50000"/>
-              </a:spcBef>
-              <a:spcAft>
-                <a:spcPct val="0"/>
-              </a:spcAft>
-              <a:tabLst>
-                <a:tab pos="8253413" algn="r"/>
-              </a:tabLst>
-              <a:defRPr sz="2400">
-                <a:solidFill>
-                  <a:schemeClr val="tx1"/>
-                </a:solidFill>
-                <a:latin typeface="Calibri" charset="0"/>
-                <a:ea typeface="ＭＳ Ｐゴシック" charset="0"/>
-              </a:defRPr>
-            </a:lvl9pPr>
-          </a:lstStyle>
-          <a:p>
-            <a:pPr algn="r" eaLnBrk="1" hangingPunct="1"/>
-            <a:r>
-              <a:rPr lang="fr-FR" sz="1600" dirty="0" smtClean="0">
-                <a:solidFill>
-                  <a:schemeClr val="accent6"/>
-                </a:solidFill>
-              </a:rPr>
-              <a:t>EEKE 2020</a:t>
-            </a:r>
-            <a:endParaRPr lang="en-GB" sz="1200" i="1" dirty="0">
-              <a:solidFill>
-                <a:schemeClr val="accent6"/>
-              </a:solidFill>
-            </a:endParaRPr>
-          </a:p>
-        </p:txBody>
-      </p:sp>
-      <p:sp>
-        <p:nvSpPr>
-          <p:cNvPr id="5" name="Rectangle 1"/>
-          <p:cNvSpPr>
-            <a:spLocks noChangeArrowheads="1"/>
-          </p:cNvSpPr>
-          <p:nvPr/>
-        </p:nvSpPr>
-        <p:spPr bwMode="auto">
-          <a:xfrm>
-            <a:off x="3273425" y="1974850"/>
-            <a:ext cx="9144000" cy="0"/>
-          </a:xfrm>
-          <a:prstGeom prst="rect">
-            <a:avLst/>
-          </a:prstGeom>
-          <a:noFill/>
-          <a:ln>
-            <a:noFill/>
-          </a:ln>
-          <a:effectLst/>
-          <a:extLst>
-            <a:ext uri="{909E8E84-426E-40DD-AFC4-6F175D3DCCD1}">
-              <a14:hiddenFill xmlns:a14="http://schemas.microsoft.com/office/drawing/2010/main">
-                <a:solidFill>
-                  <a:schemeClr val="accent1"/>
-                </a:solidFill>
-              </a14:hiddenFill>
-            </a:ext>
-            <a:ext uri="{91240B29-F687-4F45-9708-019B960494DF}">
-              <a14:hiddenLine xmlns:a14="http://schemas.microsoft.com/office/drawing/2010/main" w="9525">
-                <a:solidFill>
-                  <a:schemeClr val="tx1"/>
-                </a:solidFill>
-                <a:miter lim="800000"/>
-                <a:headEnd/>
-                <a:tailEnd/>
-              </a14:hiddenLine>
-            </a:ext>
-            <a:ext uri="{AF507438-7753-43E0-B8FC-AC1667EBCBE1}">
-              <a14:hiddenEffects xmlns:a14="http://schemas.microsoft.com/office/drawing/2010/main">
-                <a:effectLst>
-                  <a:outerShdw dist="35921" dir="2700000" algn="ctr" rotWithShape="0">
-                    <a:schemeClr val="bg2"/>
-                  </a:outerShdw>
-                </a:effectLst>
-              </a14:hiddenEffects>
-            </a:ext>
-          </a:extLst>
-        </p:spPr>
-        <p:txBody>
-          <a:bodyPr vert="horz" wrap="none" lIns="91440" tIns="45720" rIns="91440" bIns="45720" numCol="1" anchor="ctr" anchorCtr="0" compatLnSpc="1">
-            <a:prstTxWarp prst="textNoShape">
-              <a:avLst/>
-            </a:prstTxWarp>
-            <a:spAutoFit/>
-          </a:bodyPr>
-          <a:lstStyle/>
-          <a:p>
-            <a:pPr marL="0" marR="0" lvl="0" indent="0" algn="l" defTabSz="914400" rtl="0" eaLnBrk="1" fontAlgn="base" latinLnBrk="0" hangingPunct="1">
-              <a:lnSpc>
-                <a:spcPct val="100000"/>
-              </a:lnSpc>
-              <a:spcBef>
-                <a:spcPct val="0"/>
-              </a:spcBef>
-              <a:spcAft>
-                <a:spcPct val="0"/>
-              </a:spcAft>
-              <a:buClrTx/>
-              <a:buSzTx/>
-              <a:buFontTx/>
-              <a:buNone/>
-              <a:tabLst/>
-            </a:pPr>
-            <a:r>
-              <a:rPr kumimoji="0" lang="de-DE" altLang="de-DE" sz="1800" b="0" i="0" u="none" strike="noStrike" cap="none" normalizeH="0" baseline="0" smtClean="0">
-                <a:ln>
-                  <a:noFill/>
-                </a:ln>
-                <a:solidFill>
-                  <a:schemeClr val="tx1"/>
-                </a:solidFill>
-                <a:effectLst/>
-                <a:latin typeface="Arial" pitchFamily="34" charset="0"/>
-                <a:cs typeface="Arial" pitchFamily="34" charset="0"/>
-              </a:rPr>
-              <a:t/>
-            </a:r>
-            <a:br>
-              <a:rPr kumimoji="0" lang="de-DE" altLang="de-DE" sz="1800" b="0" i="0" u="none" strike="noStrike" cap="none" normalizeH="0" baseline="0" smtClean="0">
-                <a:ln>
-                  <a:noFill/>
-                </a:ln>
-                <a:solidFill>
-                  <a:schemeClr val="tx1"/>
-                </a:solidFill>
-                <a:effectLst/>
-                <a:latin typeface="Arial" pitchFamily="34" charset="0"/>
-                <a:cs typeface="Arial" pitchFamily="34" charset="0"/>
-              </a:rPr>
-            </a:br>
-            <a:endParaRPr kumimoji="0" lang="de-DE" altLang="de-DE" sz="1800" b="0" i="0" u="none" strike="noStrike" cap="none" normalizeH="0" baseline="0" smtClean="0">
-              <a:ln>
-                <a:noFill/>
-              </a:ln>
-              <a:solidFill>
-                <a:schemeClr val="tx1"/>
-              </a:solidFill>
-              <a:effectLst/>
-              <a:latin typeface="Arial" pitchFamily="34" charset="0"/>
-              <a:cs typeface="Arial" pitchFamily="34" charset="0"/>
-            </a:endParaRPr>
-          </a:p>
-        </p:txBody>
-      </p:sp>
-      <p:graphicFrame>
-        <p:nvGraphicFramePr>
-          <p:cNvPr id="2" name="Tabelle 1"/>
-          <p:cNvGraphicFramePr>
-            <a:graphicFrameLocks noGrp="1"/>
-          </p:cNvGraphicFramePr>
-          <p:nvPr>
-            <p:extLst>
-              <p:ext uri="{D42A27DB-BD31-4B8C-83A1-F6EECF244321}">
-                <p14:modId xmlns:p14="http://schemas.microsoft.com/office/powerpoint/2010/main" val="3662164156"/>
-              </p:ext>
-            </p:extLst>
-          </p:nvPr>
-        </p:nvGraphicFramePr>
-        <p:xfrm>
-          <a:off x="119741" y="1219203"/>
-          <a:ext cx="8893629" cy="5561714"/>
-        </p:xfrm>
-        <a:graphic>
-          <a:graphicData uri="http://schemas.openxmlformats.org/drawingml/2006/table">
-            <a:tbl>
-              <a:tblPr/>
-              <a:tblGrid>
-                <a:gridCol w="1540544"/>
-                <a:gridCol w="3769412"/>
-                <a:gridCol w="1360266"/>
-                <a:gridCol w="2223407"/>
-              </a:tblGrid>
-              <a:tr h="448267">
-                <a:tc>
-                  <a:txBody>
-                    <a:bodyPr/>
-                    <a:lstStyle/>
-                    <a:p>
-                      <a:pPr algn="l"/>
-                      <a:r>
-                        <a:rPr lang="de-DE" sz="1500" dirty="0">
-                          <a:effectLst/>
-                        </a:rPr>
-                        <a:t>18:55-19:50</a:t>
-                      </a:r>
-                    </a:p>
-                  </a:txBody>
-                  <a:tcPr marL="40907" marR="51134" marT="40907" marB="40907" anchor="ctr">
-                    <a:lnL>
-                      <a:noFill/>
-                    </a:lnL>
-                    <a:lnR>
-                      <a:noFill/>
-                    </a:lnR>
-                    <a:lnT>
-                      <a:noFill/>
-                    </a:lnT>
-                    <a:lnB w="7620" cap="flat" cmpd="sng" algn="ctr">
-                      <a:solidFill>
-                        <a:srgbClr val="E1E1E1"/>
-                      </a:solidFill>
-                      <a:prstDash val="solid"/>
-                      <a:round/>
-                      <a:headEnd type="none" w="med" len="med"/>
-                      <a:tailEnd type="none" w="med" len="med"/>
-                    </a:lnB>
-                  </a:tcPr>
-                </a:tc>
-                <a:tc gridSpan="2">
-                  <a:txBody>
-                    <a:bodyPr/>
-                    <a:lstStyle/>
-                    <a:p>
-                      <a:pPr algn="l"/>
-                      <a:r>
-                        <a:rPr lang="en-US" sz="1500" b="1" i="1" dirty="0">
-                          <a:solidFill>
-                            <a:schemeClr val="bg2">
-                              <a:lumMod val="60000"/>
-                              <a:lumOff val="40000"/>
-                            </a:schemeClr>
-                          </a:solidFill>
-                          <a:effectLst/>
-                        </a:rPr>
-                        <a:t>Session 5: Poster/ Greeting Notes of EEKE2020</a:t>
-                      </a:r>
-                      <a:endParaRPr lang="en-US" sz="1500" dirty="0">
-                        <a:solidFill>
-                          <a:schemeClr val="bg2">
-                            <a:lumMod val="60000"/>
-                            <a:lumOff val="40000"/>
-                          </a:schemeClr>
-                        </a:solidFill>
-                        <a:effectLst/>
-                      </a:endParaRPr>
-                    </a:p>
-                  </a:txBody>
-                  <a:tcPr marL="51134" marR="51134" marT="40907" marB="40907" anchor="ctr">
-                    <a:lnL>
-                      <a:noFill/>
-                    </a:lnL>
-                    <a:lnR>
-                      <a:noFill/>
-                    </a:lnR>
-                    <a:lnT>
-                      <a:noFill/>
-                    </a:lnT>
-                    <a:lnB w="7620" cap="flat" cmpd="sng" algn="ctr">
-                      <a:solidFill>
-                        <a:srgbClr val="E1E1E1"/>
-                      </a:solidFill>
-                      <a:prstDash val="solid"/>
-                      <a:round/>
-                      <a:headEnd type="none" w="med" len="med"/>
-                      <a:tailEnd type="none" w="med" len="med"/>
-                    </a:lnB>
-                  </a:tcPr>
-                </a:tc>
-                <a:tc hMerge="1">
-                  <a:txBody>
-                    <a:bodyPr/>
-                    <a:lstStyle/>
-                    <a:p>
-                      <a:endParaRPr lang="de-DE"/>
-                    </a:p>
-                  </a:txBody>
-                  <a:tcPr/>
-                </a:tc>
-                <a:tc>
-                  <a:txBody>
-                    <a:bodyPr/>
-                    <a:lstStyle/>
-                    <a:p>
-                      <a:pPr algn="l"/>
-                      <a:r>
-                        <a:rPr lang="de-DE" sz="1500">
-                          <a:effectLst/>
-                        </a:rPr>
-                        <a:t>Chair: Jin Mao</a:t>
-                      </a:r>
-                    </a:p>
-                  </a:txBody>
-                  <a:tcPr marL="51134" marR="40907" marT="40907" marB="40907" anchor="ctr">
-                    <a:lnL>
-                      <a:noFill/>
-                    </a:lnL>
-                    <a:lnR>
-                      <a:noFill/>
-                    </a:lnR>
-                    <a:lnT>
-                      <a:noFill/>
-                    </a:lnT>
-                    <a:lnB w="7620" cap="flat" cmpd="sng" algn="ctr">
-                      <a:solidFill>
-                        <a:srgbClr val="E1E1E1"/>
-                      </a:solidFill>
-                      <a:prstDash val="solid"/>
-                      <a:round/>
-                      <a:headEnd type="none" w="med" len="med"/>
-                      <a:tailEnd type="none" w="med" len="med"/>
-                    </a:lnB>
-                  </a:tcPr>
-                </a:tc>
-              </a:tr>
-              <a:tr h="969029">
-                <a:tc>
-                  <a:txBody>
-                    <a:bodyPr/>
-                    <a:lstStyle/>
-                    <a:p>
-                      <a:pPr algn="l"/>
-                      <a:r>
-                        <a:rPr lang="de-DE" sz="1500">
-                          <a:effectLst/>
-                        </a:rPr>
-                        <a:t>18:55-19:05</a:t>
-                      </a:r>
-                    </a:p>
-                  </a:txBody>
-                  <a:tcPr marL="40907" marR="51134" marT="40907" marB="40907" anchor="ctr">
-                    <a:lnL>
-                      <a:noFill/>
-                    </a:lnL>
-                    <a:lnR>
-                      <a:noFill/>
-                    </a:lnR>
-                    <a:lnT w="7620" cap="flat" cmpd="sng" algn="ctr">
-                      <a:solidFill>
-                        <a:srgbClr val="E1E1E1"/>
-                      </a:solidFill>
-                      <a:prstDash val="solid"/>
-                      <a:round/>
-                      <a:headEnd type="none" w="med" len="med"/>
-                      <a:tailEnd type="none" w="med" len="med"/>
-                    </a:lnT>
-                    <a:lnB w="7620" cap="flat" cmpd="sng" algn="ctr">
-                      <a:solidFill>
-                        <a:srgbClr val="E1E1E1"/>
-                      </a:solidFill>
-                      <a:prstDash val="solid"/>
-                      <a:round/>
-                      <a:headEnd type="none" w="med" len="med"/>
-                      <a:tailEnd type="none" w="med" len="med"/>
-                    </a:lnB>
-                  </a:tcPr>
-                </a:tc>
-                <a:tc>
-                  <a:txBody>
-                    <a:bodyPr/>
-                    <a:lstStyle/>
-                    <a:p>
-                      <a:pPr algn="l"/>
-                      <a:r>
-                        <a:rPr lang="de-DE" sz="1500" i="1">
-                          <a:effectLst/>
-                        </a:rPr>
-                        <a:t>Long-tail dataset entity recognition based on Data Augmentation</a:t>
-                      </a:r>
-                      <a:endParaRPr lang="de-DE" sz="1500">
-                        <a:effectLst/>
-                      </a:endParaRPr>
-                    </a:p>
-                  </a:txBody>
-                  <a:tcPr marL="51134" marR="51134" marT="40907" marB="40907" anchor="ctr">
-                    <a:lnL>
-                      <a:noFill/>
-                    </a:lnL>
-                    <a:lnR>
-                      <a:noFill/>
-                    </a:lnR>
-                    <a:lnT w="7620" cap="flat" cmpd="sng" algn="ctr">
-                      <a:solidFill>
-                        <a:srgbClr val="E1E1E1"/>
-                      </a:solidFill>
-                      <a:prstDash val="solid"/>
-                      <a:round/>
-                      <a:headEnd type="none" w="med" len="med"/>
-                      <a:tailEnd type="none" w="med" len="med"/>
-                    </a:lnT>
-                    <a:lnB w="7620" cap="flat" cmpd="sng" algn="ctr">
-                      <a:solidFill>
-                        <a:srgbClr val="E1E1E1"/>
-                      </a:solidFill>
-                      <a:prstDash val="solid"/>
-                      <a:round/>
-                      <a:headEnd type="none" w="med" len="med"/>
-                      <a:tailEnd type="none" w="med" len="med"/>
-                    </a:lnB>
-                  </a:tcPr>
-                </a:tc>
-                <a:tc>
-                  <a:txBody>
-                    <a:bodyPr/>
-                    <a:lstStyle/>
-                    <a:p>
-                      <a:pPr algn="l"/>
-                      <a:r>
-                        <a:rPr lang="it-IT" sz="1500" b="1" u="sng">
-                          <a:effectLst/>
-                          <a:latin typeface="Raleway"/>
-                        </a:rPr>
-                        <a:t>Qikai Liu</a:t>
-                      </a:r>
-                      <a:r>
-                        <a:rPr lang="it-IT" sz="1500">
-                          <a:effectLst/>
-                        </a:rPr>
-                        <a:t>, Pengcheng Li, Wei Lu and Qikai Cheng</a:t>
-                      </a:r>
-                    </a:p>
-                  </a:txBody>
-                  <a:tcPr marL="51134" marR="51134" marT="40907" marB="40907" anchor="ctr">
-                    <a:lnL>
-                      <a:noFill/>
-                    </a:lnL>
-                    <a:lnR>
-                      <a:noFill/>
-                    </a:lnR>
-                    <a:lnT w="7620" cap="flat" cmpd="sng" algn="ctr">
-                      <a:solidFill>
-                        <a:srgbClr val="E1E1E1"/>
-                      </a:solidFill>
-                      <a:prstDash val="solid"/>
-                      <a:round/>
-                      <a:headEnd type="none" w="med" len="med"/>
-                      <a:tailEnd type="none" w="med" len="med"/>
-                    </a:lnT>
-                    <a:lnB w="7620" cap="flat" cmpd="sng" algn="ctr">
-                      <a:solidFill>
-                        <a:srgbClr val="E1E1E1"/>
-                      </a:solidFill>
-                      <a:prstDash val="solid"/>
-                      <a:round/>
-                      <a:headEnd type="none" w="med" len="med"/>
-                      <a:tailEnd type="none" w="med" len="med"/>
-                    </a:lnB>
-                  </a:tcPr>
-                </a:tc>
-                <a:tc>
-                  <a:txBody>
-                    <a:bodyPr/>
-                    <a:lstStyle/>
-                    <a:p>
-                      <a:pPr algn="l"/>
-                      <a:r>
-                        <a:rPr lang="de-DE" sz="1500">
-                          <a:effectLst/>
-                        </a:rPr>
-                        <a:t> </a:t>
-                      </a:r>
-                    </a:p>
-                  </a:txBody>
-                  <a:tcPr marL="51134" marR="40907" marT="40907" marB="40907" anchor="ctr">
-                    <a:lnL>
-                      <a:noFill/>
-                    </a:lnL>
-                    <a:lnR>
-                      <a:noFill/>
-                    </a:lnR>
-                    <a:lnT w="7620" cap="flat" cmpd="sng" algn="ctr">
-                      <a:solidFill>
-                        <a:srgbClr val="E1E1E1"/>
-                      </a:solidFill>
-                      <a:prstDash val="solid"/>
-                      <a:round/>
-                      <a:headEnd type="none" w="med" len="med"/>
-                      <a:tailEnd type="none" w="med" len="med"/>
-                    </a:lnT>
-                    <a:lnB w="7620" cap="flat" cmpd="sng" algn="ctr">
-                      <a:solidFill>
-                        <a:srgbClr val="E1E1E1"/>
-                      </a:solidFill>
-                      <a:prstDash val="solid"/>
-                      <a:round/>
-                      <a:headEnd type="none" w="med" len="med"/>
-                      <a:tailEnd type="none" w="med" len="med"/>
-                    </a:lnB>
-                  </a:tcPr>
-                </a:tc>
-              </a:tr>
-              <a:tr h="784469">
-                <a:tc>
-                  <a:txBody>
-                    <a:bodyPr/>
-                    <a:lstStyle/>
-                    <a:p>
-                      <a:pPr algn="l"/>
-                      <a:r>
-                        <a:rPr lang="de-DE" sz="1500">
-                          <a:effectLst/>
-                        </a:rPr>
-                        <a:t>19:05-19:15</a:t>
-                      </a:r>
-                    </a:p>
-                  </a:txBody>
-                  <a:tcPr marL="40907" marR="51134" marT="40907" marB="40907" anchor="ctr">
-                    <a:lnL>
-                      <a:noFill/>
-                    </a:lnL>
-                    <a:lnR>
-                      <a:noFill/>
-                    </a:lnR>
-                    <a:lnT w="7620" cap="flat" cmpd="sng" algn="ctr">
-                      <a:solidFill>
-                        <a:srgbClr val="E1E1E1"/>
-                      </a:solidFill>
-                      <a:prstDash val="solid"/>
-                      <a:round/>
-                      <a:headEnd type="none" w="med" len="med"/>
-                      <a:tailEnd type="none" w="med" len="med"/>
-                    </a:lnT>
-                    <a:lnB w="7620" cap="flat" cmpd="sng" algn="ctr">
-                      <a:solidFill>
-                        <a:srgbClr val="E1E1E1"/>
-                      </a:solidFill>
-                      <a:prstDash val="solid"/>
-                      <a:round/>
-                      <a:headEnd type="none" w="med" len="med"/>
-                      <a:tailEnd type="none" w="med" len="med"/>
-                    </a:lnB>
-                  </a:tcPr>
-                </a:tc>
-                <a:tc>
-                  <a:txBody>
-                    <a:bodyPr/>
-                    <a:lstStyle/>
-                    <a:p>
-                      <a:pPr algn="l"/>
-                      <a:r>
-                        <a:rPr lang="en-US" sz="1500" i="1">
-                          <a:effectLst/>
-                        </a:rPr>
-                        <a:t>Assessing Impact of Method Entities in a Special Task</a:t>
-                      </a:r>
-                      <a:endParaRPr lang="en-US" sz="1500">
-                        <a:effectLst/>
-                      </a:endParaRPr>
-                    </a:p>
-                  </a:txBody>
-                  <a:tcPr marL="51134" marR="51134" marT="40907" marB="40907" anchor="ctr">
-                    <a:lnL>
-                      <a:noFill/>
-                    </a:lnL>
-                    <a:lnR>
-                      <a:noFill/>
-                    </a:lnR>
-                    <a:lnT w="7620" cap="flat" cmpd="sng" algn="ctr">
-                      <a:solidFill>
-                        <a:srgbClr val="E1E1E1"/>
-                      </a:solidFill>
-                      <a:prstDash val="solid"/>
-                      <a:round/>
-                      <a:headEnd type="none" w="med" len="med"/>
-                      <a:tailEnd type="none" w="med" len="med"/>
-                    </a:lnT>
-                    <a:lnB w="7620" cap="flat" cmpd="sng" algn="ctr">
-                      <a:solidFill>
-                        <a:srgbClr val="E1E1E1"/>
-                      </a:solidFill>
-                      <a:prstDash val="solid"/>
-                      <a:round/>
-                      <a:headEnd type="none" w="med" len="med"/>
-                      <a:tailEnd type="none" w="med" len="med"/>
-                    </a:lnB>
-                  </a:tcPr>
-                </a:tc>
-                <a:tc>
-                  <a:txBody>
-                    <a:bodyPr/>
-                    <a:lstStyle/>
-                    <a:p>
-                      <a:pPr algn="l"/>
-                      <a:r>
-                        <a:rPr lang="de-DE" sz="1500" b="1" u="sng">
-                          <a:effectLst/>
-                          <a:latin typeface="Raleway"/>
-                        </a:rPr>
-                        <a:t>Xiaole Li</a:t>
-                      </a:r>
-                      <a:r>
-                        <a:rPr lang="de-DE" sz="1500">
-                          <a:effectLst/>
-                        </a:rPr>
-                        <a:t>, Yuzhuo Wang</a:t>
-                      </a:r>
-                    </a:p>
-                  </a:txBody>
-                  <a:tcPr marL="51134" marR="51134" marT="40907" marB="40907" anchor="ctr">
-                    <a:lnL>
-                      <a:noFill/>
-                    </a:lnL>
-                    <a:lnR>
-                      <a:noFill/>
-                    </a:lnR>
-                    <a:lnT w="7620" cap="flat" cmpd="sng" algn="ctr">
-                      <a:solidFill>
-                        <a:srgbClr val="E1E1E1"/>
-                      </a:solidFill>
-                      <a:prstDash val="solid"/>
-                      <a:round/>
-                      <a:headEnd type="none" w="med" len="med"/>
-                      <a:tailEnd type="none" w="med" len="med"/>
-                    </a:lnT>
-                    <a:lnB w="7620" cap="flat" cmpd="sng" algn="ctr">
-                      <a:solidFill>
-                        <a:srgbClr val="E1E1E1"/>
-                      </a:solidFill>
-                      <a:prstDash val="solid"/>
-                      <a:round/>
-                      <a:headEnd type="none" w="med" len="med"/>
-                      <a:tailEnd type="none" w="med" len="med"/>
-                    </a:lnB>
-                  </a:tcPr>
-                </a:tc>
-                <a:tc>
-                  <a:txBody>
-                    <a:bodyPr/>
-                    <a:lstStyle/>
-                    <a:p>
-                      <a:pPr algn="l"/>
-                      <a:r>
-                        <a:rPr lang="de-DE" sz="1500">
-                          <a:effectLst/>
-                        </a:rPr>
-                        <a:t> </a:t>
-                      </a:r>
-                    </a:p>
-                  </a:txBody>
-                  <a:tcPr marL="51134" marR="40907" marT="40907" marB="40907" anchor="ctr">
-                    <a:lnL>
-                      <a:noFill/>
-                    </a:lnL>
-                    <a:lnR>
-                      <a:noFill/>
-                    </a:lnR>
-                    <a:lnT w="7620" cap="flat" cmpd="sng" algn="ctr">
-                      <a:solidFill>
-                        <a:srgbClr val="E1E1E1"/>
-                      </a:solidFill>
-                      <a:prstDash val="solid"/>
-                      <a:round/>
-                      <a:headEnd type="none" w="med" len="med"/>
-                      <a:tailEnd type="none" w="med" len="med"/>
-                    </a:lnT>
-                    <a:lnB w="7620" cap="flat" cmpd="sng" algn="ctr">
-                      <a:solidFill>
-                        <a:srgbClr val="E1E1E1"/>
-                      </a:solidFill>
-                      <a:prstDash val="solid"/>
-                      <a:round/>
-                      <a:headEnd type="none" w="med" len="med"/>
-                      <a:tailEnd type="none" w="med" len="med"/>
-                    </a:lnB>
-                  </a:tcPr>
-                </a:tc>
-              </a:tr>
-              <a:tr h="1413753">
-                <a:tc>
-                  <a:txBody>
-                    <a:bodyPr/>
-                    <a:lstStyle/>
-                    <a:p>
-                      <a:pPr algn="l"/>
-                      <a:r>
-                        <a:rPr lang="de-DE" sz="1500">
-                          <a:effectLst/>
-                        </a:rPr>
-                        <a:t>19:15-19:25</a:t>
-                      </a:r>
-                    </a:p>
-                  </a:txBody>
-                  <a:tcPr marL="40907" marR="51134" marT="40907" marB="40907" anchor="ctr">
-                    <a:lnL>
-                      <a:noFill/>
-                    </a:lnL>
-                    <a:lnR>
-                      <a:noFill/>
-                    </a:lnR>
-                    <a:lnT w="7620" cap="flat" cmpd="sng" algn="ctr">
-                      <a:solidFill>
-                        <a:srgbClr val="E1E1E1"/>
-                      </a:solidFill>
-                      <a:prstDash val="solid"/>
-                      <a:round/>
-                      <a:headEnd type="none" w="med" len="med"/>
-                      <a:tailEnd type="none" w="med" len="med"/>
-                    </a:lnT>
-                    <a:lnB w="7620" cap="flat" cmpd="sng" algn="ctr">
-                      <a:solidFill>
-                        <a:srgbClr val="E1E1E1"/>
-                      </a:solidFill>
-                      <a:prstDash val="solid"/>
-                      <a:round/>
-                      <a:headEnd type="none" w="med" len="med"/>
-                      <a:tailEnd type="none" w="med" len="med"/>
-                    </a:lnB>
-                  </a:tcPr>
-                </a:tc>
-                <a:tc>
-                  <a:txBody>
-                    <a:bodyPr/>
-                    <a:lstStyle/>
-                    <a:p>
-                      <a:pPr algn="l"/>
-                      <a:r>
-                        <a:rPr lang="en-US" sz="1500" i="1" dirty="0">
-                          <a:effectLst/>
-                        </a:rPr>
-                        <a:t>Study on the Difference between Summary Peer Reviews and Abstracts of Scientific Papers</a:t>
-                      </a:r>
-                      <a:endParaRPr lang="en-US" sz="1500" dirty="0">
-                        <a:effectLst/>
-                      </a:endParaRPr>
-                    </a:p>
-                  </a:txBody>
-                  <a:tcPr marL="51134" marR="51134" marT="40907" marB="40907" anchor="ctr">
-                    <a:lnL>
-                      <a:noFill/>
-                    </a:lnL>
-                    <a:lnR>
-                      <a:noFill/>
-                    </a:lnR>
-                    <a:lnT w="7620" cap="flat" cmpd="sng" algn="ctr">
-                      <a:solidFill>
-                        <a:srgbClr val="E1E1E1"/>
-                      </a:solidFill>
-                      <a:prstDash val="solid"/>
-                      <a:round/>
-                      <a:headEnd type="none" w="med" len="med"/>
-                      <a:tailEnd type="none" w="med" len="med"/>
-                    </a:lnT>
-                    <a:lnB w="7620" cap="flat" cmpd="sng" algn="ctr">
-                      <a:solidFill>
-                        <a:srgbClr val="E1E1E1"/>
-                      </a:solidFill>
-                      <a:prstDash val="solid"/>
-                      <a:round/>
-                      <a:headEnd type="none" w="med" len="med"/>
-                      <a:tailEnd type="none" w="med" len="med"/>
-                    </a:lnB>
-                  </a:tcPr>
-                </a:tc>
-                <a:tc>
-                  <a:txBody>
-                    <a:bodyPr/>
-                    <a:lstStyle/>
-                    <a:p>
-                      <a:pPr algn="l"/>
-                      <a:r>
-                        <a:rPr lang="de-DE" sz="1500">
-                          <a:effectLst/>
-                        </a:rPr>
-                        <a:t>Chong Chen, </a:t>
-                      </a:r>
-                      <a:r>
-                        <a:rPr lang="de-DE" sz="1500" b="1" u="sng">
-                          <a:effectLst/>
-                          <a:latin typeface="Raleway"/>
-                        </a:rPr>
-                        <a:t>Jingying Zhang</a:t>
-                      </a:r>
-                      <a:r>
-                        <a:rPr lang="de-DE" sz="1500">
-                          <a:effectLst/>
-                        </a:rPr>
-                        <a:t>, Xiaoyu Chu and Jinglin Zheng</a:t>
-                      </a:r>
-                    </a:p>
-                  </a:txBody>
-                  <a:tcPr marL="51134" marR="51134" marT="40907" marB="40907" anchor="ctr">
-                    <a:lnL>
-                      <a:noFill/>
-                    </a:lnL>
-                    <a:lnR>
-                      <a:noFill/>
-                    </a:lnR>
-                    <a:lnT w="7620" cap="flat" cmpd="sng" algn="ctr">
-                      <a:solidFill>
-                        <a:srgbClr val="E1E1E1"/>
-                      </a:solidFill>
-                      <a:prstDash val="solid"/>
-                      <a:round/>
-                      <a:headEnd type="none" w="med" len="med"/>
-                      <a:tailEnd type="none" w="med" len="med"/>
-                    </a:lnT>
-                    <a:lnB w="7620" cap="flat" cmpd="sng" algn="ctr">
-                      <a:solidFill>
-                        <a:srgbClr val="E1E1E1"/>
-                      </a:solidFill>
-                      <a:prstDash val="solid"/>
-                      <a:round/>
-                      <a:headEnd type="none" w="med" len="med"/>
-                      <a:tailEnd type="none" w="med" len="med"/>
-                    </a:lnB>
-                  </a:tcPr>
-                </a:tc>
-                <a:tc>
-                  <a:txBody>
-                    <a:bodyPr/>
-                    <a:lstStyle/>
-                    <a:p>
-                      <a:pPr algn="l"/>
-                      <a:r>
-                        <a:rPr lang="de-DE" sz="1500">
-                          <a:effectLst/>
-                        </a:rPr>
-                        <a:t> </a:t>
-                      </a:r>
-                    </a:p>
-                  </a:txBody>
-                  <a:tcPr marL="51134" marR="40907" marT="40907" marB="40907" anchor="ctr">
-                    <a:lnL>
-                      <a:noFill/>
-                    </a:lnL>
-                    <a:lnR>
-                      <a:noFill/>
-                    </a:lnR>
-                    <a:lnT w="7620" cap="flat" cmpd="sng" algn="ctr">
-                      <a:solidFill>
-                        <a:srgbClr val="E1E1E1"/>
-                      </a:solidFill>
-                      <a:prstDash val="solid"/>
-                      <a:round/>
-                      <a:headEnd type="none" w="med" len="med"/>
-                      <a:tailEnd type="none" w="med" len="med"/>
-                    </a:lnT>
-                    <a:lnB w="7620" cap="flat" cmpd="sng" algn="ctr">
-                      <a:solidFill>
-                        <a:srgbClr val="E1E1E1"/>
-                      </a:solidFill>
-                      <a:prstDash val="solid"/>
-                      <a:round/>
-                      <a:headEnd type="none" w="med" len="med"/>
-                      <a:tailEnd type="none" w="med" len="med"/>
-                    </a:lnB>
-                  </a:tcPr>
-                </a:tc>
-              </a:tr>
-              <a:tr h="952568">
-                <a:tc>
-                  <a:txBody>
-                    <a:bodyPr/>
-                    <a:lstStyle/>
-                    <a:p>
-                      <a:pPr algn="l"/>
-                      <a:r>
-                        <a:rPr lang="de-DE" sz="1500">
-                          <a:effectLst/>
-                        </a:rPr>
-                        <a:t>19:25-19:35</a:t>
-                      </a:r>
-                    </a:p>
-                  </a:txBody>
-                  <a:tcPr marL="40907" marR="51134" marT="40907" marB="40907" anchor="ctr">
-                    <a:lnL>
-                      <a:noFill/>
-                    </a:lnL>
-                    <a:lnR>
-                      <a:noFill/>
-                    </a:lnR>
-                    <a:lnT w="7620" cap="flat" cmpd="sng" algn="ctr">
-                      <a:solidFill>
-                        <a:srgbClr val="E1E1E1"/>
-                      </a:solidFill>
-                      <a:prstDash val="solid"/>
-                      <a:round/>
-                      <a:headEnd type="none" w="med" len="med"/>
-                      <a:tailEnd type="none" w="med" len="med"/>
-                    </a:lnT>
-                    <a:lnB w="7620" cap="flat" cmpd="sng" algn="ctr">
-                      <a:solidFill>
-                        <a:srgbClr val="E1E1E1"/>
-                      </a:solidFill>
-                      <a:prstDash val="solid"/>
-                      <a:round/>
-                      <a:headEnd type="none" w="med" len="med"/>
-                      <a:tailEnd type="none" w="med" len="med"/>
-                    </a:lnB>
-                  </a:tcPr>
-                </a:tc>
-                <a:tc>
-                  <a:txBody>
-                    <a:bodyPr/>
-                    <a:lstStyle/>
-                    <a:p>
-                      <a:pPr algn="l"/>
-                      <a:r>
-                        <a:rPr lang="en-US" sz="1500" i="1">
-                          <a:effectLst/>
-                        </a:rPr>
-                        <a:t>A Unsupervised Method for Terminology Extraction from Scientific Text</a:t>
-                      </a:r>
-                      <a:endParaRPr lang="en-US" sz="1500">
-                        <a:effectLst/>
-                      </a:endParaRPr>
-                    </a:p>
-                  </a:txBody>
-                  <a:tcPr marL="51134" marR="51134" marT="40907" marB="40907" anchor="ctr">
-                    <a:lnL>
-                      <a:noFill/>
-                    </a:lnL>
-                    <a:lnR>
-                      <a:noFill/>
-                    </a:lnR>
-                    <a:lnT w="7620" cap="flat" cmpd="sng" algn="ctr">
-                      <a:solidFill>
-                        <a:srgbClr val="E1E1E1"/>
-                      </a:solidFill>
-                      <a:prstDash val="solid"/>
-                      <a:round/>
-                      <a:headEnd type="none" w="med" len="med"/>
-                      <a:tailEnd type="none" w="med" len="med"/>
-                    </a:lnT>
-                    <a:lnB w="7620" cap="flat" cmpd="sng" algn="ctr">
-                      <a:solidFill>
-                        <a:srgbClr val="E1E1E1"/>
-                      </a:solidFill>
-                      <a:prstDash val="solid"/>
-                      <a:round/>
-                      <a:headEnd type="none" w="med" len="med"/>
-                      <a:tailEnd type="none" w="med" len="med"/>
-                    </a:lnB>
-                  </a:tcPr>
-                </a:tc>
-                <a:tc>
-                  <a:txBody>
-                    <a:bodyPr/>
-                    <a:lstStyle/>
-                    <a:p>
-                      <a:pPr algn="l"/>
-                      <a:r>
-                        <a:rPr lang="en-US" sz="1500" b="1" u="sng">
-                          <a:effectLst/>
-                          <a:latin typeface="Raleway"/>
-                        </a:rPr>
-                        <a:t>Wei Shao</a:t>
-                      </a:r>
-                      <a:r>
-                        <a:rPr lang="en-US" sz="1500">
-                          <a:effectLst/>
-                        </a:rPr>
-                        <a:t> and Hua Bolin</a:t>
-                      </a:r>
-                    </a:p>
-                  </a:txBody>
-                  <a:tcPr marL="51134" marR="51134" marT="40907" marB="40907" anchor="ctr">
-                    <a:lnL>
-                      <a:noFill/>
-                    </a:lnL>
-                    <a:lnR>
-                      <a:noFill/>
-                    </a:lnR>
-                    <a:lnT w="7620" cap="flat" cmpd="sng" algn="ctr">
-                      <a:solidFill>
-                        <a:srgbClr val="E1E1E1"/>
-                      </a:solidFill>
-                      <a:prstDash val="solid"/>
-                      <a:round/>
-                      <a:headEnd type="none" w="med" len="med"/>
-                      <a:tailEnd type="none" w="med" len="med"/>
-                    </a:lnT>
-                    <a:lnB w="7620" cap="flat" cmpd="sng" algn="ctr">
-                      <a:solidFill>
-                        <a:srgbClr val="E1E1E1"/>
-                      </a:solidFill>
-                      <a:prstDash val="solid"/>
-                      <a:round/>
-                      <a:headEnd type="none" w="med" len="med"/>
-                      <a:tailEnd type="none" w="med" len="med"/>
-                    </a:lnB>
-                  </a:tcPr>
-                </a:tc>
-                <a:tc>
-                  <a:txBody>
-                    <a:bodyPr/>
-                    <a:lstStyle/>
-                    <a:p>
-                      <a:pPr algn="l"/>
-                      <a:r>
-                        <a:rPr lang="de-DE" sz="1500" dirty="0">
-                          <a:effectLst/>
-                        </a:rPr>
-                        <a:t> </a:t>
-                      </a:r>
-                    </a:p>
-                  </a:txBody>
-                  <a:tcPr marL="51134" marR="40907" marT="40907" marB="40907" anchor="ctr">
-                    <a:lnL>
-                      <a:noFill/>
-                    </a:lnL>
-                    <a:lnR>
-                      <a:noFill/>
-                    </a:lnR>
-                    <a:lnT w="7620" cap="flat" cmpd="sng" algn="ctr">
-                      <a:solidFill>
-                        <a:srgbClr val="E1E1E1"/>
-                      </a:solidFill>
-                      <a:prstDash val="solid"/>
-                      <a:round/>
-                      <a:headEnd type="none" w="med" len="med"/>
-                      <a:tailEnd type="none" w="med" len="med"/>
-                    </a:lnT>
-                    <a:lnB w="7620" cap="flat" cmpd="sng" algn="ctr">
-                      <a:solidFill>
-                        <a:srgbClr val="E1E1E1"/>
-                      </a:solidFill>
-                      <a:prstDash val="solid"/>
-                      <a:round/>
-                      <a:headEnd type="none" w="med" len="med"/>
-                      <a:tailEnd type="none" w="med" len="med"/>
-                    </a:lnB>
-                  </a:tcPr>
-                </a:tc>
-              </a:tr>
-              <a:tr h="616368">
-                <a:tc>
-                  <a:txBody>
-                    <a:bodyPr/>
-                    <a:lstStyle/>
-                    <a:p>
-                      <a:pPr algn="l"/>
-                      <a:r>
-                        <a:rPr lang="de-DE" sz="1500">
-                          <a:effectLst/>
-                        </a:rPr>
-                        <a:t>19:35-19:50</a:t>
-                      </a:r>
-                    </a:p>
-                  </a:txBody>
-                  <a:tcPr marL="40907" marR="51134" marT="40907" marB="40907" anchor="ctr">
-                    <a:lnL>
-                      <a:noFill/>
-                    </a:lnL>
-                    <a:lnR>
-                      <a:noFill/>
-                    </a:lnR>
-                    <a:lnT w="7620" cap="flat" cmpd="sng" algn="ctr">
-                      <a:solidFill>
-                        <a:srgbClr val="E1E1E1"/>
-                      </a:solidFill>
-                      <a:prstDash val="solid"/>
-                      <a:round/>
-                      <a:headEnd type="none" w="med" len="med"/>
-                      <a:tailEnd type="none" w="med" len="med"/>
-                    </a:lnT>
-                    <a:lnB w="7620" cap="flat" cmpd="sng" algn="ctr">
-                      <a:solidFill>
-                        <a:srgbClr val="E1E1E1"/>
-                      </a:solidFill>
-                      <a:prstDash val="solid"/>
-                      <a:round/>
-                      <a:headEnd type="none" w="med" len="med"/>
-                      <a:tailEnd type="none" w="med" len="med"/>
-                    </a:lnB>
-                  </a:tcPr>
-                </a:tc>
-                <a:tc>
-                  <a:txBody>
-                    <a:bodyPr/>
-                    <a:lstStyle/>
-                    <a:p>
-                      <a:pPr algn="l"/>
-                      <a:r>
-                        <a:rPr lang="de-DE" sz="1500" dirty="0">
-                          <a:effectLst/>
-                        </a:rPr>
-                        <a:t>Greeting Notes of EEKE2020</a:t>
-                      </a:r>
-                    </a:p>
-                  </a:txBody>
-                  <a:tcPr marL="51134" marR="51134" marT="40907" marB="40907" anchor="ctr">
-                    <a:lnL>
-                      <a:noFill/>
-                    </a:lnL>
-                    <a:lnR>
-                      <a:noFill/>
-                    </a:lnR>
-                    <a:lnT w="7620" cap="flat" cmpd="sng" algn="ctr">
-                      <a:solidFill>
-                        <a:srgbClr val="E1E1E1"/>
-                      </a:solidFill>
-                      <a:prstDash val="solid"/>
-                      <a:round/>
-                      <a:headEnd type="none" w="med" len="med"/>
-                      <a:tailEnd type="none" w="med" len="med"/>
-                    </a:lnT>
-                    <a:lnB w="7620" cap="flat" cmpd="sng" algn="ctr">
-                      <a:solidFill>
-                        <a:srgbClr val="E1E1E1"/>
-                      </a:solidFill>
-                      <a:prstDash val="solid"/>
-                      <a:round/>
-                      <a:headEnd type="none" w="med" len="med"/>
-                      <a:tailEnd type="none" w="med" len="med"/>
-                    </a:lnB>
-                  </a:tcPr>
-                </a:tc>
-                <a:tc gridSpan="2">
-                  <a:txBody>
-                    <a:bodyPr/>
-                    <a:lstStyle/>
-                    <a:p>
-                      <a:pPr algn="l"/>
-                      <a:r>
-                        <a:rPr lang="de-DE" sz="1500">
-                          <a:effectLst/>
-                        </a:rPr>
-                        <a:t>Co-Chairs of EEKE2020 (Chengzhi Zhang, Philipp Mayr, Wei Lu, Yi Zhang)</a:t>
-                      </a:r>
-                    </a:p>
-                  </a:txBody>
-                  <a:tcPr marL="51134" marR="40907" marT="40907" marB="40907" anchor="ctr">
-                    <a:lnL>
-                      <a:noFill/>
-                    </a:lnL>
-                    <a:lnR>
-                      <a:noFill/>
-                    </a:lnR>
-                    <a:lnT w="7620" cap="flat" cmpd="sng" algn="ctr">
-                      <a:solidFill>
-                        <a:srgbClr val="E1E1E1"/>
-                      </a:solidFill>
-                      <a:prstDash val="solid"/>
-                      <a:round/>
-                      <a:headEnd type="none" w="med" len="med"/>
-                      <a:tailEnd type="none" w="med" len="med"/>
-                    </a:lnT>
-                    <a:lnB w="7620" cap="flat" cmpd="sng" algn="ctr">
-                      <a:solidFill>
-                        <a:srgbClr val="E1E1E1"/>
-                      </a:solidFill>
-                      <a:prstDash val="solid"/>
-                      <a:round/>
-                      <a:headEnd type="none" w="med" len="med"/>
-                      <a:tailEnd type="none" w="med" len="med"/>
-                    </a:lnB>
-                  </a:tcPr>
-                </a:tc>
-                <a:tc hMerge="1">
-                  <a:txBody>
-                    <a:bodyPr/>
-                    <a:lstStyle/>
-                    <a:p>
-                      <a:endParaRPr lang="de-DE"/>
-                    </a:p>
-                  </a:txBody>
-                  <a:tcPr/>
-                </a:tc>
-              </a:tr>
-              <a:tr h="301943">
-                <a:tc>
-                  <a:txBody>
-                    <a:bodyPr/>
-                    <a:lstStyle/>
-                    <a:p>
-                      <a:pPr algn="l"/>
-                      <a:r>
-                        <a:rPr lang="de-DE" sz="1500">
-                          <a:effectLst/>
-                        </a:rPr>
-                        <a:t>19:50</a:t>
-                      </a:r>
-                    </a:p>
-                  </a:txBody>
-                  <a:tcPr marL="40907" marR="51134" marT="40907" marB="40907" anchor="ctr">
-                    <a:lnL>
-                      <a:noFill/>
-                    </a:lnL>
-                    <a:lnR>
-                      <a:noFill/>
-                    </a:lnR>
-                    <a:lnT w="7620" cap="flat" cmpd="sng" algn="ctr">
-                      <a:solidFill>
-                        <a:srgbClr val="E1E1E1"/>
-                      </a:solidFill>
-                      <a:prstDash val="solid"/>
-                      <a:round/>
-                      <a:headEnd type="none" w="med" len="med"/>
-                      <a:tailEnd type="none" w="med" len="med"/>
-                    </a:lnT>
-                    <a:lnB w="7620" cap="flat" cmpd="sng" algn="ctr">
-                      <a:solidFill>
-                        <a:srgbClr val="E1E1E1"/>
-                      </a:solidFill>
-                      <a:prstDash val="solid"/>
-                      <a:round/>
-                      <a:headEnd type="none" w="med" len="med"/>
-                      <a:tailEnd type="none" w="med" len="med"/>
-                    </a:lnB>
-                  </a:tcPr>
-                </a:tc>
-                <a:tc>
-                  <a:txBody>
-                    <a:bodyPr/>
-                    <a:lstStyle/>
-                    <a:p>
-                      <a:pPr algn="l"/>
-                      <a:r>
-                        <a:rPr lang="de-DE" sz="1500">
-                          <a:effectLst/>
-                        </a:rPr>
-                        <a:t>End of workshop</a:t>
-                      </a:r>
-                    </a:p>
-                  </a:txBody>
-                  <a:tcPr marL="51134" marR="51134" marT="40907" marB="40907" anchor="ctr">
-                    <a:lnL>
-                      <a:noFill/>
-                    </a:lnL>
-                    <a:lnR>
-                      <a:noFill/>
-                    </a:lnR>
-                    <a:lnT w="7620" cap="flat" cmpd="sng" algn="ctr">
-                      <a:solidFill>
-                        <a:srgbClr val="E1E1E1"/>
-                      </a:solidFill>
-                      <a:prstDash val="solid"/>
-                      <a:round/>
-                      <a:headEnd type="none" w="med" len="med"/>
-                      <a:tailEnd type="none" w="med" len="med"/>
-                    </a:lnT>
-                    <a:lnB w="7620" cap="flat" cmpd="sng" algn="ctr">
-                      <a:solidFill>
-                        <a:srgbClr val="E1E1E1"/>
-                      </a:solidFill>
-                      <a:prstDash val="solid"/>
-                      <a:round/>
-                      <a:headEnd type="none" w="med" len="med"/>
-                      <a:tailEnd type="none" w="med" len="med"/>
-                    </a:lnB>
-                  </a:tcPr>
-                </a:tc>
-                <a:tc>
-                  <a:txBody>
-                    <a:bodyPr/>
-                    <a:lstStyle/>
-                    <a:p>
-                      <a:pPr algn="l"/>
-                      <a:r>
-                        <a:rPr lang="de-DE" sz="1500">
-                          <a:effectLst/>
-                        </a:rPr>
-                        <a:t> </a:t>
-                      </a:r>
-                    </a:p>
-                  </a:txBody>
-                  <a:tcPr marL="51134" marR="51134" marT="40907" marB="40907" anchor="ctr">
-                    <a:lnL>
-                      <a:noFill/>
-                    </a:lnL>
-                    <a:lnR>
-                      <a:noFill/>
-                    </a:lnR>
-                    <a:lnT w="7620" cap="flat" cmpd="sng" algn="ctr">
-                      <a:solidFill>
-                        <a:srgbClr val="E1E1E1"/>
-                      </a:solidFill>
-                      <a:prstDash val="solid"/>
-                      <a:round/>
-                      <a:headEnd type="none" w="med" len="med"/>
-                      <a:tailEnd type="none" w="med" len="med"/>
-                    </a:lnT>
-                    <a:lnB w="7620" cap="flat" cmpd="sng" algn="ctr">
-                      <a:solidFill>
-                        <a:srgbClr val="E1E1E1"/>
-                      </a:solidFill>
-                      <a:prstDash val="solid"/>
-                      <a:round/>
-                      <a:headEnd type="none" w="med" len="med"/>
-                      <a:tailEnd type="none" w="med" len="med"/>
-                    </a:lnB>
-                  </a:tcPr>
-                </a:tc>
-                <a:tc>
-                  <a:txBody>
-                    <a:bodyPr/>
-                    <a:lstStyle/>
-                    <a:p>
-                      <a:endParaRPr lang="de-DE" sz="1500" dirty="0"/>
-                    </a:p>
-                  </a:txBody>
-                  <a:tcPr marL="40907" marR="40907" marT="20454" marB="20454">
-                    <a:lnL>
-                      <a:noFill/>
-                    </a:lnL>
-                    <a:lnT w="7620" cap="flat" cmpd="sng" algn="ctr">
-                      <a:solidFill>
-                        <a:srgbClr val="E1E1E1"/>
-                      </a:solidFill>
-                      <a:prstDash val="solid"/>
-                      <a:round/>
-                      <a:headEnd type="none" w="med" len="med"/>
-                      <a:tailEnd type="none" w="med" len="med"/>
-                    </a:lnT>
-                  </a:tcPr>
-                </a:tc>
-              </a:tr>
-            </a:tbl>
-          </a:graphicData>
-        </a:graphic>
-      </p:graphicFrame>
-      <p:sp>
-        <p:nvSpPr>
-          <p:cNvPr id="9" name="Rechteck 8"/>
-          <p:cNvSpPr/>
-          <p:nvPr/>
-        </p:nvSpPr>
-        <p:spPr>
-          <a:xfrm>
-            <a:off x="3701143" y="613358"/>
-            <a:ext cx="4059010" cy="369332"/>
-          </a:xfrm>
-          <a:prstGeom prst="rect">
-            <a:avLst/>
-          </a:prstGeom>
-        </p:spPr>
-        <p:style>
-          <a:lnRef idx="1">
-            <a:schemeClr val="accent4"/>
-          </a:lnRef>
-          <a:fillRef idx="2">
-            <a:schemeClr val="accent4"/>
-          </a:fillRef>
-          <a:effectRef idx="1">
-            <a:schemeClr val="accent4"/>
-          </a:effectRef>
-          <a:fontRef idx="minor">
-            <a:schemeClr val="dk1"/>
-          </a:fontRef>
-        </p:style>
-        <p:txBody>
-          <a:bodyPr wrap="square">
-            <a:spAutoFit/>
-          </a:bodyPr>
-          <a:lstStyle/>
-          <a:p>
-            <a:r>
-              <a:rPr lang="en-US" dirty="0"/>
-              <a:t>All times are </a:t>
-            </a:r>
-            <a:r>
-              <a:rPr lang="de-DE" dirty="0">
-                <a:solidFill>
-                  <a:srgbClr val="FF0000"/>
-                </a:solidFill>
-              </a:rPr>
-              <a:t>Beijing Time</a:t>
-            </a:r>
-          </a:p>
-        </p:txBody>
-      </p:sp>
-    </p:spTree>
-    <p:extLst>
-      <p:ext uri="{BB962C8B-B14F-4D97-AF65-F5344CB8AC3E}">
-        <p14:creationId xmlns:p14="http://schemas.microsoft.com/office/powerpoint/2010/main" val="3240651486"/>
-      </p:ext>
-    </p:extLst>
-  </p:cSld>
-  <p:clrMapOvr>
-    <a:masterClrMapping/>
-  </p:clrMapOvr>
-  <p:timing>
-    <p:tnLst>
-      <p:par>
-        <p:cTn id="1" dur="indefinite" restart="never" nodeType="tmRoot"/>
-      </p:par>
-    </p:tnLst>
-  </p:timing>
-</p:sld>
-</file>
-
-<file path=ppt/slides/slide9.xml><?xml version="1.0" encoding="utf-8"?>
-<p:sld xmlns:a="http://schemas.openxmlformats.org/drawingml/2006/main" xmlns:r="http://schemas.openxmlformats.org/officeDocument/2006/relationships" xmlns:p="http://schemas.openxmlformats.org/presentationml/2006/main">
-  <p:cSld>
-    <p:spTree>
-      <p:nvGrpSpPr>
-        <p:cNvPr id="1" name=""/>
-        <p:cNvGrpSpPr/>
-        <p:nvPr/>
-      </p:nvGrpSpPr>
-      <p:grpSpPr>
-        <a:xfrm>
-          <a:off x="0" y="0"/>
-          <a:ext cx="0" cy="0"/>
-          <a:chOff x="0" y="0"/>
-          <a:chExt cx="0" cy="0"/>
-        </a:xfrm>
-      </p:grpSpPr>
-      <p:sp>
-        <p:nvSpPr>
-          <p:cNvPr id="17410" name="Espace réservé du numéro de diapositive 5"/>
-          <p:cNvSpPr>
-            <a:spLocks noGrp="1"/>
-          </p:cNvSpPr>
-          <p:nvPr>
-            <p:ph type="sldNum" sz="quarter" idx="11"/>
-          </p:nvPr>
-        </p:nvSpPr>
-        <p:spPr>
-          <a:xfrm>
-            <a:off x="7010400" y="6400800"/>
-            <a:ext cx="2133600" cy="457200"/>
-          </a:xfrm>
-          <a:noFill/>
-          <a:ln/>
-          <a:extLst>
-            <a:ext uri="{909E8E84-426E-40DD-AFC4-6F175D3DCCD1}">
-              <a14:hiddenFill xmlns:a14="http://schemas.microsoft.com/office/drawing/2010/main">
-                <a:solidFill>
-                  <a:srgbClr val="FFFFFF"/>
-                </a:solidFill>
-              </a14:hiddenFill>
-            </a:ext>
-            <a:ext uri="{91240B29-F687-4F45-9708-019B960494DF}">
-              <a14:hiddenLine xmlns:a14="http://schemas.microsoft.com/office/drawing/2010/main" w="9525">
-                <a:solidFill>
-                  <a:srgbClr val="000000"/>
-                </a:solidFill>
-                <a:miter lim="800000"/>
-                <a:headEnd/>
-                <a:tailEnd/>
-              </a14:hiddenLine>
-            </a:ext>
-          </a:extLst>
-        </p:spPr>
-        <p:txBody>
-          <a:bodyPr/>
-          <a:lstStyle>
-            <a:lvl1pPr eaLnBrk="0" hangingPunct="0">
-              <a:defRPr sz="2400">
-                <a:solidFill>
-                  <a:schemeClr val="tx1"/>
-                </a:solidFill>
-                <a:latin typeface="Calibri" charset="0"/>
-                <a:ea typeface="ＭＳ Ｐゴシック" charset="0"/>
-                <a:cs typeface="ＭＳ Ｐゴシック" charset="0"/>
-              </a:defRPr>
-            </a:lvl1pPr>
-            <a:lvl2pPr marL="742950" indent="-285750" eaLnBrk="0" hangingPunct="0">
-              <a:defRPr sz="2400">
-                <a:solidFill>
-                  <a:schemeClr val="tx1"/>
-                </a:solidFill>
-                <a:latin typeface="Calibri" charset="0"/>
-                <a:ea typeface="ＭＳ Ｐゴシック" charset="0"/>
-              </a:defRPr>
-            </a:lvl2pPr>
-            <a:lvl3pPr marL="1143000" indent="-228600" eaLnBrk="0" hangingPunct="0">
-              <a:defRPr sz="2400">
-                <a:solidFill>
-                  <a:schemeClr val="tx1"/>
-                </a:solidFill>
-                <a:latin typeface="Calibri" charset="0"/>
-                <a:ea typeface="ＭＳ Ｐゴシック" charset="0"/>
-              </a:defRPr>
-            </a:lvl3pPr>
-            <a:lvl4pPr marL="1600200" indent="-228600" eaLnBrk="0" hangingPunct="0">
-              <a:defRPr sz="2400">
-                <a:solidFill>
-                  <a:schemeClr val="tx1"/>
-                </a:solidFill>
-                <a:latin typeface="Calibri" charset="0"/>
-                <a:ea typeface="ＭＳ Ｐゴシック" charset="0"/>
-              </a:defRPr>
-            </a:lvl4pPr>
-            <a:lvl5pPr marL="2057400" indent="-228600" eaLnBrk="0" hangingPunct="0">
-              <a:defRPr sz="2400">
-                <a:solidFill>
-                  <a:schemeClr val="tx1"/>
-                </a:solidFill>
-                <a:latin typeface="Calibri" charset="0"/>
-                <a:ea typeface="ＭＳ Ｐゴシック" charset="0"/>
-              </a:defRPr>
-            </a:lvl5pPr>
-            <a:lvl6pPr marL="2514600" indent="-228600" algn="ctr" eaLnBrk="0" fontAlgn="base" hangingPunct="0">
-              <a:spcBef>
-                <a:spcPct val="50000"/>
-              </a:spcBef>
-              <a:spcAft>
-                <a:spcPct val="0"/>
-              </a:spcAft>
-              <a:defRPr sz="2400">
-                <a:solidFill>
-                  <a:schemeClr val="tx1"/>
-                </a:solidFill>
-                <a:latin typeface="Calibri" charset="0"/>
-                <a:ea typeface="ＭＳ Ｐゴシック" charset="0"/>
-              </a:defRPr>
-            </a:lvl6pPr>
-            <a:lvl7pPr marL="2971800" indent="-228600" algn="ctr" eaLnBrk="0" fontAlgn="base" hangingPunct="0">
-              <a:spcBef>
-                <a:spcPct val="50000"/>
-              </a:spcBef>
-              <a:spcAft>
-                <a:spcPct val="0"/>
-              </a:spcAft>
-              <a:defRPr sz="2400">
-                <a:solidFill>
-                  <a:schemeClr val="tx1"/>
-                </a:solidFill>
-                <a:latin typeface="Calibri" charset="0"/>
-                <a:ea typeface="ＭＳ Ｐゴシック" charset="0"/>
-              </a:defRPr>
-            </a:lvl7pPr>
-            <a:lvl8pPr marL="3429000" indent="-228600" algn="ctr" eaLnBrk="0" fontAlgn="base" hangingPunct="0">
-              <a:spcBef>
-                <a:spcPct val="50000"/>
-              </a:spcBef>
-              <a:spcAft>
-                <a:spcPct val="0"/>
-              </a:spcAft>
-              <a:defRPr sz="2400">
-                <a:solidFill>
-                  <a:schemeClr val="tx1"/>
-                </a:solidFill>
-                <a:latin typeface="Calibri" charset="0"/>
-                <a:ea typeface="ＭＳ Ｐゴシック" charset="0"/>
-              </a:defRPr>
-            </a:lvl8pPr>
-            <a:lvl9pPr marL="3886200" indent="-228600" algn="ctr" eaLnBrk="0" fontAlgn="base" hangingPunct="0">
-              <a:spcBef>
-                <a:spcPct val="50000"/>
-              </a:spcBef>
-              <a:spcAft>
-                <a:spcPct val="0"/>
-              </a:spcAft>
-              <a:defRPr sz="2400">
-                <a:solidFill>
-                  <a:schemeClr val="tx1"/>
-                </a:solidFill>
-                <a:latin typeface="Calibri" charset="0"/>
-                <a:ea typeface="ＭＳ Ｐゴシック" charset="0"/>
-              </a:defRPr>
-            </a:lvl9pPr>
-          </a:lstStyle>
-          <a:p>
-            <a:pPr eaLnBrk="1" hangingPunct="1"/>
-            <a:fld id="{2885B478-7DA6-BA40-9EF5-9E15BC7A0401}" type="slidenum">
-              <a:rPr lang="en-GB" sz="1200" smtClean="0">
-                <a:latin typeface="Arial Black" charset="0"/>
-              </a:rPr>
-              <a:pPr eaLnBrk="1" hangingPunct="1"/>
-              <a:t>9</a:t>
-            </a:fld>
-            <a:endParaRPr lang="en-GB" sz="1200">
-              <a:latin typeface="Arial Black" charset="0"/>
-            </a:endParaRPr>
-          </a:p>
-        </p:txBody>
-      </p:sp>
-      <p:sp>
-        <p:nvSpPr>
-          <p:cNvPr id="8" name="Rectangle 2"/>
-          <p:cNvSpPr>
-            <a:spLocks noGrp="1" noChangeArrowheads="1"/>
-          </p:cNvSpPr>
-          <p:nvPr>
-            <p:ph type="title"/>
-          </p:nvPr>
-        </p:nvSpPr>
-        <p:spPr>
-          <a:xfrm>
-            <a:off x="457200" y="457200"/>
-            <a:ext cx="8686800" cy="668338"/>
-          </a:xfrm>
-        </p:spPr>
-        <p:txBody>
-          <a:bodyPr/>
-          <a:lstStyle/>
-          <a:p>
-            <a:pPr marL="536575" indent="-536575" eaLnBrk="1" hangingPunct="1"/>
-            <a:r>
-              <a:rPr lang="en-GB" sz="3200" dirty="0" smtClean="0">
-                <a:solidFill>
-                  <a:srgbClr val="CC0000"/>
-                </a:solidFill>
-                <a:latin typeface="Calibri" charset="0"/>
-                <a:sym typeface="Wingdings" charset="0"/>
-              </a:rPr>
-              <a:t>Keynote 1</a:t>
-            </a:r>
-            <a:endParaRPr lang="en-GB" sz="3200" dirty="0">
-              <a:solidFill>
-                <a:srgbClr val="CC0000"/>
-              </a:solidFill>
-              <a:latin typeface="Calibri" charset="0"/>
-            </a:endParaRPr>
-          </a:p>
-        </p:txBody>
-      </p:sp>
-      <p:sp>
-        <p:nvSpPr>
-          <p:cNvPr id="17" name="Text Box 4">
-            <a:extLst>
-              <a:ext uri="{FF2B5EF4-FFF2-40B4-BE49-F238E27FC236}">
-                <a16:creationId xmlns="" xmlns:a16="http://schemas.microsoft.com/office/drawing/2014/main" id="{7FB8B298-1DE1-8446-854E-9DA7260C306B}"/>
-              </a:ext>
-            </a:extLst>
-          </p:cNvPr>
-          <p:cNvSpPr txBox="1">
-            <a:spLocks noChangeArrowheads="1"/>
-          </p:cNvSpPr>
-          <p:nvPr/>
-        </p:nvSpPr>
-        <p:spPr bwMode="auto">
-          <a:xfrm>
-            <a:off x="684213" y="97497"/>
-            <a:ext cx="8459787" cy="338554"/>
-          </a:xfrm>
-          <a:prstGeom prst="rect">
-            <a:avLst/>
-          </a:prstGeom>
-          <a:noFill/>
-          <a:ln>
-            <a:noFill/>
-          </a:ln>
-          <a:extLst>
-            <a:ext uri="{909E8E84-426E-40DD-AFC4-6F175D3DCCD1}">
-              <a14:hiddenFill xmlns:a14="http://schemas.microsoft.com/office/drawing/2010/main">
-                <a:solidFill>
-                  <a:srgbClr val="FFFFFF"/>
-                </a:solidFill>
-              </a14:hiddenFill>
-            </a:ext>
-            <a:ext uri="{91240B29-F687-4F45-9708-019B960494DF}">
-              <a14:hiddenLine xmlns:a14="http://schemas.microsoft.com/office/drawing/2010/main" w="9525">
-                <a:solidFill>
-                  <a:srgbClr val="000000"/>
-                </a:solidFill>
-                <a:miter lim="800000"/>
-                <a:headEnd/>
-                <a:tailEnd/>
-              </a14:hiddenLine>
-            </a:ext>
-          </a:extLst>
-        </p:spPr>
-        <p:txBody>
-          <a:bodyPr>
-            <a:spAutoFit/>
-          </a:bodyPr>
-          <a:lstStyle>
-            <a:lvl1pPr marL="342900" indent="-342900" eaLnBrk="0" hangingPunct="0">
-              <a:tabLst>
-                <a:tab pos="8253413" algn="r"/>
-              </a:tabLst>
-              <a:defRPr sz="2400">
-                <a:solidFill>
-                  <a:schemeClr val="tx1"/>
-                </a:solidFill>
-                <a:latin typeface="Calibri" charset="0"/>
-                <a:ea typeface="ＭＳ Ｐゴシック" charset="0"/>
-                <a:cs typeface="ＭＳ Ｐゴシック" charset="0"/>
-              </a:defRPr>
-            </a:lvl1pPr>
-            <a:lvl2pPr marL="742950" indent="-285750" eaLnBrk="0" hangingPunct="0">
-              <a:tabLst>
-                <a:tab pos="8253413" algn="r"/>
-              </a:tabLst>
-              <a:defRPr sz="2400">
-                <a:solidFill>
-                  <a:schemeClr val="tx1"/>
-                </a:solidFill>
-                <a:latin typeface="Calibri" charset="0"/>
-                <a:ea typeface="ＭＳ Ｐゴシック" charset="0"/>
-              </a:defRPr>
-            </a:lvl2pPr>
-            <a:lvl3pPr marL="1143000" indent="-228600" eaLnBrk="0" hangingPunct="0">
-              <a:tabLst>
-                <a:tab pos="8253413" algn="r"/>
-              </a:tabLst>
-              <a:defRPr sz="2400">
-                <a:solidFill>
-                  <a:schemeClr val="tx1"/>
-                </a:solidFill>
-                <a:latin typeface="Calibri" charset="0"/>
-                <a:ea typeface="ＭＳ Ｐゴシック" charset="0"/>
-              </a:defRPr>
-            </a:lvl3pPr>
-            <a:lvl4pPr marL="1600200" indent="-228600" eaLnBrk="0" hangingPunct="0">
-              <a:tabLst>
-                <a:tab pos="8253413" algn="r"/>
-              </a:tabLst>
-              <a:defRPr sz="2400">
-                <a:solidFill>
-                  <a:schemeClr val="tx1"/>
-                </a:solidFill>
-                <a:latin typeface="Calibri" charset="0"/>
-                <a:ea typeface="ＭＳ Ｐゴシック" charset="0"/>
-              </a:defRPr>
-            </a:lvl4pPr>
-            <a:lvl5pPr marL="2057400" indent="-228600" eaLnBrk="0" hangingPunct="0">
-              <a:tabLst>
-                <a:tab pos="8253413" algn="r"/>
-              </a:tabLst>
-              <a:defRPr sz="2400">
-                <a:solidFill>
-                  <a:schemeClr val="tx1"/>
-                </a:solidFill>
-                <a:latin typeface="Calibri" charset="0"/>
-                <a:ea typeface="ＭＳ Ｐゴシック" charset="0"/>
-              </a:defRPr>
-            </a:lvl5pPr>
-            <a:lvl6pPr marL="2514600" indent="-228600" algn="ctr" eaLnBrk="0" fontAlgn="base" hangingPunct="0">
-              <a:spcBef>
-                <a:spcPct val="50000"/>
-              </a:spcBef>
-              <a:spcAft>
-                <a:spcPct val="0"/>
-              </a:spcAft>
-              <a:tabLst>
-                <a:tab pos="8253413" algn="r"/>
-              </a:tabLst>
-              <a:defRPr sz="2400">
-                <a:solidFill>
-                  <a:schemeClr val="tx1"/>
-                </a:solidFill>
-                <a:latin typeface="Calibri" charset="0"/>
-                <a:ea typeface="ＭＳ Ｐゴシック" charset="0"/>
-              </a:defRPr>
-            </a:lvl6pPr>
-            <a:lvl7pPr marL="2971800" indent="-228600" algn="ctr" eaLnBrk="0" fontAlgn="base" hangingPunct="0">
-              <a:spcBef>
-                <a:spcPct val="50000"/>
-              </a:spcBef>
-              <a:spcAft>
-                <a:spcPct val="0"/>
-              </a:spcAft>
-              <a:tabLst>
-                <a:tab pos="8253413" algn="r"/>
-              </a:tabLst>
-              <a:defRPr sz="2400">
-                <a:solidFill>
-                  <a:schemeClr val="tx1"/>
-                </a:solidFill>
-                <a:latin typeface="Calibri" charset="0"/>
-                <a:ea typeface="ＭＳ Ｐゴシック" charset="0"/>
-              </a:defRPr>
-            </a:lvl7pPr>
-            <a:lvl8pPr marL="3429000" indent="-228600" algn="ctr" eaLnBrk="0" fontAlgn="base" hangingPunct="0">
-              <a:spcBef>
-                <a:spcPct val="50000"/>
-              </a:spcBef>
-              <a:spcAft>
-                <a:spcPct val="0"/>
-              </a:spcAft>
-              <a:tabLst>
-                <a:tab pos="8253413" algn="r"/>
-              </a:tabLst>
-              <a:defRPr sz="2400">
-                <a:solidFill>
-                  <a:schemeClr val="tx1"/>
-                </a:solidFill>
-                <a:latin typeface="Calibri" charset="0"/>
-                <a:ea typeface="ＭＳ Ｐゴシック" charset="0"/>
-              </a:defRPr>
-            </a:lvl8pPr>
-            <a:lvl9pPr marL="3886200" indent="-228600" algn="ctr" eaLnBrk="0" fontAlgn="base" hangingPunct="0">
-              <a:spcBef>
-                <a:spcPct val="50000"/>
-              </a:spcBef>
-              <a:spcAft>
-                <a:spcPct val="0"/>
-              </a:spcAft>
-              <a:tabLst>
-                <a:tab pos="8253413" algn="r"/>
-              </a:tabLst>
-              <a:defRPr sz="2400">
-                <a:solidFill>
-                  <a:schemeClr val="tx1"/>
-                </a:solidFill>
-                <a:latin typeface="Calibri" charset="0"/>
-                <a:ea typeface="ＭＳ Ｐゴシック" charset="0"/>
-              </a:defRPr>
-            </a:lvl9pPr>
-          </a:lstStyle>
-          <a:p>
-            <a:pPr algn="r" eaLnBrk="1" hangingPunct="1"/>
-            <a:r>
-              <a:rPr lang="fr-FR" sz="1600" dirty="0" smtClean="0">
-                <a:solidFill>
-                  <a:schemeClr val="accent6"/>
-                </a:solidFill>
-              </a:rPr>
-              <a:t>EEKE 2020</a:t>
-            </a:r>
-            <a:endParaRPr lang="en-GB" sz="1200" i="1" dirty="0">
-              <a:solidFill>
-                <a:schemeClr val="accent6"/>
-              </a:solidFill>
-            </a:endParaRPr>
-          </a:p>
-        </p:txBody>
-      </p:sp>
-      <p:sp>
-        <p:nvSpPr>
-          <p:cNvPr id="10" name="TextBox 9">
-            <a:extLst>
-              <a:ext uri="{FF2B5EF4-FFF2-40B4-BE49-F238E27FC236}">
-                <a16:creationId xmlns="" xmlns:a16="http://schemas.microsoft.com/office/drawing/2014/main" id="{E532C04B-AEDE-AA4D-B4E8-2E6DFCFB3EC5}"/>
-              </a:ext>
-            </a:extLst>
-          </p:cNvPr>
-          <p:cNvSpPr txBox="1"/>
-          <p:nvPr/>
-        </p:nvSpPr>
-        <p:spPr>
-          <a:xfrm>
-            <a:off x="4185709" y="2754751"/>
-            <a:ext cx="4755092" cy="3016210"/>
-          </a:xfrm>
-          <a:prstGeom prst="rect">
-            <a:avLst/>
-          </a:prstGeom>
-          <a:noFill/>
-        </p:spPr>
-        <p:txBody>
-          <a:bodyPr wrap="square" rtlCol="0">
-            <a:spAutoFit/>
-          </a:bodyPr>
-          <a:lstStyle/>
-          <a:p>
-            <a:r>
-              <a:rPr lang="en-GB" sz="2800" b="1" dirty="0" smtClean="0"/>
-              <a:t>KEYNOTE</a:t>
-            </a:r>
-          </a:p>
-          <a:p>
-            <a:r>
-              <a:rPr lang="en-US" sz="2800" dirty="0" err="1"/>
-              <a:t>Entitymetrics</a:t>
-            </a:r>
-            <a:r>
-              <a:rPr lang="en-US" sz="2800" dirty="0"/>
-              <a:t> 2.0: Measuring the Impact of Entities and Relations Extracted from Scientific </a:t>
-            </a:r>
-            <a:r>
-              <a:rPr lang="en-US" sz="2800" dirty="0" smtClean="0"/>
-              <a:t>Documents</a:t>
-            </a:r>
-            <a:endParaRPr lang="de-DE" sz="2800" b="1" dirty="0" smtClean="0"/>
-          </a:p>
-          <a:p>
-            <a:endParaRPr lang="en-US" sz="2400" dirty="0"/>
-          </a:p>
-        </p:txBody>
-      </p:sp>
-      <p:sp>
-        <p:nvSpPr>
-          <p:cNvPr id="2" name="Inhaltsplatzhalter 1"/>
-          <p:cNvSpPr>
-            <a:spLocks noGrp="1"/>
-          </p:cNvSpPr>
-          <p:nvPr>
-            <p:ph sz="half" idx="1"/>
-          </p:nvPr>
-        </p:nvSpPr>
-        <p:spPr/>
-        <p:txBody>
-          <a:bodyPr/>
-          <a:lstStyle/>
-          <a:p>
-            <a:r>
-              <a:rPr lang="de-DE" b="1" dirty="0"/>
-              <a:t>Min Song</a:t>
-            </a:r>
-          </a:p>
-        </p:txBody>
-      </p:sp>
-      <p:pic>
-        <p:nvPicPr>
-          <p:cNvPr id="4" name="Picture 2" descr="min_song_picture.jpg"/>
-          <p:cNvPicPr>
-            <a:picLocks noChangeAspect="1" noChangeArrowheads="1"/>
-          </p:cNvPicPr>
-          <p:nvPr/>
-        </p:nvPicPr>
-        <p:blipFill>
-          <a:blip r:embed="rId3" cstate="email">
-            <a:extLst>
-              <a:ext uri="{28A0092B-C50C-407E-A947-70E740481C1C}">
-                <a14:useLocalDpi xmlns:a14="http://schemas.microsoft.com/office/drawing/2010/main" val="0"/>
-              </a:ext>
-            </a:extLst>
-          </a:blip>
-          <a:srcRect/>
-          <a:stretch>
-            <a:fillRect/>
-          </a:stretch>
-        </p:blipFill>
-        <p:spPr bwMode="auto">
-          <a:xfrm>
-            <a:off x="1040524" y="2754751"/>
-            <a:ext cx="2212052" cy="2609610"/>
-          </a:xfrm>
-          <a:prstGeom prst="rect">
-            <a:avLst/>
-          </a:prstGeom>
-          <a:noFill/>
-          <a:extLst>
-            <a:ext uri="{909E8E84-426E-40DD-AFC4-6F175D3DCCD1}">
-              <a14:hiddenFill xmlns:a14="http://schemas.microsoft.com/office/drawing/2010/main">
-                <a:solidFill>
-                  <a:srgbClr val="FFFFFF"/>
-                </a:solidFill>
-              </a14:hiddenFill>
-            </a:ext>
-          </a:extLst>
-        </p:spPr>
-      </p:pic>
-    </p:spTree>
-    <p:extLst>
-      <p:ext uri="{BB962C8B-B14F-4D97-AF65-F5344CB8AC3E}">
-        <p14:creationId xmlns:p14="http://schemas.microsoft.com/office/powerpoint/2010/main" val="3933073139"/>
       </p:ext>
     </p:extLst>
   </p:cSld>
